--- a/tiemao_2019/22_chat_jvm_troubleshoot/JVM-Basic.pptx
+++ b/tiemao_2019/22_chat_jvm_troubleshoot/JVM-Basic.pptx
@@ -165,7 +165,7 @@
           <a:noFill/>
           <a:extLst>
             <a:ext uri="{909E8E84-426E-40dd-AFC4-6F175D3DCCD1}">
-              <a14:hiddenFill xmlns="" xmlns:a14="http://schemas.microsoft.com/office/drawing/2010/main">
+              <a14:hiddenFill xmlns:a14="http://schemas.microsoft.com/office/drawing/2010/main" xmlns="">
                 <a:solidFill>
                   <a:srgbClr val="FFFFFF"/>
                 </a:solidFill>
@@ -225,7 +225,7 @@
             </a:ln>
             <a:extLst>
               <a:ext uri="{91240B29-F687-4f45-9708-019B960494DF}">
-                <a14:hiddenLine xmlns="" xmlns:a14="http://schemas.microsoft.com/office/drawing/2010/main" w="9525">
+                <a14:hiddenLine xmlns:a14="http://schemas.microsoft.com/office/drawing/2010/main" xmlns="" w="9525">
                   <a:solidFill>
                     <a:srgbClr val="000000"/>
                   </a:solidFill>
@@ -315,7 +315,7 @@
             </a:ln>
             <a:extLst>
               <a:ext uri="{91240B29-F687-4f45-9708-019B960494DF}">
-                <a14:hiddenLine xmlns="" xmlns:a14="http://schemas.microsoft.com/office/drawing/2010/main" w="9525">
+                <a14:hiddenLine xmlns:a14="http://schemas.microsoft.com/office/drawing/2010/main" xmlns="" w="9525">
                   <a:solidFill>
                     <a:srgbClr val="000000"/>
                   </a:solidFill>
@@ -405,7 +405,7 @@
             </a:ln>
             <a:extLst>
               <a:ext uri="{91240B29-F687-4f45-9708-019B960494DF}">
-                <a14:hiddenLine xmlns="" xmlns:a14="http://schemas.microsoft.com/office/drawing/2010/main" w="9525">
+                <a14:hiddenLine xmlns:a14="http://schemas.microsoft.com/office/drawing/2010/main" xmlns="" w="9525">
                   <a:solidFill>
                     <a:srgbClr val="000000"/>
                   </a:solidFill>
@@ -439,7 +439,7 @@
             </a:ln>
             <a:extLst>
               <a:ext uri="{91240B29-F687-4f45-9708-019B960494DF}">
-                <a14:hiddenLine xmlns="" xmlns:a14="http://schemas.microsoft.com/office/drawing/2010/main" w="9525">
+                <a14:hiddenLine xmlns:a14="http://schemas.microsoft.com/office/drawing/2010/main" xmlns="" w="9525">
                   <a:solidFill>
                     <a:srgbClr val="000000"/>
                   </a:solidFill>
@@ -529,7 +529,7 @@
             </a:ln>
             <a:extLst>
               <a:ext uri="{91240B29-F687-4f45-9708-019B960494DF}">
-                <a14:hiddenLine xmlns="" xmlns:a14="http://schemas.microsoft.com/office/drawing/2010/main" w="9525">
+                <a14:hiddenLine xmlns:a14="http://schemas.microsoft.com/office/drawing/2010/main" xmlns="" w="9525">
                   <a:solidFill>
                     <a:srgbClr val="000000"/>
                   </a:solidFill>
@@ -591,7 +591,7 @@
             </a:ln>
             <a:extLst>
               <a:ext uri="{91240B29-F687-4f45-9708-019B960494DF}">
-                <a14:hiddenLine xmlns="" xmlns:a14="http://schemas.microsoft.com/office/drawing/2010/main" w="9525">
+                <a14:hiddenLine xmlns:a14="http://schemas.microsoft.com/office/drawing/2010/main" xmlns="" w="9525">
                   <a:solidFill>
                     <a:srgbClr val="000000"/>
                   </a:solidFill>
@@ -653,7 +653,7 @@
             </a:ln>
             <a:extLst>
               <a:ext uri="{91240B29-F687-4f45-9708-019B960494DF}">
-                <a14:hiddenLine xmlns="" xmlns:a14="http://schemas.microsoft.com/office/drawing/2010/main" w="9525">
+                <a14:hiddenLine xmlns:a14="http://schemas.microsoft.com/office/drawing/2010/main" xmlns="" w="9525">
                   <a:solidFill>
                     <a:srgbClr val="000000"/>
                   </a:solidFill>
@@ -743,7 +743,7 @@
             </a:ln>
             <a:extLst>
               <a:ext uri="{91240B29-F687-4f45-9708-019B960494DF}">
-                <a14:hiddenLine xmlns="" xmlns:a14="http://schemas.microsoft.com/office/drawing/2010/main" w="9525">
+                <a14:hiddenLine xmlns:a14="http://schemas.microsoft.com/office/drawing/2010/main" xmlns="" w="9525">
                   <a:solidFill>
                     <a:srgbClr val="000000"/>
                   </a:solidFill>
@@ -805,7 +805,7 @@
             </a:ln>
             <a:extLst>
               <a:ext uri="{91240B29-F687-4f45-9708-019B960494DF}">
-                <a14:hiddenLine xmlns="" xmlns:a14="http://schemas.microsoft.com/office/drawing/2010/main" w="9525">
+                <a14:hiddenLine xmlns:a14="http://schemas.microsoft.com/office/drawing/2010/main" xmlns="" w="9525">
                   <a:solidFill>
                     <a:srgbClr val="000000"/>
                   </a:solidFill>
@@ -867,7 +867,7 @@
             </a:ln>
             <a:extLst>
               <a:ext uri="{91240B29-F687-4f45-9708-019B960494DF}">
-                <a14:hiddenLine xmlns="" xmlns:a14="http://schemas.microsoft.com/office/drawing/2010/main" w="9525">
+                <a14:hiddenLine xmlns:a14="http://schemas.microsoft.com/office/drawing/2010/main" xmlns="" w="9525">
                   <a:solidFill>
                     <a:srgbClr val="000000"/>
                   </a:solidFill>
@@ -957,7 +957,7 @@
             </a:ln>
             <a:extLst>
               <a:ext uri="{91240B29-F687-4f45-9708-019B960494DF}">
-                <a14:hiddenLine xmlns="" xmlns:a14="http://schemas.microsoft.com/office/drawing/2010/main" w="9525">
+                <a14:hiddenLine xmlns:a14="http://schemas.microsoft.com/office/drawing/2010/main" xmlns="" w="9525">
                   <a:solidFill>
                     <a:srgbClr val="000000"/>
                   </a:solidFill>
@@ -1047,7 +1047,7 @@
             </a:ln>
             <a:extLst>
               <a:ext uri="{91240B29-F687-4f45-9708-019B960494DF}">
-                <a14:hiddenLine xmlns="" xmlns:a14="http://schemas.microsoft.com/office/drawing/2010/main" w="9525">
+                <a14:hiddenLine xmlns:a14="http://schemas.microsoft.com/office/drawing/2010/main" xmlns="" w="9525">
                   <a:solidFill>
                     <a:srgbClr val="000000"/>
                   </a:solidFill>
@@ -1109,7 +1109,7 @@
             </a:ln>
             <a:extLst>
               <a:ext uri="{91240B29-F687-4f45-9708-019B960494DF}">
-                <a14:hiddenLine xmlns="" xmlns:a14="http://schemas.microsoft.com/office/drawing/2010/main" w="9525">
+                <a14:hiddenLine xmlns:a14="http://schemas.microsoft.com/office/drawing/2010/main" xmlns="" w="9525">
                   <a:solidFill>
                     <a:srgbClr val="000000"/>
                   </a:solidFill>
@@ -1219,7 +1219,7 @@
             </a:ln>
             <a:extLst>
               <a:ext uri="{91240B29-F687-4f45-9708-019B960494DF}">
-                <a14:hiddenLine xmlns="" xmlns:a14="http://schemas.microsoft.com/office/drawing/2010/main" w="9525">
+                <a14:hiddenLine xmlns:a14="http://schemas.microsoft.com/office/drawing/2010/main" xmlns="" w="9525">
                   <a:solidFill>
                     <a:srgbClr val="000000"/>
                   </a:solidFill>
@@ -1281,7 +1281,7 @@
             </a:ln>
             <a:extLst>
               <a:ext uri="{91240B29-F687-4f45-9708-019B960494DF}">
-                <a14:hiddenLine xmlns="" xmlns:a14="http://schemas.microsoft.com/office/drawing/2010/main" w="9525">
+                <a14:hiddenLine xmlns:a14="http://schemas.microsoft.com/office/drawing/2010/main" xmlns="" w="9525">
                   <a:solidFill>
                     <a:srgbClr val="000000"/>
                   </a:solidFill>
@@ -1371,7 +1371,7 @@
             </a:ln>
             <a:extLst>
               <a:ext uri="{91240B29-F687-4f45-9708-019B960494DF}">
-                <a14:hiddenLine xmlns="" xmlns:a14="http://schemas.microsoft.com/office/drawing/2010/main" w="9525">
+                <a14:hiddenLine xmlns:a14="http://schemas.microsoft.com/office/drawing/2010/main" xmlns="" w="9525">
                   <a:solidFill>
                     <a:srgbClr val="000000"/>
                   </a:solidFill>
@@ -1461,7 +1461,7 @@
             </a:ln>
             <a:extLst>
               <a:ext uri="{91240B29-F687-4f45-9708-019B960494DF}">
-                <a14:hiddenLine xmlns="" xmlns:a14="http://schemas.microsoft.com/office/drawing/2010/main" w="9525">
+                <a14:hiddenLine xmlns:a14="http://schemas.microsoft.com/office/drawing/2010/main" xmlns="" w="9525">
                   <a:solidFill>
                     <a:srgbClr val="000000"/>
                   </a:solidFill>
@@ -1523,7 +1523,7 @@
             </a:ln>
             <a:extLst>
               <a:ext uri="{91240B29-F687-4f45-9708-019B960494DF}">
-                <a14:hiddenLine xmlns="" xmlns:a14="http://schemas.microsoft.com/office/drawing/2010/main" w="9525">
+                <a14:hiddenLine xmlns:a14="http://schemas.microsoft.com/office/drawing/2010/main" xmlns="" w="9525">
                   <a:solidFill>
                     <a:srgbClr val="000000"/>
                   </a:solidFill>
@@ -1613,7 +1613,7 @@
             </a:ln>
             <a:extLst>
               <a:ext uri="{91240B29-F687-4f45-9708-019B960494DF}">
-                <a14:hiddenLine xmlns="" xmlns:a14="http://schemas.microsoft.com/office/drawing/2010/main" w="9525">
+                <a14:hiddenLine xmlns:a14="http://schemas.microsoft.com/office/drawing/2010/main" xmlns="" w="9525">
                   <a:solidFill>
                     <a:srgbClr val="000000"/>
                   </a:solidFill>
@@ -1703,7 +1703,7 @@
             </a:ln>
             <a:extLst>
               <a:ext uri="{91240B29-F687-4f45-9708-019B960494DF}">
-                <a14:hiddenLine xmlns="" xmlns:a14="http://schemas.microsoft.com/office/drawing/2010/main" w="9525">
+                <a14:hiddenLine xmlns:a14="http://schemas.microsoft.com/office/drawing/2010/main" xmlns="" w="9525">
                   <a:solidFill>
                     <a:srgbClr val="000000"/>
                   </a:solidFill>
@@ -1759,7 +1759,7 @@
             </a:ln>
             <a:extLst>
               <a:ext uri="{91240B29-F687-4f45-9708-019B960494DF}">
-                <a14:hiddenLine xmlns="" xmlns:a14="http://schemas.microsoft.com/office/drawing/2010/main" w="9525">
+                <a14:hiddenLine xmlns:a14="http://schemas.microsoft.com/office/drawing/2010/main" xmlns="" w="9525">
                   <a:solidFill>
                     <a:srgbClr val="000000"/>
                   </a:solidFill>
@@ -1849,7 +1849,7 @@
             </a:ln>
             <a:extLst>
               <a:ext uri="{91240B29-F687-4f45-9708-019B960494DF}">
-                <a14:hiddenLine xmlns="" xmlns:a14="http://schemas.microsoft.com/office/drawing/2010/main" w="9525">
+                <a14:hiddenLine xmlns:a14="http://schemas.microsoft.com/office/drawing/2010/main" xmlns="" w="9525">
                   <a:solidFill>
                     <a:srgbClr val="000000"/>
                   </a:solidFill>
@@ -1905,7 +1905,7 @@
             </a:ln>
             <a:extLst>
               <a:ext uri="{91240B29-F687-4f45-9708-019B960494DF}">
-                <a14:hiddenLine xmlns="" xmlns:a14="http://schemas.microsoft.com/office/drawing/2010/main" w="9525">
+                <a14:hiddenLine xmlns:a14="http://schemas.microsoft.com/office/drawing/2010/main" xmlns="" w="9525">
                   <a:solidFill>
                     <a:srgbClr val="000000"/>
                   </a:solidFill>
@@ -1995,7 +1995,7 @@
             </a:ln>
             <a:extLst>
               <a:ext uri="{91240B29-F687-4f45-9708-019B960494DF}">
-                <a14:hiddenLine xmlns="" xmlns:a14="http://schemas.microsoft.com/office/drawing/2010/main" w="9525">
+                <a14:hiddenLine xmlns:a14="http://schemas.microsoft.com/office/drawing/2010/main" xmlns="" w="9525">
                   <a:solidFill>
                     <a:srgbClr val="000000"/>
                   </a:solidFill>
@@ -2063,7 +2063,7 @@
             </a:ln>
             <a:extLst>
               <a:ext uri="{91240B29-F687-4f45-9708-019B960494DF}">
-                <a14:hiddenLine xmlns="" xmlns:a14="http://schemas.microsoft.com/office/drawing/2010/main" w="9525">
+                <a14:hiddenLine xmlns:a14="http://schemas.microsoft.com/office/drawing/2010/main" xmlns="" w="9525">
                   <a:solidFill>
                     <a:srgbClr val="000000"/>
                   </a:solidFill>
@@ -2153,7 +2153,7 @@
             </a:ln>
             <a:extLst>
               <a:ext uri="{91240B29-F687-4f45-9708-019B960494DF}">
-                <a14:hiddenLine xmlns="" xmlns:a14="http://schemas.microsoft.com/office/drawing/2010/main" w="9525">
+                <a14:hiddenLine xmlns:a14="http://schemas.microsoft.com/office/drawing/2010/main" xmlns="" w="9525">
                   <a:solidFill>
                     <a:srgbClr val="000000"/>
                   </a:solidFill>
@@ -2221,7 +2221,7 @@
             </a:ln>
             <a:extLst>
               <a:ext uri="{91240B29-F687-4f45-9708-019B960494DF}">
-                <a14:hiddenLine xmlns="" xmlns:a14="http://schemas.microsoft.com/office/drawing/2010/main" w="9525">
+                <a14:hiddenLine xmlns:a14="http://schemas.microsoft.com/office/drawing/2010/main" xmlns="" w="9525">
                   <a:solidFill>
                     <a:srgbClr val="000000"/>
                   </a:solidFill>
@@ -2311,7 +2311,7 @@
             </a:ln>
             <a:extLst>
               <a:ext uri="{91240B29-F687-4f45-9708-019B960494DF}">
-                <a14:hiddenLine xmlns="" xmlns:a14="http://schemas.microsoft.com/office/drawing/2010/main" w="9525">
+                <a14:hiddenLine xmlns:a14="http://schemas.microsoft.com/office/drawing/2010/main" xmlns="" w="9525">
                   <a:solidFill>
                     <a:srgbClr val="000000"/>
                   </a:solidFill>
@@ -2345,7 +2345,7 @@
             </a:ln>
             <a:extLst>
               <a:ext uri="{91240B29-F687-4f45-9708-019B960494DF}">
-                <a14:hiddenLine xmlns="" xmlns:a14="http://schemas.microsoft.com/office/drawing/2010/main" w="9525">
+                <a14:hiddenLine xmlns:a14="http://schemas.microsoft.com/office/drawing/2010/main" xmlns="" w="9525">
                   <a:solidFill>
                     <a:srgbClr val="000000"/>
                   </a:solidFill>
@@ -2435,7 +2435,7 @@
             </a:ln>
             <a:extLst>
               <a:ext uri="{91240B29-F687-4f45-9708-019B960494DF}">
-                <a14:hiddenLine xmlns="" xmlns:a14="http://schemas.microsoft.com/office/drawing/2010/main" w="9525">
+                <a14:hiddenLine xmlns:a14="http://schemas.microsoft.com/office/drawing/2010/main" xmlns="" w="9525">
                   <a:solidFill>
                     <a:srgbClr val="000000"/>
                   </a:solidFill>
@@ -2497,7 +2497,7 @@
             </a:ln>
             <a:extLst>
               <a:ext uri="{91240B29-F687-4f45-9708-019B960494DF}">
-                <a14:hiddenLine xmlns="" xmlns:a14="http://schemas.microsoft.com/office/drawing/2010/main" w="9525">
+                <a14:hiddenLine xmlns:a14="http://schemas.microsoft.com/office/drawing/2010/main" xmlns="" w="9525">
                   <a:solidFill>
                     <a:srgbClr val="000000"/>
                   </a:solidFill>
@@ -2559,7 +2559,7 @@
             </a:ln>
             <a:extLst>
               <a:ext uri="{91240B29-F687-4f45-9708-019B960494DF}">
-                <a14:hiddenLine xmlns="" xmlns:a14="http://schemas.microsoft.com/office/drawing/2010/main" w="9525">
+                <a14:hiddenLine xmlns:a14="http://schemas.microsoft.com/office/drawing/2010/main" xmlns="" w="9525">
                   <a:solidFill>
                     <a:srgbClr val="000000"/>
                   </a:solidFill>
@@ -2649,7 +2649,7 @@
             </a:ln>
             <a:extLst>
               <a:ext uri="{91240B29-F687-4f45-9708-019B960494DF}">
-                <a14:hiddenLine xmlns="" xmlns:a14="http://schemas.microsoft.com/office/drawing/2010/main" w="9525">
+                <a14:hiddenLine xmlns:a14="http://schemas.microsoft.com/office/drawing/2010/main" xmlns="" w="9525">
                   <a:solidFill>
                     <a:srgbClr val="000000"/>
                   </a:solidFill>
@@ -2717,7 +2717,7 @@
             </a:ln>
             <a:extLst>
               <a:ext uri="{91240B29-F687-4f45-9708-019B960494DF}">
-                <a14:hiddenLine xmlns="" xmlns:a14="http://schemas.microsoft.com/office/drawing/2010/main" w="9525">
+                <a14:hiddenLine xmlns:a14="http://schemas.microsoft.com/office/drawing/2010/main" xmlns="" w="9525">
                   <a:solidFill>
                     <a:srgbClr val="000000"/>
                   </a:solidFill>
@@ -2779,7 +2779,7 @@
             </a:ln>
             <a:extLst>
               <a:ext uri="{91240B29-F687-4f45-9708-019B960494DF}">
-                <a14:hiddenLine xmlns="" xmlns:a14="http://schemas.microsoft.com/office/drawing/2010/main" w="9525">
+                <a14:hiddenLine xmlns:a14="http://schemas.microsoft.com/office/drawing/2010/main" xmlns="" w="9525">
                   <a:solidFill>
                     <a:srgbClr val="000000"/>
                   </a:solidFill>
@@ -2869,7 +2869,7 @@
             </a:ln>
             <a:extLst>
               <a:ext uri="{91240B29-F687-4f45-9708-019B960494DF}">
-                <a14:hiddenLine xmlns="" xmlns:a14="http://schemas.microsoft.com/office/drawing/2010/main" w="9525">
+                <a14:hiddenLine xmlns:a14="http://schemas.microsoft.com/office/drawing/2010/main" xmlns="" w="9525">
                   <a:solidFill>
                     <a:srgbClr val="000000"/>
                   </a:solidFill>
@@ -2931,7 +2931,7 @@
             </a:ln>
             <a:extLst>
               <a:ext uri="{91240B29-F687-4f45-9708-019B960494DF}">
-                <a14:hiddenLine xmlns="" xmlns:a14="http://schemas.microsoft.com/office/drawing/2010/main" w="9525">
+                <a14:hiddenLine xmlns:a14="http://schemas.microsoft.com/office/drawing/2010/main" xmlns="" w="9525">
                   <a:solidFill>
                     <a:srgbClr val="000000"/>
                   </a:solidFill>
@@ -3021,7 +3021,7 @@
             </a:ln>
             <a:extLst>
               <a:ext uri="{91240B29-F687-4f45-9708-019B960494DF}">
-                <a14:hiddenLine xmlns="" xmlns:a14="http://schemas.microsoft.com/office/drawing/2010/main" w="9525">
+                <a14:hiddenLine xmlns:a14="http://schemas.microsoft.com/office/drawing/2010/main" xmlns="" w="9525">
                   <a:solidFill>
                     <a:srgbClr val="000000"/>
                   </a:solidFill>
@@ -3083,7 +3083,7 @@
             </a:ln>
             <a:extLst>
               <a:ext uri="{91240B29-F687-4f45-9708-019B960494DF}">
-                <a14:hiddenLine xmlns="" xmlns:a14="http://schemas.microsoft.com/office/drawing/2010/main" w="9525">
+                <a14:hiddenLine xmlns:a14="http://schemas.microsoft.com/office/drawing/2010/main" xmlns="" w="9525">
                   <a:solidFill>
                     <a:srgbClr val="000000"/>
                   </a:solidFill>
@@ -3173,7 +3173,7 @@
             </a:ln>
             <a:extLst>
               <a:ext uri="{91240B29-F687-4f45-9708-019B960494DF}">
-                <a14:hiddenLine xmlns="" xmlns:a14="http://schemas.microsoft.com/office/drawing/2010/main" w="9525">
+                <a14:hiddenLine xmlns:a14="http://schemas.microsoft.com/office/drawing/2010/main" xmlns="" w="9525">
                   <a:solidFill>
                     <a:srgbClr val="000000"/>
                   </a:solidFill>
@@ -3207,7 +3207,7 @@
             </a:ln>
             <a:extLst>
               <a:ext uri="{91240B29-F687-4f45-9708-019B960494DF}">
-                <a14:hiddenLine xmlns="" xmlns:a14="http://schemas.microsoft.com/office/drawing/2010/main" w="9525">
+                <a14:hiddenLine xmlns:a14="http://schemas.microsoft.com/office/drawing/2010/main" xmlns="" w="9525">
                   <a:solidFill>
                     <a:srgbClr val="000000"/>
                   </a:solidFill>
@@ -3272,7 +3272,7 @@
             </a:ln>
             <a:extLst>
               <a:ext uri="{91240B29-F687-4f45-9708-019B960494DF}">
-                <a14:hiddenLine xmlns="" xmlns:a14="http://schemas.microsoft.com/office/drawing/2010/main" w="9525">
+                <a14:hiddenLine xmlns:a14="http://schemas.microsoft.com/office/drawing/2010/main" xmlns="" w="9525">
                   <a:solidFill>
                     <a:srgbClr val="000000"/>
                   </a:solidFill>
@@ -3362,7 +3362,7 @@
             </a:ln>
             <a:extLst>
               <a:ext uri="{91240B29-F687-4f45-9708-019B960494DF}">
-                <a14:hiddenLine xmlns="" xmlns:a14="http://schemas.microsoft.com/office/drawing/2010/main" w="9525">
+                <a14:hiddenLine xmlns:a14="http://schemas.microsoft.com/office/drawing/2010/main" xmlns="" w="9525">
                   <a:solidFill>
                     <a:srgbClr val="000000"/>
                   </a:solidFill>
@@ -3424,7 +3424,7 @@
             </a:ln>
             <a:extLst>
               <a:ext uri="{91240B29-F687-4f45-9708-019B960494DF}">
-                <a14:hiddenLine xmlns="" xmlns:a14="http://schemas.microsoft.com/office/drawing/2010/main" w="9525">
+                <a14:hiddenLine xmlns:a14="http://schemas.microsoft.com/office/drawing/2010/main" xmlns="" w="9525">
                   <a:solidFill>
                     <a:srgbClr val="000000"/>
                   </a:solidFill>
@@ -3514,7 +3514,7 @@
             </a:ln>
             <a:extLst>
               <a:ext uri="{91240B29-F687-4f45-9708-019B960494DF}">
-                <a14:hiddenLine xmlns="" xmlns:a14="http://schemas.microsoft.com/office/drawing/2010/main" w="9525">
+                <a14:hiddenLine xmlns:a14="http://schemas.microsoft.com/office/drawing/2010/main" xmlns="" w="9525">
                   <a:solidFill>
                     <a:srgbClr val="000000"/>
                   </a:solidFill>
@@ -3604,7 +3604,7 @@
             </a:ln>
             <a:extLst>
               <a:ext uri="{91240B29-F687-4f45-9708-019B960494DF}">
-                <a14:hiddenLine xmlns="" xmlns:a14="http://schemas.microsoft.com/office/drawing/2010/main" w="9525">
+                <a14:hiddenLine xmlns:a14="http://schemas.microsoft.com/office/drawing/2010/main" xmlns="" w="9525">
                   <a:solidFill>
                     <a:srgbClr val="000000"/>
                   </a:solidFill>
@@ -3669,7 +3669,7 @@
             </a:ln>
             <a:extLst>
               <a:ext uri="{91240B29-F687-4f45-9708-019B960494DF}">
-                <a14:hiddenLine xmlns="" xmlns:a14="http://schemas.microsoft.com/office/drawing/2010/main" w="9525">
+                <a14:hiddenLine xmlns:a14="http://schemas.microsoft.com/office/drawing/2010/main" xmlns="" w="9525">
                   <a:solidFill>
                     <a:srgbClr val="000000"/>
                   </a:solidFill>
@@ -3731,7 +3731,7 @@
             </a:ln>
             <a:extLst>
               <a:ext uri="{91240B29-F687-4f45-9708-019B960494DF}">
-                <a14:hiddenLine xmlns="" xmlns:a14="http://schemas.microsoft.com/office/drawing/2010/main" w="9525">
+                <a14:hiddenLine xmlns:a14="http://schemas.microsoft.com/office/drawing/2010/main" xmlns="" w="9525">
                   <a:solidFill>
                     <a:srgbClr val="000000"/>
                   </a:solidFill>
@@ -3821,7 +3821,7 @@
             </a:ln>
             <a:extLst>
               <a:ext uri="{91240B29-F687-4f45-9708-019B960494DF}">
-                <a14:hiddenLine xmlns="" xmlns:a14="http://schemas.microsoft.com/office/drawing/2010/main" w="9525">
+                <a14:hiddenLine xmlns:a14="http://schemas.microsoft.com/office/drawing/2010/main" xmlns="" w="9525">
                   <a:solidFill>
                     <a:srgbClr val="000000"/>
                   </a:solidFill>
@@ -3911,7 +3911,7 @@
             </a:ln>
             <a:extLst>
               <a:ext uri="{91240B29-F687-4f45-9708-019B960494DF}">
-                <a14:hiddenLine xmlns="" xmlns:a14="http://schemas.microsoft.com/office/drawing/2010/main" w="9525">
+                <a14:hiddenLine xmlns:a14="http://schemas.microsoft.com/office/drawing/2010/main" xmlns="" w="9525">
                   <a:solidFill>
                     <a:srgbClr val="000000"/>
                   </a:solidFill>
@@ -3973,7 +3973,7 @@
             </a:ln>
             <a:extLst>
               <a:ext uri="{91240B29-F687-4f45-9708-019B960494DF}">
-                <a14:hiddenLine xmlns="" xmlns:a14="http://schemas.microsoft.com/office/drawing/2010/main" w="9525">
+                <a14:hiddenLine xmlns:a14="http://schemas.microsoft.com/office/drawing/2010/main" xmlns="" w="9525">
                   <a:solidFill>
                     <a:srgbClr val="000000"/>
                   </a:solidFill>
@@ -4093,7 +4093,7 @@
             </a:ln>
             <a:extLst>
               <a:ext uri="{91240B29-F687-4f45-9708-019B960494DF}">
-                <a14:hiddenLine xmlns="" xmlns:a14="http://schemas.microsoft.com/office/drawing/2010/main" w="9525">
+                <a14:hiddenLine xmlns:a14="http://schemas.microsoft.com/office/drawing/2010/main" xmlns="" w="9525">
                   <a:solidFill>
                     <a:srgbClr val="000000"/>
                   </a:solidFill>
@@ -4161,7 +4161,7 @@
             </a:ln>
             <a:extLst>
               <a:ext uri="{91240B29-F687-4f45-9708-019B960494DF}">
-                <a14:hiddenLine xmlns="" xmlns:a14="http://schemas.microsoft.com/office/drawing/2010/main" w="9525">
+                <a14:hiddenLine xmlns:a14="http://schemas.microsoft.com/office/drawing/2010/main" xmlns="" w="9525">
                   <a:solidFill>
                     <a:srgbClr val="000000"/>
                   </a:solidFill>
@@ -4251,7 +4251,7 @@
             </a:ln>
             <a:extLst>
               <a:ext uri="{91240B29-F687-4f45-9708-019B960494DF}">
-                <a14:hiddenLine xmlns="" xmlns:a14="http://schemas.microsoft.com/office/drawing/2010/main" w="9525">
+                <a14:hiddenLine xmlns:a14="http://schemas.microsoft.com/office/drawing/2010/main" xmlns="" w="9525">
                   <a:solidFill>
                     <a:srgbClr val="000000"/>
                   </a:solidFill>
@@ -4391,7 +4391,7 @@
           <a:p>
             <a:fld id="{48A87A34-81AB-432B-8DAE-1953F412C126}" type="datetimeFigureOut">
               <a:rPr lang="en-US"/>
-              <a:t>7/11/19</a:t>
+              <a:t>7/15/19</a:t>
             </a:fld>
             <a:endParaRPr lang="en-US" dirty="0"/>
           </a:p>
@@ -4658,7 +4658,7 @@
           <a:p>
             <a:fld id="{48A87A34-81AB-432B-8DAE-1953F412C126}" type="datetimeFigureOut">
               <a:rPr lang="en-US"/>
-              <a:t>7/11/19</a:t>
+              <a:t>7/15/19</a:t>
             </a:fld>
             <a:endParaRPr lang="en-US" dirty="0"/>
           </a:p>
@@ -4854,7 +4854,7 @@
           <a:p>
             <a:fld id="{48A87A34-81AB-432B-8DAE-1953F412C126}" type="datetimeFigureOut">
               <a:rPr lang="en-US"/>
-              <a:t>7/11/19</a:t>
+              <a:t>7/15/19</a:t>
             </a:fld>
             <a:endParaRPr lang="en-US" dirty="0"/>
           </a:p>
@@ -5122,7 +5122,7 @@
           <a:p>
             <a:fld id="{48A87A34-81AB-432B-8DAE-1953F412C126}" type="datetimeFigureOut">
               <a:rPr lang="en-US"/>
-              <a:t>7/11/19</a:t>
+              <a:t>7/15/19</a:t>
             </a:fld>
             <a:endParaRPr lang="en-US" dirty="0"/>
           </a:p>
@@ -5556,7 +5556,7 @@
           <a:p>
             <a:fld id="{48A87A34-81AB-432B-8DAE-1953F412C126}" type="datetimeFigureOut">
               <a:rPr lang="en-US"/>
-              <a:t>7/11/19</a:t>
+              <a:t>7/15/19</a:t>
             </a:fld>
             <a:endParaRPr lang="en-US" dirty="0"/>
           </a:p>
@@ -6127,7 +6127,7 @@
           <a:p>
             <a:fld id="{48A87A34-81AB-432B-8DAE-1953F412C126}" type="datetimeFigureOut">
               <a:rPr lang="en-US"/>
-              <a:t>7/11/19</a:t>
+              <a:t>7/15/19</a:t>
             </a:fld>
             <a:endParaRPr lang="en-US" dirty="0"/>
           </a:p>
@@ -6872,7 +6872,7 @@
           <a:p>
             <a:fld id="{48A87A34-81AB-432B-8DAE-1953F412C126}" type="datetimeFigureOut">
               <a:rPr lang="en-US"/>
-              <a:t>7/11/19</a:t>
+              <a:t>7/15/19</a:t>
             </a:fld>
             <a:endParaRPr lang="en-US" dirty="0"/>
           </a:p>
@@ -7013,7 +7013,7 @@
           <a:p>
             <a:fld id="{48A87A34-81AB-432B-8DAE-1953F412C126}" type="datetimeFigureOut">
               <a:rPr lang="en-US"/>
-              <a:t>7/11/19</a:t>
+              <a:t>7/15/19</a:t>
             </a:fld>
             <a:endParaRPr lang="en-US" dirty="0"/>
           </a:p>
@@ -7164,7 +7164,7 @@
           <a:p>
             <a:fld id="{48A87A34-81AB-432B-8DAE-1953F412C126}" type="datetimeFigureOut">
               <a:rPr lang="en-US"/>
-              <a:t>7/11/19</a:t>
+              <a:t>7/15/19</a:t>
             </a:fld>
             <a:endParaRPr lang="en-US" dirty="0"/>
           </a:p>
@@ -7305,7 +7305,7 @@
           <a:p>
             <a:fld id="{48A87A34-81AB-432B-8DAE-1953F412C126}" type="datetimeFigureOut">
               <a:rPr lang="en-US"/>
-              <a:t>7/11/19</a:t>
+              <a:t>7/15/19</a:t>
             </a:fld>
             <a:endParaRPr lang="en-US" dirty="0"/>
           </a:p>
@@ -7555,7 +7555,7 @@
           <a:p>
             <a:fld id="{48A87A34-81AB-432B-8DAE-1953F412C126}" type="datetimeFigureOut">
               <a:rPr lang="en-US"/>
-              <a:t>7/11/19</a:t>
+              <a:t>7/15/19</a:t>
             </a:fld>
             <a:endParaRPr lang="en-US" dirty="0"/>
           </a:p>
@@ -7734,7 +7734,7 @@
           <a:p>
             <a:fld id="{48A87A34-81AB-432B-8DAE-1953F412C126}" type="datetimeFigureOut">
               <a:rPr lang="en-US"/>
-              <a:t>7/11/19</a:t>
+              <a:t>7/15/19</a:t>
             </a:fld>
             <a:endParaRPr lang="en-US" dirty="0"/>
           </a:p>
@@ -8072,7 +8072,7 @@
           <a:p>
             <a:fld id="{48A87A34-81AB-432B-8DAE-1953F412C126}" type="datetimeFigureOut">
               <a:rPr lang="en-US"/>
-              <a:t>7/11/19</a:t>
+              <a:t>7/15/19</a:t>
             </a:fld>
             <a:endParaRPr lang="en-US" dirty="0"/>
           </a:p>
@@ -8185,7 +8185,7 @@
           <a:p>
             <a:fld id="{48A87A34-81AB-432B-8DAE-1953F412C126}" type="datetimeFigureOut">
               <a:rPr lang="en-US"/>
-              <a:t>7/11/19</a:t>
+              <a:t>7/15/19</a:t>
             </a:fld>
             <a:endParaRPr lang="en-US" dirty="0"/>
           </a:p>
@@ -8275,7 +8275,7 @@
           <a:p>
             <a:fld id="{48A87A34-81AB-432B-8DAE-1953F412C126}" type="datetimeFigureOut">
               <a:rPr lang="en-US"/>
-              <a:t>7/11/19</a:t>
+              <a:t>7/15/19</a:t>
             </a:fld>
             <a:endParaRPr lang="en-US" dirty="0"/>
           </a:p>
@@ -8500,7 +8500,7 @@
           <a:p>
             <a:fld id="{48A87A34-81AB-432B-8DAE-1953F412C126}" type="datetimeFigureOut">
               <a:rPr lang="en-US"/>
-              <a:t>7/11/19</a:t>
+              <a:t>7/15/19</a:t>
             </a:fld>
             <a:endParaRPr lang="en-US" dirty="0"/>
           </a:p>
@@ -8780,7 +8780,7 @@
           <a:p>
             <a:fld id="{48A87A34-81AB-432B-8DAE-1953F412C126}" type="datetimeFigureOut">
               <a:rPr lang="en-US"/>
-              <a:t>7/11/19</a:t>
+              <a:t>7/15/19</a:t>
             </a:fld>
             <a:endParaRPr lang="en-US" dirty="0"/>
           </a:p>
@@ -8891,7 +8891,7 @@
           <a:noFill/>
           <a:extLst>
             <a:ext uri="{909E8E84-426E-40dd-AFC4-6F175D3DCCD1}">
-              <a14:hiddenFill xmlns="" xmlns:a14="http://schemas.microsoft.com/office/drawing/2010/main">
+              <a14:hiddenFill xmlns:a14="http://schemas.microsoft.com/office/drawing/2010/main" xmlns="">
                 <a:solidFill>
                   <a:srgbClr val="FFFFFF"/>
                 </a:solidFill>
@@ -8965,7 +8965,7 @@
               </a:ln>
               <a:extLst>
                 <a:ext uri="{91240B29-F687-4f45-9708-019B960494DF}">
-                  <a14:hiddenLine xmlns="" xmlns:a14="http://schemas.microsoft.com/office/drawing/2010/main" w="9525">
+                  <a14:hiddenLine xmlns:a14="http://schemas.microsoft.com/office/drawing/2010/main" xmlns="" w="9525">
                     <a:solidFill>
                       <a:srgbClr val="000000"/>
                     </a:solidFill>
@@ -9055,7 +9055,7 @@
               </a:ln>
               <a:extLst>
                 <a:ext uri="{91240B29-F687-4f45-9708-019B960494DF}">
-                  <a14:hiddenLine xmlns="" xmlns:a14="http://schemas.microsoft.com/office/drawing/2010/main" w="9525">
+                  <a14:hiddenLine xmlns:a14="http://schemas.microsoft.com/office/drawing/2010/main" xmlns="" w="9525">
                     <a:solidFill>
                       <a:srgbClr val="000000"/>
                     </a:solidFill>
@@ -9145,7 +9145,7 @@
               </a:ln>
               <a:extLst>
                 <a:ext uri="{91240B29-F687-4f45-9708-019B960494DF}">
-                  <a14:hiddenLine xmlns="" xmlns:a14="http://schemas.microsoft.com/office/drawing/2010/main" w="9525">
+                  <a14:hiddenLine xmlns:a14="http://schemas.microsoft.com/office/drawing/2010/main" xmlns="" w="9525">
                     <a:solidFill>
                       <a:srgbClr val="000000"/>
                     </a:solidFill>
@@ -9207,7 +9207,7 @@
               </a:ln>
               <a:extLst>
                 <a:ext uri="{91240B29-F687-4f45-9708-019B960494DF}">
-                  <a14:hiddenLine xmlns="" xmlns:a14="http://schemas.microsoft.com/office/drawing/2010/main" w="9525">
+                  <a14:hiddenLine xmlns:a14="http://schemas.microsoft.com/office/drawing/2010/main" xmlns="" w="9525">
                     <a:solidFill>
                       <a:srgbClr val="000000"/>
                     </a:solidFill>
@@ -9297,7 +9297,7 @@
               </a:ln>
               <a:extLst>
                 <a:ext uri="{91240B29-F687-4f45-9708-019B960494DF}">
-                  <a14:hiddenLine xmlns="" xmlns:a14="http://schemas.microsoft.com/office/drawing/2010/main" w="9525">
+                  <a14:hiddenLine xmlns:a14="http://schemas.microsoft.com/office/drawing/2010/main" xmlns="" w="9525">
                     <a:solidFill>
                       <a:srgbClr val="000000"/>
                     </a:solidFill>
@@ -9359,7 +9359,7 @@
               </a:ln>
               <a:extLst>
                 <a:ext uri="{91240B29-F687-4f45-9708-019B960494DF}">
-                  <a14:hiddenLine xmlns="" xmlns:a14="http://schemas.microsoft.com/office/drawing/2010/main" w="9525">
+                  <a14:hiddenLine xmlns:a14="http://schemas.microsoft.com/office/drawing/2010/main" xmlns="" w="9525">
                     <a:solidFill>
                       <a:srgbClr val="000000"/>
                     </a:solidFill>
@@ -9421,7 +9421,7 @@
               </a:ln>
               <a:extLst>
                 <a:ext uri="{91240B29-F687-4f45-9708-019B960494DF}">
-                  <a14:hiddenLine xmlns="" xmlns:a14="http://schemas.microsoft.com/office/drawing/2010/main" w="9525">
+                  <a14:hiddenLine xmlns:a14="http://schemas.microsoft.com/office/drawing/2010/main" xmlns="" w="9525">
                     <a:solidFill>
                       <a:srgbClr val="000000"/>
                     </a:solidFill>
@@ -9511,7 +9511,7 @@
               </a:ln>
               <a:extLst>
                 <a:ext uri="{91240B29-F687-4f45-9708-019B960494DF}">
-                  <a14:hiddenLine xmlns="" xmlns:a14="http://schemas.microsoft.com/office/drawing/2010/main" w="9525">
+                  <a14:hiddenLine xmlns:a14="http://schemas.microsoft.com/office/drawing/2010/main" xmlns="" w="9525">
                     <a:solidFill>
                       <a:srgbClr val="000000"/>
                     </a:solidFill>
@@ -9601,7 +9601,7 @@
               </a:ln>
               <a:extLst>
                 <a:ext uri="{91240B29-F687-4f45-9708-019B960494DF}">
-                  <a14:hiddenLine xmlns="" xmlns:a14="http://schemas.microsoft.com/office/drawing/2010/main" w="9525">
+                  <a14:hiddenLine xmlns:a14="http://schemas.microsoft.com/office/drawing/2010/main" xmlns="" w="9525">
                     <a:solidFill>
                       <a:srgbClr val="000000"/>
                     </a:solidFill>
@@ -9663,7 +9663,7 @@
               </a:ln>
               <a:extLst>
                 <a:ext uri="{91240B29-F687-4f45-9708-019B960494DF}">
-                  <a14:hiddenLine xmlns="" xmlns:a14="http://schemas.microsoft.com/office/drawing/2010/main" w="9525">
+                  <a14:hiddenLine xmlns:a14="http://schemas.microsoft.com/office/drawing/2010/main" xmlns="" w="9525">
                     <a:solidFill>
                       <a:srgbClr val="000000"/>
                     </a:solidFill>
@@ -9773,7 +9773,7 @@
               </a:ln>
               <a:extLst>
                 <a:ext uri="{91240B29-F687-4f45-9708-019B960494DF}">
-                  <a14:hiddenLine xmlns="" xmlns:a14="http://schemas.microsoft.com/office/drawing/2010/main" w="9525">
+                  <a14:hiddenLine xmlns:a14="http://schemas.microsoft.com/office/drawing/2010/main" xmlns="" w="9525">
                     <a:solidFill>
                       <a:srgbClr val="000000"/>
                     </a:solidFill>
@@ -9857,7 +9857,7 @@
               </a:ln>
               <a:extLst>
                 <a:ext uri="{91240B29-F687-4f45-9708-019B960494DF}">
-                  <a14:hiddenLine xmlns="" xmlns:a14="http://schemas.microsoft.com/office/drawing/2010/main" w="9525">
+                  <a14:hiddenLine xmlns:a14="http://schemas.microsoft.com/office/drawing/2010/main" xmlns="" w="9525">
                     <a:solidFill>
                       <a:srgbClr val="000000"/>
                     </a:solidFill>
@@ -9919,7 +9919,7 @@
               </a:ln>
               <a:extLst>
                 <a:ext uri="{91240B29-F687-4f45-9708-019B960494DF}">
-                  <a14:hiddenLine xmlns="" xmlns:a14="http://schemas.microsoft.com/office/drawing/2010/main" w="9525">
+                  <a14:hiddenLine xmlns:a14="http://schemas.microsoft.com/office/drawing/2010/main" xmlns="" w="9525">
                     <a:solidFill>
                       <a:srgbClr val="000000"/>
                     </a:solidFill>
@@ -9981,7 +9981,7 @@
               </a:ln>
               <a:extLst>
                 <a:ext uri="{91240B29-F687-4f45-9708-019B960494DF}">
-                  <a14:hiddenLine xmlns="" xmlns:a14="http://schemas.microsoft.com/office/drawing/2010/main" w="9525">
+                  <a14:hiddenLine xmlns:a14="http://schemas.microsoft.com/office/drawing/2010/main" xmlns="" w="9525">
                     <a:solidFill>
                       <a:srgbClr val="000000"/>
                     </a:solidFill>
@@ -10071,7 +10071,7 @@
               </a:ln>
               <a:extLst>
                 <a:ext uri="{91240B29-F687-4f45-9708-019B960494DF}">
-                  <a14:hiddenLine xmlns="" xmlns:a14="http://schemas.microsoft.com/office/drawing/2010/main" w="9525">
+                  <a14:hiddenLine xmlns:a14="http://schemas.microsoft.com/office/drawing/2010/main" xmlns="" w="9525">
                     <a:solidFill>
                       <a:srgbClr val="000000"/>
                     </a:solidFill>
@@ -10105,7 +10105,7 @@
               </a:ln>
               <a:extLst>
                 <a:ext uri="{91240B29-F687-4f45-9708-019B960494DF}">
-                  <a14:hiddenLine xmlns="" xmlns:a14="http://schemas.microsoft.com/office/drawing/2010/main" w="9525">
+                  <a14:hiddenLine xmlns:a14="http://schemas.microsoft.com/office/drawing/2010/main" xmlns="" w="9525">
                     <a:solidFill>
                       <a:srgbClr val="000000"/>
                     </a:solidFill>
@@ -10170,7 +10170,7 @@
               </a:ln>
               <a:extLst>
                 <a:ext uri="{91240B29-F687-4f45-9708-019B960494DF}">
-                  <a14:hiddenLine xmlns="" xmlns:a14="http://schemas.microsoft.com/office/drawing/2010/main" w="9525">
+                  <a14:hiddenLine xmlns:a14="http://schemas.microsoft.com/office/drawing/2010/main" xmlns="" w="9525">
                     <a:solidFill>
                       <a:srgbClr val="000000"/>
                     </a:solidFill>
@@ -10260,7 +10260,7 @@
               </a:ln>
               <a:extLst>
                 <a:ext uri="{91240B29-F687-4f45-9708-019B960494DF}">
-                  <a14:hiddenLine xmlns="" xmlns:a14="http://schemas.microsoft.com/office/drawing/2010/main" w="9525">
+                  <a14:hiddenLine xmlns:a14="http://schemas.microsoft.com/office/drawing/2010/main" xmlns="" w="9525">
                     <a:solidFill>
                       <a:srgbClr val="000000"/>
                     </a:solidFill>
@@ -10322,7 +10322,7 @@
               </a:ln>
               <a:extLst>
                 <a:ext uri="{91240B29-F687-4f45-9708-019B960494DF}">
-                  <a14:hiddenLine xmlns="" xmlns:a14="http://schemas.microsoft.com/office/drawing/2010/main" w="9525">
+                  <a14:hiddenLine xmlns:a14="http://schemas.microsoft.com/office/drawing/2010/main" xmlns="" w="9525">
                     <a:solidFill>
                       <a:srgbClr val="000000"/>
                     </a:solidFill>
@@ -10412,7 +10412,7 @@
               </a:ln>
               <a:extLst>
                 <a:ext uri="{91240B29-F687-4f45-9708-019B960494DF}">
-                  <a14:hiddenLine xmlns="" xmlns:a14="http://schemas.microsoft.com/office/drawing/2010/main" w="9525">
+                  <a14:hiddenLine xmlns:a14="http://schemas.microsoft.com/office/drawing/2010/main" xmlns="" w="9525">
                     <a:solidFill>
                       <a:srgbClr val="000000"/>
                     </a:solidFill>
@@ -10477,7 +10477,7 @@
               </a:ln>
               <a:extLst>
                 <a:ext uri="{91240B29-F687-4f45-9708-019B960494DF}">
-                  <a14:hiddenLine xmlns="" xmlns:a14="http://schemas.microsoft.com/office/drawing/2010/main" w="9525">
+                  <a14:hiddenLine xmlns:a14="http://schemas.microsoft.com/office/drawing/2010/main" xmlns="" w="9525">
                     <a:solidFill>
                       <a:srgbClr val="000000"/>
                     </a:solidFill>
@@ -10539,7 +10539,7 @@
               </a:ln>
               <a:extLst>
                 <a:ext uri="{91240B29-F687-4f45-9708-019B960494DF}">
-                  <a14:hiddenLine xmlns="" xmlns:a14="http://schemas.microsoft.com/office/drawing/2010/main" w="9525">
+                  <a14:hiddenLine xmlns:a14="http://schemas.microsoft.com/office/drawing/2010/main" xmlns="" w="9525">
                     <a:solidFill>
                       <a:srgbClr val="000000"/>
                     </a:solidFill>
@@ -10629,7 +10629,7 @@
               </a:ln>
               <a:extLst>
                 <a:ext uri="{91240B29-F687-4f45-9708-019B960494DF}">
-                  <a14:hiddenLine xmlns="" xmlns:a14="http://schemas.microsoft.com/office/drawing/2010/main" w="9525">
+                  <a14:hiddenLine xmlns:a14="http://schemas.microsoft.com/office/drawing/2010/main" xmlns="" w="9525">
                     <a:solidFill>
                       <a:srgbClr val="000000"/>
                     </a:solidFill>
@@ -10719,7 +10719,7 @@
               </a:ln>
               <a:extLst>
                 <a:ext uri="{91240B29-F687-4f45-9708-019B960494DF}">
-                  <a14:hiddenLine xmlns="" xmlns:a14="http://schemas.microsoft.com/office/drawing/2010/main" w="9525">
+                  <a14:hiddenLine xmlns:a14="http://schemas.microsoft.com/office/drawing/2010/main" xmlns="" w="9525">
                     <a:solidFill>
                       <a:srgbClr val="000000"/>
                     </a:solidFill>
@@ -10784,7 +10784,7 @@
               </a:ln>
               <a:extLst>
                 <a:ext uri="{91240B29-F687-4f45-9708-019B960494DF}">
-                  <a14:hiddenLine xmlns="" xmlns:a14="http://schemas.microsoft.com/office/drawing/2010/main" w="9525">
+                  <a14:hiddenLine xmlns:a14="http://schemas.microsoft.com/office/drawing/2010/main" xmlns="" w="9525">
                     <a:solidFill>
                       <a:srgbClr val="000000"/>
                     </a:solidFill>
@@ -10904,7 +10904,7 @@
               </a:ln>
               <a:extLst>
                 <a:ext uri="{91240B29-F687-4f45-9708-019B960494DF}">
-                  <a14:hiddenLine xmlns="" xmlns:a14="http://schemas.microsoft.com/office/drawing/2010/main" w="9525">
+                  <a14:hiddenLine xmlns:a14="http://schemas.microsoft.com/office/drawing/2010/main" xmlns="" w="9525">
                     <a:solidFill>
                       <a:srgbClr val="000000"/>
                     </a:solidFill>
@@ -11002,7 +11002,7 @@
               </a:ln>
               <a:extLst>
                 <a:ext uri="{91240B29-F687-4f45-9708-019B960494DF}">
-                  <a14:hiddenLine xmlns="" xmlns:a14="http://schemas.microsoft.com/office/drawing/2010/main" w="9525">
+                  <a14:hiddenLine xmlns:a14="http://schemas.microsoft.com/office/drawing/2010/main" xmlns="" w="9525">
                     <a:solidFill>
                       <a:srgbClr val="000000"/>
                     </a:solidFill>
@@ -11117,7 +11117,7 @@
               </a:ln>
               <a:extLst>
                 <a:ext uri="{91240B29-F687-4f45-9708-019B960494DF}">
-                  <a14:hiddenLine xmlns="" xmlns:a14="http://schemas.microsoft.com/office/drawing/2010/main" w="9525">
+                  <a14:hiddenLine xmlns:a14="http://schemas.microsoft.com/office/drawing/2010/main" xmlns="" w="9525">
                     <a:solidFill>
                       <a:srgbClr val="000000"/>
                     </a:solidFill>
@@ -11207,7 +11207,7 @@
               </a:ln>
               <a:extLst>
                 <a:ext uri="{91240B29-F687-4f45-9708-019B960494DF}">
-                  <a14:hiddenLine xmlns="" xmlns:a14="http://schemas.microsoft.com/office/drawing/2010/main" w="9525">
+                  <a14:hiddenLine xmlns:a14="http://schemas.microsoft.com/office/drawing/2010/main" xmlns="" w="9525">
                     <a:solidFill>
                       <a:srgbClr val="000000"/>
                     </a:solidFill>
@@ -11272,7 +11272,7 @@
               </a:ln>
               <a:extLst>
                 <a:ext uri="{91240B29-F687-4f45-9708-019B960494DF}">
-                  <a14:hiddenLine xmlns="" xmlns:a14="http://schemas.microsoft.com/office/drawing/2010/main" w="9525">
+                  <a14:hiddenLine xmlns:a14="http://schemas.microsoft.com/office/drawing/2010/main" xmlns="" w="9525">
                     <a:solidFill>
                       <a:srgbClr val="000000"/>
                     </a:solidFill>
@@ -11362,7 +11362,7 @@
               </a:ln>
               <a:extLst>
                 <a:ext uri="{91240B29-F687-4f45-9708-019B960494DF}">
-                  <a14:hiddenLine xmlns="" xmlns:a14="http://schemas.microsoft.com/office/drawing/2010/main" w="9525">
+                  <a14:hiddenLine xmlns:a14="http://schemas.microsoft.com/office/drawing/2010/main" xmlns="" w="9525">
                     <a:solidFill>
                       <a:srgbClr val="000000"/>
                     </a:solidFill>
@@ -11430,7 +11430,7 @@
               </a:ln>
               <a:extLst>
                 <a:ext uri="{91240B29-F687-4f45-9708-019B960494DF}">
-                  <a14:hiddenLine xmlns="" xmlns:a14="http://schemas.microsoft.com/office/drawing/2010/main" w="9525">
+                  <a14:hiddenLine xmlns:a14="http://schemas.microsoft.com/office/drawing/2010/main" xmlns="" w="9525">
                     <a:solidFill>
                       <a:srgbClr val="000000"/>
                     </a:solidFill>
@@ -11520,7 +11520,7 @@
               </a:ln>
               <a:extLst>
                 <a:ext uri="{91240B29-F687-4f45-9708-019B960494DF}">
-                  <a14:hiddenLine xmlns="" xmlns:a14="http://schemas.microsoft.com/office/drawing/2010/main" w="9525">
+                  <a14:hiddenLine xmlns:a14="http://schemas.microsoft.com/office/drawing/2010/main" xmlns="" w="9525">
                     <a:solidFill>
                       <a:srgbClr val="000000"/>
                     </a:solidFill>
@@ -11588,7 +11588,7 @@
               </a:ln>
               <a:extLst>
                 <a:ext uri="{91240B29-F687-4f45-9708-019B960494DF}">
-                  <a14:hiddenLine xmlns="" xmlns:a14="http://schemas.microsoft.com/office/drawing/2010/main" w="9525">
+                  <a14:hiddenLine xmlns:a14="http://schemas.microsoft.com/office/drawing/2010/main" xmlns="" w="9525">
                     <a:solidFill>
                       <a:srgbClr val="000000"/>
                     </a:solidFill>
@@ -11678,7 +11678,7 @@
               </a:ln>
               <a:extLst>
                 <a:ext uri="{91240B29-F687-4f45-9708-019B960494DF}">
-                  <a14:hiddenLine xmlns="" xmlns:a14="http://schemas.microsoft.com/office/drawing/2010/main" w="9525">
+                  <a14:hiddenLine xmlns:a14="http://schemas.microsoft.com/office/drawing/2010/main" xmlns="" w="9525">
                     <a:solidFill>
                       <a:srgbClr val="000000"/>
                     </a:solidFill>
@@ -11712,7 +11712,7 @@
               </a:ln>
               <a:extLst>
                 <a:ext uri="{91240B29-F687-4f45-9708-019B960494DF}">
-                  <a14:hiddenLine xmlns="" xmlns:a14="http://schemas.microsoft.com/office/drawing/2010/main" w="9525">
+                  <a14:hiddenLine xmlns:a14="http://schemas.microsoft.com/office/drawing/2010/main" xmlns="" w="9525">
                     <a:solidFill>
                       <a:srgbClr val="000000"/>
                     </a:solidFill>
@@ -11829,7 +11829,7 @@
             <a:fld id="{48A87A34-81AB-432B-8DAE-1953F412C126}" type="datetimeFigureOut">
               <a:rPr lang="en-US"/>
               <a:pPr/>
-              <a:t>7/11/19</a:t>
+              <a:t>7/15/19</a:t>
             </a:fld>
             <a:endParaRPr lang="en-US" dirty="0"/>
           </a:p>
@@ -15806,6 +15806,102 @@
           </a:p>
         </p:txBody>
       </p:sp>
+      <p:sp>
+        <p:nvSpPr>
+          <p:cNvPr id="30" name="棱台 29">
+            <a:extLst>
+              <a:ext uri="{FF2B5EF4-FFF2-40B4-BE49-F238E27FC236}">
+                <a16:creationId xmlns:a16="http://schemas.microsoft.com/office/drawing/2014/main" id="{1419A84C-CBE6-CB43-B03A-A8AFC4AE86B4}"/>
+              </a:ext>
+            </a:extLst>
+          </p:cNvPr>
+          <p:cNvSpPr/>
+          <p:nvPr/>
+        </p:nvSpPr>
+        <p:spPr>
+          <a:xfrm>
+            <a:off x="2242460" y="5921829"/>
+            <a:ext cx="609599" cy="185057"/>
+          </a:xfrm>
+          <a:prstGeom prst="bevel">
+            <a:avLst/>
+          </a:prstGeom>
+        </p:spPr>
+        <p:style>
+          <a:lnRef idx="0">
+            <a:schemeClr val="accent3"/>
+          </a:lnRef>
+          <a:fillRef idx="3">
+            <a:schemeClr val="accent3"/>
+          </a:fillRef>
+          <a:effectRef idx="3">
+            <a:schemeClr val="accent3"/>
+          </a:effectRef>
+          <a:fontRef idx="minor">
+            <a:schemeClr val="lt1"/>
+          </a:fontRef>
+        </p:style>
+        <p:txBody>
+          <a:bodyPr rtlCol="0" anchor="ctr"/>
+          <a:lstStyle/>
+          <a:p>
+            <a:pPr algn="ctr"/>
+            <a:r>
+              <a:rPr kumimoji="1" lang="en-US" altLang="zh-CN" sz="1400" dirty="0"/>
+              <a:t>TLAB</a:t>
+            </a:r>
+            <a:endParaRPr kumimoji="1" lang="zh-CN" altLang="en-US" sz="1400" dirty="0"/>
+          </a:p>
+        </p:txBody>
+      </p:sp>
+      <p:sp>
+        <p:nvSpPr>
+          <p:cNvPr id="31" name="棱台 30">
+            <a:extLst>
+              <a:ext uri="{FF2B5EF4-FFF2-40B4-BE49-F238E27FC236}">
+                <a16:creationId xmlns:a16="http://schemas.microsoft.com/office/drawing/2014/main" id="{46BCBAF6-4D0F-F343-A922-437F2F69988E}"/>
+              </a:ext>
+            </a:extLst>
+          </p:cNvPr>
+          <p:cNvSpPr/>
+          <p:nvPr/>
+        </p:nvSpPr>
+        <p:spPr>
+          <a:xfrm>
+            <a:off x="2832333" y="5921828"/>
+            <a:ext cx="609599" cy="185057"/>
+          </a:xfrm>
+          <a:prstGeom prst="bevel">
+            <a:avLst/>
+          </a:prstGeom>
+        </p:spPr>
+        <p:style>
+          <a:lnRef idx="0">
+            <a:schemeClr val="accent3"/>
+          </a:lnRef>
+          <a:fillRef idx="3">
+            <a:schemeClr val="accent3"/>
+          </a:fillRef>
+          <a:effectRef idx="3">
+            <a:schemeClr val="accent3"/>
+          </a:effectRef>
+          <a:fontRef idx="minor">
+            <a:schemeClr val="lt1"/>
+          </a:fontRef>
+        </p:style>
+        <p:txBody>
+          <a:bodyPr rtlCol="0" anchor="ctr"/>
+          <a:lstStyle/>
+          <a:p>
+            <a:pPr algn="ctr"/>
+            <a:r>
+              <a:rPr kumimoji="1" lang="en-US" altLang="zh-CN" sz="1400" dirty="0"/>
+              <a:t>TLAB</a:t>
+            </a:r>
+            <a:endParaRPr kumimoji="1" lang="zh-CN" altLang="en-US" sz="1400" dirty="0"/>
+          </a:p>
+        </p:txBody>
+      </p:sp>
     </p:spTree>
     <p:extLst>
       <p:ext uri="{BB962C8B-B14F-4D97-AF65-F5344CB8AC3E}">

--- a/tiemao_2019/22_chat_jvm_troubleshoot/JVM-Basic.pptx
+++ b/tiemao_2019/22_chat_jvm_troubleshoot/JVM-Basic.pptx
@@ -5,10 +5,11 @@
     <p:sldMasterId id="2147483648" r:id="rId1"/>
   </p:sldMasterIdLst>
   <p:sldIdLst>
-    <p:sldId id="257" r:id="rId2"/>
-    <p:sldId id="260" r:id="rId3"/>
-    <p:sldId id="261" r:id="rId4"/>
-    <p:sldId id="262" r:id="rId5"/>
+    <p:sldId id="263" r:id="rId2"/>
+    <p:sldId id="257" r:id="rId3"/>
+    <p:sldId id="260" r:id="rId4"/>
+    <p:sldId id="261" r:id="rId5"/>
+    <p:sldId id="262" r:id="rId6"/>
   </p:sldIdLst>
   <p:sldSz cx="12192000" cy="6858000"/>
   <p:notesSz cx="6858000" cy="9144000"/>
@@ -4391,7 +4392,7 @@
           <a:p>
             <a:fld id="{48A87A34-81AB-432B-8DAE-1953F412C126}" type="datetimeFigureOut">
               <a:rPr lang="en-US"/>
-              <a:t>7/15/19</a:t>
+              <a:t>8/23/19</a:t>
             </a:fld>
             <a:endParaRPr lang="en-US" dirty="0"/>
           </a:p>
@@ -4658,7 +4659,7 @@
           <a:p>
             <a:fld id="{48A87A34-81AB-432B-8DAE-1953F412C126}" type="datetimeFigureOut">
               <a:rPr lang="en-US"/>
-              <a:t>7/15/19</a:t>
+              <a:t>8/23/19</a:t>
             </a:fld>
             <a:endParaRPr lang="en-US" dirty="0"/>
           </a:p>
@@ -4854,7 +4855,7 @@
           <a:p>
             <a:fld id="{48A87A34-81AB-432B-8DAE-1953F412C126}" type="datetimeFigureOut">
               <a:rPr lang="en-US"/>
-              <a:t>7/15/19</a:t>
+              <a:t>8/23/19</a:t>
             </a:fld>
             <a:endParaRPr lang="en-US" dirty="0"/>
           </a:p>
@@ -5122,7 +5123,7 @@
           <a:p>
             <a:fld id="{48A87A34-81AB-432B-8DAE-1953F412C126}" type="datetimeFigureOut">
               <a:rPr lang="en-US"/>
-              <a:t>7/15/19</a:t>
+              <a:t>8/23/19</a:t>
             </a:fld>
             <a:endParaRPr lang="en-US" dirty="0"/>
           </a:p>
@@ -5556,7 +5557,7 @@
           <a:p>
             <a:fld id="{48A87A34-81AB-432B-8DAE-1953F412C126}" type="datetimeFigureOut">
               <a:rPr lang="en-US"/>
-              <a:t>7/15/19</a:t>
+              <a:t>8/23/19</a:t>
             </a:fld>
             <a:endParaRPr lang="en-US" dirty="0"/>
           </a:p>
@@ -6127,7 +6128,7 @@
           <a:p>
             <a:fld id="{48A87A34-81AB-432B-8DAE-1953F412C126}" type="datetimeFigureOut">
               <a:rPr lang="en-US"/>
-              <a:t>7/15/19</a:t>
+              <a:t>8/23/19</a:t>
             </a:fld>
             <a:endParaRPr lang="en-US" dirty="0"/>
           </a:p>
@@ -6872,7 +6873,7 @@
           <a:p>
             <a:fld id="{48A87A34-81AB-432B-8DAE-1953F412C126}" type="datetimeFigureOut">
               <a:rPr lang="en-US"/>
-              <a:t>7/15/19</a:t>
+              <a:t>8/23/19</a:t>
             </a:fld>
             <a:endParaRPr lang="en-US" dirty="0"/>
           </a:p>
@@ -7013,7 +7014,7 @@
           <a:p>
             <a:fld id="{48A87A34-81AB-432B-8DAE-1953F412C126}" type="datetimeFigureOut">
               <a:rPr lang="en-US"/>
-              <a:t>7/15/19</a:t>
+              <a:t>8/23/19</a:t>
             </a:fld>
             <a:endParaRPr lang="en-US" dirty="0"/>
           </a:p>
@@ -7164,7 +7165,7 @@
           <a:p>
             <a:fld id="{48A87A34-81AB-432B-8DAE-1953F412C126}" type="datetimeFigureOut">
               <a:rPr lang="en-US"/>
-              <a:t>7/15/19</a:t>
+              <a:t>8/23/19</a:t>
             </a:fld>
             <a:endParaRPr lang="en-US" dirty="0"/>
           </a:p>
@@ -7305,7 +7306,7 @@
           <a:p>
             <a:fld id="{48A87A34-81AB-432B-8DAE-1953F412C126}" type="datetimeFigureOut">
               <a:rPr lang="en-US"/>
-              <a:t>7/15/19</a:t>
+              <a:t>8/23/19</a:t>
             </a:fld>
             <a:endParaRPr lang="en-US" dirty="0"/>
           </a:p>
@@ -7555,7 +7556,7 @@
           <a:p>
             <a:fld id="{48A87A34-81AB-432B-8DAE-1953F412C126}" type="datetimeFigureOut">
               <a:rPr lang="en-US"/>
-              <a:t>7/15/19</a:t>
+              <a:t>8/23/19</a:t>
             </a:fld>
             <a:endParaRPr lang="en-US" dirty="0"/>
           </a:p>
@@ -7734,7 +7735,7 @@
           <a:p>
             <a:fld id="{48A87A34-81AB-432B-8DAE-1953F412C126}" type="datetimeFigureOut">
               <a:rPr lang="en-US"/>
-              <a:t>7/15/19</a:t>
+              <a:t>8/23/19</a:t>
             </a:fld>
             <a:endParaRPr lang="en-US" dirty="0"/>
           </a:p>
@@ -8072,7 +8073,7 @@
           <a:p>
             <a:fld id="{48A87A34-81AB-432B-8DAE-1953F412C126}" type="datetimeFigureOut">
               <a:rPr lang="en-US"/>
-              <a:t>7/15/19</a:t>
+              <a:t>8/23/19</a:t>
             </a:fld>
             <a:endParaRPr lang="en-US" dirty="0"/>
           </a:p>
@@ -8185,7 +8186,7 @@
           <a:p>
             <a:fld id="{48A87A34-81AB-432B-8DAE-1953F412C126}" type="datetimeFigureOut">
               <a:rPr lang="en-US"/>
-              <a:t>7/15/19</a:t>
+              <a:t>8/23/19</a:t>
             </a:fld>
             <a:endParaRPr lang="en-US" dirty="0"/>
           </a:p>
@@ -8275,7 +8276,7 @@
           <a:p>
             <a:fld id="{48A87A34-81AB-432B-8DAE-1953F412C126}" type="datetimeFigureOut">
               <a:rPr lang="en-US"/>
-              <a:t>7/15/19</a:t>
+              <a:t>8/23/19</a:t>
             </a:fld>
             <a:endParaRPr lang="en-US" dirty="0"/>
           </a:p>
@@ -8500,7 +8501,7 @@
           <a:p>
             <a:fld id="{48A87A34-81AB-432B-8DAE-1953F412C126}" type="datetimeFigureOut">
               <a:rPr lang="en-US"/>
-              <a:t>7/15/19</a:t>
+              <a:t>8/23/19</a:t>
             </a:fld>
             <a:endParaRPr lang="en-US" dirty="0"/>
           </a:p>
@@ -8780,7 +8781,7 @@
           <a:p>
             <a:fld id="{48A87A34-81AB-432B-8DAE-1953F412C126}" type="datetimeFigureOut">
               <a:rPr lang="en-US"/>
-              <a:t>7/15/19</a:t>
+              <a:t>8/23/19</a:t>
             </a:fld>
             <a:endParaRPr lang="en-US" dirty="0"/>
           </a:p>
@@ -11829,7 +11830,7 @@
             <a:fld id="{48A87A34-81AB-432B-8DAE-1953F412C126}" type="datetimeFigureOut">
               <a:rPr lang="en-US"/>
               <a:pPr/>
-              <a:t>7/15/19</a:t>
+              <a:t>8/23/19</a:t>
             </a:fld>
             <a:endParaRPr lang="en-US" dirty="0"/>
           </a:p>
@@ -12245,1296 +12246,2192 @@
           <a:chExt cx="0" cy="0"/>
         </a:xfrm>
       </p:grpSpPr>
-      <p:sp>
-        <p:nvSpPr>
-          <p:cNvPr id="2" name="圆角矩形 1">
+      <p:grpSp>
+        <p:nvGrpSpPr>
+          <p:cNvPr id="56" name="组合 55">
             <a:extLst>
               <a:ext uri="{FF2B5EF4-FFF2-40B4-BE49-F238E27FC236}">
-                <a16:creationId xmlns:a16="http://schemas.microsoft.com/office/drawing/2014/main" id="{79067A7E-A7CF-3146-8C1B-04CCCF871CDD}"/>
+                <a16:creationId xmlns:a16="http://schemas.microsoft.com/office/drawing/2014/main" id="{9F43F67F-9D13-C844-B6F5-48247252FB84}"/>
               </a:ext>
             </a:extLst>
           </p:cNvPr>
-          <p:cNvSpPr/>
+          <p:cNvGrpSpPr/>
           <p:nvPr/>
-        </p:nvSpPr>
-        <p:spPr>
+        </p:nvGrpSpPr>
+        <p:grpSpPr>
           <a:xfrm>
-            <a:off x="2133599" y="2383972"/>
-            <a:ext cx="6999513" cy="914400"/>
+            <a:off x="1417363" y="533395"/>
+            <a:ext cx="8273646" cy="5181605"/>
+            <a:chOff x="1417363" y="533395"/>
+            <a:chExt cx="8273646" cy="5181605"/>
           </a:xfrm>
-          <a:prstGeom prst="roundRect">
-            <a:avLst/>
-          </a:prstGeom>
-        </p:spPr>
-        <p:style>
-          <a:lnRef idx="2">
-            <a:schemeClr val="accent1">
-              <a:shade val="50000"/>
-            </a:schemeClr>
-          </a:lnRef>
-          <a:fillRef idx="1">
-            <a:schemeClr val="accent1"/>
-          </a:fillRef>
-          <a:effectRef idx="0">
-            <a:schemeClr val="accent1"/>
-          </a:effectRef>
-          <a:fontRef idx="minor">
-            <a:schemeClr val="lt1"/>
-          </a:fontRef>
-        </p:style>
-        <p:txBody>
-          <a:bodyPr rtlCol="0" anchor="ctr"/>
-          <a:lstStyle/>
-          <a:p>
-            <a:pPr algn="ctr"/>
-            <a:endParaRPr kumimoji="1" lang="zh-CN" altLang="en-US"/>
-          </a:p>
-        </p:txBody>
-      </p:sp>
-      <p:sp>
-        <p:nvSpPr>
-          <p:cNvPr id="4" name="圆角矩形 3">
-            <a:extLst>
-              <a:ext uri="{FF2B5EF4-FFF2-40B4-BE49-F238E27FC236}">
-                <a16:creationId xmlns:a16="http://schemas.microsoft.com/office/drawing/2014/main" id="{528EF239-E93F-9F48-8179-15166173E6AB}"/>
-              </a:ext>
-            </a:extLst>
-          </p:cNvPr>
-          <p:cNvSpPr/>
-          <p:nvPr/>
-        </p:nvSpPr>
-        <p:spPr>
-          <a:xfrm>
-            <a:off x="2133601" y="1012373"/>
-            <a:ext cx="5693228" cy="914400"/>
-          </a:xfrm>
-          <a:prstGeom prst="roundRect">
-            <a:avLst/>
-          </a:prstGeom>
-        </p:spPr>
-        <p:style>
-          <a:lnRef idx="2">
-            <a:schemeClr val="accent6"/>
-          </a:lnRef>
-          <a:fillRef idx="1">
-            <a:schemeClr val="lt1"/>
-          </a:fillRef>
-          <a:effectRef idx="0">
-            <a:schemeClr val="accent6"/>
-          </a:effectRef>
-          <a:fontRef idx="minor">
-            <a:schemeClr val="dk1"/>
-          </a:fontRef>
-        </p:style>
-        <p:txBody>
-          <a:bodyPr rtlCol="0" anchor="ctr"/>
-          <a:lstStyle/>
-          <a:p>
-            <a:pPr algn="ctr"/>
-            <a:r>
-              <a:rPr kumimoji="1" lang="en-US" altLang="zh-CN" dirty="0"/>
-              <a:t>                       … </a:t>
-            </a:r>
-            <a:r>
-              <a:rPr kumimoji="1" lang="zh-CN" altLang="en-US"/>
-              <a:t>其他进程</a:t>
-            </a:r>
-            <a:r>
-              <a:rPr kumimoji="1" lang="en-US" altLang="zh-CN" dirty="0"/>
-              <a:t> …</a:t>
-            </a:r>
-            <a:endParaRPr kumimoji="1" lang="zh-CN" altLang="en-US"/>
-          </a:p>
-        </p:txBody>
-      </p:sp>
-      <p:sp>
-        <p:nvSpPr>
-          <p:cNvPr id="5" name="圆角矩形 4">
-            <a:extLst>
-              <a:ext uri="{FF2B5EF4-FFF2-40B4-BE49-F238E27FC236}">
-                <a16:creationId xmlns:a16="http://schemas.microsoft.com/office/drawing/2014/main" id="{BD5810A3-F71F-B44F-B1CD-663270885511}"/>
-              </a:ext>
-            </a:extLst>
-          </p:cNvPr>
-          <p:cNvSpPr/>
-          <p:nvPr/>
-        </p:nvSpPr>
-        <p:spPr>
-          <a:xfrm>
-            <a:off x="7826828" y="1023259"/>
-            <a:ext cx="1306285" cy="914400"/>
-          </a:xfrm>
-          <a:prstGeom prst="roundRect">
-            <a:avLst/>
-          </a:prstGeom>
-        </p:spPr>
-        <p:style>
-          <a:lnRef idx="2">
-            <a:schemeClr val="accent5">
-              <a:shade val="50000"/>
-            </a:schemeClr>
-          </a:lnRef>
-          <a:fillRef idx="1">
-            <a:schemeClr val="accent5"/>
-          </a:fillRef>
-          <a:effectRef idx="0">
-            <a:schemeClr val="accent5"/>
-          </a:effectRef>
-          <a:fontRef idx="minor">
-            <a:schemeClr val="lt1"/>
-          </a:fontRef>
-        </p:style>
-        <p:txBody>
-          <a:bodyPr rtlCol="0" anchor="ctr"/>
-          <a:lstStyle/>
-          <a:p>
-            <a:pPr algn="ctr"/>
-            <a:r>
-              <a:rPr kumimoji="1" lang="zh-CN" altLang="en-US"/>
-              <a:t>操作系统</a:t>
-            </a:r>
-          </a:p>
-        </p:txBody>
-      </p:sp>
-      <p:sp>
-        <p:nvSpPr>
-          <p:cNvPr id="7" name="下箭头 6">
-            <a:extLst>
-              <a:ext uri="{FF2B5EF4-FFF2-40B4-BE49-F238E27FC236}">
-                <a16:creationId xmlns:a16="http://schemas.microsoft.com/office/drawing/2014/main" id="{36125127-005C-6B46-AE82-92EB0AD5A893}"/>
-              </a:ext>
-            </a:extLst>
-          </p:cNvPr>
-          <p:cNvSpPr/>
-          <p:nvPr/>
-        </p:nvSpPr>
-        <p:spPr>
-          <a:xfrm>
-            <a:off x="3037117" y="1915887"/>
-            <a:ext cx="446314" cy="468085"/>
-          </a:xfrm>
-          <a:prstGeom prst="downArrow">
-            <a:avLst/>
-          </a:prstGeom>
-        </p:spPr>
-        <p:style>
-          <a:lnRef idx="2">
-            <a:schemeClr val="accent1">
-              <a:shade val="50000"/>
-            </a:schemeClr>
-          </a:lnRef>
-          <a:fillRef idx="1">
-            <a:schemeClr val="accent1"/>
-          </a:fillRef>
-          <a:effectRef idx="0">
-            <a:schemeClr val="accent1"/>
-          </a:effectRef>
-          <a:fontRef idx="minor">
-            <a:schemeClr val="lt1"/>
-          </a:fontRef>
-        </p:style>
-        <p:txBody>
-          <a:bodyPr rtlCol="0" anchor="ctr"/>
-          <a:lstStyle/>
-          <a:p>
-            <a:pPr algn="ctr"/>
-            <a:endParaRPr kumimoji="1" lang="zh-CN" altLang="en-US"/>
-          </a:p>
-        </p:txBody>
-      </p:sp>
-      <p:sp>
-        <p:nvSpPr>
-          <p:cNvPr id="8" name="圆角矩形 7">
-            <a:extLst>
-              <a:ext uri="{FF2B5EF4-FFF2-40B4-BE49-F238E27FC236}">
-                <a16:creationId xmlns:a16="http://schemas.microsoft.com/office/drawing/2014/main" id="{55E70CD1-C845-514F-909B-9FC172EAA110}"/>
-              </a:ext>
-            </a:extLst>
-          </p:cNvPr>
-          <p:cNvSpPr/>
-          <p:nvPr/>
-        </p:nvSpPr>
-        <p:spPr>
-          <a:xfrm>
-            <a:off x="2242458" y="2383971"/>
-            <a:ext cx="914400" cy="914400"/>
-          </a:xfrm>
-          <a:prstGeom prst="roundRect">
-            <a:avLst/>
-          </a:prstGeom>
-        </p:spPr>
-        <p:style>
-          <a:lnRef idx="1">
-            <a:schemeClr val="accent2"/>
-          </a:lnRef>
-          <a:fillRef idx="2">
-            <a:schemeClr val="accent2"/>
-          </a:fillRef>
-          <a:effectRef idx="1">
-            <a:schemeClr val="accent2"/>
-          </a:effectRef>
-          <a:fontRef idx="minor">
-            <a:schemeClr val="dk1"/>
-          </a:fontRef>
-        </p:style>
-        <p:txBody>
-          <a:bodyPr rtlCol="0" anchor="ctr"/>
-          <a:lstStyle/>
-          <a:p>
-            <a:pPr algn="ctr"/>
-            <a:r>
-              <a:rPr kumimoji="1" lang="zh-CN" altLang="en-US"/>
-              <a:t>栈</a:t>
-            </a:r>
-            <a:endParaRPr kumimoji="1" lang="en-US" altLang="zh-CN" dirty="0"/>
-          </a:p>
-          <a:p>
-            <a:pPr algn="ctr"/>
-            <a:r>
-              <a:rPr kumimoji="1" lang="en-US" altLang="zh-CN" dirty="0"/>
-              <a:t>Stack</a:t>
-            </a:r>
-            <a:endParaRPr kumimoji="1" lang="zh-CN" altLang="en-US"/>
-          </a:p>
-        </p:txBody>
-      </p:sp>
-      <p:sp>
-        <p:nvSpPr>
-          <p:cNvPr id="9" name="圆角矩形 8">
-            <a:extLst>
-              <a:ext uri="{FF2B5EF4-FFF2-40B4-BE49-F238E27FC236}">
-                <a16:creationId xmlns:a16="http://schemas.microsoft.com/office/drawing/2014/main" id="{C34E2C58-7A65-6446-AF21-E6A406730C23}"/>
-              </a:ext>
-            </a:extLst>
-          </p:cNvPr>
-          <p:cNvSpPr/>
-          <p:nvPr/>
-        </p:nvSpPr>
-        <p:spPr>
-          <a:xfrm>
-            <a:off x="3570518" y="2383972"/>
-            <a:ext cx="1654625" cy="914400"/>
-          </a:xfrm>
-          <a:prstGeom prst="roundRect">
-            <a:avLst/>
-          </a:prstGeom>
-        </p:spPr>
-        <p:style>
-          <a:lnRef idx="1">
-            <a:schemeClr val="accent5"/>
-          </a:lnRef>
-          <a:fillRef idx="2">
-            <a:schemeClr val="accent5"/>
-          </a:fillRef>
-          <a:effectRef idx="1">
-            <a:schemeClr val="accent5"/>
-          </a:effectRef>
-          <a:fontRef idx="minor">
-            <a:schemeClr val="dk1"/>
-          </a:fontRef>
-        </p:style>
-        <p:txBody>
-          <a:bodyPr rtlCol="0" anchor="ctr"/>
-          <a:lstStyle/>
-          <a:p>
-            <a:pPr algn="ctr"/>
-            <a:r>
-              <a:rPr kumimoji="1" lang="zh-CN" altLang="en-US"/>
-              <a:t>堆</a:t>
-            </a:r>
-            <a:endParaRPr kumimoji="1" lang="en-US" altLang="zh-CN" dirty="0"/>
-          </a:p>
-          <a:p>
-            <a:pPr algn="ctr"/>
-            <a:r>
-              <a:rPr kumimoji="1" lang="en-US" altLang="zh-CN" dirty="0"/>
-              <a:t>Heap</a:t>
-            </a:r>
-            <a:endParaRPr kumimoji="1" lang="zh-CN" altLang="en-US"/>
-          </a:p>
-        </p:txBody>
-      </p:sp>
-      <p:sp>
-        <p:nvSpPr>
-          <p:cNvPr id="10" name="圆角矩形 9">
-            <a:extLst>
-              <a:ext uri="{FF2B5EF4-FFF2-40B4-BE49-F238E27FC236}">
-                <a16:creationId xmlns:a16="http://schemas.microsoft.com/office/drawing/2014/main" id="{A5749171-8197-BA4B-B0FD-0A60ACA9546B}"/>
-              </a:ext>
-            </a:extLst>
-          </p:cNvPr>
-          <p:cNvSpPr/>
-          <p:nvPr/>
-        </p:nvSpPr>
-        <p:spPr>
-          <a:xfrm>
-            <a:off x="7794175" y="2394858"/>
-            <a:ext cx="1208314" cy="914400"/>
-          </a:xfrm>
-          <a:prstGeom prst="roundRect">
-            <a:avLst/>
-          </a:prstGeom>
-        </p:spPr>
-        <p:style>
-          <a:lnRef idx="2">
-            <a:schemeClr val="accent6">
-              <a:shade val="50000"/>
-            </a:schemeClr>
-          </a:lnRef>
-          <a:fillRef idx="1">
-            <a:schemeClr val="accent6"/>
-          </a:fillRef>
-          <a:effectRef idx="0">
-            <a:schemeClr val="accent6"/>
-          </a:effectRef>
-          <a:fontRef idx="minor">
-            <a:schemeClr val="lt1"/>
-          </a:fontRef>
-        </p:style>
-        <p:txBody>
-          <a:bodyPr rtlCol="0" anchor="ctr"/>
-          <a:lstStyle/>
-          <a:p>
-            <a:pPr algn="ctr"/>
-            <a:r>
-              <a:rPr kumimoji="1" lang="en-US" altLang="zh-CN" dirty="0"/>
-              <a:t>JVM</a:t>
-            </a:r>
-            <a:r>
-              <a:rPr kumimoji="1" lang="zh-CN" altLang="en-US"/>
-              <a:t>自身</a:t>
-            </a:r>
-          </a:p>
-        </p:txBody>
-      </p:sp>
-      <p:sp>
-        <p:nvSpPr>
-          <p:cNvPr id="3" name="圆角矩形 2">
-            <a:extLst>
-              <a:ext uri="{FF2B5EF4-FFF2-40B4-BE49-F238E27FC236}">
-                <a16:creationId xmlns:a16="http://schemas.microsoft.com/office/drawing/2014/main" id="{87D15C48-C5DD-BA49-AE98-FB7013743148}"/>
-              </a:ext>
-            </a:extLst>
-          </p:cNvPr>
-          <p:cNvSpPr/>
-          <p:nvPr/>
-        </p:nvSpPr>
-        <p:spPr>
-          <a:xfrm>
-            <a:off x="2547260" y="1001487"/>
-            <a:ext cx="1306285" cy="914400"/>
-          </a:xfrm>
-          <a:prstGeom prst="roundRect">
-            <a:avLst/>
-          </a:prstGeom>
-        </p:spPr>
-        <p:style>
-          <a:lnRef idx="2">
-            <a:schemeClr val="accent1">
-              <a:shade val="50000"/>
-            </a:schemeClr>
-          </a:lnRef>
-          <a:fillRef idx="1">
-            <a:schemeClr val="accent1"/>
-          </a:fillRef>
-          <a:effectRef idx="0">
-            <a:schemeClr val="accent1"/>
-          </a:effectRef>
-          <a:fontRef idx="minor">
-            <a:schemeClr val="lt1"/>
-          </a:fontRef>
-        </p:style>
-        <p:txBody>
-          <a:bodyPr rtlCol="0" anchor="ctr"/>
-          <a:lstStyle/>
-          <a:p>
-            <a:pPr algn="ctr"/>
-            <a:r>
-              <a:rPr kumimoji="1" lang="en-US" altLang="zh-CN" dirty="0"/>
-              <a:t>Java</a:t>
-            </a:r>
-            <a:r>
-              <a:rPr kumimoji="1" lang="zh-CN" altLang="en-US"/>
-              <a:t>进程</a:t>
-            </a:r>
-          </a:p>
-        </p:txBody>
-      </p:sp>
-      <p:sp>
-        <p:nvSpPr>
-          <p:cNvPr id="11" name="对角圆角矩形 10">
-            <a:extLst>
-              <a:ext uri="{FF2B5EF4-FFF2-40B4-BE49-F238E27FC236}">
-                <a16:creationId xmlns:a16="http://schemas.microsoft.com/office/drawing/2014/main" id="{FF4E2F13-66E0-0F48-8C4F-4DC8A8A862C8}"/>
-              </a:ext>
-            </a:extLst>
-          </p:cNvPr>
-          <p:cNvSpPr/>
-          <p:nvPr/>
-        </p:nvSpPr>
-        <p:spPr>
-          <a:xfrm>
-            <a:off x="5834743" y="2383972"/>
-            <a:ext cx="1502228" cy="914400"/>
-          </a:xfrm>
-          <a:prstGeom prst="round2DiagRect">
-            <a:avLst/>
-          </a:prstGeom>
-        </p:spPr>
-        <p:style>
-          <a:lnRef idx="2">
-            <a:schemeClr val="accent3">
-              <a:shade val="50000"/>
-            </a:schemeClr>
-          </a:lnRef>
-          <a:fillRef idx="1">
-            <a:schemeClr val="accent3"/>
-          </a:fillRef>
-          <a:effectRef idx="0">
-            <a:schemeClr val="accent3"/>
-          </a:effectRef>
-          <a:fontRef idx="minor">
-            <a:schemeClr val="lt1"/>
-          </a:fontRef>
-        </p:style>
-        <p:txBody>
-          <a:bodyPr rtlCol="0" anchor="ctr"/>
-          <a:lstStyle/>
-          <a:p>
-            <a:pPr algn="ctr"/>
-            <a:r>
-              <a:rPr kumimoji="1" lang="zh-CN" altLang="en-US"/>
-              <a:t>非堆</a:t>
-            </a:r>
-            <a:endParaRPr kumimoji="1" lang="en-US" altLang="zh-CN" dirty="0"/>
-          </a:p>
-          <a:p>
-            <a:pPr algn="ctr"/>
-            <a:r>
-              <a:rPr kumimoji="1" lang="en-US" altLang="zh-CN" dirty="0"/>
-              <a:t>Non-Heap</a:t>
-            </a:r>
-            <a:endParaRPr kumimoji="1" lang="zh-CN" altLang="en-US"/>
-          </a:p>
-        </p:txBody>
-      </p:sp>
-      <p:sp>
-        <p:nvSpPr>
-          <p:cNvPr id="14" name="下箭头 13">
-            <a:extLst>
-              <a:ext uri="{FF2B5EF4-FFF2-40B4-BE49-F238E27FC236}">
-                <a16:creationId xmlns:a16="http://schemas.microsoft.com/office/drawing/2014/main" id="{A5249DF1-AEB2-2D43-943B-20A0E7D40401}"/>
-              </a:ext>
-            </a:extLst>
-          </p:cNvPr>
-          <p:cNvSpPr/>
-          <p:nvPr/>
-        </p:nvSpPr>
-        <p:spPr>
-          <a:xfrm>
-            <a:off x="2498273" y="3298371"/>
-            <a:ext cx="353787" cy="446313"/>
-          </a:xfrm>
-          <a:prstGeom prst="downArrow">
-            <a:avLst/>
-          </a:prstGeom>
-        </p:spPr>
-        <p:style>
-          <a:lnRef idx="1">
-            <a:schemeClr val="accent2"/>
-          </a:lnRef>
-          <a:fillRef idx="2">
-            <a:schemeClr val="accent2"/>
-          </a:fillRef>
-          <a:effectRef idx="1">
-            <a:schemeClr val="accent2"/>
-          </a:effectRef>
-          <a:fontRef idx="minor">
-            <a:schemeClr val="dk1"/>
-          </a:fontRef>
-        </p:style>
-        <p:txBody>
-          <a:bodyPr rot="0" spcFirstLastPara="0" vertOverflow="overflow" horzOverflow="overflow" vert="horz" wrap="square" lIns="91440" tIns="45720" rIns="91440" bIns="45720" numCol="1" spcCol="0" rtlCol="0" fromWordArt="0" anchor="ctr" anchorCtr="0" forceAA="0" compatLnSpc="1">
-            <a:prstTxWarp prst="textNoShape">
+        </p:grpSpPr>
+        <p:sp>
+          <p:nvSpPr>
+            <p:cNvPr id="2" name="圆角矩形 1">
+              <a:extLst>
+                <a:ext uri="{FF2B5EF4-FFF2-40B4-BE49-F238E27FC236}">
+                  <a16:creationId xmlns:a16="http://schemas.microsoft.com/office/drawing/2014/main" id="{79067A7E-A7CF-3146-8C1B-04CCCF871CDD}"/>
+                </a:ext>
+              </a:extLst>
+            </p:cNvPr>
+            <p:cNvSpPr/>
+            <p:nvPr/>
+          </p:nvSpPr>
+          <p:spPr>
+            <a:xfrm>
+              <a:off x="1417363" y="1915880"/>
+              <a:ext cx="8270918" cy="914400"/>
+            </a:xfrm>
+            <a:prstGeom prst="roundRect">
               <a:avLst/>
-            </a:prstTxWarp>
-            <a:noAutofit/>
-          </a:bodyPr>
-          <a:lstStyle/>
-          <a:p>
-            <a:pPr algn="ctr"/>
-            <a:endParaRPr kumimoji="1" lang="zh-CN" altLang="en-US">
-              <a:solidFill>
-                <a:schemeClr val="dk1"/>
-              </a:solidFill>
-            </a:endParaRPr>
-          </a:p>
-        </p:txBody>
-      </p:sp>
-      <p:sp>
-        <p:nvSpPr>
-          <p:cNvPr id="16" name="圆角矩形 15">
-            <a:extLst>
-              <a:ext uri="{FF2B5EF4-FFF2-40B4-BE49-F238E27FC236}">
-                <a16:creationId xmlns:a16="http://schemas.microsoft.com/office/drawing/2014/main" id="{BA09E28B-6800-0D44-9BD0-F2E48A60557F}"/>
-              </a:ext>
-            </a:extLst>
-          </p:cNvPr>
-          <p:cNvSpPr/>
-          <p:nvPr/>
-        </p:nvSpPr>
-        <p:spPr>
-          <a:xfrm>
-            <a:off x="2133602" y="3744684"/>
-            <a:ext cx="6999510" cy="914400"/>
-          </a:xfrm>
-          <a:prstGeom prst="roundRect">
-            <a:avLst/>
-          </a:prstGeom>
-        </p:spPr>
-        <p:style>
-          <a:lnRef idx="1">
-            <a:schemeClr val="accent2"/>
-          </a:lnRef>
-          <a:fillRef idx="2">
-            <a:schemeClr val="accent2"/>
-          </a:fillRef>
-          <a:effectRef idx="1">
-            <a:schemeClr val="accent2"/>
-          </a:effectRef>
-          <a:fontRef idx="minor">
-            <a:schemeClr val="dk1"/>
-          </a:fontRef>
-        </p:style>
-        <p:txBody>
-          <a:bodyPr rot="0" spcFirstLastPara="0" vertOverflow="overflow" horzOverflow="overflow" vert="horz" wrap="square" lIns="91440" tIns="45720" rIns="91440" bIns="45720" numCol="1" spcCol="0" rtlCol="0" fromWordArt="0" anchor="ctr" anchorCtr="0" forceAA="0" compatLnSpc="1">
-            <a:prstTxWarp prst="textNoShape">
+            </a:prstGeom>
+          </p:spPr>
+          <p:style>
+            <a:lnRef idx="2">
+              <a:schemeClr val="accent1">
+                <a:shade val="50000"/>
+              </a:schemeClr>
+            </a:lnRef>
+            <a:fillRef idx="1">
+              <a:schemeClr val="accent1"/>
+            </a:fillRef>
+            <a:effectRef idx="0">
+              <a:schemeClr val="accent1"/>
+            </a:effectRef>
+            <a:fontRef idx="minor">
+              <a:schemeClr val="lt1"/>
+            </a:fontRef>
+          </p:style>
+          <p:txBody>
+            <a:bodyPr rtlCol="0" anchor="ctr"/>
+            <a:lstStyle/>
+            <a:p>
+              <a:pPr algn="ctr"/>
+              <a:endParaRPr kumimoji="1" lang="zh-CN" altLang="en-US" sz="1600"/>
+            </a:p>
+          </p:txBody>
+        </p:sp>
+        <p:sp>
+          <p:nvSpPr>
+            <p:cNvPr id="4" name="圆角矩形 3">
+              <a:extLst>
+                <a:ext uri="{FF2B5EF4-FFF2-40B4-BE49-F238E27FC236}">
+                  <a16:creationId xmlns:a16="http://schemas.microsoft.com/office/drawing/2014/main" id="{528EF239-E93F-9F48-8179-15166173E6AB}"/>
+                </a:ext>
+              </a:extLst>
+            </p:cNvPr>
+            <p:cNvSpPr/>
+            <p:nvPr/>
+          </p:nvSpPr>
+          <p:spPr>
+            <a:xfrm>
+              <a:off x="4332513" y="544281"/>
+              <a:ext cx="3494315" cy="914400"/>
+            </a:xfrm>
+            <a:prstGeom prst="roundRect">
               <a:avLst/>
-            </a:prstTxWarp>
-            <a:noAutofit/>
-          </a:bodyPr>
-          <a:lstStyle/>
-          <a:p>
-            <a:pPr algn="ctr"/>
-            <a:r>
-              <a:rPr kumimoji="1" lang="en-US" altLang="zh-CN" dirty="0">
+            </a:prstGeom>
+          </p:spPr>
+          <p:style>
+            <a:lnRef idx="2">
+              <a:schemeClr val="accent6"/>
+            </a:lnRef>
+            <a:fillRef idx="1">
+              <a:schemeClr val="lt1"/>
+            </a:fillRef>
+            <a:effectRef idx="0">
+              <a:schemeClr val="accent6"/>
+            </a:effectRef>
+            <a:fontRef idx="minor">
+              <a:schemeClr val="dk1"/>
+            </a:fontRef>
+          </p:style>
+          <p:txBody>
+            <a:bodyPr rtlCol="0" anchor="ctr"/>
+            <a:lstStyle/>
+            <a:p>
+              <a:pPr algn="ctr"/>
+              <a:r>
+                <a:rPr kumimoji="1" lang="en-US" altLang="zh-CN" sz="1600" dirty="0"/>
+                <a:t>                      … </a:t>
+              </a:r>
+              <a:r>
+                <a:rPr kumimoji="1" lang="zh-CN" altLang="en-US" sz="1600" dirty="0"/>
+                <a:t>其他进程</a:t>
+              </a:r>
+            </a:p>
+          </p:txBody>
+        </p:sp>
+        <p:sp>
+          <p:nvSpPr>
+            <p:cNvPr id="5" name="圆角矩形 4">
+              <a:extLst>
+                <a:ext uri="{FF2B5EF4-FFF2-40B4-BE49-F238E27FC236}">
+                  <a16:creationId xmlns:a16="http://schemas.microsoft.com/office/drawing/2014/main" id="{BD5810A3-F71F-B44F-B1CD-663270885511}"/>
+                </a:ext>
+              </a:extLst>
+            </p:cNvPr>
+            <p:cNvSpPr/>
+            <p:nvPr/>
+          </p:nvSpPr>
+          <p:spPr>
+            <a:xfrm>
+              <a:off x="7826828" y="555167"/>
+              <a:ext cx="1861453" cy="914400"/>
+            </a:xfrm>
+            <a:prstGeom prst="roundRect">
+              <a:avLst/>
+            </a:prstGeom>
+          </p:spPr>
+          <p:style>
+            <a:lnRef idx="2">
+              <a:schemeClr val="accent5">
+                <a:shade val="50000"/>
+              </a:schemeClr>
+            </a:lnRef>
+            <a:fillRef idx="1">
+              <a:schemeClr val="accent5"/>
+            </a:fillRef>
+            <a:effectRef idx="0">
+              <a:schemeClr val="accent5"/>
+            </a:effectRef>
+            <a:fontRef idx="minor">
+              <a:schemeClr val="lt1"/>
+            </a:fontRef>
+          </p:style>
+          <p:txBody>
+            <a:bodyPr rtlCol="0" anchor="ctr"/>
+            <a:lstStyle/>
+            <a:p>
+              <a:pPr algn="ctr"/>
+              <a:r>
+                <a:rPr kumimoji="1" lang="zh-CN" altLang="en-US" sz="1600" dirty="0"/>
+                <a:t>操作系统</a:t>
+              </a:r>
+            </a:p>
+          </p:txBody>
+        </p:sp>
+        <p:sp>
+          <p:nvSpPr>
+            <p:cNvPr id="7" name="下箭头 6">
+              <a:extLst>
+                <a:ext uri="{FF2B5EF4-FFF2-40B4-BE49-F238E27FC236}">
+                  <a16:creationId xmlns:a16="http://schemas.microsoft.com/office/drawing/2014/main" id="{36125127-005C-6B46-AE82-92EB0AD5A893}"/>
+                </a:ext>
+              </a:extLst>
+            </p:cNvPr>
+            <p:cNvSpPr/>
+            <p:nvPr/>
+          </p:nvSpPr>
+          <p:spPr>
+            <a:xfrm>
+              <a:off x="3069781" y="1467099"/>
+              <a:ext cx="446314" cy="468085"/>
+            </a:xfrm>
+            <a:prstGeom prst="downArrow">
+              <a:avLst/>
+            </a:prstGeom>
+          </p:spPr>
+          <p:style>
+            <a:lnRef idx="2">
+              <a:schemeClr val="accent1">
+                <a:shade val="50000"/>
+              </a:schemeClr>
+            </a:lnRef>
+            <a:fillRef idx="1">
+              <a:schemeClr val="accent1"/>
+            </a:fillRef>
+            <a:effectRef idx="0">
+              <a:schemeClr val="accent1"/>
+            </a:effectRef>
+            <a:fontRef idx="minor">
+              <a:schemeClr val="lt1"/>
+            </a:fontRef>
+          </p:style>
+          <p:txBody>
+            <a:bodyPr rtlCol="0" anchor="ctr"/>
+            <a:lstStyle/>
+            <a:p>
+              <a:pPr algn="ctr"/>
+              <a:endParaRPr kumimoji="1" lang="zh-CN" altLang="en-US" sz="1600"/>
+            </a:p>
+          </p:txBody>
+        </p:sp>
+        <p:sp>
+          <p:nvSpPr>
+            <p:cNvPr id="8" name="圆角矩形 7">
+              <a:extLst>
+                <a:ext uri="{FF2B5EF4-FFF2-40B4-BE49-F238E27FC236}">
+                  <a16:creationId xmlns:a16="http://schemas.microsoft.com/office/drawing/2014/main" id="{55E70CD1-C845-514F-909B-9FC172EAA110}"/>
+                </a:ext>
+              </a:extLst>
+            </p:cNvPr>
+            <p:cNvSpPr/>
+            <p:nvPr/>
+          </p:nvSpPr>
+          <p:spPr>
+            <a:xfrm>
+              <a:off x="1637993" y="1915879"/>
+              <a:ext cx="1556974" cy="914400"/>
+            </a:xfrm>
+            <a:prstGeom prst="roundRect">
+              <a:avLst/>
+            </a:prstGeom>
+          </p:spPr>
+          <p:style>
+            <a:lnRef idx="1">
+              <a:schemeClr val="accent2"/>
+            </a:lnRef>
+            <a:fillRef idx="2">
+              <a:schemeClr val="accent2"/>
+            </a:fillRef>
+            <a:effectRef idx="1">
+              <a:schemeClr val="accent2"/>
+            </a:effectRef>
+            <a:fontRef idx="minor">
+              <a:schemeClr val="dk1"/>
+            </a:fontRef>
+          </p:style>
+          <p:txBody>
+            <a:bodyPr rtlCol="0" anchor="ctr"/>
+            <a:lstStyle/>
+            <a:p>
+              <a:pPr algn="ctr"/>
+              <a:r>
+                <a:rPr kumimoji="1" lang="zh-CN" altLang="en-US" sz="1600"/>
+                <a:t>栈</a:t>
+              </a:r>
+              <a:endParaRPr kumimoji="1" lang="en-US" altLang="zh-CN" sz="1600" dirty="0"/>
+            </a:p>
+            <a:p>
+              <a:pPr algn="ctr"/>
+              <a:r>
+                <a:rPr kumimoji="1" lang="en-US" altLang="zh-CN" sz="1600" dirty="0"/>
+                <a:t>Stack</a:t>
+              </a:r>
+              <a:endParaRPr kumimoji="1" lang="zh-CN" altLang="en-US" sz="1600"/>
+            </a:p>
+          </p:txBody>
+        </p:sp>
+        <p:sp>
+          <p:nvSpPr>
+            <p:cNvPr id="9" name="圆角矩形 8">
+              <a:extLst>
+                <a:ext uri="{FF2B5EF4-FFF2-40B4-BE49-F238E27FC236}">
+                  <a16:creationId xmlns:a16="http://schemas.microsoft.com/office/drawing/2014/main" id="{C34E2C58-7A65-6446-AF21-E6A406730C23}"/>
+                </a:ext>
+              </a:extLst>
+            </p:cNvPr>
+            <p:cNvSpPr/>
+            <p:nvPr/>
+          </p:nvSpPr>
+          <p:spPr>
+            <a:xfrm>
+              <a:off x="3292940" y="1915880"/>
+              <a:ext cx="2619364" cy="914400"/>
+            </a:xfrm>
+            <a:prstGeom prst="roundRect">
+              <a:avLst/>
+            </a:prstGeom>
+          </p:spPr>
+          <p:style>
+            <a:lnRef idx="1">
+              <a:schemeClr val="accent5"/>
+            </a:lnRef>
+            <a:fillRef idx="2">
+              <a:schemeClr val="accent5"/>
+            </a:fillRef>
+            <a:effectRef idx="1">
+              <a:schemeClr val="accent5"/>
+            </a:effectRef>
+            <a:fontRef idx="minor">
+              <a:schemeClr val="dk1"/>
+            </a:fontRef>
+          </p:style>
+          <p:txBody>
+            <a:bodyPr rtlCol="0" anchor="ctr"/>
+            <a:lstStyle/>
+            <a:p>
+              <a:pPr algn="ctr"/>
+              <a:r>
+                <a:rPr kumimoji="1" lang="zh-CN" altLang="en-US" sz="1600"/>
+                <a:t>堆</a:t>
+              </a:r>
+              <a:endParaRPr kumimoji="1" lang="en-US" altLang="zh-CN" sz="1600" dirty="0"/>
+            </a:p>
+            <a:p>
+              <a:pPr algn="ctr"/>
+              <a:r>
+                <a:rPr kumimoji="1" lang="en-US" altLang="zh-CN" sz="1600" dirty="0"/>
+                <a:t>Heap</a:t>
+              </a:r>
+              <a:endParaRPr kumimoji="1" lang="zh-CN" altLang="en-US" sz="1600"/>
+            </a:p>
+          </p:txBody>
+        </p:sp>
+        <p:sp>
+          <p:nvSpPr>
+            <p:cNvPr id="10" name="圆角矩形 9">
+              <a:extLst>
+                <a:ext uri="{FF2B5EF4-FFF2-40B4-BE49-F238E27FC236}">
+                  <a16:creationId xmlns:a16="http://schemas.microsoft.com/office/drawing/2014/main" id="{A5749171-8197-BA4B-B0FD-0A60ACA9546B}"/>
+                </a:ext>
+              </a:extLst>
+            </p:cNvPr>
+            <p:cNvSpPr/>
+            <p:nvPr/>
+          </p:nvSpPr>
+          <p:spPr>
+            <a:xfrm>
+              <a:off x="7434943" y="1926766"/>
+              <a:ext cx="1567546" cy="914400"/>
+            </a:xfrm>
+            <a:prstGeom prst="roundRect">
+              <a:avLst/>
+            </a:prstGeom>
+          </p:spPr>
+          <p:style>
+            <a:lnRef idx="2">
+              <a:schemeClr val="accent6">
+                <a:shade val="50000"/>
+              </a:schemeClr>
+            </a:lnRef>
+            <a:fillRef idx="1">
+              <a:schemeClr val="accent6"/>
+            </a:fillRef>
+            <a:effectRef idx="0">
+              <a:schemeClr val="accent6"/>
+            </a:effectRef>
+            <a:fontRef idx="minor">
+              <a:schemeClr val="lt1"/>
+            </a:fontRef>
+          </p:style>
+          <p:txBody>
+            <a:bodyPr rtlCol="0" anchor="ctr"/>
+            <a:lstStyle/>
+            <a:p>
+              <a:pPr algn="ctr"/>
+              <a:r>
+                <a:rPr kumimoji="1" lang="en-US" altLang="zh-CN" sz="1600" dirty="0"/>
+                <a:t>JVM</a:t>
+              </a:r>
+              <a:r>
+                <a:rPr kumimoji="1" lang="zh-CN" altLang="en-US" sz="1600" dirty="0"/>
+                <a:t>自身</a:t>
+              </a:r>
+            </a:p>
+          </p:txBody>
+        </p:sp>
+        <p:sp>
+          <p:nvSpPr>
+            <p:cNvPr id="3" name="圆角矩形 2">
+              <a:extLst>
+                <a:ext uri="{FF2B5EF4-FFF2-40B4-BE49-F238E27FC236}">
+                  <a16:creationId xmlns:a16="http://schemas.microsoft.com/office/drawing/2014/main" id="{87D15C48-C5DD-BA49-AE98-FB7013743148}"/>
+                </a:ext>
+              </a:extLst>
+            </p:cNvPr>
+            <p:cNvSpPr/>
+            <p:nvPr/>
+          </p:nvSpPr>
+          <p:spPr>
+            <a:xfrm>
+              <a:off x="1417363" y="533395"/>
+              <a:ext cx="2915151" cy="914400"/>
+            </a:xfrm>
+            <a:prstGeom prst="roundRect">
+              <a:avLst/>
+            </a:prstGeom>
+          </p:spPr>
+          <p:style>
+            <a:lnRef idx="2">
+              <a:schemeClr val="accent1">
+                <a:shade val="50000"/>
+              </a:schemeClr>
+            </a:lnRef>
+            <a:fillRef idx="1">
+              <a:schemeClr val="accent1"/>
+            </a:fillRef>
+            <a:effectRef idx="0">
+              <a:schemeClr val="accent1"/>
+            </a:effectRef>
+            <a:fontRef idx="minor">
+              <a:schemeClr val="lt1"/>
+            </a:fontRef>
+          </p:style>
+          <p:txBody>
+            <a:bodyPr rtlCol="0" anchor="ctr"/>
+            <a:lstStyle/>
+            <a:p>
+              <a:pPr algn="ctr"/>
+              <a:r>
+                <a:rPr kumimoji="1" lang="en-US" altLang="zh-CN" sz="1600" dirty="0"/>
+                <a:t>Java</a:t>
+              </a:r>
+              <a:r>
+                <a:rPr kumimoji="1" lang="zh-CN" altLang="en-US" sz="1600" dirty="0"/>
+                <a:t>进程</a:t>
+              </a:r>
+            </a:p>
+          </p:txBody>
+        </p:sp>
+        <p:sp>
+          <p:nvSpPr>
+            <p:cNvPr id="11" name="对角圆角矩形 10">
+              <a:extLst>
+                <a:ext uri="{FF2B5EF4-FFF2-40B4-BE49-F238E27FC236}">
+                  <a16:creationId xmlns:a16="http://schemas.microsoft.com/office/drawing/2014/main" id="{FF4E2F13-66E0-0F48-8C4F-4DC8A8A862C8}"/>
+                </a:ext>
+              </a:extLst>
+            </p:cNvPr>
+            <p:cNvSpPr/>
+            <p:nvPr/>
+          </p:nvSpPr>
+          <p:spPr>
+            <a:xfrm>
+              <a:off x="6010275" y="1915880"/>
+              <a:ext cx="1326696" cy="914400"/>
+            </a:xfrm>
+            <a:prstGeom prst="round2DiagRect">
+              <a:avLst/>
+            </a:prstGeom>
+          </p:spPr>
+          <p:style>
+            <a:lnRef idx="2">
+              <a:schemeClr val="accent2">
+                <a:shade val="50000"/>
+              </a:schemeClr>
+            </a:lnRef>
+            <a:fillRef idx="1">
+              <a:schemeClr val="accent2"/>
+            </a:fillRef>
+            <a:effectRef idx="0">
+              <a:schemeClr val="accent2"/>
+            </a:effectRef>
+            <a:fontRef idx="minor">
+              <a:schemeClr val="lt1"/>
+            </a:fontRef>
+          </p:style>
+          <p:txBody>
+            <a:bodyPr rtlCol="0" anchor="ctr"/>
+            <a:lstStyle/>
+            <a:p>
+              <a:pPr algn="ctr"/>
+              <a:r>
+                <a:rPr kumimoji="1" lang="zh-CN" altLang="en-US" sz="1600"/>
+                <a:t>非堆</a:t>
+              </a:r>
+              <a:endParaRPr kumimoji="1" lang="en-US" altLang="zh-CN" sz="1600" dirty="0"/>
+            </a:p>
+            <a:p>
+              <a:pPr algn="ctr"/>
+              <a:r>
+                <a:rPr kumimoji="1" lang="en-US" altLang="zh-CN" sz="1600" dirty="0"/>
+                <a:t>Non-Heap</a:t>
+              </a:r>
+              <a:endParaRPr kumimoji="1" lang="zh-CN" altLang="en-US" sz="1600"/>
+            </a:p>
+          </p:txBody>
+        </p:sp>
+        <p:sp>
+          <p:nvSpPr>
+            <p:cNvPr id="14" name="下箭头 13">
+              <a:extLst>
+                <a:ext uri="{FF2B5EF4-FFF2-40B4-BE49-F238E27FC236}">
+                  <a16:creationId xmlns:a16="http://schemas.microsoft.com/office/drawing/2014/main" id="{A5249DF1-AEB2-2D43-943B-20A0E7D40401}"/>
+                </a:ext>
+              </a:extLst>
+            </p:cNvPr>
+            <p:cNvSpPr/>
+            <p:nvPr/>
+          </p:nvSpPr>
+          <p:spPr>
+            <a:xfrm>
+              <a:off x="4533903" y="2830280"/>
+              <a:ext cx="549733" cy="457200"/>
+            </a:xfrm>
+            <a:prstGeom prst="downArrow">
+              <a:avLst/>
+            </a:prstGeom>
+          </p:spPr>
+          <p:style>
+            <a:lnRef idx="1">
+              <a:schemeClr val="accent5"/>
+            </a:lnRef>
+            <a:fillRef idx="2">
+              <a:schemeClr val="accent5"/>
+            </a:fillRef>
+            <a:effectRef idx="1">
+              <a:schemeClr val="accent5"/>
+            </a:effectRef>
+            <a:fontRef idx="minor">
+              <a:schemeClr val="dk1"/>
+            </a:fontRef>
+          </p:style>
+          <p:txBody>
+            <a:bodyPr rot="0" spcFirstLastPara="0" vertOverflow="overflow" horzOverflow="overflow" vert="horz" wrap="square" lIns="91440" tIns="45720" rIns="91440" bIns="45720" numCol="1" spcCol="0" rtlCol="0" fromWordArt="0" anchor="ctr" anchorCtr="0" forceAA="0" compatLnSpc="1">
+              <a:prstTxWarp prst="textNoShape">
+                <a:avLst/>
+              </a:prstTxWarp>
+              <a:noAutofit/>
+            </a:bodyPr>
+            <a:lstStyle/>
+            <a:p>
+              <a:pPr algn="ctr"/>
+              <a:endParaRPr kumimoji="1" lang="zh-CN" altLang="en-US" sz="1400"/>
+            </a:p>
+          </p:txBody>
+        </p:sp>
+        <p:sp>
+          <p:nvSpPr>
+            <p:cNvPr id="12" name="圆角矩形 11">
+              <a:extLst>
+                <a:ext uri="{FF2B5EF4-FFF2-40B4-BE49-F238E27FC236}">
+                  <a16:creationId xmlns:a16="http://schemas.microsoft.com/office/drawing/2014/main" id="{C02BFD68-E86A-204F-A09D-805F3609E865}"/>
+                </a:ext>
+              </a:extLst>
+            </p:cNvPr>
+            <p:cNvSpPr/>
+            <p:nvPr/>
+          </p:nvSpPr>
+          <p:spPr>
+            <a:xfrm>
+              <a:off x="4036913" y="3287480"/>
+              <a:ext cx="2385658" cy="914400"/>
+            </a:xfrm>
+            <a:prstGeom prst="roundRect">
+              <a:avLst/>
+            </a:prstGeom>
+          </p:spPr>
+          <p:style>
+            <a:lnRef idx="1">
+              <a:schemeClr val="accent5"/>
+            </a:lnRef>
+            <a:fillRef idx="2">
+              <a:schemeClr val="accent5"/>
+            </a:fillRef>
+            <a:effectRef idx="1">
+              <a:schemeClr val="accent5"/>
+            </a:effectRef>
+            <a:fontRef idx="minor">
+              <a:schemeClr val="dk1"/>
+            </a:fontRef>
+          </p:style>
+          <p:txBody>
+            <a:bodyPr rtlCol="0" anchor="ctr"/>
+            <a:lstStyle/>
+            <a:p>
+              <a:pPr algn="ctr"/>
+              <a:endParaRPr kumimoji="1" lang="zh-CN" altLang="en-US" sz="1400"/>
+            </a:p>
+          </p:txBody>
+        </p:sp>
+        <p:sp>
+          <p:nvSpPr>
+            <p:cNvPr id="6" name="矩形 5">
+              <a:extLst>
+                <a:ext uri="{FF2B5EF4-FFF2-40B4-BE49-F238E27FC236}">
+                  <a16:creationId xmlns:a16="http://schemas.microsoft.com/office/drawing/2014/main" id="{2C4A8DC3-AE6D-F441-AA4C-09288BC872DE}"/>
+                </a:ext>
+              </a:extLst>
+            </p:cNvPr>
+            <p:cNvSpPr/>
+            <p:nvPr/>
+          </p:nvSpPr>
+          <p:spPr>
+            <a:xfrm>
+              <a:off x="4080457" y="3385451"/>
+              <a:ext cx="1177345" cy="740228"/>
+            </a:xfrm>
+            <a:prstGeom prst="rect">
+              <a:avLst/>
+            </a:prstGeom>
+          </p:spPr>
+          <p:style>
+            <a:lnRef idx="1">
+              <a:schemeClr val="accent1"/>
+            </a:lnRef>
+            <a:fillRef idx="2">
+              <a:schemeClr val="accent1"/>
+            </a:fillRef>
+            <a:effectRef idx="1">
+              <a:schemeClr val="accent1"/>
+            </a:effectRef>
+            <a:fontRef idx="minor">
+              <a:schemeClr val="dk1"/>
+            </a:fontRef>
+          </p:style>
+          <p:txBody>
+            <a:bodyPr rtlCol="0" anchor="ctr"/>
+            <a:lstStyle/>
+            <a:p>
+              <a:pPr algn="ctr"/>
+              <a:r>
+                <a:rPr kumimoji="1" lang="zh-CN" altLang="en-US" sz="1400"/>
+                <a:t>年轻代</a:t>
+              </a:r>
+              <a:endParaRPr kumimoji="1" lang="en-US" altLang="zh-CN" sz="1400" dirty="0"/>
+            </a:p>
+            <a:p>
+              <a:pPr algn="ctr"/>
+              <a:r>
+                <a:rPr kumimoji="1" lang="en-US" altLang="zh-CN" sz="1400" dirty="0"/>
+                <a:t>Young-gen</a:t>
+              </a:r>
+              <a:endParaRPr kumimoji="1" lang="zh-CN" altLang="en-US" sz="1400"/>
+            </a:p>
+          </p:txBody>
+        </p:sp>
+        <p:sp>
+          <p:nvSpPr>
+            <p:cNvPr id="15" name="下箭头 14">
+              <a:extLst>
+                <a:ext uri="{FF2B5EF4-FFF2-40B4-BE49-F238E27FC236}">
+                  <a16:creationId xmlns:a16="http://schemas.microsoft.com/office/drawing/2014/main" id="{1CFE2E5E-61F1-3E40-AB73-3807A013B8B5}"/>
+                </a:ext>
+              </a:extLst>
+            </p:cNvPr>
+            <p:cNvSpPr/>
+            <p:nvPr/>
+          </p:nvSpPr>
+          <p:spPr>
+            <a:xfrm>
+              <a:off x="4577449" y="4125679"/>
+              <a:ext cx="462642" cy="533401"/>
+            </a:xfrm>
+            <a:prstGeom prst="downArrow">
+              <a:avLst/>
+            </a:prstGeom>
+          </p:spPr>
+          <p:style>
+            <a:lnRef idx="1">
+              <a:schemeClr val="accent6"/>
+            </a:lnRef>
+            <a:fillRef idx="2">
+              <a:schemeClr val="accent6"/>
+            </a:fillRef>
+            <a:effectRef idx="1">
+              <a:schemeClr val="accent6"/>
+            </a:effectRef>
+            <a:fontRef idx="minor">
+              <a:schemeClr val="dk1"/>
+            </a:fontRef>
+          </p:style>
+          <p:txBody>
+            <a:bodyPr rot="0" spcFirstLastPara="0" vertOverflow="overflow" horzOverflow="overflow" vert="horz" wrap="square" lIns="91440" tIns="45720" rIns="91440" bIns="45720" numCol="1" spcCol="0" rtlCol="0" fromWordArt="0" anchor="ctr" anchorCtr="0" forceAA="0" compatLnSpc="1">
+              <a:prstTxWarp prst="textNoShape">
+                <a:avLst/>
+              </a:prstTxWarp>
+              <a:noAutofit/>
+            </a:bodyPr>
+            <a:lstStyle/>
+            <a:p>
+              <a:pPr algn="ctr"/>
+              <a:endParaRPr kumimoji="1" lang="zh-CN" altLang="en-US" sz="1400"/>
+            </a:p>
+          </p:txBody>
+        </p:sp>
+        <p:sp>
+          <p:nvSpPr>
+            <p:cNvPr id="16" name="矩形 15">
+              <a:extLst>
+                <a:ext uri="{FF2B5EF4-FFF2-40B4-BE49-F238E27FC236}">
+                  <a16:creationId xmlns:a16="http://schemas.microsoft.com/office/drawing/2014/main" id="{1CED07C8-5820-744D-8328-8B0634A8D122}"/>
+                </a:ext>
+              </a:extLst>
+            </p:cNvPr>
+            <p:cNvSpPr/>
+            <p:nvPr/>
+          </p:nvSpPr>
+          <p:spPr>
+            <a:xfrm>
+              <a:off x="3780068" y="4659080"/>
+              <a:ext cx="2739118" cy="816428"/>
+            </a:xfrm>
+            <a:prstGeom prst="rect">
+              <a:avLst/>
+            </a:prstGeom>
+          </p:spPr>
+          <p:style>
+            <a:lnRef idx="2">
+              <a:schemeClr val="accent5"/>
+            </a:lnRef>
+            <a:fillRef idx="1">
+              <a:schemeClr val="lt1"/>
+            </a:fillRef>
+            <a:effectRef idx="0">
+              <a:schemeClr val="accent5"/>
+            </a:effectRef>
+            <a:fontRef idx="minor">
+              <a:schemeClr val="dk1"/>
+            </a:fontRef>
+          </p:style>
+          <p:txBody>
+            <a:bodyPr rtlCol="0" anchor="ctr"/>
+            <a:lstStyle/>
+            <a:p>
+              <a:pPr algn="ctr"/>
+              <a:endParaRPr kumimoji="1" lang="zh-CN" altLang="en-US" sz="1400"/>
+            </a:p>
+          </p:txBody>
+        </p:sp>
+        <p:sp>
+          <p:nvSpPr>
+            <p:cNvPr id="17" name="圆角矩形 16">
+              <a:extLst>
+                <a:ext uri="{FF2B5EF4-FFF2-40B4-BE49-F238E27FC236}">
+                  <a16:creationId xmlns:a16="http://schemas.microsoft.com/office/drawing/2014/main" id="{DE56C32B-5FB9-6849-B836-C6178DC0ECFF}"/>
+                </a:ext>
+              </a:extLst>
+            </p:cNvPr>
+            <p:cNvSpPr/>
+            <p:nvPr/>
+          </p:nvSpPr>
+          <p:spPr>
+            <a:xfrm>
+              <a:off x="3793675" y="4659081"/>
+              <a:ext cx="1676401" cy="816428"/>
+            </a:xfrm>
+            <a:prstGeom prst="roundRect">
+              <a:avLst/>
+            </a:prstGeom>
+          </p:spPr>
+          <p:style>
+            <a:lnRef idx="1">
+              <a:schemeClr val="accent1"/>
+            </a:lnRef>
+            <a:fillRef idx="2">
+              <a:schemeClr val="accent1"/>
+            </a:fillRef>
+            <a:effectRef idx="1">
+              <a:schemeClr val="accent1"/>
+            </a:effectRef>
+            <a:fontRef idx="minor">
+              <a:schemeClr val="dk1"/>
+            </a:fontRef>
+          </p:style>
+          <p:txBody>
+            <a:bodyPr rtlCol="0" anchor="ctr"/>
+            <a:lstStyle/>
+            <a:p>
+              <a:pPr algn="ctr"/>
+              <a:r>
+                <a:rPr kumimoji="1" lang="zh-CN" altLang="en-US" sz="1400" dirty="0"/>
+                <a:t>新生代</a:t>
+              </a:r>
+              <a:endParaRPr kumimoji="1" lang="en-US" altLang="zh-CN" sz="1400" dirty="0"/>
+            </a:p>
+            <a:p>
+              <a:pPr algn="ctr"/>
+              <a:r>
+                <a:rPr kumimoji="1" lang="en-US" altLang="zh-CN" sz="1400" dirty="0"/>
+                <a:t>Eden-Space</a:t>
+              </a:r>
+            </a:p>
+          </p:txBody>
+        </p:sp>
+        <p:sp>
+          <p:nvSpPr>
+            <p:cNvPr id="20" name="圆角矩形 19">
+              <a:extLst>
+                <a:ext uri="{FF2B5EF4-FFF2-40B4-BE49-F238E27FC236}">
+                  <a16:creationId xmlns:a16="http://schemas.microsoft.com/office/drawing/2014/main" id="{3E2B33AB-0B17-724C-9F10-65713F879263}"/>
+                </a:ext>
+              </a:extLst>
+            </p:cNvPr>
+            <p:cNvSpPr/>
+            <p:nvPr/>
+          </p:nvSpPr>
+          <p:spPr>
+            <a:xfrm>
+              <a:off x="5483684" y="4659080"/>
+              <a:ext cx="508910" cy="816428"/>
+            </a:xfrm>
+            <a:prstGeom prst="roundRect">
+              <a:avLst/>
+            </a:prstGeom>
+          </p:spPr>
+          <p:style>
+            <a:lnRef idx="1">
+              <a:schemeClr val="accent6"/>
+            </a:lnRef>
+            <a:fillRef idx="2">
+              <a:schemeClr val="accent6"/>
+            </a:fillRef>
+            <a:effectRef idx="1">
+              <a:schemeClr val="accent6"/>
+            </a:effectRef>
+            <a:fontRef idx="minor">
+              <a:schemeClr val="dk1"/>
+            </a:fontRef>
+          </p:style>
+          <p:txBody>
+            <a:bodyPr rtlCol="0" anchor="ctr"/>
+            <a:lstStyle/>
+            <a:p>
+              <a:pPr algn="ctr"/>
+              <a:r>
+                <a:rPr kumimoji="1" lang="en-US" altLang="zh-CN" sz="1400" dirty="0"/>
+                <a:t>S0</a:t>
+              </a:r>
+            </a:p>
+          </p:txBody>
+        </p:sp>
+        <p:sp>
+          <p:nvSpPr>
+            <p:cNvPr id="21" name="圆角矩形 20">
+              <a:extLst>
+                <a:ext uri="{FF2B5EF4-FFF2-40B4-BE49-F238E27FC236}">
+                  <a16:creationId xmlns:a16="http://schemas.microsoft.com/office/drawing/2014/main" id="{98D13D18-ACAC-E146-9052-48B5F44E0BE6}"/>
+                </a:ext>
+              </a:extLst>
+            </p:cNvPr>
+            <p:cNvSpPr/>
+            <p:nvPr/>
+          </p:nvSpPr>
+          <p:spPr>
+            <a:xfrm>
+              <a:off x="6010275" y="4659080"/>
+              <a:ext cx="508910" cy="816428"/>
+            </a:xfrm>
+            <a:prstGeom prst="roundRect">
+              <a:avLst/>
+            </a:prstGeom>
+          </p:spPr>
+          <p:style>
+            <a:lnRef idx="1">
+              <a:schemeClr val="accent6"/>
+            </a:lnRef>
+            <a:fillRef idx="2">
+              <a:schemeClr val="accent6"/>
+            </a:fillRef>
+            <a:effectRef idx="1">
+              <a:schemeClr val="accent6"/>
+            </a:effectRef>
+            <a:fontRef idx="minor">
+              <a:schemeClr val="dk1"/>
+            </a:fontRef>
+          </p:style>
+          <p:txBody>
+            <a:bodyPr rtlCol="0" anchor="ctr"/>
+            <a:lstStyle/>
+            <a:p>
+              <a:pPr algn="ctr"/>
+              <a:r>
+                <a:rPr kumimoji="1" lang="en-US" altLang="zh-CN" sz="1400" dirty="0"/>
+                <a:t>S1</a:t>
+              </a:r>
+            </a:p>
+          </p:txBody>
+        </p:sp>
+        <p:sp>
+          <p:nvSpPr>
+            <p:cNvPr id="22" name="圆角矩形 21">
+              <a:extLst>
+                <a:ext uri="{FF2B5EF4-FFF2-40B4-BE49-F238E27FC236}">
+                  <a16:creationId xmlns:a16="http://schemas.microsoft.com/office/drawing/2014/main" id="{E560CD45-3841-4847-99DB-9D2717BA9B57}"/>
+                </a:ext>
+              </a:extLst>
+            </p:cNvPr>
+            <p:cNvSpPr/>
+            <p:nvPr/>
+          </p:nvSpPr>
+          <p:spPr>
+            <a:xfrm>
+              <a:off x="5312719" y="3385451"/>
+              <a:ext cx="1066307" cy="740228"/>
+            </a:xfrm>
+            <a:prstGeom prst="roundRect">
+              <a:avLst/>
+            </a:prstGeom>
+          </p:spPr>
+          <p:style>
+            <a:lnRef idx="2">
+              <a:schemeClr val="accent5">
+                <a:shade val="50000"/>
+              </a:schemeClr>
+            </a:lnRef>
+            <a:fillRef idx="1">
+              <a:schemeClr val="accent5"/>
+            </a:fillRef>
+            <a:effectRef idx="0">
+              <a:schemeClr val="accent5"/>
+            </a:effectRef>
+            <a:fontRef idx="minor">
+              <a:schemeClr val="lt1"/>
+            </a:fontRef>
+          </p:style>
+          <p:txBody>
+            <a:bodyPr rtlCol="0" anchor="ctr"/>
+            <a:lstStyle/>
+            <a:p>
+              <a:pPr algn="ctr"/>
+              <a:r>
+                <a:rPr kumimoji="1" lang="zh-CN" altLang="en-US" sz="1400"/>
+                <a:t>老年代</a:t>
+              </a:r>
+              <a:endParaRPr kumimoji="1" lang="en-US" altLang="zh-CN" sz="1400" dirty="0"/>
+            </a:p>
+            <a:p>
+              <a:pPr algn="ctr"/>
+              <a:r>
+                <a:rPr kumimoji="1" lang="en-US" altLang="zh-CN" sz="1400" dirty="0"/>
+                <a:t>Old-gen</a:t>
+              </a:r>
+              <a:endParaRPr kumimoji="1" lang="zh-CN" altLang="en-US" sz="1400"/>
+            </a:p>
+          </p:txBody>
+        </p:sp>
+        <p:sp>
+          <p:nvSpPr>
+            <p:cNvPr id="23" name="对角圆角矩形 22">
+              <a:extLst>
+                <a:ext uri="{FF2B5EF4-FFF2-40B4-BE49-F238E27FC236}">
+                  <a16:creationId xmlns:a16="http://schemas.microsoft.com/office/drawing/2014/main" id="{848136B8-E65A-C348-8F54-0B7AB3972B99}"/>
+                </a:ext>
+              </a:extLst>
+            </p:cNvPr>
+            <p:cNvSpPr/>
+            <p:nvPr/>
+          </p:nvSpPr>
+          <p:spPr>
+            <a:xfrm>
+              <a:off x="6422572" y="3287479"/>
+              <a:ext cx="3265709" cy="914400"/>
+            </a:xfrm>
+            <a:prstGeom prst="round2DiagRect">
+              <a:avLst/>
+            </a:prstGeom>
+          </p:spPr>
+          <p:style>
+            <a:lnRef idx="2">
+              <a:schemeClr val="accent2">
+                <a:shade val="50000"/>
+              </a:schemeClr>
+            </a:lnRef>
+            <a:fillRef idx="1">
+              <a:schemeClr val="accent2"/>
+            </a:fillRef>
+            <a:effectRef idx="0">
+              <a:schemeClr val="accent2"/>
+            </a:effectRef>
+            <a:fontRef idx="minor">
+              <a:schemeClr val="lt1"/>
+            </a:fontRef>
+          </p:style>
+          <p:txBody>
+            <a:bodyPr rtlCol="0" anchor="ctr"/>
+            <a:lstStyle/>
+            <a:p>
+              <a:pPr algn="ctr"/>
+              <a:endParaRPr kumimoji="1" lang="zh-CN" altLang="en-US" sz="1400"/>
+            </a:p>
+          </p:txBody>
+        </p:sp>
+        <p:sp>
+          <p:nvSpPr>
+            <p:cNvPr id="24" name="圆角矩形 23">
+              <a:extLst>
+                <a:ext uri="{FF2B5EF4-FFF2-40B4-BE49-F238E27FC236}">
+                  <a16:creationId xmlns:a16="http://schemas.microsoft.com/office/drawing/2014/main" id="{FFCB351D-5CFA-F346-A230-CCA873C495FF}"/>
+                </a:ext>
+              </a:extLst>
+            </p:cNvPr>
+            <p:cNvSpPr/>
+            <p:nvPr/>
+          </p:nvSpPr>
+          <p:spPr>
+            <a:xfrm>
+              <a:off x="6466112" y="3385451"/>
+              <a:ext cx="1534887" cy="740228"/>
+            </a:xfrm>
+            <a:prstGeom prst="roundRect">
+              <a:avLst/>
+            </a:prstGeom>
+          </p:spPr>
+          <p:style>
+            <a:lnRef idx="1">
+              <a:schemeClr val="accent5"/>
+            </a:lnRef>
+            <a:fillRef idx="2">
+              <a:schemeClr val="accent5"/>
+            </a:fillRef>
+            <a:effectRef idx="1">
+              <a:schemeClr val="accent5"/>
+            </a:effectRef>
+            <a:fontRef idx="minor">
+              <a:schemeClr val="dk1"/>
+            </a:fontRef>
+          </p:style>
+          <p:txBody>
+            <a:bodyPr rtlCol="0" anchor="ctr"/>
+            <a:lstStyle/>
+            <a:p>
+              <a:pPr algn="ctr"/>
+              <a:r>
+                <a:rPr kumimoji="1" lang="zh-CN" altLang="en-US" sz="1400" dirty="0"/>
+                <a:t>元数据区</a:t>
+              </a:r>
+              <a:endParaRPr kumimoji="1" lang="en-US" altLang="zh-CN" sz="1400" dirty="0"/>
+            </a:p>
+            <a:p>
+              <a:pPr algn="ctr"/>
+              <a:r>
+                <a:rPr kumimoji="1" lang="en-US" altLang="zh-CN" sz="1400" dirty="0"/>
+                <a:t>Metaspace</a:t>
+              </a:r>
+              <a:endParaRPr kumimoji="1" lang="zh-CN" altLang="en-US" sz="1400" dirty="0"/>
+            </a:p>
+          </p:txBody>
+        </p:sp>
+        <p:sp>
+          <p:nvSpPr>
+            <p:cNvPr id="25" name="圆角矩形 24">
+              <a:extLst>
+                <a:ext uri="{FF2B5EF4-FFF2-40B4-BE49-F238E27FC236}">
+                  <a16:creationId xmlns:a16="http://schemas.microsoft.com/office/drawing/2014/main" id="{1A337048-EBD0-CB4C-B3F5-06FC3E03041B}"/>
+                </a:ext>
+              </a:extLst>
+            </p:cNvPr>
+            <p:cNvSpPr/>
+            <p:nvPr/>
+          </p:nvSpPr>
+          <p:spPr>
+            <a:xfrm>
+              <a:off x="8852804" y="3385451"/>
+              <a:ext cx="838205" cy="740228"/>
+            </a:xfrm>
+            <a:prstGeom prst="roundRect">
+              <a:avLst/>
+            </a:prstGeom>
+          </p:spPr>
+          <p:style>
+            <a:lnRef idx="1">
+              <a:schemeClr val="accent4"/>
+            </a:lnRef>
+            <a:fillRef idx="2">
+              <a:schemeClr val="accent4"/>
+            </a:fillRef>
+            <a:effectRef idx="1">
+              <a:schemeClr val="accent4"/>
+            </a:effectRef>
+            <a:fontRef idx="minor">
+              <a:schemeClr val="dk1"/>
+            </a:fontRef>
+          </p:style>
+          <p:txBody>
+            <a:bodyPr rtlCol="0" anchor="ctr"/>
+            <a:lstStyle/>
+            <a:p>
+              <a:pPr algn="ctr"/>
+              <a:r>
+                <a:rPr kumimoji="1" lang="en-US" altLang="zh-CN" sz="1400" dirty="0"/>
+                <a:t>Code Cache</a:t>
+              </a:r>
+              <a:endParaRPr kumimoji="1" lang="zh-CN" altLang="en-US" sz="1400"/>
+            </a:p>
+          </p:txBody>
+        </p:sp>
+        <p:sp>
+          <p:nvSpPr>
+            <p:cNvPr id="26" name="圆角矩形 25">
+              <a:extLst>
+                <a:ext uri="{FF2B5EF4-FFF2-40B4-BE49-F238E27FC236}">
+                  <a16:creationId xmlns:a16="http://schemas.microsoft.com/office/drawing/2014/main" id="{2125A430-5CA4-2F44-AE4F-4EE26A4285BE}"/>
+                </a:ext>
+              </a:extLst>
+            </p:cNvPr>
+            <p:cNvSpPr/>
+            <p:nvPr/>
+          </p:nvSpPr>
+          <p:spPr>
+            <a:xfrm>
+              <a:off x="7700261" y="3472537"/>
+              <a:ext cx="1149821" cy="653142"/>
+            </a:xfrm>
+            <a:prstGeom prst="roundRect">
+              <a:avLst/>
+            </a:prstGeom>
+          </p:spPr>
+          <p:style>
+            <a:lnRef idx="1">
+              <a:schemeClr val="accent3"/>
+            </a:lnRef>
+            <a:fillRef idx="2">
+              <a:schemeClr val="accent3"/>
+            </a:fillRef>
+            <a:effectRef idx="1">
+              <a:schemeClr val="accent3"/>
+            </a:effectRef>
+            <a:fontRef idx="minor">
+              <a:schemeClr val="dk1"/>
+            </a:fontRef>
+          </p:style>
+          <p:txBody>
+            <a:bodyPr rtlCol="0" anchor="ctr"/>
+            <a:lstStyle/>
+            <a:p>
+              <a:pPr algn="ctr"/>
+              <a:r>
+                <a:rPr kumimoji="1" lang="en-US" altLang="zh-CN" sz="1400" dirty="0"/>
+                <a:t>Compressed Class Space </a:t>
+              </a:r>
+              <a:endParaRPr kumimoji="1" lang="zh-CN" altLang="en-US" sz="1400" dirty="0"/>
+            </a:p>
+          </p:txBody>
+        </p:sp>
+        <p:sp>
+          <p:nvSpPr>
+            <p:cNvPr id="27" name="下箭头 26">
+              <a:extLst>
+                <a:ext uri="{FF2B5EF4-FFF2-40B4-BE49-F238E27FC236}">
+                  <a16:creationId xmlns:a16="http://schemas.microsoft.com/office/drawing/2014/main" id="{14DA8695-8B66-B047-B89B-2167DE8D8C73}"/>
+                </a:ext>
+              </a:extLst>
+            </p:cNvPr>
+            <p:cNvSpPr/>
+            <p:nvPr/>
+          </p:nvSpPr>
+          <p:spPr>
+            <a:xfrm>
+              <a:off x="6838958" y="2830279"/>
+              <a:ext cx="549733" cy="457200"/>
+            </a:xfrm>
+            <a:prstGeom prst="downArrow">
+              <a:avLst/>
+            </a:prstGeom>
+          </p:spPr>
+          <p:style>
+            <a:lnRef idx="2">
+              <a:schemeClr val="accent2">
+                <a:shade val="50000"/>
+              </a:schemeClr>
+            </a:lnRef>
+            <a:fillRef idx="1">
+              <a:schemeClr val="accent2"/>
+            </a:fillRef>
+            <a:effectRef idx="0">
+              <a:schemeClr val="accent2"/>
+            </a:effectRef>
+            <a:fontRef idx="minor">
+              <a:schemeClr val="lt1"/>
+            </a:fontRef>
+          </p:style>
+          <p:txBody>
+            <a:bodyPr rot="0" spcFirstLastPara="0" vertOverflow="overflow" horzOverflow="overflow" vert="horz" wrap="square" lIns="91440" tIns="45720" rIns="91440" bIns="45720" numCol="1" spcCol="0" rtlCol="0" fromWordArt="0" anchor="ctr" anchorCtr="0" forceAA="0" compatLnSpc="1">
+              <a:prstTxWarp prst="textNoShape">
+                <a:avLst/>
+              </a:prstTxWarp>
+              <a:noAutofit/>
+            </a:bodyPr>
+            <a:lstStyle/>
+            <a:p>
+              <a:pPr algn="ctr"/>
+              <a:endParaRPr kumimoji="1" lang="zh-CN" altLang="en-US" sz="1400">
+                <a:solidFill>
+                  <a:schemeClr val="lt1"/>
+                </a:solidFill>
+              </a:endParaRPr>
+            </a:p>
+          </p:txBody>
+        </p:sp>
+        <p:sp>
+          <p:nvSpPr>
+            <p:cNvPr id="28" name="圆角矩形 27">
+              <a:extLst>
+                <a:ext uri="{FF2B5EF4-FFF2-40B4-BE49-F238E27FC236}">
+                  <a16:creationId xmlns:a16="http://schemas.microsoft.com/office/drawing/2014/main" id="{6225D65E-004F-A240-9D12-71936AE42244}"/>
+                </a:ext>
+              </a:extLst>
+            </p:cNvPr>
+            <p:cNvSpPr/>
+            <p:nvPr/>
+          </p:nvSpPr>
+          <p:spPr>
+            <a:xfrm>
+              <a:off x="6581778" y="4659080"/>
+              <a:ext cx="2507794" cy="816428"/>
+            </a:xfrm>
+            <a:prstGeom prst="roundRect">
+              <a:avLst/>
+            </a:prstGeom>
+          </p:spPr>
+          <p:style>
+            <a:lnRef idx="1">
+              <a:schemeClr val="accent5"/>
+            </a:lnRef>
+            <a:fillRef idx="2">
+              <a:schemeClr val="accent5"/>
+            </a:fillRef>
+            <a:effectRef idx="1">
+              <a:schemeClr val="accent5"/>
+            </a:effectRef>
+            <a:fontRef idx="minor">
+              <a:schemeClr val="dk1"/>
+            </a:fontRef>
+          </p:style>
+          <p:txBody>
+            <a:bodyPr rtlCol="0" anchor="ctr"/>
+            <a:lstStyle/>
+            <a:p>
+              <a:pPr algn="ctr"/>
+              <a:endParaRPr kumimoji="1" lang="zh-CN" altLang="en-US" sz="1400"/>
+            </a:p>
+          </p:txBody>
+        </p:sp>
+        <p:sp>
+          <p:nvSpPr>
+            <p:cNvPr id="29" name="下箭头 28">
+              <a:extLst>
+                <a:ext uri="{FF2B5EF4-FFF2-40B4-BE49-F238E27FC236}">
+                  <a16:creationId xmlns:a16="http://schemas.microsoft.com/office/drawing/2014/main" id="{68C73640-51EE-0044-AE3F-9F9AEF009B3A}"/>
+                </a:ext>
+              </a:extLst>
+            </p:cNvPr>
+            <p:cNvSpPr/>
+            <p:nvPr/>
+          </p:nvSpPr>
+          <p:spPr>
+            <a:xfrm>
+              <a:off x="7366907" y="4125679"/>
+              <a:ext cx="462642" cy="533401"/>
+            </a:xfrm>
+            <a:prstGeom prst="downArrow">
+              <a:avLst/>
+            </a:prstGeom>
+          </p:spPr>
+          <p:style>
+            <a:lnRef idx="1">
+              <a:schemeClr val="accent5"/>
+            </a:lnRef>
+            <a:fillRef idx="2">
+              <a:schemeClr val="accent5"/>
+            </a:fillRef>
+            <a:effectRef idx="1">
+              <a:schemeClr val="accent5"/>
+            </a:effectRef>
+            <a:fontRef idx="minor">
+              <a:schemeClr val="dk1"/>
+            </a:fontRef>
+          </p:style>
+          <p:txBody>
+            <a:bodyPr rtlCol="0" anchor="ctr"/>
+            <a:lstStyle/>
+            <a:p>
+              <a:pPr algn="ctr"/>
+              <a:endParaRPr kumimoji="1" lang="zh-CN" altLang="en-US" sz="1400"/>
+            </a:p>
+          </p:txBody>
+        </p:sp>
+        <p:sp>
+          <p:nvSpPr>
+            <p:cNvPr id="18" name="剪去单角的矩形 17">
+              <a:extLst>
+                <a:ext uri="{FF2B5EF4-FFF2-40B4-BE49-F238E27FC236}">
+                  <a16:creationId xmlns:a16="http://schemas.microsoft.com/office/drawing/2014/main" id="{3931844B-A503-9640-8235-A4640EBD7706}"/>
+                </a:ext>
+              </a:extLst>
+            </p:cNvPr>
+            <p:cNvSpPr/>
+            <p:nvPr/>
+          </p:nvSpPr>
+          <p:spPr>
+            <a:xfrm>
+              <a:off x="6874321" y="4762494"/>
+              <a:ext cx="1883233" cy="636814"/>
+            </a:xfrm>
+            <a:prstGeom prst="snip1Rect">
+              <a:avLst/>
+            </a:prstGeom>
+          </p:spPr>
+          <p:style>
+            <a:lnRef idx="0">
+              <a:schemeClr val="accent2"/>
+            </a:lnRef>
+            <a:fillRef idx="3">
+              <a:schemeClr val="accent2"/>
+            </a:fillRef>
+            <a:effectRef idx="3">
+              <a:schemeClr val="accent2"/>
+            </a:effectRef>
+            <a:fontRef idx="minor">
+              <a:schemeClr val="lt1"/>
+            </a:fontRef>
+          </p:style>
+          <p:txBody>
+            <a:bodyPr rtlCol="0" anchor="ctr"/>
+            <a:lstStyle/>
+            <a:p>
+              <a:pPr algn="ctr"/>
+              <a:r>
+                <a:rPr kumimoji="1" lang="en-US" altLang="zh-CN" sz="1400" dirty="0"/>
+                <a:t>             </a:t>
+              </a:r>
+              <a:r>
+                <a:rPr kumimoji="1" lang="zh-CN" altLang="en-US" sz="1400" dirty="0"/>
+                <a:t>方法区</a:t>
+              </a:r>
+            </a:p>
+          </p:txBody>
+        </p:sp>
+        <p:sp>
+          <p:nvSpPr>
+            <p:cNvPr id="13" name="文本框 12">
+              <a:extLst>
+                <a:ext uri="{FF2B5EF4-FFF2-40B4-BE49-F238E27FC236}">
+                  <a16:creationId xmlns:a16="http://schemas.microsoft.com/office/drawing/2014/main" id="{8F1BA41C-E5DE-F048-892F-37A979486B63}"/>
+                </a:ext>
+              </a:extLst>
+            </p:cNvPr>
+            <p:cNvSpPr txBox="1"/>
+            <p:nvPr/>
+          </p:nvSpPr>
+          <p:spPr>
+            <a:xfrm>
+              <a:off x="9292309" y="4262102"/>
+              <a:ext cx="395972" cy="307777"/>
+            </a:xfrm>
+            <a:prstGeom prst="rect">
+              <a:avLst/>
+            </a:prstGeom>
+          </p:spPr>
+          <p:style>
+            <a:lnRef idx="1">
+              <a:schemeClr val="accent4"/>
+            </a:lnRef>
+            <a:fillRef idx="2">
+              <a:schemeClr val="accent4"/>
+            </a:fillRef>
+            <a:effectRef idx="1">
+              <a:schemeClr val="accent4"/>
+            </a:effectRef>
+            <a:fontRef idx="minor">
+              <a:schemeClr val="dk1"/>
+            </a:fontRef>
+          </p:style>
+          <p:txBody>
+            <a:bodyPr wrap="square" rtlCol="0">
+              <a:spAutoFit/>
+            </a:bodyPr>
+            <a:lstStyle/>
+            <a:p>
+              <a:r>
+                <a:rPr kumimoji="1" lang="en-US" altLang="zh-CN" sz="1400" dirty="0">
+                  <a:solidFill>
+                    <a:schemeClr val="bg1"/>
+                  </a:solidFill>
+                </a:rPr>
+                <a:t>JIT</a:t>
+              </a:r>
+              <a:endParaRPr kumimoji="1" lang="zh-CN" altLang="en-US" sz="1400">
+                <a:solidFill>
+                  <a:schemeClr val="bg1"/>
+                </a:solidFill>
+              </a:endParaRPr>
+            </a:p>
+          </p:txBody>
+        </p:sp>
+        <p:sp>
+          <p:nvSpPr>
+            <p:cNvPr id="30" name="棱台 29">
+              <a:extLst>
+                <a:ext uri="{FF2B5EF4-FFF2-40B4-BE49-F238E27FC236}">
+                  <a16:creationId xmlns:a16="http://schemas.microsoft.com/office/drawing/2014/main" id="{1419A84C-CBE6-CB43-B03A-A8AFC4AE86B4}"/>
+                </a:ext>
+              </a:extLst>
+            </p:cNvPr>
+            <p:cNvSpPr/>
+            <p:nvPr/>
+          </p:nvSpPr>
+          <p:spPr>
+            <a:xfrm>
+              <a:off x="3842660" y="5453737"/>
+              <a:ext cx="609599" cy="185057"/>
+            </a:xfrm>
+            <a:prstGeom prst="bevel">
+              <a:avLst/>
+            </a:prstGeom>
+          </p:spPr>
+          <p:style>
+            <a:lnRef idx="0">
+              <a:schemeClr val="accent3"/>
+            </a:lnRef>
+            <a:fillRef idx="3">
+              <a:schemeClr val="accent3"/>
+            </a:fillRef>
+            <a:effectRef idx="3">
+              <a:schemeClr val="accent3"/>
+            </a:effectRef>
+            <a:fontRef idx="minor">
+              <a:schemeClr val="lt1"/>
+            </a:fontRef>
+          </p:style>
+          <p:txBody>
+            <a:bodyPr rtlCol="0" anchor="ctr"/>
+            <a:lstStyle/>
+            <a:p>
+              <a:pPr algn="ctr"/>
+              <a:r>
+                <a:rPr kumimoji="1" lang="en-US" altLang="zh-CN" sz="1400" dirty="0"/>
+                <a:t>TLAB</a:t>
+              </a:r>
+              <a:endParaRPr kumimoji="1" lang="zh-CN" altLang="en-US" sz="1400" dirty="0"/>
+            </a:p>
+          </p:txBody>
+        </p:sp>
+        <p:sp>
+          <p:nvSpPr>
+            <p:cNvPr id="31" name="棱台 30">
+              <a:extLst>
+                <a:ext uri="{FF2B5EF4-FFF2-40B4-BE49-F238E27FC236}">
+                  <a16:creationId xmlns:a16="http://schemas.microsoft.com/office/drawing/2014/main" id="{46BCBAF6-4D0F-F343-A922-437F2F69988E}"/>
+                </a:ext>
+              </a:extLst>
+            </p:cNvPr>
+            <p:cNvSpPr/>
+            <p:nvPr/>
+          </p:nvSpPr>
+          <p:spPr>
+            <a:xfrm>
+              <a:off x="4432533" y="5453736"/>
+              <a:ext cx="609599" cy="185057"/>
+            </a:xfrm>
+            <a:prstGeom prst="bevel">
+              <a:avLst/>
+            </a:prstGeom>
+          </p:spPr>
+          <p:style>
+            <a:lnRef idx="0">
+              <a:schemeClr val="accent3"/>
+            </a:lnRef>
+            <a:fillRef idx="3">
+              <a:schemeClr val="accent3"/>
+            </a:fillRef>
+            <a:effectRef idx="3">
+              <a:schemeClr val="accent3"/>
+            </a:effectRef>
+            <a:fontRef idx="minor">
+              <a:schemeClr val="lt1"/>
+            </a:fontRef>
+          </p:style>
+          <p:txBody>
+            <a:bodyPr rtlCol="0" anchor="ctr"/>
+            <a:lstStyle/>
+            <a:p>
+              <a:pPr algn="ctr"/>
+              <a:r>
+                <a:rPr kumimoji="1" lang="en-US" altLang="zh-CN" sz="1400" dirty="0"/>
+                <a:t>TLAB</a:t>
+              </a:r>
+              <a:endParaRPr kumimoji="1" lang="zh-CN" altLang="en-US" sz="1400" dirty="0"/>
+            </a:p>
+          </p:txBody>
+        </p:sp>
+        <p:sp>
+          <p:nvSpPr>
+            <p:cNvPr id="32" name="下箭头 31">
+              <a:extLst>
+                <a:ext uri="{FF2B5EF4-FFF2-40B4-BE49-F238E27FC236}">
+                  <a16:creationId xmlns:a16="http://schemas.microsoft.com/office/drawing/2014/main" id="{155473AB-BA0D-1542-BFD8-0468AAC40850}"/>
+                </a:ext>
+              </a:extLst>
+            </p:cNvPr>
+            <p:cNvSpPr/>
+            <p:nvPr/>
+          </p:nvSpPr>
+          <p:spPr>
+            <a:xfrm>
+              <a:off x="2641153" y="2808508"/>
+              <a:ext cx="353787" cy="293921"/>
+            </a:xfrm>
+            <a:prstGeom prst="downArrow">
+              <a:avLst/>
+            </a:prstGeom>
+          </p:spPr>
+          <p:style>
+            <a:lnRef idx="1">
+              <a:schemeClr val="accent2"/>
+            </a:lnRef>
+            <a:fillRef idx="2">
+              <a:schemeClr val="accent2"/>
+            </a:fillRef>
+            <a:effectRef idx="1">
+              <a:schemeClr val="accent2"/>
+            </a:effectRef>
+            <a:fontRef idx="minor">
+              <a:schemeClr val="dk1"/>
+            </a:fontRef>
+          </p:style>
+          <p:txBody>
+            <a:bodyPr rot="0" spcFirstLastPara="0" vertOverflow="overflow" horzOverflow="overflow" vert="horz" wrap="square" lIns="91440" tIns="45720" rIns="91440" bIns="45720" numCol="1" spcCol="0" rtlCol="0" fromWordArt="0" anchor="ctr" anchorCtr="0" forceAA="0" compatLnSpc="1">
+              <a:prstTxWarp prst="textNoShape">
+                <a:avLst/>
+              </a:prstTxWarp>
+              <a:noAutofit/>
+            </a:bodyPr>
+            <a:lstStyle/>
+            <a:p>
+              <a:pPr algn="ctr"/>
+              <a:endParaRPr kumimoji="1" lang="zh-CN" altLang="en-US" sz="1400">
                 <a:solidFill>
                   <a:schemeClr val="dk1"/>
                 </a:solidFill>
-              </a:rPr>
-              <a:t>                     ……</a:t>
-            </a:r>
-            <a:endParaRPr kumimoji="1" lang="zh-CN" altLang="en-US">
-              <a:solidFill>
-                <a:schemeClr val="dk1"/>
-              </a:solidFill>
-            </a:endParaRPr>
-          </a:p>
-        </p:txBody>
-      </p:sp>
-      <p:sp>
-        <p:nvSpPr>
-          <p:cNvPr id="17" name="剪去单圆角的矩形 16">
-            <a:extLst>
-              <a:ext uri="{FF2B5EF4-FFF2-40B4-BE49-F238E27FC236}">
-                <a16:creationId xmlns:a16="http://schemas.microsoft.com/office/drawing/2014/main" id="{2B3BE0AE-2B15-3B4A-8B80-6C11035DF04E}"/>
-              </a:ext>
-            </a:extLst>
-          </p:cNvPr>
-          <p:cNvSpPr/>
-          <p:nvPr/>
-        </p:nvSpPr>
-        <p:spPr>
-          <a:xfrm>
-            <a:off x="2808515" y="3744686"/>
-            <a:ext cx="1121231" cy="914400"/>
-          </a:xfrm>
-          <a:prstGeom prst="snipRoundRect">
-            <a:avLst/>
-          </a:prstGeom>
-        </p:spPr>
-        <p:style>
-          <a:lnRef idx="2">
-            <a:schemeClr val="accent2">
-              <a:shade val="50000"/>
-            </a:schemeClr>
-          </a:lnRef>
-          <a:fillRef idx="1">
-            <a:schemeClr val="accent2"/>
-          </a:fillRef>
-          <a:effectRef idx="0">
-            <a:schemeClr val="accent2"/>
-          </a:effectRef>
-          <a:fontRef idx="minor">
-            <a:schemeClr val="lt1"/>
-          </a:fontRef>
-        </p:style>
-        <p:txBody>
-          <a:bodyPr rtlCol="0" anchor="ctr"/>
-          <a:lstStyle/>
-          <a:p>
-            <a:pPr algn="ctr"/>
-            <a:r>
-              <a:rPr kumimoji="1" lang="zh-CN" altLang="en-US"/>
-              <a:t>线程栈</a:t>
-            </a:r>
-            <a:r>
-              <a:rPr kumimoji="1" lang="en-US" altLang="zh-CN" dirty="0"/>
-              <a:t>1</a:t>
-            </a:r>
-            <a:endParaRPr kumimoji="1" lang="zh-CN" altLang="en-US"/>
-          </a:p>
-        </p:txBody>
-      </p:sp>
-      <p:sp>
-        <p:nvSpPr>
-          <p:cNvPr id="18" name="剪去单圆角的矩形 17">
-            <a:extLst>
-              <a:ext uri="{FF2B5EF4-FFF2-40B4-BE49-F238E27FC236}">
-                <a16:creationId xmlns:a16="http://schemas.microsoft.com/office/drawing/2014/main" id="{3AEA2A9B-D28E-F143-B596-BA6A2C68283A}"/>
-              </a:ext>
-            </a:extLst>
-          </p:cNvPr>
-          <p:cNvSpPr/>
-          <p:nvPr/>
-        </p:nvSpPr>
-        <p:spPr>
-          <a:xfrm>
-            <a:off x="4811486" y="3755571"/>
-            <a:ext cx="1121231" cy="914400"/>
-          </a:xfrm>
-          <a:prstGeom prst="snipRoundRect">
-            <a:avLst/>
-          </a:prstGeom>
-        </p:spPr>
-        <p:style>
-          <a:lnRef idx="2">
-            <a:schemeClr val="accent2">
-              <a:shade val="50000"/>
-            </a:schemeClr>
-          </a:lnRef>
-          <a:fillRef idx="1">
-            <a:schemeClr val="accent2"/>
-          </a:fillRef>
-          <a:effectRef idx="0">
-            <a:schemeClr val="accent2"/>
-          </a:effectRef>
-          <a:fontRef idx="minor">
-            <a:schemeClr val="lt1"/>
-          </a:fontRef>
-        </p:style>
-        <p:txBody>
-          <a:bodyPr rtlCol="0" anchor="ctr"/>
-          <a:lstStyle/>
-          <a:p>
-            <a:pPr algn="ctr"/>
-            <a:r>
-              <a:rPr kumimoji="1" lang="zh-CN" altLang="en-US"/>
-              <a:t>线程栈</a:t>
-            </a:r>
-            <a:r>
-              <a:rPr kumimoji="1" lang="en-US" altLang="zh-CN" dirty="0"/>
-              <a:t>2</a:t>
-            </a:r>
-            <a:endParaRPr kumimoji="1" lang="zh-CN" altLang="en-US"/>
-          </a:p>
-        </p:txBody>
-      </p:sp>
-      <p:sp>
-        <p:nvSpPr>
-          <p:cNvPr id="19" name="剪去单圆角的矩形 18">
-            <a:extLst>
-              <a:ext uri="{FF2B5EF4-FFF2-40B4-BE49-F238E27FC236}">
-                <a16:creationId xmlns:a16="http://schemas.microsoft.com/office/drawing/2014/main" id="{CD1B4D61-F682-FD45-95EE-CFA1363AF9FC}"/>
-              </a:ext>
-            </a:extLst>
-          </p:cNvPr>
-          <p:cNvSpPr/>
-          <p:nvPr/>
-        </p:nvSpPr>
-        <p:spPr>
-          <a:xfrm>
-            <a:off x="7434939" y="3755571"/>
-            <a:ext cx="1121231" cy="914400"/>
-          </a:xfrm>
-          <a:prstGeom prst="snipRoundRect">
-            <a:avLst/>
-          </a:prstGeom>
-        </p:spPr>
-        <p:style>
-          <a:lnRef idx="2">
-            <a:schemeClr val="accent2">
-              <a:shade val="50000"/>
-            </a:schemeClr>
-          </a:lnRef>
-          <a:fillRef idx="1">
-            <a:schemeClr val="accent2"/>
-          </a:fillRef>
-          <a:effectRef idx="0">
-            <a:schemeClr val="accent2"/>
-          </a:effectRef>
-          <a:fontRef idx="minor">
-            <a:schemeClr val="lt1"/>
-          </a:fontRef>
-        </p:style>
-        <p:txBody>
-          <a:bodyPr rtlCol="0" anchor="ctr"/>
-          <a:lstStyle/>
-          <a:p>
-            <a:pPr algn="ctr"/>
-            <a:r>
-              <a:rPr kumimoji="1" lang="zh-CN" altLang="en-US"/>
-              <a:t>线程栈</a:t>
-            </a:r>
-            <a:r>
-              <a:rPr kumimoji="1" lang="en-US" altLang="zh-CN" dirty="0"/>
-              <a:t>n</a:t>
-            </a:r>
-            <a:endParaRPr kumimoji="1" lang="zh-CN" altLang="en-US"/>
-          </a:p>
-        </p:txBody>
-      </p:sp>
-      <p:sp>
-        <p:nvSpPr>
-          <p:cNvPr id="20" name="剪去单圆角的矩形 19">
-            <a:extLst>
-              <a:ext uri="{FF2B5EF4-FFF2-40B4-BE49-F238E27FC236}">
-                <a16:creationId xmlns:a16="http://schemas.microsoft.com/office/drawing/2014/main" id="{993C25DD-E2E4-7B40-ADE8-2355F1C5737E}"/>
-              </a:ext>
-            </a:extLst>
-          </p:cNvPr>
-          <p:cNvSpPr/>
-          <p:nvPr/>
-        </p:nvSpPr>
-        <p:spPr>
-          <a:xfrm>
-            <a:off x="2133599" y="5094510"/>
-            <a:ext cx="6999513" cy="914400"/>
-          </a:xfrm>
-          <a:prstGeom prst="snipRoundRect">
-            <a:avLst/>
-          </a:prstGeom>
-        </p:spPr>
-        <p:style>
-          <a:lnRef idx="2">
-            <a:schemeClr val="accent2">
-              <a:shade val="50000"/>
-            </a:schemeClr>
-          </a:lnRef>
-          <a:fillRef idx="1">
-            <a:schemeClr val="accent2"/>
-          </a:fillRef>
-          <a:effectRef idx="0">
-            <a:schemeClr val="accent2"/>
-          </a:effectRef>
-          <a:fontRef idx="minor">
-            <a:schemeClr val="lt1"/>
-          </a:fontRef>
-        </p:style>
-        <p:txBody>
-          <a:bodyPr rtlCol="0" anchor="ctr"/>
-          <a:lstStyle/>
-          <a:p>
-            <a:pPr algn="ctr"/>
-            <a:endParaRPr kumimoji="1" lang="zh-CN" altLang="en-US"/>
-          </a:p>
-        </p:txBody>
-      </p:sp>
-      <p:sp>
-        <p:nvSpPr>
-          <p:cNvPr id="21" name="下箭头 20">
-            <a:extLst>
-              <a:ext uri="{FF2B5EF4-FFF2-40B4-BE49-F238E27FC236}">
-                <a16:creationId xmlns:a16="http://schemas.microsoft.com/office/drawing/2014/main" id="{ED0910E1-9C8E-9A40-91E8-1A10F688D5A4}"/>
-              </a:ext>
-            </a:extLst>
-          </p:cNvPr>
-          <p:cNvSpPr/>
-          <p:nvPr/>
-        </p:nvSpPr>
-        <p:spPr>
-          <a:xfrm>
-            <a:off x="3287493" y="4659082"/>
-            <a:ext cx="353787" cy="446313"/>
-          </a:xfrm>
-          <a:prstGeom prst="downArrow">
-            <a:avLst/>
-          </a:prstGeom>
-        </p:spPr>
-        <p:style>
-          <a:lnRef idx="2">
-            <a:schemeClr val="accent2">
-              <a:shade val="50000"/>
-            </a:schemeClr>
-          </a:lnRef>
-          <a:fillRef idx="1">
-            <a:schemeClr val="accent2"/>
-          </a:fillRef>
-          <a:effectRef idx="0">
-            <a:schemeClr val="accent2"/>
-          </a:effectRef>
-          <a:fontRef idx="minor">
-            <a:schemeClr val="lt1"/>
-          </a:fontRef>
-        </p:style>
-        <p:txBody>
-          <a:bodyPr rot="0" spcFirstLastPara="0" vertOverflow="overflow" horzOverflow="overflow" vert="horz" wrap="square" lIns="91440" tIns="45720" rIns="91440" bIns="45720" numCol="1" spcCol="0" rtlCol="0" fromWordArt="0" anchor="ctr" anchorCtr="0" forceAA="0" compatLnSpc="1">
-            <a:prstTxWarp prst="textNoShape">
+              </a:endParaRPr>
+            </a:p>
+          </p:txBody>
+        </p:sp>
+        <p:sp>
+          <p:nvSpPr>
+            <p:cNvPr id="33" name="圆角矩形 32">
+              <a:extLst>
+                <a:ext uri="{FF2B5EF4-FFF2-40B4-BE49-F238E27FC236}">
+                  <a16:creationId xmlns:a16="http://schemas.microsoft.com/office/drawing/2014/main" id="{E13A03C8-6EF8-824D-AFD1-8DA76FE571A0}"/>
+                </a:ext>
+              </a:extLst>
+            </p:cNvPr>
+            <p:cNvSpPr/>
+            <p:nvPr/>
+          </p:nvSpPr>
+          <p:spPr>
+            <a:xfrm>
+              <a:off x="1417363" y="3121733"/>
+              <a:ext cx="2371055" cy="546741"/>
+            </a:xfrm>
+            <a:prstGeom prst="roundRect">
               <a:avLst/>
-            </a:prstTxWarp>
-            <a:noAutofit/>
-          </a:bodyPr>
-          <a:lstStyle/>
-          <a:p>
-            <a:pPr algn="ctr"/>
-            <a:endParaRPr kumimoji="1" lang="zh-CN" altLang="en-US">
-              <a:solidFill>
-                <a:schemeClr val="lt1"/>
-              </a:solidFill>
-            </a:endParaRPr>
-          </a:p>
-        </p:txBody>
-      </p:sp>
-      <p:sp>
-        <p:nvSpPr>
-          <p:cNvPr id="22" name="剪去单圆角的矩形 21">
-            <a:extLst>
-              <a:ext uri="{FF2B5EF4-FFF2-40B4-BE49-F238E27FC236}">
-                <a16:creationId xmlns:a16="http://schemas.microsoft.com/office/drawing/2014/main" id="{33DFE431-8CA5-AF48-8247-00F4DEB4EBF8}"/>
-              </a:ext>
-            </a:extLst>
-          </p:cNvPr>
-          <p:cNvSpPr/>
-          <p:nvPr/>
-        </p:nvSpPr>
-        <p:spPr>
-          <a:xfrm>
-            <a:off x="2133599" y="5094509"/>
-            <a:ext cx="1349832" cy="914400"/>
-          </a:xfrm>
-          <a:prstGeom prst="snipRoundRect">
-            <a:avLst/>
-          </a:prstGeom>
-        </p:spPr>
-        <p:style>
-          <a:lnRef idx="1">
-            <a:schemeClr val="accent3"/>
-          </a:lnRef>
-          <a:fillRef idx="2">
-            <a:schemeClr val="accent3"/>
-          </a:fillRef>
-          <a:effectRef idx="1">
-            <a:schemeClr val="accent3"/>
-          </a:effectRef>
-          <a:fontRef idx="minor">
-            <a:schemeClr val="dk1"/>
-          </a:fontRef>
-        </p:style>
-        <p:txBody>
-          <a:bodyPr rtlCol="0" anchor="ctr"/>
-          <a:lstStyle/>
-          <a:p>
-            <a:pPr algn="ctr"/>
-            <a:r>
-              <a:rPr kumimoji="1" lang="en-US" altLang="zh-CN" dirty="0"/>
-              <a:t>Frame/</a:t>
-            </a:r>
-            <a:r>
-              <a:rPr kumimoji="1" lang="zh-CN" altLang="en-US"/>
-              <a:t>帧</a:t>
-            </a:r>
-            <a:endParaRPr kumimoji="1" lang="en-US" altLang="zh-CN" dirty="0"/>
-          </a:p>
-          <a:p>
-            <a:pPr algn="ctr"/>
-            <a:r>
-              <a:rPr kumimoji="1" lang="en-US" altLang="zh-CN" dirty="0"/>
-              <a:t>(</a:t>
-            </a:r>
-            <a:r>
-              <a:rPr kumimoji="1" lang="zh-CN" altLang="en-US"/>
-              <a:t>方法</a:t>
-            </a:r>
-            <a:r>
-              <a:rPr kumimoji="1" lang="en-US" altLang="zh-CN" dirty="0"/>
-              <a:t>A)</a:t>
-            </a:r>
-          </a:p>
-        </p:txBody>
-      </p:sp>
-      <p:sp>
-        <p:nvSpPr>
-          <p:cNvPr id="24" name="剪去单圆角的矩形 23">
-            <a:extLst>
-              <a:ext uri="{FF2B5EF4-FFF2-40B4-BE49-F238E27FC236}">
-                <a16:creationId xmlns:a16="http://schemas.microsoft.com/office/drawing/2014/main" id="{F8D85A9A-09C6-5242-A740-3045B88BB844}"/>
-              </a:ext>
-            </a:extLst>
-          </p:cNvPr>
-          <p:cNvSpPr/>
-          <p:nvPr/>
-        </p:nvSpPr>
-        <p:spPr>
-          <a:xfrm>
-            <a:off x="3483431" y="5094511"/>
-            <a:ext cx="1349832" cy="914400"/>
-          </a:xfrm>
-          <a:prstGeom prst="snipRoundRect">
-            <a:avLst/>
-          </a:prstGeom>
-        </p:spPr>
-        <p:style>
-          <a:lnRef idx="1">
-            <a:schemeClr val="accent3"/>
-          </a:lnRef>
-          <a:fillRef idx="2">
-            <a:schemeClr val="accent3"/>
-          </a:fillRef>
-          <a:effectRef idx="1">
-            <a:schemeClr val="accent3"/>
-          </a:effectRef>
-          <a:fontRef idx="minor">
-            <a:schemeClr val="dk1"/>
-          </a:fontRef>
-        </p:style>
-        <p:txBody>
-          <a:bodyPr rtlCol="0" anchor="ctr"/>
-          <a:lstStyle/>
-          <a:p>
-            <a:pPr algn="ctr"/>
-            <a:r>
-              <a:rPr kumimoji="1" lang="en-US" altLang="zh-CN" dirty="0"/>
-              <a:t>Frame/</a:t>
-            </a:r>
-            <a:r>
-              <a:rPr kumimoji="1" lang="zh-CN" altLang="en-US"/>
-              <a:t>帧</a:t>
-            </a:r>
-            <a:endParaRPr kumimoji="1" lang="en-US" altLang="zh-CN" dirty="0"/>
-          </a:p>
-          <a:p>
-            <a:pPr algn="ctr"/>
-            <a:r>
-              <a:rPr kumimoji="1" lang="en-US" altLang="zh-CN" dirty="0"/>
-              <a:t>(</a:t>
-            </a:r>
-            <a:r>
-              <a:rPr kumimoji="1" lang="zh-CN" altLang="en-US"/>
-              <a:t>方法</a:t>
-            </a:r>
-            <a:r>
-              <a:rPr kumimoji="1" lang="en-US" altLang="zh-CN" dirty="0"/>
-              <a:t>B)</a:t>
-            </a:r>
-          </a:p>
-        </p:txBody>
-      </p:sp>
-      <p:sp>
-        <p:nvSpPr>
-          <p:cNvPr id="25" name="剪去单圆角的矩形 24">
-            <a:extLst>
-              <a:ext uri="{FF2B5EF4-FFF2-40B4-BE49-F238E27FC236}">
-                <a16:creationId xmlns:a16="http://schemas.microsoft.com/office/drawing/2014/main" id="{BC9964CD-9900-CF41-B4E0-41F7D73904F4}"/>
-              </a:ext>
-            </a:extLst>
-          </p:cNvPr>
-          <p:cNvSpPr/>
-          <p:nvPr/>
-        </p:nvSpPr>
-        <p:spPr>
-          <a:xfrm>
-            <a:off x="4833259" y="5094511"/>
-            <a:ext cx="1349832" cy="914400"/>
-          </a:xfrm>
-          <a:prstGeom prst="snipRoundRect">
-            <a:avLst/>
-          </a:prstGeom>
-        </p:spPr>
-        <p:style>
-          <a:lnRef idx="1">
-            <a:schemeClr val="accent3"/>
-          </a:lnRef>
-          <a:fillRef idx="2">
-            <a:schemeClr val="accent3"/>
-          </a:fillRef>
-          <a:effectRef idx="1">
-            <a:schemeClr val="accent3"/>
-          </a:effectRef>
-          <a:fontRef idx="minor">
-            <a:schemeClr val="dk1"/>
-          </a:fontRef>
-        </p:style>
-        <p:txBody>
-          <a:bodyPr rtlCol="0" anchor="ctr"/>
-          <a:lstStyle/>
-          <a:p>
-            <a:pPr algn="ctr"/>
-            <a:r>
-              <a:rPr kumimoji="1" lang="en-US" altLang="zh-CN" dirty="0"/>
-              <a:t>Frame/</a:t>
-            </a:r>
-            <a:r>
-              <a:rPr kumimoji="1" lang="zh-CN" altLang="en-US"/>
-              <a:t>帧</a:t>
-            </a:r>
-            <a:endParaRPr kumimoji="1" lang="en-US" altLang="zh-CN" dirty="0"/>
-          </a:p>
-          <a:p>
-            <a:pPr algn="ctr"/>
-            <a:r>
-              <a:rPr kumimoji="1" lang="en-US" altLang="zh-CN" dirty="0"/>
-              <a:t>(</a:t>
-            </a:r>
-            <a:r>
-              <a:rPr kumimoji="1" lang="zh-CN" altLang="en-US"/>
-              <a:t>方法</a:t>
-            </a:r>
-            <a:r>
-              <a:rPr kumimoji="1" lang="en-US" altLang="zh-CN" dirty="0"/>
-              <a:t>C)</a:t>
-            </a:r>
-          </a:p>
-        </p:txBody>
-      </p:sp>
-      <p:sp>
-        <p:nvSpPr>
-          <p:cNvPr id="26" name="剪去单圆角的矩形 25">
-            <a:extLst>
-              <a:ext uri="{FF2B5EF4-FFF2-40B4-BE49-F238E27FC236}">
-                <a16:creationId xmlns:a16="http://schemas.microsoft.com/office/drawing/2014/main" id="{817CE8E0-F234-2845-AC0A-EC3ECB25C9B4}"/>
-              </a:ext>
-            </a:extLst>
-          </p:cNvPr>
-          <p:cNvSpPr/>
-          <p:nvPr/>
-        </p:nvSpPr>
-        <p:spPr>
-          <a:xfrm>
-            <a:off x="6183095" y="5105395"/>
-            <a:ext cx="1349832" cy="903514"/>
-          </a:xfrm>
-          <a:prstGeom prst="snipRoundRect">
-            <a:avLst/>
-          </a:prstGeom>
-        </p:spPr>
-        <p:style>
-          <a:lnRef idx="1">
-            <a:schemeClr val="accent3"/>
-          </a:lnRef>
-          <a:fillRef idx="2">
-            <a:schemeClr val="accent3"/>
-          </a:fillRef>
-          <a:effectRef idx="1">
-            <a:schemeClr val="accent3"/>
-          </a:effectRef>
-          <a:fontRef idx="minor">
-            <a:schemeClr val="dk1"/>
-          </a:fontRef>
-        </p:style>
-        <p:txBody>
-          <a:bodyPr rtlCol="0" anchor="ctr"/>
-          <a:lstStyle/>
-          <a:p>
-            <a:pPr algn="ctr"/>
-            <a:r>
-              <a:rPr kumimoji="1" lang="en-US" altLang="zh-CN" dirty="0"/>
-              <a:t>…</a:t>
-            </a:r>
-          </a:p>
-        </p:txBody>
-      </p:sp>
-      <p:sp>
-        <p:nvSpPr>
-          <p:cNvPr id="23" name="剪去单圆角的矩形 22">
-            <a:extLst>
-              <a:ext uri="{FF2B5EF4-FFF2-40B4-BE49-F238E27FC236}">
-                <a16:creationId xmlns:a16="http://schemas.microsoft.com/office/drawing/2014/main" id="{E0C76BFD-D3AF-614D-9006-C8BA074C560B}"/>
-              </a:ext>
-            </a:extLst>
-          </p:cNvPr>
-          <p:cNvSpPr/>
-          <p:nvPr/>
-        </p:nvSpPr>
-        <p:spPr>
-          <a:xfrm>
-            <a:off x="6312362" y="5105395"/>
-            <a:ext cx="1349832" cy="903514"/>
-          </a:xfrm>
-          <a:prstGeom prst="snipRoundRect">
-            <a:avLst/>
-          </a:prstGeom>
-        </p:spPr>
-        <p:style>
-          <a:lnRef idx="1">
-            <a:schemeClr val="accent3"/>
-          </a:lnRef>
-          <a:fillRef idx="2">
-            <a:schemeClr val="accent3"/>
-          </a:fillRef>
-          <a:effectRef idx="1">
-            <a:schemeClr val="accent3"/>
-          </a:effectRef>
-          <a:fontRef idx="minor">
-            <a:schemeClr val="dk1"/>
-          </a:fontRef>
-        </p:style>
-        <p:txBody>
-          <a:bodyPr rtlCol="0" anchor="ctr"/>
-          <a:lstStyle/>
-          <a:p>
-            <a:pPr algn="ctr"/>
-            <a:r>
-              <a:rPr kumimoji="1" lang="en-US" altLang="zh-CN" dirty="0"/>
-              <a:t>…</a:t>
-            </a:r>
-          </a:p>
-        </p:txBody>
-      </p:sp>
-      <p:sp>
-        <p:nvSpPr>
-          <p:cNvPr id="27" name="剪去单圆角的矩形 26">
-            <a:extLst>
-              <a:ext uri="{FF2B5EF4-FFF2-40B4-BE49-F238E27FC236}">
-                <a16:creationId xmlns:a16="http://schemas.microsoft.com/office/drawing/2014/main" id="{F4D0E1AA-AF89-1C43-A4AD-2C166E1368C0}"/>
-              </a:ext>
-            </a:extLst>
-          </p:cNvPr>
-          <p:cNvSpPr/>
-          <p:nvPr/>
-        </p:nvSpPr>
-        <p:spPr>
-          <a:xfrm>
-            <a:off x="6441629" y="5105395"/>
-            <a:ext cx="1349832" cy="903514"/>
-          </a:xfrm>
-          <a:prstGeom prst="snipRoundRect">
-            <a:avLst/>
-          </a:prstGeom>
-        </p:spPr>
-        <p:style>
-          <a:lnRef idx="1">
-            <a:schemeClr val="accent3"/>
-          </a:lnRef>
-          <a:fillRef idx="2">
-            <a:schemeClr val="accent3"/>
-          </a:fillRef>
-          <a:effectRef idx="1">
-            <a:schemeClr val="accent3"/>
-          </a:effectRef>
-          <a:fontRef idx="minor">
-            <a:schemeClr val="dk1"/>
-          </a:fontRef>
-        </p:style>
-        <p:txBody>
-          <a:bodyPr rtlCol="0" anchor="ctr"/>
-          <a:lstStyle/>
-          <a:p>
-            <a:pPr algn="ctr"/>
-            <a:r>
-              <a:rPr kumimoji="1" lang="en-US" altLang="zh-CN" dirty="0"/>
-              <a:t>…</a:t>
-            </a:r>
-          </a:p>
-        </p:txBody>
-      </p:sp>
-      <p:sp>
-        <p:nvSpPr>
-          <p:cNvPr id="28" name="剪去单圆角的矩形 27">
-            <a:extLst>
-              <a:ext uri="{FF2B5EF4-FFF2-40B4-BE49-F238E27FC236}">
-                <a16:creationId xmlns:a16="http://schemas.microsoft.com/office/drawing/2014/main" id="{EC7207C3-97EF-7F45-9B5A-E1014349CA87}"/>
-              </a:ext>
-            </a:extLst>
-          </p:cNvPr>
-          <p:cNvSpPr/>
-          <p:nvPr/>
-        </p:nvSpPr>
-        <p:spPr>
-          <a:xfrm>
-            <a:off x="6570896" y="5105395"/>
-            <a:ext cx="1349832" cy="903514"/>
-          </a:xfrm>
-          <a:prstGeom prst="snipRoundRect">
-            <a:avLst/>
-          </a:prstGeom>
-        </p:spPr>
-        <p:style>
-          <a:lnRef idx="1">
-            <a:schemeClr val="accent3"/>
-          </a:lnRef>
-          <a:fillRef idx="2">
-            <a:schemeClr val="accent3"/>
-          </a:fillRef>
-          <a:effectRef idx="1">
-            <a:schemeClr val="accent3"/>
-          </a:effectRef>
-          <a:fontRef idx="minor">
-            <a:schemeClr val="dk1"/>
-          </a:fontRef>
-        </p:style>
-        <p:txBody>
-          <a:bodyPr rtlCol="0" anchor="ctr"/>
-          <a:lstStyle/>
-          <a:p>
-            <a:pPr algn="ctr"/>
-            <a:r>
-              <a:rPr kumimoji="1" lang="en-US" altLang="zh-CN" dirty="0"/>
-              <a:t>…</a:t>
-            </a:r>
-          </a:p>
-        </p:txBody>
-      </p:sp>
-      <p:sp>
-        <p:nvSpPr>
-          <p:cNvPr id="29" name="剪去单圆角的矩形 28">
-            <a:extLst>
-              <a:ext uri="{FF2B5EF4-FFF2-40B4-BE49-F238E27FC236}">
-                <a16:creationId xmlns:a16="http://schemas.microsoft.com/office/drawing/2014/main" id="{274E1265-2C55-1145-AA0B-934CC14EC9EB}"/>
-              </a:ext>
-            </a:extLst>
-          </p:cNvPr>
-          <p:cNvSpPr/>
-          <p:nvPr/>
-        </p:nvSpPr>
-        <p:spPr>
-          <a:xfrm>
-            <a:off x="6700162" y="5105395"/>
-            <a:ext cx="1349832" cy="903514"/>
-          </a:xfrm>
-          <a:prstGeom prst="snipRoundRect">
-            <a:avLst/>
-          </a:prstGeom>
-        </p:spPr>
-        <p:style>
-          <a:lnRef idx="1">
-            <a:schemeClr val="accent3"/>
-          </a:lnRef>
-          <a:fillRef idx="2">
-            <a:schemeClr val="accent3"/>
-          </a:fillRef>
-          <a:effectRef idx="1">
-            <a:schemeClr val="accent3"/>
-          </a:effectRef>
-          <a:fontRef idx="minor">
-            <a:schemeClr val="dk1"/>
-          </a:fontRef>
-        </p:style>
-        <p:txBody>
-          <a:bodyPr rtlCol="0" anchor="ctr"/>
-          <a:lstStyle/>
-          <a:p>
-            <a:pPr algn="ctr"/>
-            <a:r>
-              <a:rPr kumimoji="1" lang="en-US" altLang="zh-CN" dirty="0"/>
-              <a:t>…</a:t>
-            </a:r>
-          </a:p>
-        </p:txBody>
-      </p:sp>
+            </a:prstGeom>
+          </p:spPr>
+          <p:style>
+            <a:lnRef idx="1">
+              <a:schemeClr val="accent2"/>
+            </a:lnRef>
+            <a:fillRef idx="2">
+              <a:schemeClr val="accent2"/>
+            </a:fillRef>
+            <a:effectRef idx="1">
+              <a:schemeClr val="accent2"/>
+            </a:effectRef>
+            <a:fontRef idx="minor">
+              <a:schemeClr val="dk1"/>
+            </a:fontRef>
+          </p:style>
+          <p:txBody>
+            <a:bodyPr rot="0" spcFirstLastPara="0" vertOverflow="overflow" horzOverflow="overflow" vert="horz" wrap="square" lIns="91440" tIns="45720" rIns="91440" bIns="45720" numCol="1" spcCol="0" rtlCol="0" fromWordArt="0" anchor="ctr" anchorCtr="0" forceAA="0" compatLnSpc="1">
+              <a:prstTxWarp prst="textNoShape">
+                <a:avLst/>
+              </a:prstTxWarp>
+              <a:noAutofit/>
+            </a:bodyPr>
+            <a:lstStyle/>
+            <a:p>
+              <a:pPr algn="ctr"/>
+              <a:r>
+                <a:rPr kumimoji="1" lang="en-US" altLang="zh-CN" sz="1400" dirty="0">
+                  <a:solidFill>
+                    <a:schemeClr val="dk1"/>
+                  </a:solidFill>
+                </a:rPr>
+                <a:t>                     ……</a:t>
+              </a:r>
+              <a:endParaRPr kumimoji="1" lang="zh-CN" altLang="en-US" sz="1400" dirty="0">
+                <a:solidFill>
+                  <a:schemeClr val="dk1"/>
+                </a:solidFill>
+              </a:endParaRPr>
+            </a:p>
+          </p:txBody>
+        </p:sp>
+        <p:sp>
+          <p:nvSpPr>
+            <p:cNvPr id="34" name="剪去单圆角的矩形 33">
+              <a:extLst>
+                <a:ext uri="{FF2B5EF4-FFF2-40B4-BE49-F238E27FC236}">
+                  <a16:creationId xmlns:a16="http://schemas.microsoft.com/office/drawing/2014/main" id="{B253372C-ACFB-354D-A97C-02049596E37B}"/>
+                </a:ext>
+              </a:extLst>
+            </p:cNvPr>
+            <p:cNvSpPr/>
+            <p:nvPr/>
+          </p:nvSpPr>
+          <p:spPr>
+            <a:xfrm>
+              <a:off x="1637992" y="3136827"/>
+              <a:ext cx="1121231" cy="546741"/>
+            </a:xfrm>
+            <a:prstGeom prst="snipRoundRect">
+              <a:avLst/>
+            </a:prstGeom>
+          </p:spPr>
+          <p:style>
+            <a:lnRef idx="2">
+              <a:schemeClr val="accent2">
+                <a:shade val="50000"/>
+              </a:schemeClr>
+            </a:lnRef>
+            <a:fillRef idx="1">
+              <a:schemeClr val="accent2"/>
+            </a:fillRef>
+            <a:effectRef idx="0">
+              <a:schemeClr val="accent2"/>
+            </a:effectRef>
+            <a:fontRef idx="minor">
+              <a:schemeClr val="lt1"/>
+            </a:fontRef>
+          </p:style>
+          <p:txBody>
+            <a:bodyPr rtlCol="0" anchor="ctr"/>
+            <a:lstStyle/>
+            <a:p>
+              <a:pPr algn="ctr"/>
+              <a:r>
+                <a:rPr kumimoji="1" lang="zh-CN" altLang="en-US" sz="1400" dirty="0"/>
+                <a:t>线程栈</a:t>
+              </a:r>
+              <a:r>
+                <a:rPr kumimoji="1" lang="en-US" altLang="zh-CN" sz="1400" dirty="0"/>
+                <a:t>1</a:t>
+              </a:r>
+              <a:endParaRPr kumimoji="1" lang="zh-CN" altLang="en-US" sz="1400" dirty="0"/>
+            </a:p>
+          </p:txBody>
+        </p:sp>
+        <p:sp>
+          <p:nvSpPr>
+            <p:cNvPr id="35" name="剪去单圆角的矩形 34">
+              <a:extLst>
+                <a:ext uri="{FF2B5EF4-FFF2-40B4-BE49-F238E27FC236}">
+                  <a16:creationId xmlns:a16="http://schemas.microsoft.com/office/drawing/2014/main" id="{4BF6EB2F-1958-824A-A1C9-22077F24B059}"/>
+                </a:ext>
+              </a:extLst>
+            </p:cNvPr>
+            <p:cNvSpPr/>
+            <p:nvPr/>
+          </p:nvSpPr>
+          <p:spPr>
+            <a:xfrm>
+              <a:off x="1417363" y="3992587"/>
+              <a:ext cx="2147886" cy="669475"/>
+            </a:xfrm>
+            <a:prstGeom prst="snipRoundRect">
+              <a:avLst/>
+            </a:prstGeom>
+          </p:spPr>
+          <p:style>
+            <a:lnRef idx="2">
+              <a:schemeClr val="accent2">
+                <a:shade val="50000"/>
+              </a:schemeClr>
+            </a:lnRef>
+            <a:fillRef idx="1">
+              <a:schemeClr val="accent2"/>
+            </a:fillRef>
+            <a:effectRef idx="0">
+              <a:schemeClr val="accent2"/>
+            </a:effectRef>
+            <a:fontRef idx="minor">
+              <a:schemeClr val="lt1"/>
+            </a:fontRef>
+          </p:style>
+          <p:txBody>
+            <a:bodyPr rtlCol="0" anchor="ctr"/>
+            <a:lstStyle/>
+            <a:p>
+              <a:pPr algn="ctr"/>
+              <a:endParaRPr kumimoji="1" lang="zh-CN" altLang="en-US" sz="1400"/>
+            </a:p>
+          </p:txBody>
+        </p:sp>
+        <p:sp>
+          <p:nvSpPr>
+            <p:cNvPr id="36" name="下箭头 35">
+              <a:extLst>
+                <a:ext uri="{FF2B5EF4-FFF2-40B4-BE49-F238E27FC236}">
+                  <a16:creationId xmlns:a16="http://schemas.microsoft.com/office/drawing/2014/main" id="{3F48A017-38E2-234D-8866-2837243CDBA4}"/>
+                </a:ext>
+              </a:extLst>
+            </p:cNvPr>
+            <p:cNvSpPr/>
+            <p:nvPr/>
+          </p:nvSpPr>
+          <p:spPr>
+            <a:xfrm>
+              <a:off x="2224949" y="3705340"/>
+              <a:ext cx="353787" cy="319905"/>
+            </a:xfrm>
+            <a:prstGeom prst="downArrow">
+              <a:avLst/>
+            </a:prstGeom>
+          </p:spPr>
+          <p:style>
+            <a:lnRef idx="2">
+              <a:schemeClr val="accent2">
+                <a:shade val="50000"/>
+              </a:schemeClr>
+            </a:lnRef>
+            <a:fillRef idx="1">
+              <a:schemeClr val="accent2"/>
+            </a:fillRef>
+            <a:effectRef idx="0">
+              <a:schemeClr val="accent2"/>
+            </a:effectRef>
+            <a:fontRef idx="minor">
+              <a:schemeClr val="lt1"/>
+            </a:fontRef>
+          </p:style>
+          <p:txBody>
+            <a:bodyPr rot="0" spcFirstLastPara="0" vertOverflow="overflow" horzOverflow="overflow" vert="horz" wrap="square" lIns="91440" tIns="45720" rIns="91440" bIns="45720" numCol="1" spcCol="0" rtlCol="0" fromWordArt="0" anchor="ctr" anchorCtr="0" forceAA="0" compatLnSpc="1">
+              <a:prstTxWarp prst="textNoShape">
+                <a:avLst/>
+              </a:prstTxWarp>
+              <a:noAutofit/>
+            </a:bodyPr>
+            <a:lstStyle/>
+            <a:p>
+              <a:pPr algn="ctr"/>
+              <a:endParaRPr kumimoji="1" lang="zh-CN" altLang="en-US" sz="1400">
+                <a:solidFill>
+                  <a:schemeClr val="lt1"/>
+                </a:solidFill>
+              </a:endParaRPr>
+            </a:p>
+          </p:txBody>
+        </p:sp>
+        <p:sp>
+          <p:nvSpPr>
+            <p:cNvPr id="37" name="剪去单圆角的矩形 36">
+              <a:extLst>
+                <a:ext uri="{FF2B5EF4-FFF2-40B4-BE49-F238E27FC236}">
+                  <a16:creationId xmlns:a16="http://schemas.microsoft.com/office/drawing/2014/main" id="{79ED0364-A4AA-7844-A7CC-F8431FE5DB7B}"/>
+                </a:ext>
+              </a:extLst>
+            </p:cNvPr>
+            <p:cNvSpPr/>
+            <p:nvPr/>
+          </p:nvSpPr>
+          <p:spPr>
+            <a:xfrm>
+              <a:off x="1417363" y="4014359"/>
+              <a:ext cx="1003523" cy="587840"/>
+            </a:xfrm>
+            <a:prstGeom prst="snipRoundRect">
+              <a:avLst/>
+            </a:prstGeom>
+          </p:spPr>
+          <p:style>
+            <a:lnRef idx="1">
+              <a:schemeClr val="accent3"/>
+            </a:lnRef>
+            <a:fillRef idx="2">
+              <a:schemeClr val="accent3"/>
+            </a:fillRef>
+            <a:effectRef idx="1">
+              <a:schemeClr val="accent3"/>
+            </a:effectRef>
+            <a:fontRef idx="minor">
+              <a:schemeClr val="dk1"/>
+            </a:fontRef>
+          </p:style>
+          <p:txBody>
+            <a:bodyPr rtlCol="0" anchor="ctr"/>
+            <a:lstStyle/>
+            <a:p>
+              <a:pPr algn="ctr"/>
+              <a:r>
+                <a:rPr kumimoji="1" lang="en-US" altLang="zh-CN" sz="1400" dirty="0"/>
+                <a:t>Frame</a:t>
+              </a:r>
+            </a:p>
+            <a:p>
+              <a:pPr algn="ctr"/>
+              <a:r>
+                <a:rPr kumimoji="1" lang="zh-CN" altLang="en-US" sz="1400" dirty="0"/>
+                <a:t>方法帧</a:t>
+              </a:r>
+              <a:endParaRPr kumimoji="1" lang="en-US" altLang="zh-CN" sz="1400" dirty="0"/>
+            </a:p>
+          </p:txBody>
+        </p:sp>
+        <p:sp>
+          <p:nvSpPr>
+            <p:cNvPr id="45" name="剪去单圆角的矩形 44">
+              <a:extLst>
+                <a:ext uri="{FF2B5EF4-FFF2-40B4-BE49-F238E27FC236}">
+                  <a16:creationId xmlns:a16="http://schemas.microsoft.com/office/drawing/2014/main" id="{AF67460B-4788-5E42-9B7F-8DD0CF5EE1BA}"/>
+                </a:ext>
+              </a:extLst>
+            </p:cNvPr>
+            <p:cNvSpPr/>
+            <p:nvPr/>
+          </p:nvSpPr>
+          <p:spPr>
+            <a:xfrm>
+              <a:off x="1544253" y="4896105"/>
+              <a:ext cx="1284512" cy="818895"/>
+            </a:xfrm>
+            <a:prstGeom prst="snipRoundRect">
+              <a:avLst/>
+            </a:prstGeom>
+          </p:spPr>
+          <p:style>
+            <a:lnRef idx="1">
+              <a:schemeClr val="accent3"/>
+            </a:lnRef>
+            <a:fillRef idx="2">
+              <a:schemeClr val="accent3"/>
+            </a:fillRef>
+            <a:effectRef idx="1">
+              <a:schemeClr val="accent3"/>
+            </a:effectRef>
+            <a:fontRef idx="minor">
+              <a:schemeClr val="dk1"/>
+            </a:fontRef>
+          </p:style>
+          <p:txBody>
+            <a:bodyPr rtlCol="0" anchor="ctr"/>
+            <a:lstStyle/>
+            <a:p>
+              <a:pPr algn="ctr"/>
+              <a:endParaRPr kumimoji="1" lang="en-US" altLang="zh-CN" sz="1400" dirty="0"/>
+            </a:p>
+          </p:txBody>
+        </p:sp>
+        <p:sp>
+          <p:nvSpPr>
+            <p:cNvPr id="46" name="同侧圆角矩形 45">
+              <a:extLst>
+                <a:ext uri="{FF2B5EF4-FFF2-40B4-BE49-F238E27FC236}">
+                  <a16:creationId xmlns:a16="http://schemas.microsoft.com/office/drawing/2014/main" id="{A604650F-6BD8-C24F-B1AB-39CBF069A1CA}"/>
+                </a:ext>
+              </a:extLst>
+            </p:cNvPr>
+            <p:cNvSpPr/>
+            <p:nvPr/>
+          </p:nvSpPr>
+          <p:spPr>
+            <a:xfrm>
+              <a:off x="1544253" y="5207958"/>
+              <a:ext cx="1132112" cy="201121"/>
+            </a:xfrm>
+            <a:prstGeom prst="round2SameRect">
+              <a:avLst/>
+            </a:prstGeom>
+            <a:ln/>
+          </p:spPr>
+          <p:style>
+            <a:lnRef idx="3">
+              <a:schemeClr val="lt1"/>
+            </a:lnRef>
+            <a:fillRef idx="1">
+              <a:schemeClr val="accent6"/>
+            </a:fillRef>
+            <a:effectRef idx="1">
+              <a:schemeClr val="accent6"/>
+            </a:effectRef>
+            <a:fontRef idx="minor">
+              <a:schemeClr val="lt1"/>
+            </a:fontRef>
+          </p:style>
+          <p:txBody>
+            <a:bodyPr rtlCol="0" anchor="ctr"/>
+            <a:lstStyle/>
+            <a:p>
+              <a:pPr algn="ctr"/>
+              <a:r>
+                <a:rPr kumimoji="1" lang="zh-CN" altLang="en-US" sz="1400" dirty="0"/>
+                <a:t>局部变量表</a:t>
+              </a:r>
+            </a:p>
+          </p:txBody>
+        </p:sp>
+        <p:sp>
+          <p:nvSpPr>
+            <p:cNvPr id="47" name="同侧圆角矩形 46">
+              <a:extLst>
+                <a:ext uri="{FF2B5EF4-FFF2-40B4-BE49-F238E27FC236}">
+                  <a16:creationId xmlns:a16="http://schemas.microsoft.com/office/drawing/2014/main" id="{25509588-98FB-3745-9A5E-04A70C64B2B7}"/>
+                </a:ext>
+              </a:extLst>
+            </p:cNvPr>
+            <p:cNvSpPr/>
+            <p:nvPr/>
+          </p:nvSpPr>
+          <p:spPr>
+            <a:xfrm>
+              <a:off x="1544253" y="5429744"/>
+              <a:ext cx="1121229" cy="196209"/>
+            </a:xfrm>
+            <a:prstGeom prst="round2SameRect">
+              <a:avLst/>
+            </a:prstGeom>
+          </p:spPr>
+          <p:style>
+            <a:lnRef idx="0">
+              <a:schemeClr val="accent6"/>
+            </a:lnRef>
+            <a:fillRef idx="3">
+              <a:schemeClr val="accent6"/>
+            </a:fillRef>
+            <a:effectRef idx="3">
+              <a:schemeClr val="accent6"/>
+            </a:effectRef>
+            <a:fontRef idx="minor">
+              <a:schemeClr val="lt1"/>
+            </a:fontRef>
+          </p:style>
+          <p:txBody>
+            <a:bodyPr rtlCol="0" anchor="ctr"/>
+            <a:lstStyle/>
+            <a:p>
+              <a:pPr algn="ctr"/>
+              <a:r>
+                <a:rPr kumimoji="1" lang="zh-CN" altLang="en-US" sz="1400" dirty="0"/>
+                <a:t>操作数栈</a:t>
+              </a:r>
+            </a:p>
+          </p:txBody>
+        </p:sp>
+        <p:sp>
+          <p:nvSpPr>
+            <p:cNvPr id="49" name="下箭头 48">
+              <a:extLst>
+                <a:ext uri="{FF2B5EF4-FFF2-40B4-BE49-F238E27FC236}">
+                  <a16:creationId xmlns:a16="http://schemas.microsoft.com/office/drawing/2014/main" id="{1275629A-D6B8-D24D-A2C8-5279550FAE59}"/>
+                </a:ext>
+              </a:extLst>
+            </p:cNvPr>
+            <p:cNvSpPr/>
+            <p:nvPr/>
+          </p:nvSpPr>
+          <p:spPr>
+            <a:xfrm>
+              <a:off x="1982635" y="4602199"/>
+              <a:ext cx="378049" cy="293903"/>
+            </a:xfrm>
+            <a:prstGeom prst="downArrow">
+              <a:avLst/>
+            </a:prstGeom>
+          </p:spPr>
+          <p:style>
+            <a:lnRef idx="1">
+              <a:schemeClr val="accent3"/>
+            </a:lnRef>
+            <a:fillRef idx="2">
+              <a:schemeClr val="accent3"/>
+            </a:fillRef>
+            <a:effectRef idx="1">
+              <a:schemeClr val="accent3"/>
+            </a:effectRef>
+            <a:fontRef idx="minor">
+              <a:schemeClr val="dk1"/>
+            </a:fontRef>
+          </p:style>
+          <p:txBody>
+            <a:bodyPr rtlCol="0" anchor="ctr"/>
+            <a:lstStyle/>
+            <a:p>
+              <a:pPr algn="ctr"/>
+              <a:endParaRPr kumimoji="1" lang="zh-CN" altLang="en-US" sz="1400"/>
+            </a:p>
+          </p:txBody>
+        </p:sp>
+        <p:sp>
+          <p:nvSpPr>
+            <p:cNvPr id="50" name="剪去单圆角的矩形 49">
+              <a:extLst>
+                <a:ext uri="{FF2B5EF4-FFF2-40B4-BE49-F238E27FC236}">
+                  <a16:creationId xmlns:a16="http://schemas.microsoft.com/office/drawing/2014/main" id="{FE67522E-F861-9743-A966-57262CE5FBDA}"/>
+                </a:ext>
+              </a:extLst>
+            </p:cNvPr>
+            <p:cNvSpPr/>
+            <p:nvPr/>
+          </p:nvSpPr>
+          <p:spPr>
+            <a:xfrm>
+              <a:off x="2322916" y="4023301"/>
+              <a:ext cx="1103539" cy="580842"/>
+            </a:xfrm>
+            <a:prstGeom prst="snipRoundRect">
+              <a:avLst/>
+            </a:prstGeom>
+          </p:spPr>
+          <p:style>
+            <a:lnRef idx="1">
+              <a:schemeClr val="accent3"/>
+            </a:lnRef>
+            <a:fillRef idx="2">
+              <a:schemeClr val="accent3"/>
+            </a:fillRef>
+            <a:effectRef idx="1">
+              <a:schemeClr val="accent3"/>
+            </a:effectRef>
+            <a:fontRef idx="minor">
+              <a:schemeClr val="dk1"/>
+            </a:fontRef>
+          </p:style>
+          <p:txBody>
+            <a:bodyPr rtlCol="0" anchor="ctr"/>
+            <a:lstStyle/>
+            <a:p>
+              <a:pPr algn="ctr"/>
+              <a:r>
+                <a:rPr kumimoji="1" lang="en-US" altLang="zh-CN" sz="1400" dirty="0"/>
+                <a:t>Frame…</a:t>
+              </a:r>
+            </a:p>
+          </p:txBody>
+        </p:sp>
+        <p:sp>
+          <p:nvSpPr>
+            <p:cNvPr id="51" name="剪去单圆角的矩形 50">
+              <a:extLst>
+                <a:ext uri="{FF2B5EF4-FFF2-40B4-BE49-F238E27FC236}">
+                  <a16:creationId xmlns:a16="http://schemas.microsoft.com/office/drawing/2014/main" id="{197D6008-8635-6942-8F33-7878155060B4}"/>
+                </a:ext>
+              </a:extLst>
+            </p:cNvPr>
+            <p:cNvSpPr/>
+            <p:nvPr/>
+          </p:nvSpPr>
+          <p:spPr>
+            <a:xfrm>
+              <a:off x="2440619" y="4036132"/>
+              <a:ext cx="1103539" cy="580842"/>
+            </a:xfrm>
+            <a:prstGeom prst="snipRoundRect">
+              <a:avLst/>
+            </a:prstGeom>
+          </p:spPr>
+          <p:style>
+            <a:lnRef idx="1">
+              <a:schemeClr val="accent3"/>
+            </a:lnRef>
+            <a:fillRef idx="2">
+              <a:schemeClr val="accent3"/>
+            </a:fillRef>
+            <a:effectRef idx="1">
+              <a:schemeClr val="accent3"/>
+            </a:effectRef>
+            <a:fontRef idx="minor">
+              <a:schemeClr val="dk1"/>
+            </a:fontRef>
+          </p:style>
+          <p:txBody>
+            <a:bodyPr rtlCol="0" anchor="ctr"/>
+            <a:lstStyle/>
+            <a:p>
+              <a:pPr algn="ctr"/>
+              <a:r>
+                <a:rPr kumimoji="1" lang="en-US" altLang="zh-CN" sz="1400" dirty="0"/>
+                <a:t>Frame…</a:t>
+              </a:r>
+            </a:p>
+          </p:txBody>
+        </p:sp>
+        <p:sp>
+          <p:nvSpPr>
+            <p:cNvPr id="52" name="对角圆角矩形 51">
+              <a:extLst>
+                <a:ext uri="{FF2B5EF4-FFF2-40B4-BE49-F238E27FC236}">
+                  <a16:creationId xmlns:a16="http://schemas.microsoft.com/office/drawing/2014/main" id="{2DA20D27-FC57-8946-BB17-FB66A1A0378A}"/>
+                </a:ext>
+              </a:extLst>
+            </p:cNvPr>
+            <p:cNvSpPr/>
+            <p:nvPr/>
+          </p:nvSpPr>
+          <p:spPr>
+            <a:xfrm>
+              <a:off x="1544253" y="4999514"/>
+              <a:ext cx="1106262" cy="187779"/>
+            </a:xfrm>
+            <a:prstGeom prst="round2DiagRect">
+              <a:avLst/>
+            </a:prstGeom>
+          </p:spPr>
+          <p:style>
+            <a:lnRef idx="2">
+              <a:schemeClr val="accent1">
+                <a:shade val="50000"/>
+              </a:schemeClr>
+            </a:lnRef>
+            <a:fillRef idx="1">
+              <a:schemeClr val="accent1"/>
+            </a:fillRef>
+            <a:effectRef idx="0">
+              <a:schemeClr val="accent1"/>
+            </a:effectRef>
+            <a:fontRef idx="minor">
+              <a:schemeClr val="lt1"/>
+            </a:fontRef>
+          </p:style>
+          <p:txBody>
+            <a:bodyPr rtlCol="0" anchor="ctr"/>
+            <a:lstStyle/>
+            <a:p>
+              <a:pPr algn="ctr"/>
+              <a:r>
+                <a:rPr kumimoji="1" lang="zh-CN" altLang="en-US" sz="1400" dirty="0"/>
+                <a:t>常量池指针</a:t>
+              </a:r>
+            </a:p>
+          </p:txBody>
+        </p:sp>
+        <p:sp>
+          <p:nvSpPr>
+            <p:cNvPr id="54" name="对角圆角矩形 53">
+              <a:extLst>
+                <a:ext uri="{FF2B5EF4-FFF2-40B4-BE49-F238E27FC236}">
+                  <a16:creationId xmlns:a16="http://schemas.microsoft.com/office/drawing/2014/main" id="{ABD40CCE-027A-2D42-9E2D-7D7372684FDF}"/>
+                </a:ext>
+              </a:extLst>
+            </p:cNvPr>
+            <p:cNvSpPr/>
+            <p:nvPr/>
+          </p:nvSpPr>
+          <p:spPr>
+            <a:xfrm>
+              <a:off x="6892013" y="4855022"/>
+              <a:ext cx="921213" cy="457200"/>
+            </a:xfrm>
+            <a:prstGeom prst="round2DiagRect">
+              <a:avLst/>
+            </a:prstGeom>
+          </p:spPr>
+          <p:style>
+            <a:lnRef idx="2">
+              <a:schemeClr val="accent1">
+                <a:shade val="50000"/>
+              </a:schemeClr>
+            </a:lnRef>
+            <a:fillRef idx="1">
+              <a:schemeClr val="accent1"/>
+            </a:fillRef>
+            <a:effectRef idx="0">
+              <a:schemeClr val="accent1"/>
+            </a:effectRef>
+            <a:fontRef idx="minor">
+              <a:schemeClr val="lt1"/>
+            </a:fontRef>
+          </p:style>
+          <p:txBody>
+            <a:bodyPr rtlCol="0" anchor="ctr"/>
+            <a:lstStyle/>
+            <a:p>
+              <a:pPr algn="ctr"/>
+              <a:r>
+                <a:rPr kumimoji="1" lang="zh-CN" altLang="en-US" sz="1400"/>
+                <a:t>常量池</a:t>
+              </a:r>
+            </a:p>
+          </p:txBody>
+        </p:sp>
+      </p:grpSp>
     </p:spTree>
     <p:extLst>
       <p:ext uri="{BB962C8B-B14F-4D97-AF65-F5344CB8AC3E}">
-        <p14:creationId xmlns:p14="http://schemas.microsoft.com/office/powerpoint/2010/main" val="718885715"/>
+        <p14:creationId xmlns:p14="http://schemas.microsoft.com/office/powerpoint/2010/main" val="849488133"/>
       </p:ext>
     </p:extLst>
   </p:cSld>
@@ -13563,10 +14460,10 @@
       </p:grpSpPr>
       <p:sp>
         <p:nvSpPr>
-          <p:cNvPr id="15" name="同侧圆角矩形 14">
+          <p:cNvPr id="2" name="圆角矩形 1">
             <a:extLst>
               <a:ext uri="{FF2B5EF4-FFF2-40B4-BE49-F238E27FC236}">
-                <a16:creationId xmlns:a16="http://schemas.microsoft.com/office/drawing/2014/main" id="{7A4ADF50-BC0C-E94B-B1FB-2B8C50478A3D}"/>
+                <a16:creationId xmlns:a16="http://schemas.microsoft.com/office/drawing/2014/main" id="{79067A7E-A7CF-3146-8C1B-04CCCF871CDD}"/>
               </a:ext>
             </a:extLst>
           </p:cNvPr>
@@ -13575,10 +14472,207 @@
         </p:nvSpPr>
         <p:spPr>
           <a:xfrm>
-            <a:off x="2133599" y="2100937"/>
-            <a:ext cx="6999513" cy="1045034"/>
+            <a:off x="2133599" y="2383972"/>
+            <a:ext cx="6999513" cy="914400"/>
           </a:xfrm>
-          <a:prstGeom prst="round2SameRect">
+          <a:prstGeom prst="roundRect">
+            <a:avLst/>
+          </a:prstGeom>
+        </p:spPr>
+        <p:style>
+          <a:lnRef idx="2">
+            <a:schemeClr val="accent1">
+              <a:shade val="50000"/>
+            </a:schemeClr>
+          </a:lnRef>
+          <a:fillRef idx="1">
+            <a:schemeClr val="accent1"/>
+          </a:fillRef>
+          <a:effectRef idx="0">
+            <a:schemeClr val="accent1"/>
+          </a:effectRef>
+          <a:fontRef idx="minor">
+            <a:schemeClr val="lt1"/>
+          </a:fontRef>
+        </p:style>
+        <p:txBody>
+          <a:bodyPr rtlCol="0" anchor="ctr"/>
+          <a:lstStyle/>
+          <a:p>
+            <a:pPr algn="ctr"/>
+            <a:endParaRPr kumimoji="1" lang="zh-CN" altLang="en-US"/>
+          </a:p>
+        </p:txBody>
+      </p:sp>
+      <p:sp>
+        <p:nvSpPr>
+          <p:cNvPr id="4" name="圆角矩形 3">
+            <a:extLst>
+              <a:ext uri="{FF2B5EF4-FFF2-40B4-BE49-F238E27FC236}">
+                <a16:creationId xmlns:a16="http://schemas.microsoft.com/office/drawing/2014/main" id="{528EF239-E93F-9F48-8179-15166173E6AB}"/>
+              </a:ext>
+            </a:extLst>
+          </p:cNvPr>
+          <p:cNvSpPr/>
+          <p:nvPr/>
+        </p:nvSpPr>
+        <p:spPr>
+          <a:xfrm>
+            <a:off x="2133601" y="1012373"/>
+            <a:ext cx="5693228" cy="914400"/>
+          </a:xfrm>
+          <a:prstGeom prst="roundRect">
+            <a:avLst/>
+          </a:prstGeom>
+        </p:spPr>
+        <p:style>
+          <a:lnRef idx="2">
+            <a:schemeClr val="accent6"/>
+          </a:lnRef>
+          <a:fillRef idx="1">
+            <a:schemeClr val="lt1"/>
+          </a:fillRef>
+          <a:effectRef idx="0">
+            <a:schemeClr val="accent6"/>
+          </a:effectRef>
+          <a:fontRef idx="minor">
+            <a:schemeClr val="dk1"/>
+          </a:fontRef>
+        </p:style>
+        <p:txBody>
+          <a:bodyPr rtlCol="0" anchor="ctr"/>
+          <a:lstStyle/>
+          <a:p>
+            <a:pPr algn="ctr"/>
+            <a:r>
+              <a:rPr kumimoji="1" lang="en-US" altLang="zh-CN" dirty="0"/>
+              <a:t>                       … </a:t>
+            </a:r>
+            <a:r>
+              <a:rPr kumimoji="1" lang="zh-CN" altLang="en-US"/>
+              <a:t>其他进程</a:t>
+            </a:r>
+            <a:r>
+              <a:rPr kumimoji="1" lang="en-US" altLang="zh-CN" dirty="0"/>
+              <a:t> …</a:t>
+            </a:r>
+            <a:endParaRPr kumimoji="1" lang="zh-CN" altLang="en-US"/>
+          </a:p>
+        </p:txBody>
+      </p:sp>
+      <p:sp>
+        <p:nvSpPr>
+          <p:cNvPr id="5" name="圆角矩形 4">
+            <a:extLst>
+              <a:ext uri="{FF2B5EF4-FFF2-40B4-BE49-F238E27FC236}">
+                <a16:creationId xmlns:a16="http://schemas.microsoft.com/office/drawing/2014/main" id="{BD5810A3-F71F-B44F-B1CD-663270885511}"/>
+              </a:ext>
+            </a:extLst>
+          </p:cNvPr>
+          <p:cNvSpPr/>
+          <p:nvPr/>
+        </p:nvSpPr>
+        <p:spPr>
+          <a:xfrm>
+            <a:off x="7826828" y="1023259"/>
+            <a:ext cx="1306285" cy="914400"/>
+          </a:xfrm>
+          <a:prstGeom prst="roundRect">
+            <a:avLst/>
+          </a:prstGeom>
+        </p:spPr>
+        <p:style>
+          <a:lnRef idx="2">
+            <a:schemeClr val="accent5">
+              <a:shade val="50000"/>
+            </a:schemeClr>
+          </a:lnRef>
+          <a:fillRef idx="1">
+            <a:schemeClr val="accent5"/>
+          </a:fillRef>
+          <a:effectRef idx="0">
+            <a:schemeClr val="accent5"/>
+          </a:effectRef>
+          <a:fontRef idx="minor">
+            <a:schemeClr val="lt1"/>
+          </a:fontRef>
+        </p:style>
+        <p:txBody>
+          <a:bodyPr rtlCol="0" anchor="ctr"/>
+          <a:lstStyle/>
+          <a:p>
+            <a:pPr algn="ctr"/>
+            <a:r>
+              <a:rPr kumimoji="1" lang="zh-CN" altLang="en-US"/>
+              <a:t>操作系统</a:t>
+            </a:r>
+          </a:p>
+        </p:txBody>
+      </p:sp>
+      <p:sp>
+        <p:nvSpPr>
+          <p:cNvPr id="7" name="下箭头 6">
+            <a:extLst>
+              <a:ext uri="{FF2B5EF4-FFF2-40B4-BE49-F238E27FC236}">
+                <a16:creationId xmlns:a16="http://schemas.microsoft.com/office/drawing/2014/main" id="{36125127-005C-6B46-AE82-92EB0AD5A893}"/>
+              </a:ext>
+            </a:extLst>
+          </p:cNvPr>
+          <p:cNvSpPr/>
+          <p:nvPr/>
+        </p:nvSpPr>
+        <p:spPr>
+          <a:xfrm>
+            <a:off x="3037117" y="1915887"/>
+            <a:ext cx="446314" cy="468085"/>
+          </a:xfrm>
+          <a:prstGeom prst="downArrow">
+            <a:avLst/>
+          </a:prstGeom>
+        </p:spPr>
+        <p:style>
+          <a:lnRef idx="2">
+            <a:schemeClr val="accent1">
+              <a:shade val="50000"/>
+            </a:schemeClr>
+          </a:lnRef>
+          <a:fillRef idx="1">
+            <a:schemeClr val="accent1"/>
+          </a:fillRef>
+          <a:effectRef idx="0">
+            <a:schemeClr val="accent1"/>
+          </a:effectRef>
+          <a:fontRef idx="minor">
+            <a:schemeClr val="lt1"/>
+          </a:fontRef>
+        </p:style>
+        <p:txBody>
+          <a:bodyPr rtlCol="0" anchor="ctr"/>
+          <a:lstStyle/>
+          <a:p>
+            <a:pPr algn="ctr"/>
+            <a:endParaRPr kumimoji="1" lang="zh-CN" altLang="en-US"/>
+          </a:p>
+        </p:txBody>
+      </p:sp>
+      <p:sp>
+        <p:nvSpPr>
+          <p:cNvPr id="8" name="圆角矩形 7">
+            <a:extLst>
+              <a:ext uri="{FF2B5EF4-FFF2-40B4-BE49-F238E27FC236}">
+                <a16:creationId xmlns:a16="http://schemas.microsoft.com/office/drawing/2014/main" id="{55E70CD1-C845-514F-909B-9FC172EAA110}"/>
+              </a:ext>
+            </a:extLst>
+          </p:cNvPr>
+          <p:cNvSpPr/>
+          <p:nvPr/>
+        </p:nvSpPr>
+        <p:spPr>
+          <a:xfrm>
+            <a:off x="2242458" y="2383971"/>
+            <a:ext cx="914400" cy="914400"/>
+          </a:xfrm>
+          <a:prstGeom prst="roundRect">
             <a:avLst/>
           </a:prstGeom>
         </p:spPr>
@@ -13602,30 +14696,361 @@
           <a:p>
             <a:pPr algn="ctr"/>
             <a:r>
+              <a:rPr kumimoji="1" lang="zh-CN" altLang="en-US"/>
+              <a:t>栈</a:t>
+            </a:r>
+            <a:endParaRPr kumimoji="1" lang="en-US" altLang="zh-CN" dirty="0"/>
+          </a:p>
+          <a:p>
+            <a:pPr algn="ctr"/>
+            <a:r>
+              <a:rPr kumimoji="1" lang="en-US" altLang="zh-CN" dirty="0"/>
+              <a:t>Stack</a:t>
+            </a:r>
+            <a:endParaRPr kumimoji="1" lang="zh-CN" altLang="en-US"/>
+          </a:p>
+        </p:txBody>
+      </p:sp>
+      <p:sp>
+        <p:nvSpPr>
+          <p:cNvPr id="9" name="圆角矩形 8">
+            <a:extLst>
+              <a:ext uri="{FF2B5EF4-FFF2-40B4-BE49-F238E27FC236}">
+                <a16:creationId xmlns:a16="http://schemas.microsoft.com/office/drawing/2014/main" id="{C34E2C58-7A65-6446-AF21-E6A406730C23}"/>
+              </a:ext>
+            </a:extLst>
+          </p:cNvPr>
+          <p:cNvSpPr/>
+          <p:nvPr/>
+        </p:nvSpPr>
+        <p:spPr>
+          <a:xfrm>
+            <a:off x="3570518" y="2383972"/>
+            <a:ext cx="1654625" cy="914400"/>
+          </a:xfrm>
+          <a:prstGeom prst="roundRect">
+            <a:avLst/>
+          </a:prstGeom>
+        </p:spPr>
+        <p:style>
+          <a:lnRef idx="1">
+            <a:schemeClr val="accent5"/>
+          </a:lnRef>
+          <a:fillRef idx="2">
+            <a:schemeClr val="accent5"/>
+          </a:fillRef>
+          <a:effectRef idx="1">
+            <a:schemeClr val="accent5"/>
+          </a:effectRef>
+          <a:fontRef idx="minor">
+            <a:schemeClr val="dk1"/>
+          </a:fontRef>
+        </p:style>
+        <p:txBody>
+          <a:bodyPr rtlCol="0" anchor="ctr"/>
+          <a:lstStyle/>
+          <a:p>
+            <a:pPr algn="ctr"/>
+            <a:r>
+              <a:rPr kumimoji="1" lang="zh-CN" altLang="en-US"/>
+              <a:t>堆</a:t>
+            </a:r>
+            <a:endParaRPr kumimoji="1" lang="en-US" altLang="zh-CN" dirty="0"/>
+          </a:p>
+          <a:p>
+            <a:pPr algn="ctr"/>
+            <a:r>
+              <a:rPr kumimoji="1" lang="en-US" altLang="zh-CN" dirty="0"/>
+              <a:t>Heap</a:t>
+            </a:r>
+            <a:endParaRPr kumimoji="1" lang="zh-CN" altLang="en-US"/>
+          </a:p>
+        </p:txBody>
+      </p:sp>
+      <p:sp>
+        <p:nvSpPr>
+          <p:cNvPr id="10" name="圆角矩形 9">
+            <a:extLst>
+              <a:ext uri="{FF2B5EF4-FFF2-40B4-BE49-F238E27FC236}">
+                <a16:creationId xmlns:a16="http://schemas.microsoft.com/office/drawing/2014/main" id="{A5749171-8197-BA4B-B0FD-0A60ACA9546B}"/>
+              </a:ext>
+            </a:extLst>
+          </p:cNvPr>
+          <p:cNvSpPr/>
+          <p:nvPr/>
+        </p:nvSpPr>
+        <p:spPr>
+          <a:xfrm>
+            <a:off x="7794175" y="2394858"/>
+            <a:ext cx="1208314" cy="914400"/>
+          </a:xfrm>
+          <a:prstGeom prst="roundRect">
+            <a:avLst/>
+          </a:prstGeom>
+        </p:spPr>
+        <p:style>
+          <a:lnRef idx="2">
+            <a:schemeClr val="accent6">
+              <a:shade val="50000"/>
+            </a:schemeClr>
+          </a:lnRef>
+          <a:fillRef idx="1">
+            <a:schemeClr val="accent6"/>
+          </a:fillRef>
+          <a:effectRef idx="0">
+            <a:schemeClr val="accent6"/>
+          </a:effectRef>
+          <a:fontRef idx="minor">
+            <a:schemeClr val="lt1"/>
+          </a:fontRef>
+        </p:style>
+        <p:txBody>
+          <a:bodyPr rtlCol="0" anchor="ctr"/>
+          <a:lstStyle/>
+          <a:p>
+            <a:pPr algn="ctr"/>
+            <a:r>
+              <a:rPr kumimoji="1" lang="en-US" altLang="zh-CN" dirty="0"/>
+              <a:t>JVM</a:t>
+            </a:r>
+            <a:r>
+              <a:rPr kumimoji="1" lang="zh-CN" altLang="en-US"/>
+              <a:t>自身</a:t>
+            </a:r>
+          </a:p>
+        </p:txBody>
+      </p:sp>
+      <p:sp>
+        <p:nvSpPr>
+          <p:cNvPr id="3" name="圆角矩形 2">
+            <a:extLst>
+              <a:ext uri="{FF2B5EF4-FFF2-40B4-BE49-F238E27FC236}">
+                <a16:creationId xmlns:a16="http://schemas.microsoft.com/office/drawing/2014/main" id="{87D15C48-C5DD-BA49-AE98-FB7013743148}"/>
+              </a:ext>
+            </a:extLst>
+          </p:cNvPr>
+          <p:cNvSpPr/>
+          <p:nvPr/>
+        </p:nvSpPr>
+        <p:spPr>
+          <a:xfrm>
+            <a:off x="2547260" y="1001487"/>
+            <a:ext cx="1306285" cy="914400"/>
+          </a:xfrm>
+          <a:prstGeom prst="roundRect">
+            <a:avLst/>
+          </a:prstGeom>
+        </p:spPr>
+        <p:style>
+          <a:lnRef idx="2">
+            <a:schemeClr val="accent1">
+              <a:shade val="50000"/>
+            </a:schemeClr>
+          </a:lnRef>
+          <a:fillRef idx="1">
+            <a:schemeClr val="accent1"/>
+          </a:fillRef>
+          <a:effectRef idx="0">
+            <a:schemeClr val="accent1"/>
+          </a:effectRef>
+          <a:fontRef idx="minor">
+            <a:schemeClr val="lt1"/>
+          </a:fontRef>
+        </p:style>
+        <p:txBody>
+          <a:bodyPr rtlCol="0" anchor="ctr"/>
+          <a:lstStyle/>
+          <a:p>
+            <a:pPr algn="ctr"/>
+            <a:r>
+              <a:rPr kumimoji="1" lang="en-US" altLang="zh-CN" dirty="0"/>
+              <a:t>Java</a:t>
+            </a:r>
+            <a:r>
+              <a:rPr kumimoji="1" lang="zh-CN" altLang="en-US"/>
+              <a:t>进程</a:t>
+            </a:r>
+          </a:p>
+        </p:txBody>
+      </p:sp>
+      <p:sp>
+        <p:nvSpPr>
+          <p:cNvPr id="11" name="对角圆角矩形 10">
+            <a:extLst>
+              <a:ext uri="{FF2B5EF4-FFF2-40B4-BE49-F238E27FC236}">
+                <a16:creationId xmlns:a16="http://schemas.microsoft.com/office/drawing/2014/main" id="{FF4E2F13-66E0-0F48-8C4F-4DC8A8A862C8}"/>
+              </a:ext>
+            </a:extLst>
+          </p:cNvPr>
+          <p:cNvSpPr/>
+          <p:nvPr/>
+        </p:nvSpPr>
+        <p:spPr>
+          <a:xfrm>
+            <a:off x="5834743" y="2383972"/>
+            <a:ext cx="1502228" cy="914400"/>
+          </a:xfrm>
+          <a:prstGeom prst="round2DiagRect">
+            <a:avLst/>
+          </a:prstGeom>
+        </p:spPr>
+        <p:style>
+          <a:lnRef idx="2">
+            <a:schemeClr val="accent3">
+              <a:shade val="50000"/>
+            </a:schemeClr>
+          </a:lnRef>
+          <a:fillRef idx="1">
+            <a:schemeClr val="accent3"/>
+          </a:fillRef>
+          <a:effectRef idx="0">
+            <a:schemeClr val="accent3"/>
+          </a:effectRef>
+          <a:fontRef idx="minor">
+            <a:schemeClr val="lt1"/>
+          </a:fontRef>
+        </p:style>
+        <p:txBody>
+          <a:bodyPr rtlCol="0" anchor="ctr"/>
+          <a:lstStyle/>
+          <a:p>
+            <a:pPr algn="ctr"/>
+            <a:r>
+              <a:rPr kumimoji="1" lang="zh-CN" altLang="en-US"/>
+              <a:t>非堆</a:t>
+            </a:r>
+            <a:endParaRPr kumimoji="1" lang="en-US" altLang="zh-CN" dirty="0"/>
+          </a:p>
+          <a:p>
+            <a:pPr algn="ctr"/>
+            <a:r>
+              <a:rPr kumimoji="1" lang="en-US" altLang="zh-CN" dirty="0"/>
+              <a:t>Non-Heap</a:t>
+            </a:r>
+            <a:endParaRPr kumimoji="1" lang="zh-CN" altLang="en-US"/>
+          </a:p>
+        </p:txBody>
+      </p:sp>
+      <p:sp>
+        <p:nvSpPr>
+          <p:cNvPr id="14" name="下箭头 13">
+            <a:extLst>
+              <a:ext uri="{FF2B5EF4-FFF2-40B4-BE49-F238E27FC236}">
+                <a16:creationId xmlns:a16="http://schemas.microsoft.com/office/drawing/2014/main" id="{A5249DF1-AEB2-2D43-943B-20A0E7D40401}"/>
+              </a:ext>
+            </a:extLst>
+          </p:cNvPr>
+          <p:cNvSpPr/>
+          <p:nvPr/>
+        </p:nvSpPr>
+        <p:spPr>
+          <a:xfrm>
+            <a:off x="2498273" y="3298371"/>
+            <a:ext cx="353787" cy="446313"/>
+          </a:xfrm>
+          <a:prstGeom prst="downArrow">
+            <a:avLst/>
+          </a:prstGeom>
+        </p:spPr>
+        <p:style>
+          <a:lnRef idx="1">
+            <a:schemeClr val="accent2"/>
+          </a:lnRef>
+          <a:fillRef idx="2">
+            <a:schemeClr val="accent2"/>
+          </a:fillRef>
+          <a:effectRef idx="1">
+            <a:schemeClr val="accent2"/>
+          </a:effectRef>
+          <a:fontRef idx="minor">
+            <a:schemeClr val="dk1"/>
+          </a:fontRef>
+        </p:style>
+        <p:txBody>
+          <a:bodyPr rot="0" spcFirstLastPara="0" vertOverflow="overflow" horzOverflow="overflow" vert="horz" wrap="square" lIns="91440" tIns="45720" rIns="91440" bIns="45720" numCol="1" spcCol="0" rtlCol="0" fromWordArt="0" anchor="ctr" anchorCtr="0" forceAA="0" compatLnSpc="1">
+            <a:prstTxWarp prst="textNoShape">
+              <a:avLst/>
+            </a:prstTxWarp>
+            <a:noAutofit/>
+          </a:bodyPr>
+          <a:lstStyle/>
+          <a:p>
+            <a:pPr algn="ctr"/>
+            <a:endParaRPr kumimoji="1" lang="zh-CN" altLang="en-US">
+              <a:solidFill>
+                <a:schemeClr val="dk1"/>
+              </a:solidFill>
+            </a:endParaRPr>
+          </a:p>
+        </p:txBody>
+      </p:sp>
+      <p:sp>
+        <p:nvSpPr>
+          <p:cNvPr id="16" name="圆角矩形 15">
+            <a:extLst>
+              <a:ext uri="{FF2B5EF4-FFF2-40B4-BE49-F238E27FC236}">
+                <a16:creationId xmlns:a16="http://schemas.microsoft.com/office/drawing/2014/main" id="{BA09E28B-6800-0D44-9BD0-F2E48A60557F}"/>
+              </a:ext>
+            </a:extLst>
+          </p:cNvPr>
+          <p:cNvSpPr/>
+          <p:nvPr/>
+        </p:nvSpPr>
+        <p:spPr>
+          <a:xfrm>
+            <a:off x="2133602" y="3744684"/>
+            <a:ext cx="6999510" cy="914400"/>
+          </a:xfrm>
+          <a:prstGeom prst="roundRect">
+            <a:avLst/>
+          </a:prstGeom>
+        </p:spPr>
+        <p:style>
+          <a:lnRef idx="1">
+            <a:schemeClr val="accent2"/>
+          </a:lnRef>
+          <a:fillRef idx="2">
+            <a:schemeClr val="accent2"/>
+          </a:fillRef>
+          <a:effectRef idx="1">
+            <a:schemeClr val="accent2"/>
+          </a:effectRef>
+          <a:fontRef idx="minor">
+            <a:schemeClr val="dk1"/>
+          </a:fontRef>
+        </p:style>
+        <p:txBody>
+          <a:bodyPr rot="0" spcFirstLastPara="0" vertOverflow="overflow" horzOverflow="overflow" vert="horz" wrap="square" lIns="91440" tIns="45720" rIns="91440" bIns="45720" numCol="1" spcCol="0" rtlCol="0" fromWordArt="0" anchor="ctr" anchorCtr="0" forceAA="0" compatLnSpc="1">
+            <a:prstTxWarp prst="textNoShape">
+              <a:avLst/>
+            </a:prstTxWarp>
+            <a:noAutofit/>
+          </a:bodyPr>
+          <a:lstStyle/>
+          <a:p>
+            <a:pPr algn="ctr"/>
+            <a:r>
               <a:rPr kumimoji="1" lang="en-US" altLang="zh-CN" dirty="0">
                 <a:solidFill>
                   <a:schemeClr val="dk1"/>
                 </a:solidFill>
               </a:rPr>
-              <a:t>                                                                             </a:t>
+              <a:t>                     ……</a:t>
             </a:r>
-            <a:r>
-              <a:rPr kumimoji="1" lang="zh-CN" altLang="en-US">
-                <a:solidFill>
-                  <a:schemeClr val="dk1"/>
-                </a:solidFill>
-              </a:rPr>
-              <a:t>线程栈</a:t>
-            </a:r>
-          </a:p>
-        </p:txBody>
-      </p:sp>
-      <p:sp>
-        <p:nvSpPr>
-          <p:cNvPr id="3" name="剪去单圆角的矩形 2">
+            <a:endParaRPr kumimoji="1" lang="zh-CN" altLang="en-US">
+              <a:solidFill>
+                <a:schemeClr val="dk1"/>
+              </a:solidFill>
+            </a:endParaRPr>
+          </a:p>
+        </p:txBody>
+      </p:sp>
+      <p:sp>
+        <p:nvSpPr>
+          <p:cNvPr id="17" name="剪去单圆角的矩形 16">
             <a:extLst>
               <a:ext uri="{FF2B5EF4-FFF2-40B4-BE49-F238E27FC236}">
-                <a16:creationId xmlns:a16="http://schemas.microsoft.com/office/drawing/2014/main" id="{FC18F954-CC86-F441-BE16-75440EE27DEF}"/>
+                <a16:creationId xmlns:a16="http://schemas.microsoft.com/office/drawing/2014/main" id="{2B3BE0AE-2B15-3B4A-8B80-6C11035DF04E}"/>
               </a:ext>
             </a:extLst>
           </p:cNvPr>
@@ -13634,8 +15059,271 @@
         </p:nvSpPr>
         <p:spPr>
           <a:xfrm>
-            <a:off x="2133599" y="3603175"/>
+            <a:off x="2808515" y="3744686"/>
+            <a:ext cx="1121231" cy="914400"/>
+          </a:xfrm>
+          <a:prstGeom prst="snipRoundRect">
+            <a:avLst/>
+          </a:prstGeom>
+        </p:spPr>
+        <p:style>
+          <a:lnRef idx="2">
+            <a:schemeClr val="accent2">
+              <a:shade val="50000"/>
+            </a:schemeClr>
+          </a:lnRef>
+          <a:fillRef idx="1">
+            <a:schemeClr val="accent2"/>
+          </a:fillRef>
+          <a:effectRef idx="0">
+            <a:schemeClr val="accent2"/>
+          </a:effectRef>
+          <a:fontRef idx="minor">
+            <a:schemeClr val="lt1"/>
+          </a:fontRef>
+        </p:style>
+        <p:txBody>
+          <a:bodyPr rtlCol="0" anchor="ctr"/>
+          <a:lstStyle/>
+          <a:p>
+            <a:pPr algn="ctr"/>
+            <a:r>
+              <a:rPr kumimoji="1" lang="zh-CN" altLang="en-US"/>
+              <a:t>线程栈</a:t>
+            </a:r>
+            <a:r>
+              <a:rPr kumimoji="1" lang="en-US" altLang="zh-CN" dirty="0"/>
+              <a:t>1</a:t>
+            </a:r>
+            <a:endParaRPr kumimoji="1" lang="zh-CN" altLang="en-US"/>
+          </a:p>
+        </p:txBody>
+      </p:sp>
+      <p:sp>
+        <p:nvSpPr>
+          <p:cNvPr id="18" name="剪去单圆角的矩形 17">
+            <a:extLst>
+              <a:ext uri="{FF2B5EF4-FFF2-40B4-BE49-F238E27FC236}">
+                <a16:creationId xmlns:a16="http://schemas.microsoft.com/office/drawing/2014/main" id="{3AEA2A9B-D28E-F143-B596-BA6A2C68283A}"/>
+              </a:ext>
+            </a:extLst>
+          </p:cNvPr>
+          <p:cNvSpPr/>
+          <p:nvPr/>
+        </p:nvSpPr>
+        <p:spPr>
+          <a:xfrm>
+            <a:off x="4811486" y="3755571"/>
+            <a:ext cx="1121231" cy="914400"/>
+          </a:xfrm>
+          <a:prstGeom prst="snipRoundRect">
+            <a:avLst/>
+          </a:prstGeom>
+        </p:spPr>
+        <p:style>
+          <a:lnRef idx="2">
+            <a:schemeClr val="accent2">
+              <a:shade val="50000"/>
+            </a:schemeClr>
+          </a:lnRef>
+          <a:fillRef idx="1">
+            <a:schemeClr val="accent2"/>
+          </a:fillRef>
+          <a:effectRef idx="0">
+            <a:schemeClr val="accent2"/>
+          </a:effectRef>
+          <a:fontRef idx="minor">
+            <a:schemeClr val="lt1"/>
+          </a:fontRef>
+        </p:style>
+        <p:txBody>
+          <a:bodyPr rtlCol="0" anchor="ctr"/>
+          <a:lstStyle/>
+          <a:p>
+            <a:pPr algn="ctr"/>
+            <a:r>
+              <a:rPr kumimoji="1" lang="zh-CN" altLang="en-US"/>
+              <a:t>线程栈</a:t>
+            </a:r>
+            <a:r>
+              <a:rPr kumimoji="1" lang="en-US" altLang="zh-CN" dirty="0"/>
+              <a:t>2</a:t>
+            </a:r>
+            <a:endParaRPr kumimoji="1" lang="zh-CN" altLang="en-US"/>
+          </a:p>
+        </p:txBody>
+      </p:sp>
+      <p:sp>
+        <p:nvSpPr>
+          <p:cNvPr id="19" name="剪去单圆角的矩形 18">
+            <a:extLst>
+              <a:ext uri="{FF2B5EF4-FFF2-40B4-BE49-F238E27FC236}">
+                <a16:creationId xmlns:a16="http://schemas.microsoft.com/office/drawing/2014/main" id="{CD1B4D61-F682-FD45-95EE-CFA1363AF9FC}"/>
+              </a:ext>
+            </a:extLst>
+          </p:cNvPr>
+          <p:cNvSpPr/>
+          <p:nvPr/>
+        </p:nvSpPr>
+        <p:spPr>
+          <a:xfrm>
+            <a:off x="7434939" y="3755571"/>
+            <a:ext cx="1121231" cy="914400"/>
+          </a:xfrm>
+          <a:prstGeom prst="snipRoundRect">
+            <a:avLst/>
+          </a:prstGeom>
+        </p:spPr>
+        <p:style>
+          <a:lnRef idx="2">
+            <a:schemeClr val="accent2">
+              <a:shade val="50000"/>
+            </a:schemeClr>
+          </a:lnRef>
+          <a:fillRef idx="1">
+            <a:schemeClr val="accent2"/>
+          </a:fillRef>
+          <a:effectRef idx="0">
+            <a:schemeClr val="accent2"/>
+          </a:effectRef>
+          <a:fontRef idx="minor">
+            <a:schemeClr val="lt1"/>
+          </a:fontRef>
+        </p:style>
+        <p:txBody>
+          <a:bodyPr rtlCol="0" anchor="ctr"/>
+          <a:lstStyle/>
+          <a:p>
+            <a:pPr algn="ctr"/>
+            <a:r>
+              <a:rPr kumimoji="1" lang="zh-CN" altLang="en-US"/>
+              <a:t>线程栈</a:t>
+            </a:r>
+            <a:r>
+              <a:rPr kumimoji="1" lang="en-US" altLang="zh-CN" dirty="0"/>
+              <a:t>n</a:t>
+            </a:r>
+            <a:endParaRPr kumimoji="1" lang="zh-CN" altLang="en-US"/>
+          </a:p>
+        </p:txBody>
+      </p:sp>
+      <p:sp>
+        <p:nvSpPr>
+          <p:cNvPr id="20" name="剪去单圆角的矩形 19">
+            <a:extLst>
+              <a:ext uri="{FF2B5EF4-FFF2-40B4-BE49-F238E27FC236}">
+                <a16:creationId xmlns:a16="http://schemas.microsoft.com/office/drawing/2014/main" id="{993C25DD-E2E4-7B40-ADE8-2355F1C5737E}"/>
+              </a:ext>
+            </a:extLst>
+          </p:cNvPr>
+          <p:cNvSpPr/>
+          <p:nvPr/>
+        </p:nvSpPr>
+        <p:spPr>
+          <a:xfrm>
+            <a:off x="2133599" y="5094510"/>
             <a:ext cx="6999513" cy="914400"/>
+          </a:xfrm>
+          <a:prstGeom prst="snipRoundRect">
+            <a:avLst/>
+          </a:prstGeom>
+        </p:spPr>
+        <p:style>
+          <a:lnRef idx="2">
+            <a:schemeClr val="accent2">
+              <a:shade val="50000"/>
+            </a:schemeClr>
+          </a:lnRef>
+          <a:fillRef idx="1">
+            <a:schemeClr val="accent2"/>
+          </a:fillRef>
+          <a:effectRef idx="0">
+            <a:schemeClr val="accent2"/>
+          </a:effectRef>
+          <a:fontRef idx="minor">
+            <a:schemeClr val="lt1"/>
+          </a:fontRef>
+        </p:style>
+        <p:txBody>
+          <a:bodyPr rtlCol="0" anchor="ctr"/>
+          <a:lstStyle/>
+          <a:p>
+            <a:pPr algn="ctr"/>
+            <a:endParaRPr kumimoji="1" lang="zh-CN" altLang="en-US"/>
+          </a:p>
+        </p:txBody>
+      </p:sp>
+      <p:sp>
+        <p:nvSpPr>
+          <p:cNvPr id="21" name="下箭头 20">
+            <a:extLst>
+              <a:ext uri="{FF2B5EF4-FFF2-40B4-BE49-F238E27FC236}">
+                <a16:creationId xmlns:a16="http://schemas.microsoft.com/office/drawing/2014/main" id="{ED0910E1-9C8E-9A40-91E8-1A10F688D5A4}"/>
+              </a:ext>
+            </a:extLst>
+          </p:cNvPr>
+          <p:cNvSpPr/>
+          <p:nvPr/>
+        </p:nvSpPr>
+        <p:spPr>
+          <a:xfrm>
+            <a:off x="3287493" y="4659082"/>
+            <a:ext cx="353787" cy="446313"/>
+          </a:xfrm>
+          <a:prstGeom prst="downArrow">
+            <a:avLst/>
+          </a:prstGeom>
+        </p:spPr>
+        <p:style>
+          <a:lnRef idx="2">
+            <a:schemeClr val="accent2">
+              <a:shade val="50000"/>
+            </a:schemeClr>
+          </a:lnRef>
+          <a:fillRef idx="1">
+            <a:schemeClr val="accent2"/>
+          </a:fillRef>
+          <a:effectRef idx="0">
+            <a:schemeClr val="accent2"/>
+          </a:effectRef>
+          <a:fontRef idx="minor">
+            <a:schemeClr val="lt1"/>
+          </a:fontRef>
+        </p:style>
+        <p:txBody>
+          <a:bodyPr rot="0" spcFirstLastPara="0" vertOverflow="overflow" horzOverflow="overflow" vert="horz" wrap="square" lIns="91440" tIns="45720" rIns="91440" bIns="45720" numCol="1" spcCol="0" rtlCol="0" fromWordArt="0" anchor="ctr" anchorCtr="0" forceAA="0" compatLnSpc="1">
+            <a:prstTxWarp prst="textNoShape">
+              <a:avLst/>
+            </a:prstTxWarp>
+            <a:noAutofit/>
+          </a:bodyPr>
+          <a:lstStyle/>
+          <a:p>
+            <a:pPr algn="ctr"/>
+            <a:endParaRPr kumimoji="1" lang="zh-CN" altLang="en-US">
+              <a:solidFill>
+                <a:schemeClr val="lt1"/>
+              </a:solidFill>
+            </a:endParaRPr>
+          </a:p>
+        </p:txBody>
+      </p:sp>
+      <p:sp>
+        <p:nvSpPr>
+          <p:cNvPr id="22" name="剪去单圆角的矩形 21">
+            <a:extLst>
+              <a:ext uri="{FF2B5EF4-FFF2-40B4-BE49-F238E27FC236}">
+                <a16:creationId xmlns:a16="http://schemas.microsoft.com/office/drawing/2014/main" id="{33DFE431-8CA5-AF48-8247-00F4DEB4EBF8}"/>
+              </a:ext>
+            </a:extLst>
+          </p:cNvPr>
+          <p:cNvSpPr/>
+          <p:nvPr/>
+        </p:nvSpPr>
+        <p:spPr>
+          <a:xfrm>
+            <a:off x="2133599" y="5094509"/>
+            <a:ext cx="1349832" cy="914400"/>
           </a:xfrm>
           <a:prstGeom prst="snipRoundRect">
             <a:avLst/>
@@ -13660,16 +15348,39 @@
           <a:lstStyle/>
           <a:p>
             <a:pPr algn="ctr"/>
+            <a:r>
+              <a:rPr kumimoji="1" lang="en-US" altLang="zh-CN" dirty="0"/>
+              <a:t>Frame/</a:t>
+            </a:r>
+            <a:r>
+              <a:rPr kumimoji="1" lang="zh-CN" altLang="en-US"/>
+              <a:t>帧</a:t>
+            </a:r>
             <a:endParaRPr kumimoji="1" lang="en-US" altLang="zh-CN" dirty="0"/>
           </a:p>
-        </p:txBody>
-      </p:sp>
-      <p:sp>
-        <p:nvSpPr>
-          <p:cNvPr id="5" name="同侧圆角矩形 4">
+          <a:p>
+            <a:pPr algn="ctr"/>
+            <a:r>
+              <a:rPr kumimoji="1" lang="en-US" altLang="zh-CN" dirty="0"/>
+              <a:t>(</a:t>
+            </a:r>
+            <a:r>
+              <a:rPr kumimoji="1" lang="zh-CN" altLang="en-US"/>
+              <a:t>方法</a:t>
+            </a:r>
+            <a:r>
+              <a:rPr kumimoji="1" lang="en-US" altLang="zh-CN" dirty="0"/>
+              <a:t>A)</a:t>
+            </a:r>
+          </a:p>
+        </p:txBody>
+      </p:sp>
+      <p:sp>
+        <p:nvSpPr>
+          <p:cNvPr id="24" name="剪去单圆角的矩形 23">
             <a:extLst>
               <a:ext uri="{FF2B5EF4-FFF2-40B4-BE49-F238E27FC236}">
-                <a16:creationId xmlns:a16="http://schemas.microsoft.com/office/drawing/2014/main" id="{52759799-17C7-534A-A1D4-C83C9ECD398E}"/>
+                <a16:creationId xmlns:a16="http://schemas.microsoft.com/office/drawing/2014/main" id="{F8D85A9A-09C6-5242-A740-3045B88BB844}"/>
               </a:ext>
             </a:extLst>
           </p:cNvPr>
@@ -13678,57 +15389,8 @@
         </p:nvSpPr>
         <p:spPr>
           <a:xfrm>
-            <a:off x="2307770" y="3831768"/>
-            <a:ext cx="1208315" cy="544286"/>
-          </a:xfrm>
-          <a:prstGeom prst="round2SameRect">
-            <a:avLst/>
-          </a:prstGeom>
-        </p:spPr>
-        <p:style>
-          <a:lnRef idx="2">
-            <a:schemeClr val="accent1">
-              <a:shade val="50000"/>
-            </a:schemeClr>
-          </a:lnRef>
-          <a:fillRef idx="1">
-            <a:schemeClr val="accent1"/>
-          </a:fillRef>
-          <a:effectRef idx="0">
-            <a:schemeClr val="accent1"/>
-          </a:effectRef>
-          <a:fontRef idx="minor">
-            <a:schemeClr val="lt1"/>
-          </a:fontRef>
-        </p:style>
-        <p:txBody>
-          <a:bodyPr rtlCol="0" anchor="ctr"/>
-          <a:lstStyle/>
-          <a:p>
-            <a:pPr algn="ctr"/>
-            <a:r>
-              <a:rPr kumimoji="1" lang="zh-CN" altLang="en-US"/>
-              <a:t>返回值</a:t>
-            </a:r>
-          </a:p>
-        </p:txBody>
-      </p:sp>
-      <p:sp>
-        <p:nvSpPr>
-          <p:cNvPr id="2" name="剪去单圆角的矩形 1">
-            <a:extLst>
-              <a:ext uri="{FF2B5EF4-FFF2-40B4-BE49-F238E27FC236}">
-                <a16:creationId xmlns:a16="http://schemas.microsoft.com/office/drawing/2014/main" id="{73EA06D5-0E7F-E24C-9D72-315E5F2D8394}"/>
-              </a:ext>
-            </a:extLst>
-          </p:cNvPr>
-          <p:cNvSpPr/>
-          <p:nvPr/>
-        </p:nvSpPr>
-        <p:spPr>
-          <a:xfrm>
-            <a:off x="2215238" y="2220673"/>
-            <a:ext cx="1638305" cy="914400"/>
+            <a:off x="3483431" y="5094511"/>
+            <a:ext cx="1349832" cy="914400"/>
           </a:xfrm>
           <a:prstGeom prst="snipRoundRect">
             <a:avLst/>
@@ -13775,17 +15437,17 @@
             </a:r>
             <a:r>
               <a:rPr kumimoji="1" lang="en-US" altLang="zh-CN" dirty="0"/>
-              <a:t>A)</a:t>
+              <a:t>B)</a:t>
             </a:r>
           </a:p>
         </p:txBody>
       </p:sp>
       <p:sp>
         <p:nvSpPr>
-          <p:cNvPr id="6" name="同侧圆角矩形 5">
+          <p:cNvPr id="25" name="剪去单圆角的矩形 24">
             <a:extLst>
               <a:ext uri="{FF2B5EF4-FFF2-40B4-BE49-F238E27FC236}">
-                <a16:creationId xmlns:a16="http://schemas.microsoft.com/office/drawing/2014/main" id="{A8B7EDA1-F2BF-484C-A582-BEAD306DC74F}"/>
+                <a16:creationId xmlns:a16="http://schemas.microsoft.com/office/drawing/2014/main" id="{BC9964CD-9900-CF41-B4E0-41F7D73904F4}"/>
               </a:ext>
             </a:extLst>
           </p:cNvPr>
@@ -13794,406 +15456,8 @@
         </p:nvSpPr>
         <p:spPr>
           <a:xfrm>
-            <a:off x="3603170" y="3831768"/>
-            <a:ext cx="1567544" cy="544286"/>
-          </a:xfrm>
-          <a:prstGeom prst="round2SameRect">
-            <a:avLst/>
-          </a:prstGeom>
-          <a:ln/>
-        </p:spPr>
-        <p:style>
-          <a:lnRef idx="3">
-            <a:schemeClr val="lt1"/>
-          </a:lnRef>
-          <a:fillRef idx="1">
-            <a:schemeClr val="accent6"/>
-          </a:fillRef>
-          <a:effectRef idx="1">
-            <a:schemeClr val="accent6"/>
-          </a:effectRef>
-          <a:fontRef idx="minor">
-            <a:schemeClr val="lt1"/>
-          </a:fontRef>
-        </p:style>
-        <p:txBody>
-          <a:bodyPr rtlCol="0" anchor="ctr"/>
-          <a:lstStyle/>
-          <a:p>
-            <a:pPr algn="ctr"/>
-            <a:r>
-              <a:rPr kumimoji="1" lang="zh-CN" altLang="en-US"/>
-              <a:t>局部变量表</a:t>
-            </a:r>
-          </a:p>
-        </p:txBody>
-      </p:sp>
-      <p:sp>
-        <p:nvSpPr>
-          <p:cNvPr id="7" name="同侧圆角矩形 6">
-            <a:extLst>
-              <a:ext uri="{FF2B5EF4-FFF2-40B4-BE49-F238E27FC236}">
-                <a16:creationId xmlns:a16="http://schemas.microsoft.com/office/drawing/2014/main" id="{51DF68A0-4089-C943-95C0-29102F372FFA}"/>
-              </a:ext>
-            </a:extLst>
-          </p:cNvPr>
-          <p:cNvSpPr/>
-          <p:nvPr/>
-        </p:nvSpPr>
-        <p:spPr>
-          <a:xfrm>
-            <a:off x="5257799" y="3831768"/>
-            <a:ext cx="1306287" cy="544286"/>
-          </a:xfrm>
-          <a:prstGeom prst="round2SameRect">
-            <a:avLst/>
-          </a:prstGeom>
-        </p:spPr>
-        <p:style>
-          <a:lnRef idx="0">
-            <a:schemeClr val="accent6"/>
-          </a:lnRef>
-          <a:fillRef idx="3">
-            <a:schemeClr val="accent6"/>
-          </a:fillRef>
-          <a:effectRef idx="3">
-            <a:schemeClr val="accent6"/>
-          </a:effectRef>
-          <a:fontRef idx="minor">
-            <a:schemeClr val="lt1"/>
-          </a:fontRef>
-        </p:style>
-        <p:txBody>
-          <a:bodyPr rtlCol="0" anchor="ctr"/>
-          <a:lstStyle/>
-          <a:p>
-            <a:pPr algn="ctr"/>
-            <a:r>
-              <a:rPr kumimoji="1" lang="zh-CN" altLang="en-US"/>
-              <a:t>操作数栈</a:t>
-            </a:r>
-          </a:p>
-        </p:txBody>
-      </p:sp>
-      <p:sp>
-        <p:nvSpPr>
-          <p:cNvPr id="8" name="同侧圆角矩形 7">
-            <a:extLst>
-              <a:ext uri="{FF2B5EF4-FFF2-40B4-BE49-F238E27FC236}">
-                <a16:creationId xmlns:a16="http://schemas.microsoft.com/office/drawing/2014/main" id="{E941B530-3B37-E64C-94C2-8359A6A85ED9}"/>
-              </a:ext>
-            </a:extLst>
-          </p:cNvPr>
-          <p:cNvSpPr/>
-          <p:nvPr/>
-        </p:nvSpPr>
-        <p:spPr>
-          <a:xfrm>
-            <a:off x="7217224" y="3831768"/>
-            <a:ext cx="1556662" cy="544286"/>
-          </a:xfrm>
-          <a:prstGeom prst="round2SameRect">
-            <a:avLst/>
-          </a:prstGeom>
-        </p:spPr>
-        <p:style>
-          <a:lnRef idx="1">
-            <a:schemeClr val="accent3"/>
-          </a:lnRef>
-          <a:fillRef idx="3">
-            <a:schemeClr val="accent3"/>
-          </a:fillRef>
-          <a:effectRef idx="2">
-            <a:schemeClr val="accent3"/>
-          </a:effectRef>
-          <a:fontRef idx="minor">
-            <a:schemeClr val="lt1"/>
-          </a:fontRef>
-        </p:style>
-        <p:txBody>
-          <a:bodyPr rtlCol="0" anchor="ctr"/>
-          <a:lstStyle/>
-          <a:p>
-            <a:pPr algn="ctr"/>
-            <a:r>
-              <a:rPr kumimoji="1" lang="en-US" altLang="zh-CN" dirty="0"/>
-              <a:t>Class/</a:t>
-            </a:r>
-          </a:p>
-          <a:p>
-            <a:pPr algn="ctr"/>
-            <a:r>
-              <a:rPr kumimoji="1" lang="en-US" altLang="zh-CN" dirty="0"/>
-              <a:t>Method</a:t>
-            </a:r>
-            <a:r>
-              <a:rPr kumimoji="1" lang="zh-CN" altLang="en-US" dirty="0"/>
-              <a:t>指针</a:t>
-            </a:r>
-          </a:p>
-        </p:txBody>
-      </p:sp>
-      <p:sp>
-        <p:nvSpPr>
-          <p:cNvPr id="9" name="下箭头 8">
-            <a:extLst>
-              <a:ext uri="{FF2B5EF4-FFF2-40B4-BE49-F238E27FC236}">
-                <a16:creationId xmlns:a16="http://schemas.microsoft.com/office/drawing/2014/main" id="{EF93ED3E-E4CD-E249-8A84-6DE0633119DE}"/>
-              </a:ext>
-            </a:extLst>
-          </p:cNvPr>
-          <p:cNvSpPr/>
-          <p:nvPr/>
-        </p:nvSpPr>
-        <p:spPr>
-          <a:xfrm>
-            <a:off x="2911927" y="3135078"/>
-            <a:ext cx="353787" cy="446313"/>
-          </a:xfrm>
-          <a:prstGeom prst="downArrow">
-            <a:avLst/>
-          </a:prstGeom>
-        </p:spPr>
-        <p:style>
-          <a:lnRef idx="1">
-            <a:schemeClr val="accent3"/>
-          </a:lnRef>
-          <a:fillRef idx="2">
-            <a:schemeClr val="accent3"/>
-          </a:fillRef>
-          <a:effectRef idx="1">
-            <a:schemeClr val="accent3"/>
-          </a:effectRef>
-          <a:fontRef idx="minor">
-            <a:schemeClr val="dk1"/>
-          </a:fontRef>
-        </p:style>
-        <p:txBody>
-          <a:bodyPr rtlCol="0" anchor="ctr"/>
-          <a:lstStyle/>
-          <a:p>
-            <a:pPr algn="ctr"/>
-            <a:endParaRPr kumimoji="1" lang="zh-CN" altLang="en-US"/>
-          </a:p>
-        </p:txBody>
-      </p:sp>
-      <p:sp>
-        <p:nvSpPr>
-          <p:cNvPr id="10" name="剪去单圆角的矩形 9">
-            <a:extLst>
-              <a:ext uri="{FF2B5EF4-FFF2-40B4-BE49-F238E27FC236}">
-                <a16:creationId xmlns:a16="http://schemas.microsoft.com/office/drawing/2014/main" id="{AEEDEEC9-EFD0-A545-9B03-3345CE895F2A}"/>
-              </a:ext>
-            </a:extLst>
-          </p:cNvPr>
-          <p:cNvSpPr/>
-          <p:nvPr/>
-        </p:nvSpPr>
-        <p:spPr>
-          <a:xfrm>
-            <a:off x="2133599" y="598715"/>
-            <a:ext cx="6999513" cy="914400"/>
-          </a:xfrm>
-          <a:prstGeom prst="snipRoundRect">
-            <a:avLst/>
-          </a:prstGeom>
-        </p:spPr>
-        <p:style>
-          <a:lnRef idx="1">
-            <a:schemeClr val="accent5"/>
-          </a:lnRef>
-          <a:fillRef idx="3">
-            <a:schemeClr val="accent5"/>
-          </a:fillRef>
-          <a:effectRef idx="2">
-            <a:schemeClr val="accent5"/>
-          </a:effectRef>
-          <a:fontRef idx="minor">
-            <a:schemeClr val="lt1"/>
-          </a:fontRef>
-        </p:style>
-        <p:txBody>
-          <a:bodyPr rtlCol="0" anchor="ctr"/>
-          <a:lstStyle/>
-          <a:p>
-            <a:pPr algn="ctr"/>
-            <a:r>
-              <a:rPr kumimoji="1" lang="zh-CN" altLang="en-US"/>
-              <a:t>线程</a:t>
-            </a:r>
-          </a:p>
-        </p:txBody>
-      </p:sp>
-      <p:sp>
-        <p:nvSpPr>
-          <p:cNvPr id="11" name="同侧圆角矩形 10">
-            <a:extLst>
-              <a:ext uri="{FF2B5EF4-FFF2-40B4-BE49-F238E27FC236}">
-                <a16:creationId xmlns:a16="http://schemas.microsoft.com/office/drawing/2014/main" id="{3A7ABC18-44F2-CC44-B7A5-CB717BD158F7}"/>
-              </a:ext>
-            </a:extLst>
-          </p:cNvPr>
-          <p:cNvSpPr/>
-          <p:nvPr/>
-        </p:nvSpPr>
-        <p:spPr>
-          <a:xfrm>
-            <a:off x="2307769" y="767447"/>
-            <a:ext cx="1208315" cy="544286"/>
-          </a:xfrm>
-          <a:prstGeom prst="round2SameRect">
-            <a:avLst/>
-          </a:prstGeom>
-        </p:spPr>
-        <p:style>
-          <a:lnRef idx="2">
-            <a:schemeClr val="accent1">
-              <a:shade val="50000"/>
-            </a:schemeClr>
-          </a:lnRef>
-          <a:fillRef idx="1">
-            <a:schemeClr val="accent1"/>
-          </a:fillRef>
-          <a:effectRef idx="0">
-            <a:schemeClr val="accent1"/>
-          </a:effectRef>
-          <a:fontRef idx="minor">
-            <a:schemeClr val="lt1"/>
-          </a:fontRef>
-        </p:style>
-        <p:txBody>
-          <a:bodyPr rtlCol="0" anchor="ctr"/>
-          <a:lstStyle/>
-          <a:p>
-            <a:pPr algn="ctr"/>
-            <a:r>
-              <a:rPr kumimoji="1" lang="en-US" altLang="zh-CN" dirty="0"/>
-              <a:t>PC</a:t>
-            </a:r>
-            <a:endParaRPr kumimoji="1" lang="zh-CN" altLang="en-US"/>
-          </a:p>
-        </p:txBody>
-      </p:sp>
-      <p:sp>
-        <p:nvSpPr>
-          <p:cNvPr id="12" name="同侧圆角矩形 11">
-            <a:extLst>
-              <a:ext uri="{FF2B5EF4-FFF2-40B4-BE49-F238E27FC236}">
-                <a16:creationId xmlns:a16="http://schemas.microsoft.com/office/drawing/2014/main" id="{6793F28B-1560-F247-9493-E22AB5B16260}"/>
-              </a:ext>
-            </a:extLst>
-          </p:cNvPr>
-          <p:cNvSpPr/>
-          <p:nvPr/>
-        </p:nvSpPr>
-        <p:spPr>
-          <a:xfrm>
-            <a:off x="3603170" y="783772"/>
-            <a:ext cx="1208315" cy="544286"/>
-          </a:xfrm>
-          <a:prstGeom prst="round2SameRect">
-            <a:avLst/>
-          </a:prstGeom>
-        </p:spPr>
-        <p:style>
-          <a:lnRef idx="1">
-            <a:schemeClr val="accent2"/>
-          </a:lnRef>
-          <a:fillRef idx="2">
-            <a:schemeClr val="accent2"/>
-          </a:fillRef>
-          <a:effectRef idx="1">
-            <a:schemeClr val="accent2"/>
-          </a:effectRef>
-          <a:fontRef idx="minor">
-            <a:schemeClr val="dk1"/>
-          </a:fontRef>
-        </p:style>
-        <p:txBody>
-          <a:bodyPr rtlCol="0" anchor="ctr"/>
-          <a:lstStyle/>
-          <a:p>
-            <a:pPr algn="ctr"/>
-            <a:r>
-              <a:rPr kumimoji="1" lang="zh-CN" altLang="en-US">
-                <a:solidFill>
-                  <a:schemeClr val="dk1"/>
-                </a:solidFill>
-              </a:rPr>
-              <a:t>线程栈</a:t>
-            </a:r>
-          </a:p>
-        </p:txBody>
-      </p:sp>
-      <p:sp>
-        <p:nvSpPr>
-          <p:cNvPr id="13" name="同侧圆角矩形 12">
-            <a:extLst>
-              <a:ext uri="{FF2B5EF4-FFF2-40B4-BE49-F238E27FC236}">
-                <a16:creationId xmlns:a16="http://schemas.microsoft.com/office/drawing/2014/main" id="{F22D0027-77A5-F24C-84E4-F5EBA00EC564}"/>
-              </a:ext>
-            </a:extLst>
-          </p:cNvPr>
-          <p:cNvSpPr/>
-          <p:nvPr/>
-        </p:nvSpPr>
-        <p:spPr>
-          <a:xfrm>
-            <a:off x="7217224" y="783772"/>
-            <a:ext cx="1208315" cy="544286"/>
-          </a:xfrm>
-          <a:prstGeom prst="round2SameRect">
-            <a:avLst/>
-          </a:prstGeom>
-        </p:spPr>
-        <p:style>
-          <a:lnRef idx="2">
-            <a:schemeClr val="accent1">
-              <a:shade val="50000"/>
-            </a:schemeClr>
-          </a:lnRef>
-          <a:fillRef idx="1">
-            <a:schemeClr val="accent1"/>
-          </a:fillRef>
-          <a:effectRef idx="0">
-            <a:schemeClr val="accent1"/>
-          </a:effectRef>
-          <a:fontRef idx="minor">
-            <a:schemeClr val="lt1"/>
-          </a:fontRef>
-        </p:style>
-        <p:txBody>
-          <a:bodyPr rtlCol="0" anchor="ctr"/>
-          <a:lstStyle/>
-          <a:p>
-            <a:pPr algn="ctr"/>
-            <a:r>
-              <a:rPr kumimoji="1" lang="en-US" altLang="zh-CN" dirty="0"/>
-              <a:t>Native</a:t>
-            </a:r>
-            <a:r>
-              <a:rPr kumimoji="1" lang="zh-CN" altLang="en-US"/>
-              <a:t>栈</a:t>
-            </a:r>
-          </a:p>
-        </p:txBody>
-      </p:sp>
-      <p:sp>
-        <p:nvSpPr>
-          <p:cNvPr id="16" name="剪去单圆角的矩形 15">
-            <a:extLst>
-              <a:ext uri="{FF2B5EF4-FFF2-40B4-BE49-F238E27FC236}">
-                <a16:creationId xmlns:a16="http://schemas.microsoft.com/office/drawing/2014/main" id="{6E8D42EA-DCE2-DE4C-A45A-D6691797D47D}"/>
-              </a:ext>
-            </a:extLst>
-          </p:cNvPr>
-          <p:cNvSpPr/>
-          <p:nvPr/>
-        </p:nvSpPr>
-        <p:spPr>
-          <a:xfrm>
-            <a:off x="3853543" y="2231571"/>
-            <a:ext cx="1240971" cy="914400"/>
+            <a:off x="4833259" y="5094511"/>
+            <a:ext cx="1349832" cy="914400"/>
           </a:xfrm>
           <a:prstGeom prst="snipRoundRect">
             <a:avLst/>
@@ -14240,17 +15504,17 @@
             </a:r>
             <a:r>
               <a:rPr kumimoji="1" lang="en-US" altLang="zh-CN" dirty="0"/>
-              <a:t>B)</a:t>
+              <a:t>C)</a:t>
             </a:r>
           </a:p>
         </p:txBody>
       </p:sp>
       <p:sp>
         <p:nvSpPr>
-          <p:cNvPr id="17" name="剪去单圆角的矩形 16">
+          <p:cNvPr id="26" name="剪去单圆角的矩形 25">
             <a:extLst>
               <a:ext uri="{FF2B5EF4-FFF2-40B4-BE49-F238E27FC236}">
-                <a16:creationId xmlns:a16="http://schemas.microsoft.com/office/drawing/2014/main" id="{3D291144-28EC-CF45-8A40-4D5DE5BCAD13}"/>
+                <a16:creationId xmlns:a16="http://schemas.microsoft.com/office/drawing/2014/main" id="{817CE8E0-F234-2845-AC0A-EC3ECB25C9B4}"/>
               </a:ext>
             </a:extLst>
           </p:cNvPr>
@@ -14259,8 +15523,8 @@
         </p:nvSpPr>
         <p:spPr>
           <a:xfrm>
-            <a:off x="5094514" y="2220673"/>
-            <a:ext cx="2122710" cy="914400"/>
+            <a:off x="6183095" y="5105395"/>
+            <a:ext cx="1349832" cy="903514"/>
           </a:xfrm>
           <a:prstGeom prst="snipRoundRect">
             <a:avLst/>
@@ -14287,37 +15551,17 @@
             <a:pPr algn="ctr"/>
             <a:r>
               <a:rPr kumimoji="1" lang="en-US" altLang="zh-CN" dirty="0"/>
-              <a:t>Frame/</a:t>
+              <a:t>…</a:t>
             </a:r>
-            <a:r>
-              <a:rPr kumimoji="1" lang="zh-CN" altLang="en-US"/>
-              <a:t>帧</a:t>
-            </a:r>
-            <a:endParaRPr kumimoji="1" lang="en-US" altLang="zh-CN" dirty="0"/>
-          </a:p>
-          <a:p>
-            <a:pPr algn="ctr"/>
-            <a:r>
-              <a:rPr kumimoji="1" lang="en-US" altLang="zh-CN" dirty="0"/>
-              <a:t>(</a:t>
-            </a:r>
-            <a:r>
-              <a:rPr kumimoji="1" lang="zh-CN" altLang="en-US"/>
-              <a:t>方法</a:t>
-            </a:r>
-            <a:r>
-              <a:rPr kumimoji="1" lang="en-US" altLang="zh-CN" dirty="0"/>
-              <a:t>C)</a:t>
-            </a:r>
-          </a:p>
-        </p:txBody>
-      </p:sp>
-      <p:sp>
-        <p:nvSpPr>
-          <p:cNvPr id="18" name="下箭头 17">
+          </a:p>
+        </p:txBody>
+      </p:sp>
+      <p:sp>
+        <p:nvSpPr>
+          <p:cNvPr id="23" name="剪去单圆角的矩形 22">
             <a:extLst>
               <a:ext uri="{FF2B5EF4-FFF2-40B4-BE49-F238E27FC236}">
-                <a16:creationId xmlns:a16="http://schemas.microsoft.com/office/drawing/2014/main" id="{8EB0435F-80E6-964C-964E-3352075410C6}"/>
+                <a16:creationId xmlns:a16="http://schemas.microsoft.com/office/drawing/2014/main" id="{E0C76BFD-D3AF-614D-9006-C8BA074C560B}"/>
               </a:ext>
             </a:extLst>
           </p:cNvPr>
@@ -14326,45 +15570,184 @@
         </p:nvSpPr>
         <p:spPr>
           <a:xfrm>
-            <a:off x="4033155" y="1458692"/>
-            <a:ext cx="353787" cy="631358"/>
+            <a:off x="6312362" y="5105395"/>
+            <a:ext cx="1349832" cy="903514"/>
           </a:xfrm>
-          <a:prstGeom prst="downArrow">
+          <a:prstGeom prst="snipRoundRect">
             <a:avLst/>
           </a:prstGeom>
         </p:spPr>
         <p:style>
           <a:lnRef idx="1">
-            <a:schemeClr val="accent2"/>
+            <a:schemeClr val="accent3"/>
           </a:lnRef>
           <a:fillRef idx="2">
-            <a:schemeClr val="accent2"/>
+            <a:schemeClr val="accent3"/>
           </a:fillRef>
           <a:effectRef idx="1">
-            <a:schemeClr val="accent2"/>
+            <a:schemeClr val="accent3"/>
           </a:effectRef>
           <a:fontRef idx="minor">
             <a:schemeClr val="dk1"/>
           </a:fontRef>
         </p:style>
         <p:txBody>
-          <a:bodyPr rot="0" spcFirstLastPara="0" vertOverflow="overflow" horzOverflow="overflow" vert="horz" wrap="square" lIns="91440" tIns="45720" rIns="91440" bIns="45720" numCol="1" spcCol="0" rtlCol="0" fromWordArt="0" anchor="ctr" anchorCtr="0" forceAA="0" compatLnSpc="1">
-            <a:prstTxWarp prst="textNoShape">
-              <a:avLst/>
-            </a:prstTxWarp>
-            <a:noAutofit/>
-          </a:bodyPr>
+          <a:bodyPr rtlCol="0" anchor="ctr"/>
           <a:lstStyle/>
           <a:p>
             <a:pPr algn="ctr"/>
-            <a:endParaRPr kumimoji="1" lang="zh-CN" altLang="en-US"/>
+            <a:r>
+              <a:rPr kumimoji="1" lang="en-US" altLang="zh-CN" dirty="0"/>
+              <a:t>…</a:t>
+            </a:r>
+          </a:p>
+        </p:txBody>
+      </p:sp>
+      <p:sp>
+        <p:nvSpPr>
+          <p:cNvPr id="27" name="剪去单圆角的矩形 26">
+            <a:extLst>
+              <a:ext uri="{FF2B5EF4-FFF2-40B4-BE49-F238E27FC236}">
+                <a16:creationId xmlns:a16="http://schemas.microsoft.com/office/drawing/2014/main" id="{F4D0E1AA-AF89-1C43-A4AD-2C166E1368C0}"/>
+              </a:ext>
+            </a:extLst>
+          </p:cNvPr>
+          <p:cNvSpPr/>
+          <p:nvPr/>
+        </p:nvSpPr>
+        <p:spPr>
+          <a:xfrm>
+            <a:off x="6441629" y="5105395"/>
+            <a:ext cx="1349832" cy="903514"/>
+          </a:xfrm>
+          <a:prstGeom prst="snipRoundRect">
+            <a:avLst/>
+          </a:prstGeom>
+        </p:spPr>
+        <p:style>
+          <a:lnRef idx="1">
+            <a:schemeClr val="accent3"/>
+          </a:lnRef>
+          <a:fillRef idx="2">
+            <a:schemeClr val="accent3"/>
+          </a:fillRef>
+          <a:effectRef idx="1">
+            <a:schemeClr val="accent3"/>
+          </a:effectRef>
+          <a:fontRef idx="minor">
+            <a:schemeClr val="dk1"/>
+          </a:fontRef>
+        </p:style>
+        <p:txBody>
+          <a:bodyPr rtlCol="0" anchor="ctr"/>
+          <a:lstStyle/>
+          <a:p>
+            <a:pPr algn="ctr"/>
+            <a:r>
+              <a:rPr kumimoji="1" lang="en-US" altLang="zh-CN" dirty="0"/>
+              <a:t>…</a:t>
+            </a:r>
+          </a:p>
+        </p:txBody>
+      </p:sp>
+      <p:sp>
+        <p:nvSpPr>
+          <p:cNvPr id="28" name="剪去单圆角的矩形 27">
+            <a:extLst>
+              <a:ext uri="{FF2B5EF4-FFF2-40B4-BE49-F238E27FC236}">
+                <a16:creationId xmlns:a16="http://schemas.microsoft.com/office/drawing/2014/main" id="{EC7207C3-97EF-7F45-9B5A-E1014349CA87}"/>
+              </a:ext>
+            </a:extLst>
+          </p:cNvPr>
+          <p:cNvSpPr/>
+          <p:nvPr/>
+        </p:nvSpPr>
+        <p:spPr>
+          <a:xfrm>
+            <a:off x="6570896" y="5105395"/>
+            <a:ext cx="1349832" cy="903514"/>
+          </a:xfrm>
+          <a:prstGeom prst="snipRoundRect">
+            <a:avLst/>
+          </a:prstGeom>
+        </p:spPr>
+        <p:style>
+          <a:lnRef idx="1">
+            <a:schemeClr val="accent3"/>
+          </a:lnRef>
+          <a:fillRef idx="2">
+            <a:schemeClr val="accent3"/>
+          </a:fillRef>
+          <a:effectRef idx="1">
+            <a:schemeClr val="accent3"/>
+          </a:effectRef>
+          <a:fontRef idx="minor">
+            <a:schemeClr val="dk1"/>
+          </a:fontRef>
+        </p:style>
+        <p:txBody>
+          <a:bodyPr rtlCol="0" anchor="ctr"/>
+          <a:lstStyle/>
+          <a:p>
+            <a:pPr algn="ctr"/>
+            <a:r>
+              <a:rPr kumimoji="1" lang="en-US" altLang="zh-CN" dirty="0"/>
+              <a:t>…</a:t>
+            </a:r>
+          </a:p>
+        </p:txBody>
+      </p:sp>
+      <p:sp>
+        <p:nvSpPr>
+          <p:cNvPr id="29" name="剪去单圆角的矩形 28">
+            <a:extLst>
+              <a:ext uri="{FF2B5EF4-FFF2-40B4-BE49-F238E27FC236}">
+                <a16:creationId xmlns:a16="http://schemas.microsoft.com/office/drawing/2014/main" id="{274E1265-2C55-1145-AA0B-934CC14EC9EB}"/>
+              </a:ext>
+            </a:extLst>
+          </p:cNvPr>
+          <p:cNvSpPr/>
+          <p:nvPr/>
+        </p:nvSpPr>
+        <p:spPr>
+          <a:xfrm>
+            <a:off x="6700162" y="5105395"/>
+            <a:ext cx="1349832" cy="903514"/>
+          </a:xfrm>
+          <a:prstGeom prst="snipRoundRect">
+            <a:avLst/>
+          </a:prstGeom>
+        </p:spPr>
+        <p:style>
+          <a:lnRef idx="1">
+            <a:schemeClr val="accent3"/>
+          </a:lnRef>
+          <a:fillRef idx="2">
+            <a:schemeClr val="accent3"/>
+          </a:fillRef>
+          <a:effectRef idx="1">
+            <a:schemeClr val="accent3"/>
+          </a:effectRef>
+          <a:fontRef idx="minor">
+            <a:schemeClr val="dk1"/>
+          </a:fontRef>
+        </p:style>
+        <p:txBody>
+          <a:bodyPr rtlCol="0" anchor="ctr"/>
+          <a:lstStyle/>
+          <a:p>
+            <a:pPr algn="ctr"/>
+            <a:r>
+              <a:rPr kumimoji="1" lang="en-US" altLang="zh-CN" dirty="0"/>
+              <a:t>…</a:t>
+            </a:r>
           </a:p>
         </p:txBody>
       </p:sp>
     </p:spTree>
     <p:extLst>
       <p:ext uri="{BB962C8B-B14F-4D97-AF65-F5344CB8AC3E}">
-        <p14:creationId xmlns:p14="http://schemas.microsoft.com/office/powerpoint/2010/main" val="3864048951"/>
+        <p14:creationId xmlns:p14="http://schemas.microsoft.com/office/powerpoint/2010/main" val="718885715"/>
       </p:ext>
     </p:extLst>
   </p:cSld>
@@ -14393,10 +15776,10 @@
       </p:grpSpPr>
       <p:sp>
         <p:nvSpPr>
-          <p:cNvPr id="2" name="圆角矩形 1">
+          <p:cNvPr id="15" name="同侧圆角矩形 14">
             <a:extLst>
               <a:ext uri="{FF2B5EF4-FFF2-40B4-BE49-F238E27FC236}">
-                <a16:creationId xmlns:a16="http://schemas.microsoft.com/office/drawing/2014/main" id="{79067A7E-A7CF-3146-8C1B-04CCCF871CDD}"/>
+                <a16:creationId xmlns:a16="http://schemas.microsoft.com/office/drawing/2014/main" id="{7A4ADF50-BC0C-E94B-B1FB-2B8C50478A3D}"/>
               </a:ext>
             </a:extLst>
           </p:cNvPr>
@@ -14405,10 +15788,113 @@
         </p:nvSpPr>
         <p:spPr>
           <a:xfrm>
-            <a:off x="2133599" y="2383972"/>
+            <a:off x="2133599" y="2100937"/>
+            <a:ext cx="6999513" cy="1045034"/>
+          </a:xfrm>
+          <a:prstGeom prst="round2SameRect">
+            <a:avLst/>
+          </a:prstGeom>
+        </p:spPr>
+        <p:style>
+          <a:lnRef idx="1">
+            <a:schemeClr val="accent2"/>
+          </a:lnRef>
+          <a:fillRef idx="2">
+            <a:schemeClr val="accent2"/>
+          </a:fillRef>
+          <a:effectRef idx="1">
+            <a:schemeClr val="accent2"/>
+          </a:effectRef>
+          <a:fontRef idx="minor">
+            <a:schemeClr val="dk1"/>
+          </a:fontRef>
+        </p:style>
+        <p:txBody>
+          <a:bodyPr rtlCol="0" anchor="ctr"/>
+          <a:lstStyle/>
+          <a:p>
+            <a:pPr algn="ctr"/>
+            <a:r>
+              <a:rPr kumimoji="1" lang="en-US" altLang="zh-CN" dirty="0">
+                <a:solidFill>
+                  <a:schemeClr val="dk1"/>
+                </a:solidFill>
+              </a:rPr>
+              <a:t>                                                                             </a:t>
+            </a:r>
+            <a:r>
+              <a:rPr kumimoji="1" lang="zh-CN" altLang="en-US">
+                <a:solidFill>
+                  <a:schemeClr val="dk1"/>
+                </a:solidFill>
+              </a:rPr>
+              <a:t>线程栈</a:t>
+            </a:r>
+          </a:p>
+        </p:txBody>
+      </p:sp>
+      <p:sp>
+        <p:nvSpPr>
+          <p:cNvPr id="3" name="剪去单圆角的矩形 2">
+            <a:extLst>
+              <a:ext uri="{FF2B5EF4-FFF2-40B4-BE49-F238E27FC236}">
+                <a16:creationId xmlns:a16="http://schemas.microsoft.com/office/drawing/2014/main" id="{FC18F954-CC86-F441-BE16-75440EE27DEF}"/>
+              </a:ext>
+            </a:extLst>
+          </p:cNvPr>
+          <p:cNvSpPr/>
+          <p:nvPr/>
+        </p:nvSpPr>
+        <p:spPr>
+          <a:xfrm>
+            <a:off x="2133599" y="3603175"/>
             <a:ext cx="6999513" cy="914400"/>
           </a:xfrm>
-          <a:prstGeom prst="roundRect">
+          <a:prstGeom prst="snipRoundRect">
+            <a:avLst/>
+          </a:prstGeom>
+        </p:spPr>
+        <p:style>
+          <a:lnRef idx="1">
+            <a:schemeClr val="accent3"/>
+          </a:lnRef>
+          <a:fillRef idx="2">
+            <a:schemeClr val="accent3"/>
+          </a:fillRef>
+          <a:effectRef idx="1">
+            <a:schemeClr val="accent3"/>
+          </a:effectRef>
+          <a:fontRef idx="minor">
+            <a:schemeClr val="dk1"/>
+          </a:fontRef>
+        </p:style>
+        <p:txBody>
+          <a:bodyPr rtlCol="0" anchor="ctr"/>
+          <a:lstStyle/>
+          <a:p>
+            <a:pPr algn="ctr"/>
+            <a:endParaRPr kumimoji="1" lang="en-US" altLang="zh-CN" dirty="0"/>
+          </a:p>
+        </p:txBody>
+      </p:sp>
+      <p:sp>
+        <p:nvSpPr>
+          <p:cNvPr id="5" name="同侧圆角矩形 4">
+            <a:extLst>
+              <a:ext uri="{FF2B5EF4-FFF2-40B4-BE49-F238E27FC236}">
+                <a16:creationId xmlns:a16="http://schemas.microsoft.com/office/drawing/2014/main" id="{52759799-17C7-534A-A1D4-C83C9ECD398E}"/>
+              </a:ext>
+            </a:extLst>
+          </p:cNvPr>
+          <p:cNvSpPr/>
+          <p:nvPr/>
+        </p:nvSpPr>
+        <p:spPr>
+          <a:xfrm>
+            <a:off x="2307770" y="3831768"/>
+            <a:ext cx="1208315" cy="544286"/>
+          </a:xfrm>
+          <a:prstGeom prst="round2SameRect">
             <a:avLst/>
           </a:prstGeom>
         </p:spPr>
@@ -14433,16 +15919,19 @@
           <a:lstStyle/>
           <a:p>
             <a:pPr algn="ctr"/>
-            <a:endParaRPr kumimoji="1" lang="zh-CN" altLang="en-US"/>
-          </a:p>
-        </p:txBody>
-      </p:sp>
-      <p:sp>
-        <p:nvSpPr>
-          <p:cNvPr id="4" name="圆角矩形 3">
+            <a:r>
+              <a:rPr kumimoji="1" lang="zh-CN" altLang="en-US"/>
+              <a:t>返回值</a:t>
+            </a:r>
+          </a:p>
+        </p:txBody>
+      </p:sp>
+      <p:sp>
+        <p:nvSpPr>
+          <p:cNvPr id="2" name="剪去单圆角的矩形 1">
             <a:extLst>
               <a:ext uri="{FF2B5EF4-FFF2-40B4-BE49-F238E27FC236}">
-                <a16:creationId xmlns:a16="http://schemas.microsoft.com/office/drawing/2014/main" id="{528EF239-E93F-9F48-8179-15166173E6AB}"/>
+                <a16:creationId xmlns:a16="http://schemas.microsoft.com/office/drawing/2014/main" id="{73EA06D5-0E7F-E24C-9D72-315E5F2D8394}"/>
               </a:ext>
             </a:extLst>
           </p:cNvPr>
@@ -14451,22 +15940,22 @@
         </p:nvSpPr>
         <p:spPr>
           <a:xfrm>
-            <a:off x="2133601" y="1012373"/>
-            <a:ext cx="5693228" cy="914400"/>
+            <a:off x="2215238" y="2220673"/>
+            <a:ext cx="1638305" cy="914400"/>
           </a:xfrm>
-          <a:prstGeom prst="roundRect">
+          <a:prstGeom prst="snipRoundRect">
             <a:avLst/>
           </a:prstGeom>
         </p:spPr>
         <p:style>
-          <a:lnRef idx="2">
-            <a:schemeClr val="accent6"/>
+          <a:lnRef idx="1">
+            <a:schemeClr val="accent3"/>
           </a:lnRef>
-          <a:fillRef idx="1">
-            <a:schemeClr val="lt1"/>
+          <a:fillRef idx="2">
+            <a:schemeClr val="accent3"/>
           </a:fillRef>
-          <a:effectRef idx="0">
-            <a:schemeClr val="accent6"/>
+          <a:effectRef idx="1">
+            <a:schemeClr val="accent3"/>
           </a:effectRef>
           <a:fontRef idx="minor">
             <a:schemeClr val="dk1"/>
@@ -14479,21 +15968,37 @@
             <a:pPr algn="ctr"/>
             <a:r>
               <a:rPr kumimoji="1" lang="en-US" altLang="zh-CN" dirty="0"/>
-              <a:t>… </a:t>
+              <a:t>Frame/</a:t>
             </a:r>
             <a:r>
               <a:rPr kumimoji="1" lang="zh-CN" altLang="en-US"/>
-              <a:t>其他进程</a:t>
+              <a:t>帧</a:t>
             </a:r>
-          </a:p>
-        </p:txBody>
-      </p:sp>
-      <p:sp>
-        <p:nvSpPr>
-          <p:cNvPr id="5" name="圆角矩形 4">
+            <a:endParaRPr kumimoji="1" lang="en-US" altLang="zh-CN" dirty="0"/>
+          </a:p>
+          <a:p>
+            <a:pPr algn="ctr"/>
+            <a:r>
+              <a:rPr kumimoji="1" lang="en-US" altLang="zh-CN" dirty="0"/>
+              <a:t>(</a:t>
+            </a:r>
+            <a:r>
+              <a:rPr kumimoji="1" lang="zh-CN" altLang="en-US"/>
+              <a:t>方法</a:t>
+            </a:r>
+            <a:r>
+              <a:rPr kumimoji="1" lang="en-US" altLang="zh-CN" dirty="0"/>
+              <a:t>A)</a:t>
+            </a:r>
+          </a:p>
+        </p:txBody>
+      </p:sp>
+      <p:sp>
+        <p:nvSpPr>
+          <p:cNvPr id="6" name="同侧圆角矩形 5">
             <a:extLst>
               <a:ext uri="{FF2B5EF4-FFF2-40B4-BE49-F238E27FC236}">
-                <a16:creationId xmlns:a16="http://schemas.microsoft.com/office/drawing/2014/main" id="{BD5810A3-F71F-B44F-B1CD-663270885511}"/>
+                <a16:creationId xmlns:a16="http://schemas.microsoft.com/office/drawing/2014/main" id="{A8B7EDA1-F2BF-484C-A582-BEAD306DC74F}"/>
               </a:ext>
             </a:extLst>
           </p:cNvPr>
@@ -14502,23 +16007,218 @@
         </p:nvSpPr>
         <p:spPr>
           <a:xfrm>
-            <a:off x="7826828" y="1023259"/>
-            <a:ext cx="1306285" cy="914400"/>
+            <a:off x="3603170" y="3831768"/>
+            <a:ext cx="1567544" cy="544286"/>
           </a:xfrm>
-          <a:prstGeom prst="roundRect">
+          <a:prstGeom prst="round2SameRect">
+            <a:avLst/>
+          </a:prstGeom>
+          <a:ln/>
+        </p:spPr>
+        <p:style>
+          <a:lnRef idx="3">
+            <a:schemeClr val="lt1"/>
+          </a:lnRef>
+          <a:fillRef idx="1">
+            <a:schemeClr val="accent6"/>
+          </a:fillRef>
+          <a:effectRef idx="1">
+            <a:schemeClr val="accent6"/>
+          </a:effectRef>
+          <a:fontRef idx="minor">
+            <a:schemeClr val="lt1"/>
+          </a:fontRef>
+        </p:style>
+        <p:txBody>
+          <a:bodyPr rtlCol="0" anchor="ctr"/>
+          <a:lstStyle/>
+          <a:p>
+            <a:pPr algn="ctr"/>
+            <a:r>
+              <a:rPr kumimoji="1" lang="zh-CN" altLang="en-US"/>
+              <a:t>局部变量表</a:t>
+            </a:r>
+          </a:p>
+        </p:txBody>
+      </p:sp>
+      <p:sp>
+        <p:nvSpPr>
+          <p:cNvPr id="7" name="同侧圆角矩形 6">
+            <a:extLst>
+              <a:ext uri="{FF2B5EF4-FFF2-40B4-BE49-F238E27FC236}">
+                <a16:creationId xmlns:a16="http://schemas.microsoft.com/office/drawing/2014/main" id="{51DF68A0-4089-C943-95C0-29102F372FFA}"/>
+              </a:ext>
+            </a:extLst>
+          </p:cNvPr>
+          <p:cNvSpPr/>
+          <p:nvPr/>
+        </p:nvSpPr>
+        <p:spPr>
+          <a:xfrm>
+            <a:off x="5257799" y="3831768"/>
+            <a:ext cx="1306287" cy="544286"/>
+          </a:xfrm>
+          <a:prstGeom prst="round2SameRect">
             <a:avLst/>
           </a:prstGeom>
         </p:spPr>
         <p:style>
-          <a:lnRef idx="2">
-            <a:schemeClr val="accent5">
-              <a:shade val="50000"/>
-            </a:schemeClr>
+          <a:lnRef idx="0">
+            <a:schemeClr val="accent6"/>
           </a:lnRef>
-          <a:fillRef idx="1">
+          <a:fillRef idx="3">
+            <a:schemeClr val="accent6"/>
+          </a:fillRef>
+          <a:effectRef idx="3">
+            <a:schemeClr val="accent6"/>
+          </a:effectRef>
+          <a:fontRef idx="minor">
+            <a:schemeClr val="lt1"/>
+          </a:fontRef>
+        </p:style>
+        <p:txBody>
+          <a:bodyPr rtlCol="0" anchor="ctr"/>
+          <a:lstStyle/>
+          <a:p>
+            <a:pPr algn="ctr"/>
+            <a:r>
+              <a:rPr kumimoji="1" lang="zh-CN" altLang="en-US"/>
+              <a:t>操作数栈</a:t>
+            </a:r>
+          </a:p>
+        </p:txBody>
+      </p:sp>
+      <p:sp>
+        <p:nvSpPr>
+          <p:cNvPr id="8" name="同侧圆角矩形 7">
+            <a:extLst>
+              <a:ext uri="{FF2B5EF4-FFF2-40B4-BE49-F238E27FC236}">
+                <a16:creationId xmlns:a16="http://schemas.microsoft.com/office/drawing/2014/main" id="{E941B530-3B37-E64C-94C2-8359A6A85ED9}"/>
+              </a:ext>
+            </a:extLst>
+          </p:cNvPr>
+          <p:cNvSpPr/>
+          <p:nvPr/>
+        </p:nvSpPr>
+        <p:spPr>
+          <a:xfrm>
+            <a:off x="7217224" y="3831768"/>
+            <a:ext cx="1556662" cy="544286"/>
+          </a:xfrm>
+          <a:prstGeom prst="round2SameRect">
+            <a:avLst/>
+          </a:prstGeom>
+        </p:spPr>
+        <p:style>
+          <a:lnRef idx="1">
+            <a:schemeClr val="accent3"/>
+          </a:lnRef>
+          <a:fillRef idx="3">
+            <a:schemeClr val="accent3"/>
+          </a:fillRef>
+          <a:effectRef idx="2">
+            <a:schemeClr val="accent3"/>
+          </a:effectRef>
+          <a:fontRef idx="minor">
+            <a:schemeClr val="lt1"/>
+          </a:fontRef>
+        </p:style>
+        <p:txBody>
+          <a:bodyPr rtlCol="0" anchor="ctr"/>
+          <a:lstStyle/>
+          <a:p>
+            <a:pPr algn="ctr"/>
+            <a:r>
+              <a:rPr kumimoji="1" lang="en-US" altLang="zh-CN" dirty="0"/>
+              <a:t>Class/</a:t>
+            </a:r>
+          </a:p>
+          <a:p>
+            <a:pPr algn="ctr"/>
+            <a:r>
+              <a:rPr kumimoji="1" lang="en-US" altLang="zh-CN" dirty="0"/>
+              <a:t>Method</a:t>
+            </a:r>
+            <a:r>
+              <a:rPr kumimoji="1" lang="zh-CN" altLang="en-US" dirty="0"/>
+              <a:t>指针</a:t>
+            </a:r>
+          </a:p>
+        </p:txBody>
+      </p:sp>
+      <p:sp>
+        <p:nvSpPr>
+          <p:cNvPr id="9" name="下箭头 8">
+            <a:extLst>
+              <a:ext uri="{FF2B5EF4-FFF2-40B4-BE49-F238E27FC236}">
+                <a16:creationId xmlns:a16="http://schemas.microsoft.com/office/drawing/2014/main" id="{EF93ED3E-E4CD-E249-8A84-6DE0633119DE}"/>
+              </a:ext>
+            </a:extLst>
+          </p:cNvPr>
+          <p:cNvSpPr/>
+          <p:nvPr/>
+        </p:nvSpPr>
+        <p:spPr>
+          <a:xfrm>
+            <a:off x="2911927" y="3135078"/>
+            <a:ext cx="353787" cy="446313"/>
+          </a:xfrm>
+          <a:prstGeom prst="downArrow">
+            <a:avLst/>
+          </a:prstGeom>
+        </p:spPr>
+        <p:style>
+          <a:lnRef idx="1">
+            <a:schemeClr val="accent3"/>
+          </a:lnRef>
+          <a:fillRef idx="2">
+            <a:schemeClr val="accent3"/>
+          </a:fillRef>
+          <a:effectRef idx="1">
+            <a:schemeClr val="accent3"/>
+          </a:effectRef>
+          <a:fontRef idx="minor">
+            <a:schemeClr val="dk1"/>
+          </a:fontRef>
+        </p:style>
+        <p:txBody>
+          <a:bodyPr rtlCol="0" anchor="ctr"/>
+          <a:lstStyle/>
+          <a:p>
+            <a:pPr algn="ctr"/>
+            <a:endParaRPr kumimoji="1" lang="zh-CN" altLang="en-US"/>
+          </a:p>
+        </p:txBody>
+      </p:sp>
+      <p:sp>
+        <p:nvSpPr>
+          <p:cNvPr id="10" name="剪去单圆角的矩形 9">
+            <a:extLst>
+              <a:ext uri="{FF2B5EF4-FFF2-40B4-BE49-F238E27FC236}">
+                <a16:creationId xmlns:a16="http://schemas.microsoft.com/office/drawing/2014/main" id="{AEEDEEC9-EFD0-A545-9B03-3345CE895F2A}"/>
+              </a:ext>
+            </a:extLst>
+          </p:cNvPr>
+          <p:cNvSpPr/>
+          <p:nvPr/>
+        </p:nvSpPr>
+        <p:spPr>
+          <a:xfrm>
+            <a:off x="2133599" y="598715"/>
+            <a:ext cx="6999513" cy="914400"/>
+          </a:xfrm>
+          <a:prstGeom prst="snipRoundRect">
+            <a:avLst/>
+          </a:prstGeom>
+        </p:spPr>
+        <p:style>
+          <a:lnRef idx="1">
+            <a:schemeClr val="accent5"/>
+          </a:lnRef>
+          <a:fillRef idx="3">
             <a:schemeClr val="accent5"/>
           </a:fillRef>
-          <a:effectRef idx="0">
+          <a:effectRef idx="2">
             <a:schemeClr val="accent5"/>
           </a:effectRef>
           <a:fontRef idx="minor">
@@ -14532,17 +16232,17 @@
             <a:pPr algn="ctr"/>
             <a:r>
               <a:rPr kumimoji="1" lang="zh-CN" altLang="en-US"/>
-              <a:t>操作系统</a:t>
+              <a:t>线程</a:t>
             </a:r>
           </a:p>
         </p:txBody>
       </p:sp>
       <p:sp>
         <p:nvSpPr>
-          <p:cNvPr id="7" name="下箭头 6">
+          <p:cNvPr id="11" name="同侧圆角矩形 10">
             <a:extLst>
               <a:ext uri="{FF2B5EF4-FFF2-40B4-BE49-F238E27FC236}">
-                <a16:creationId xmlns:a16="http://schemas.microsoft.com/office/drawing/2014/main" id="{36125127-005C-6B46-AE82-92EB0AD5A893}"/>
+                <a16:creationId xmlns:a16="http://schemas.microsoft.com/office/drawing/2014/main" id="{3A7ABC18-44F2-CC44-B7A5-CB717BD158F7}"/>
               </a:ext>
             </a:extLst>
           </p:cNvPr>
@@ -14551,10 +16251,10 @@
         </p:nvSpPr>
         <p:spPr>
           <a:xfrm>
-            <a:off x="3037117" y="1915887"/>
-            <a:ext cx="446314" cy="468085"/>
+            <a:off x="2307769" y="767447"/>
+            <a:ext cx="1208315" cy="544286"/>
           </a:xfrm>
-          <a:prstGeom prst="downArrow">
+          <a:prstGeom prst="round2SameRect">
             <a:avLst/>
           </a:prstGeom>
         </p:spPr>
@@ -14579,16 +16279,20 @@
           <a:lstStyle/>
           <a:p>
             <a:pPr algn="ctr"/>
+            <a:r>
+              <a:rPr kumimoji="1" lang="en-US" altLang="zh-CN" dirty="0"/>
+              <a:t>PC</a:t>
+            </a:r>
             <a:endParaRPr kumimoji="1" lang="zh-CN" altLang="en-US"/>
           </a:p>
         </p:txBody>
       </p:sp>
       <p:sp>
         <p:nvSpPr>
-          <p:cNvPr id="8" name="圆角矩形 7">
+          <p:cNvPr id="12" name="同侧圆角矩形 11">
             <a:extLst>
               <a:ext uri="{FF2B5EF4-FFF2-40B4-BE49-F238E27FC236}">
-                <a16:creationId xmlns:a16="http://schemas.microsoft.com/office/drawing/2014/main" id="{55E70CD1-C845-514F-909B-9FC172EAA110}"/>
+                <a16:creationId xmlns:a16="http://schemas.microsoft.com/office/drawing/2014/main" id="{6793F28B-1560-F247-9493-E22AB5B16260}"/>
               </a:ext>
             </a:extLst>
           </p:cNvPr>
@@ -14597,10 +16301,10 @@
         </p:nvSpPr>
         <p:spPr>
           <a:xfrm>
-            <a:off x="2242458" y="2383971"/>
-            <a:ext cx="914400" cy="914400"/>
+            <a:off x="3603170" y="783772"/>
+            <a:ext cx="1208315" cy="544286"/>
           </a:xfrm>
-          <a:prstGeom prst="roundRect">
+          <a:prstGeom prst="round2SameRect">
             <a:avLst/>
           </a:prstGeom>
         </p:spPr>
@@ -14624,27 +16328,22 @@
           <a:p>
             <a:pPr algn="ctr"/>
             <a:r>
-              <a:rPr kumimoji="1" lang="zh-CN" altLang="en-US"/>
-              <a:t>栈</a:t>
+              <a:rPr kumimoji="1" lang="zh-CN" altLang="en-US">
+                <a:solidFill>
+                  <a:schemeClr val="dk1"/>
+                </a:solidFill>
+              </a:rPr>
+              <a:t>线程栈</a:t>
             </a:r>
-            <a:endParaRPr kumimoji="1" lang="en-US" altLang="zh-CN" dirty="0"/>
-          </a:p>
-          <a:p>
-            <a:pPr algn="ctr"/>
-            <a:r>
-              <a:rPr kumimoji="1" lang="en-US" altLang="zh-CN" dirty="0"/>
-              <a:t>Stack</a:t>
-            </a:r>
-            <a:endParaRPr kumimoji="1" lang="zh-CN" altLang="en-US"/>
-          </a:p>
-        </p:txBody>
-      </p:sp>
-      <p:sp>
-        <p:nvSpPr>
-          <p:cNvPr id="9" name="圆角矩形 8">
+          </a:p>
+        </p:txBody>
+      </p:sp>
+      <p:sp>
+        <p:nvSpPr>
+          <p:cNvPr id="13" name="同侧圆角矩形 12">
             <a:extLst>
               <a:ext uri="{FF2B5EF4-FFF2-40B4-BE49-F238E27FC236}">
-                <a16:creationId xmlns:a16="http://schemas.microsoft.com/office/drawing/2014/main" id="{C34E2C58-7A65-6446-AF21-E6A406730C23}"/>
+                <a16:creationId xmlns:a16="http://schemas.microsoft.com/office/drawing/2014/main" id="{F22D0027-77A5-F24C-84E4-F5EBA00EC564}"/>
               </a:ext>
             </a:extLst>
           </p:cNvPr>
@@ -14653,119 +16352,10 @@
         </p:nvSpPr>
         <p:spPr>
           <a:xfrm>
-            <a:off x="3570518" y="2383972"/>
-            <a:ext cx="1654625" cy="914400"/>
+            <a:off x="7217224" y="783772"/>
+            <a:ext cx="1208315" cy="544286"/>
           </a:xfrm>
-          <a:prstGeom prst="roundRect">
-            <a:avLst/>
-          </a:prstGeom>
-        </p:spPr>
-        <p:style>
-          <a:lnRef idx="1">
-            <a:schemeClr val="accent5"/>
-          </a:lnRef>
-          <a:fillRef idx="2">
-            <a:schemeClr val="accent5"/>
-          </a:fillRef>
-          <a:effectRef idx="1">
-            <a:schemeClr val="accent5"/>
-          </a:effectRef>
-          <a:fontRef idx="minor">
-            <a:schemeClr val="dk1"/>
-          </a:fontRef>
-        </p:style>
-        <p:txBody>
-          <a:bodyPr rtlCol="0" anchor="ctr"/>
-          <a:lstStyle/>
-          <a:p>
-            <a:pPr algn="ctr"/>
-            <a:r>
-              <a:rPr kumimoji="1" lang="zh-CN" altLang="en-US"/>
-              <a:t>堆</a:t>
-            </a:r>
-            <a:endParaRPr kumimoji="1" lang="en-US" altLang="zh-CN" dirty="0"/>
-          </a:p>
-          <a:p>
-            <a:pPr algn="ctr"/>
-            <a:r>
-              <a:rPr kumimoji="1" lang="en-US" altLang="zh-CN" dirty="0"/>
-              <a:t>Heap</a:t>
-            </a:r>
-            <a:endParaRPr kumimoji="1" lang="zh-CN" altLang="en-US"/>
-          </a:p>
-        </p:txBody>
-      </p:sp>
-      <p:sp>
-        <p:nvSpPr>
-          <p:cNvPr id="10" name="圆角矩形 9">
-            <a:extLst>
-              <a:ext uri="{FF2B5EF4-FFF2-40B4-BE49-F238E27FC236}">
-                <a16:creationId xmlns:a16="http://schemas.microsoft.com/office/drawing/2014/main" id="{A5749171-8197-BA4B-B0FD-0A60ACA9546B}"/>
-              </a:ext>
-            </a:extLst>
-          </p:cNvPr>
-          <p:cNvSpPr/>
-          <p:nvPr/>
-        </p:nvSpPr>
-        <p:spPr>
-          <a:xfrm>
-            <a:off x="7794175" y="2394858"/>
-            <a:ext cx="1208314" cy="914400"/>
-          </a:xfrm>
-          <a:prstGeom prst="roundRect">
-            <a:avLst/>
-          </a:prstGeom>
-        </p:spPr>
-        <p:style>
-          <a:lnRef idx="2">
-            <a:schemeClr val="accent6">
-              <a:shade val="50000"/>
-            </a:schemeClr>
-          </a:lnRef>
-          <a:fillRef idx="1">
-            <a:schemeClr val="accent6"/>
-          </a:fillRef>
-          <a:effectRef idx="0">
-            <a:schemeClr val="accent6"/>
-          </a:effectRef>
-          <a:fontRef idx="minor">
-            <a:schemeClr val="lt1"/>
-          </a:fontRef>
-        </p:style>
-        <p:txBody>
-          <a:bodyPr rtlCol="0" anchor="ctr"/>
-          <a:lstStyle/>
-          <a:p>
-            <a:pPr algn="ctr"/>
-            <a:r>
-              <a:rPr kumimoji="1" lang="en-US" altLang="zh-CN" dirty="0"/>
-              <a:t>JVM</a:t>
-            </a:r>
-            <a:r>
-              <a:rPr kumimoji="1" lang="zh-CN" altLang="en-US"/>
-              <a:t>自身</a:t>
-            </a:r>
-          </a:p>
-        </p:txBody>
-      </p:sp>
-      <p:sp>
-        <p:nvSpPr>
-          <p:cNvPr id="3" name="圆角矩形 2">
-            <a:extLst>
-              <a:ext uri="{FF2B5EF4-FFF2-40B4-BE49-F238E27FC236}">
-                <a16:creationId xmlns:a16="http://schemas.microsoft.com/office/drawing/2014/main" id="{87D15C48-C5DD-BA49-AE98-FB7013743148}"/>
-              </a:ext>
-            </a:extLst>
-          </p:cNvPr>
-          <p:cNvSpPr/>
-          <p:nvPr/>
-        </p:nvSpPr>
-        <p:spPr>
-          <a:xfrm>
-            <a:off x="2547260" y="1001487"/>
-            <a:ext cx="1306285" cy="914400"/>
-          </a:xfrm>
-          <a:prstGeom prst="roundRect">
+          <a:prstGeom prst="round2SameRect">
             <a:avLst/>
           </a:prstGeom>
         </p:spPr>
@@ -14792,21 +16382,21 @@
             <a:pPr algn="ctr"/>
             <a:r>
               <a:rPr kumimoji="1" lang="en-US" altLang="zh-CN" dirty="0"/>
-              <a:t>Java</a:t>
+              <a:t>Native</a:t>
             </a:r>
             <a:r>
               <a:rPr kumimoji="1" lang="zh-CN" altLang="en-US"/>
-              <a:t>进程</a:t>
+              <a:t>栈</a:t>
             </a:r>
           </a:p>
         </p:txBody>
       </p:sp>
       <p:sp>
         <p:nvSpPr>
-          <p:cNvPr id="11" name="对角圆角矩形 10">
+          <p:cNvPr id="16" name="剪去单圆角的矩形 15">
             <a:extLst>
               <a:ext uri="{FF2B5EF4-FFF2-40B4-BE49-F238E27FC236}">
-                <a16:creationId xmlns:a16="http://schemas.microsoft.com/office/drawing/2014/main" id="{FF4E2F13-66E0-0F48-8C4F-4DC8A8A862C8}"/>
+                <a16:creationId xmlns:a16="http://schemas.microsoft.com/office/drawing/2014/main" id="{6E8D42EA-DCE2-DE4C-A45A-D6691797D47D}"/>
               </a:ext>
             </a:extLst>
           </p:cNvPr>
@@ -14815,667 +16405,10 @@
         </p:nvSpPr>
         <p:spPr>
           <a:xfrm>
-            <a:off x="5834743" y="2383972"/>
-            <a:ext cx="1502228" cy="914400"/>
+            <a:off x="3853543" y="2231571"/>
+            <a:ext cx="1240971" cy="914400"/>
           </a:xfrm>
-          <a:prstGeom prst="round2DiagRect">
-            <a:avLst/>
-          </a:prstGeom>
-        </p:spPr>
-        <p:style>
-          <a:lnRef idx="2">
-            <a:schemeClr val="accent2">
-              <a:shade val="50000"/>
-            </a:schemeClr>
-          </a:lnRef>
-          <a:fillRef idx="1">
-            <a:schemeClr val="accent2"/>
-          </a:fillRef>
-          <a:effectRef idx="0">
-            <a:schemeClr val="accent2"/>
-          </a:effectRef>
-          <a:fontRef idx="minor">
-            <a:schemeClr val="lt1"/>
-          </a:fontRef>
-        </p:style>
-        <p:txBody>
-          <a:bodyPr rtlCol="0" anchor="ctr"/>
-          <a:lstStyle/>
-          <a:p>
-            <a:pPr algn="ctr"/>
-            <a:r>
-              <a:rPr kumimoji="1" lang="zh-CN" altLang="en-US"/>
-              <a:t>非堆</a:t>
-            </a:r>
-            <a:endParaRPr kumimoji="1" lang="en-US" altLang="zh-CN" dirty="0"/>
-          </a:p>
-          <a:p>
-            <a:pPr algn="ctr"/>
-            <a:r>
-              <a:rPr kumimoji="1" lang="en-US" altLang="zh-CN" dirty="0"/>
-              <a:t>Non-Heap</a:t>
-            </a:r>
-            <a:endParaRPr kumimoji="1" lang="zh-CN" altLang="en-US"/>
-          </a:p>
-        </p:txBody>
-      </p:sp>
-      <p:sp>
-        <p:nvSpPr>
-          <p:cNvPr id="14" name="下箭头 13">
-            <a:extLst>
-              <a:ext uri="{FF2B5EF4-FFF2-40B4-BE49-F238E27FC236}">
-                <a16:creationId xmlns:a16="http://schemas.microsoft.com/office/drawing/2014/main" id="{A5249DF1-AEB2-2D43-943B-20A0E7D40401}"/>
-              </a:ext>
-            </a:extLst>
-          </p:cNvPr>
-          <p:cNvSpPr/>
-          <p:nvPr/>
-        </p:nvSpPr>
-        <p:spPr>
-          <a:xfrm>
-            <a:off x="4087588" y="3298372"/>
-            <a:ext cx="549733" cy="457200"/>
-          </a:xfrm>
-          <a:prstGeom prst="downArrow">
-            <a:avLst/>
-          </a:prstGeom>
-        </p:spPr>
-        <p:style>
-          <a:lnRef idx="1">
-            <a:schemeClr val="accent5"/>
-          </a:lnRef>
-          <a:fillRef idx="2">
-            <a:schemeClr val="accent5"/>
-          </a:fillRef>
-          <a:effectRef idx="1">
-            <a:schemeClr val="accent5"/>
-          </a:effectRef>
-          <a:fontRef idx="minor">
-            <a:schemeClr val="dk1"/>
-          </a:fontRef>
-        </p:style>
-        <p:txBody>
-          <a:bodyPr rot="0" spcFirstLastPara="0" vertOverflow="overflow" horzOverflow="overflow" vert="horz" wrap="square" lIns="91440" tIns="45720" rIns="91440" bIns="45720" numCol="1" spcCol="0" rtlCol="0" fromWordArt="0" anchor="ctr" anchorCtr="0" forceAA="0" compatLnSpc="1">
-            <a:prstTxWarp prst="textNoShape">
-              <a:avLst/>
-            </a:prstTxWarp>
-            <a:noAutofit/>
-          </a:bodyPr>
-          <a:lstStyle/>
-          <a:p>
-            <a:pPr algn="ctr"/>
-            <a:endParaRPr kumimoji="1" lang="zh-CN" altLang="en-US"/>
-          </a:p>
-        </p:txBody>
-      </p:sp>
-      <p:sp>
-        <p:nvSpPr>
-          <p:cNvPr id="12" name="圆角矩形 11">
-            <a:extLst>
-              <a:ext uri="{FF2B5EF4-FFF2-40B4-BE49-F238E27FC236}">
-                <a16:creationId xmlns:a16="http://schemas.microsoft.com/office/drawing/2014/main" id="{C02BFD68-E86A-204F-A09D-805F3609E865}"/>
-              </a:ext>
-            </a:extLst>
-          </p:cNvPr>
-          <p:cNvSpPr/>
-          <p:nvPr/>
-        </p:nvSpPr>
-        <p:spPr>
-          <a:xfrm>
-            <a:off x="2133601" y="3755572"/>
-            <a:ext cx="3701142" cy="914400"/>
-          </a:xfrm>
-          <a:prstGeom prst="roundRect">
-            <a:avLst/>
-          </a:prstGeom>
-        </p:spPr>
-        <p:style>
-          <a:lnRef idx="1">
-            <a:schemeClr val="accent5"/>
-          </a:lnRef>
-          <a:fillRef idx="2">
-            <a:schemeClr val="accent5"/>
-          </a:fillRef>
-          <a:effectRef idx="1">
-            <a:schemeClr val="accent5"/>
-          </a:effectRef>
-          <a:fontRef idx="minor">
-            <a:schemeClr val="dk1"/>
-          </a:fontRef>
-        </p:style>
-        <p:txBody>
-          <a:bodyPr rtlCol="0" anchor="ctr"/>
-          <a:lstStyle/>
-          <a:p>
-            <a:pPr algn="ctr"/>
-            <a:endParaRPr kumimoji="1" lang="zh-CN" altLang="en-US"/>
-          </a:p>
-        </p:txBody>
-      </p:sp>
-      <p:sp>
-        <p:nvSpPr>
-          <p:cNvPr id="6" name="矩形 5">
-            <a:extLst>
-              <a:ext uri="{FF2B5EF4-FFF2-40B4-BE49-F238E27FC236}">
-                <a16:creationId xmlns:a16="http://schemas.microsoft.com/office/drawing/2014/main" id="{2C4A8DC3-AE6D-F441-AA4C-09288BC872DE}"/>
-              </a:ext>
-            </a:extLst>
-          </p:cNvPr>
-          <p:cNvSpPr/>
-          <p:nvPr/>
-        </p:nvSpPr>
-        <p:spPr>
-          <a:xfrm>
-            <a:off x="2177143" y="3853543"/>
-            <a:ext cx="2189388" cy="740228"/>
-          </a:xfrm>
-          <a:prstGeom prst="rect">
-            <a:avLst/>
-          </a:prstGeom>
-        </p:spPr>
-        <p:style>
-          <a:lnRef idx="1">
-            <a:schemeClr val="accent1"/>
-          </a:lnRef>
-          <a:fillRef idx="2">
-            <a:schemeClr val="accent1"/>
-          </a:fillRef>
-          <a:effectRef idx="1">
-            <a:schemeClr val="accent1"/>
-          </a:effectRef>
-          <a:fontRef idx="minor">
-            <a:schemeClr val="dk1"/>
-          </a:fontRef>
-        </p:style>
-        <p:txBody>
-          <a:bodyPr rtlCol="0" anchor="ctr"/>
-          <a:lstStyle/>
-          <a:p>
-            <a:pPr algn="ctr"/>
-            <a:r>
-              <a:rPr kumimoji="1" lang="zh-CN" altLang="en-US"/>
-              <a:t>年轻代</a:t>
-            </a:r>
-            <a:endParaRPr kumimoji="1" lang="en-US" altLang="zh-CN" dirty="0"/>
-          </a:p>
-          <a:p>
-            <a:pPr algn="ctr"/>
-            <a:r>
-              <a:rPr kumimoji="1" lang="en-US" altLang="zh-CN" dirty="0"/>
-              <a:t>Young-gen</a:t>
-            </a:r>
-            <a:endParaRPr kumimoji="1" lang="zh-CN" altLang="en-US"/>
-          </a:p>
-        </p:txBody>
-      </p:sp>
-      <p:sp>
-        <p:nvSpPr>
-          <p:cNvPr id="15" name="下箭头 14">
-            <a:extLst>
-              <a:ext uri="{FF2B5EF4-FFF2-40B4-BE49-F238E27FC236}">
-                <a16:creationId xmlns:a16="http://schemas.microsoft.com/office/drawing/2014/main" id="{1CFE2E5E-61F1-3E40-AB73-3807A013B8B5}"/>
-              </a:ext>
-            </a:extLst>
-          </p:cNvPr>
-          <p:cNvSpPr/>
-          <p:nvPr/>
-        </p:nvSpPr>
-        <p:spPr>
-          <a:xfrm>
-            <a:off x="2977249" y="4593771"/>
-            <a:ext cx="462642" cy="533401"/>
-          </a:xfrm>
-          <a:prstGeom prst="downArrow">
-            <a:avLst/>
-          </a:prstGeom>
-        </p:spPr>
-        <p:style>
-          <a:lnRef idx="1">
-            <a:schemeClr val="accent6"/>
-          </a:lnRef>
-          <a:fillRef idx="2">
-            <a:schemeClr val="accent6"/>
-          </a:fillRef>
-          <a:effectRef idx="1">
-            <a:schemeClr val="accent6"/>
-          </a:effectRef>
-          <a:fontRef idx="minor">
-            <a:schemeClr val="dk1"/>
-          </a:fontRef>
-        </p:style>
-        <p:txBody>
-          <a:bodyPr rot="0" spcFirstLastPara="0" vertOverflow="overflow" horzOverflow="overflow" vert="horz" wrap="square" lIns="91440" tIns="45720" rIns="91440" bIns="45720" numCol="1" spcCol="0" rtlCol="0" fromWordArt="0" anchor="ctr" anchorCtr="0" forceAA="0" compatLnSpc="1">
-            <a:prstTxWarp prst="textNoShape">
-              <a:avLst/>
-            </a:prstTxWarp>
-            <a:noAutofit/>
-          </a:bodyPr>
-          <a:lstStyle/>
-          <a:p>
-            <a:pPr algn="ctr"/>
-            <a:endParaRPr kumimoji="1" lang="zh-CN" altLang="en-US"/>
-          </a:p>
-        </p:txBody>
-      </p:sp>
-      <p:sp>
-        <p:nvSpPr>
-          <p:cNvPr id="16" name="矩形 15">
-            <a:extLst>
-              <a:ext uri="{FF2B5EF4-FFF2-40B4-BE49-F238E27FC236}">
-                <a16:creationId xmlns:a16="http://schemas.microsoft.com/office/drawing/2014/main" id="{1CED07C8-5820-744D-8328-8B0634A8D122}"/>
-              </a:ext>
-            </a:extLst>
-          </p:cNvPr>
-          <p:cNvSpPr/>
-          <p:nvPr/>
-        </p:nvSpPr>
-        <p:spPr>
-          <a:xfrm>
-            <a:off x="2179868" y="5127172"/>
-            <a:ext cx="2739118" cy="816428"/>
-          </a:xfrm>
-          <a:prstGeom prst="rect">
-            <a:avLst/>
-          </a:prstGeom>
-        </p:spPr>
-        <p:style>
-          <a:lnRef idx="2">
-            <a:schemeClr val="accent5"/>
-          </a:lnRef>
-          <a:fillRef idx="1">
-            <a:schemeClr val="lt1"/>
-          </a:fillRef>
-          <a:effectRef idx="0">
-            <a:schemeClr val="accent5"/>
-          </a:effectRef>
-          <a:fontRef idx="minor">
-            <a:schemeClr val="dk1"/>
-          </a:fontRef>
-        </p:style>
-        <p:txBody>
-          <a:bodyPr rtlCol="0" anchor="ctr"/>
-          <a:lstStyle/>
-          <a:p>
-            <a:pPr algn="ctr"/>
-            <a:endParaRPr kumimoji="1" lang="zh-CN" altLang="en-US"/>
-          </a:p>
-        </p:txBody>
-      </p:sp>
-      <p:sp>
-        <p:nvSpPr>
-          <p:cNvPr id="17" name="圆角矩形 16">
-            <a:extLst>
-              <a:ext uri="{FF2B5EF4-FFF2-40B4-BE49-F238E27FC236}">
-                <a16:creationId xmlns:a16="http://schemas.microsoft.com/office/drawing/2014/main" id="{DE56C32B-5FB9-6849-B836-C6178DC0ECFF}"/>
-              </a:ext>
-            </a:extLst>
-          </p:cNvPr>
-          <p:cNvSpPr/>
-          <p:nvPr/>
-        </p:nvSpPr>
-        <p:spPr>
-          <a:xfrm>
-            <a:off x="2193475" y="5127173"/>
-            <a:ext cx="1676401" cy="816428"/>
-          </a:xfrm>
-          <a:prstGeom prst="roundRect">
-            <a:avLst/>
-          </a:prstGeom>
-        </p:spPr>
-        <p:style>
-          <a:lnRef idx="1">
-            <a:schemeClr val="accent1"/>
-          </a:lnRef>
-          <a:fillRef idx="2">
-            <a:schemeClr val="accent1"/>
-          </a:fillRef>
-          <a:effectRef idx="1">
-            <a:schemeClr val="accent1"/>
-          </a:effectRef>
-          <a:fontRef idx="minor">
-            <a:schemeClr val="dk1"/>
-          </a:fontRef>
-        </p:style>
-        <p:txBody>
-          <a:bodyPr rtlCol="0" anchor="ctr"/>
-          <a:lstStyle/>
-          <a:p>
-            <a:pPr algn="ctr"/>
-            <a:r>
-              <a:rPr kumimoji="1" lang="zh-CN" altLang="en-US"/>
-              <a:t>新生儿</a:t>
-            </a:r>
-            <a:endParaRPr kumimoji="1" lang="en-US" altLang="zh-CN" dirty="0"/>
-          </a:p>
-          <a:p>
-            <a:pPr algn="ctr"/>
-            <a:r>
-              <a:rPr kumimoji="1" lang="en-US" altLang="zh-CN" dirty="0"/>
-              <a:t>Eden-Space</a:t>
-            </a:r>
-          </a:p>
-        </p:txBody>
-      </p:sp>
-      <p:sp>
-        <p:nvSpPr>
-          <p:cNvPr id="20" name="圆角矩形 19">
-            <a:extLst>
-              <a:ext uri="{FF2B5EF4-FFF2-40B4-BE49-F238E27FC236}">
-                <a16:creationId xmlns:a16="http://schemas.microsoft.com/office/drawing/2014/main" id="{3E2B33AB-0B17-724C-9F10-65713F879263}"/>
-              </a:ext>
-            </a:extLst>
-          </p:cNvPr>
-          <p:cNvSpPr/>
-          <p:nvPr/>
-        </p:nvSpPr>
-        <p:spPr>
-          <a:xfrm>
-            <a:off x="3883484" y="5127172"/>
-            <a:ext cx="508910" cy="816428"/>
-          </a:xfrm>
-          <a:prstGeom prst="roundRect">
-            <a:avLst/>
-          </a:prstGeom>
-        </p:spPr>
-        <p:style>
-          <a:lnRef idx="1">
-            <a:schemeClr val="accent6"/>
-          </a:lnRef>
-          <a:fillRef idx="2">
-            <a:schemeClr val="accent6"/>
-          </a:fillRef>
-          <a:effectRef idx="1">
-            <a:schemeClr val="accent6"/>
-          </a:effectRef>
-          <a:fontRef idx="minor">
-            <a:schemeClr val="dk1"/>
-          </a:fontRef>
-        </p:style>
-        <p:txBody>
-          <a:bodyPr rtlCol="0" anchor="ctr"/>
-          <a:lstStyle/>
-          <a:p>
-            <a:pPr algn="ctr"/>
-            <a:r>
-              <a:rPr kumimoji="1" lang="en-US" altLang="zh-CN" dirty="0"/>
-              <a:t>S0</a:t>
-            </a:r>
-          </a:p>
-        </p:txBody>
-      </p:sp>
-      <p:sp>
-        <p:nvSpPr>
-          <p:cNvPr id="21" name="圆角矩形 20">
-            <a:extLst>
-              <a:ext uri="{FF2B5EF4-FFF2-40B4-BE49-F238E27FC236}">
-                <a16:creationId xmlns:a16="http://schemas.microsoft.com/office/drawing/2014/main" id="{98D13D18-ACAC-E146-9052-48B5F44E0BE6}"/>
-              </a:ext>
-            </a:extLst>
-          </p:cNvPr>
-          <p:cNvSpPr/>
-          <p:nvPr/>
-        </p:nvSpPr>
-        <p:spPr>
-          <a:xfrm>
-            <a:off x="4410075" y="5127172"/>
-            <a:ext cx="508910" cy="816428"/>
-          </a:xfrm>
-          <a:prstGeom prst="roundRect">
-            <a:avLst/>
-          </a:prstGeom>
-        </p:spPr>
-        <p:style>
-          <a:lnRef idx="1">
-            <a:schemeClr val="accent6"/>
-          </a:lnRef>
-          <a:fillRef idx="2">
-            <a:schemeClr val="accent6"/>
-          </a:fillRef>
-          <a:effectRef idx="1">
-            <a:schemeClr val="accent6"/>
-          </a:effectRef>
-          <a:fontRef idx="minor">
-            <a:schemeClr val="dk1"/>
-          </a:fontRef>
-        </p:style>
-        <p:txBody>
-          <a:bodyPr rtlCol="0" anchor="ctr"/>
-          <a:lstStyle/>
-          <a:p>
-            <a:pPr algn="ctr"/>
-            <a:r>
-              <a:rPr kumimoji="1" lang="en-US" altLang="zh-CN" dirty="0"/>
-              <a:t>S1</a:t>
-            </a:r>
-          </a:p>
-        </p:txBody>
-      </p:sp>
-      <p:sp>
-        <p:nvSpPr>
-          <p:cNvPr id="22" name="圆角矩形 21">
-            <a:extLst>
-              <a:ext uri="{FF2B5EF4-FFF2-40B4-BE49-F238E27FC236}">
-                <a16:creationId xmlns:a16="http://schemas.microsoft.com/office/drawing/2014/main" id="{E560CD45-3841-4847-99DB-9D2717BA9B57}"/>
-              </a:ext>
-            </a:extLst>
-          </p:cNvPr>
-          <p:cNvSpPr/>
-          <p:nvPr/>
-        </p:nvSpPr>
-        <p:spPr>
-          <a:xfrm>
-            <a:off x="4410075" y="3853543"/>
-            <a:ext cx="1381124" cy="740228"/>
-          </a:xfrm>
-          <a:prstGeom prst="roundRect">
-            <a:avLst/>
-          </a:prstGeom>
-        </p:spPr>
-        <p:style>
-          <a:lnRef idx="2">
-            <a:schemeClr val="accent5">
-              <a:shade val="50000"/>
-            </a:schemeClr>
-          </a:lnRef>
-          <a:fillRef idx="1">
-            <a:schemeClr val="accent5"/>
-          </a:fillRef>
-          <a:effectRef idx="0">
-            <a:schemeClr val="accent5"/>
-          </a:effectRef>
-          <a:fontRef idx="minor">
-            <a:schemeClr val="lt1"/>
-          </a:fontRef>
-        </p:style>
-        <p:txBody>
-          <a:bodyPr rtlCol="0" anchor="ctr"/>
-          <a:lstStyle/>
-          <a:p>
-            <a:pPr algn="ctr"/>
-            <a:r>
-              <a:rPr kumimoji="1" lang="zh-CN" altLang="en-US"/>
-              <a:t>老年代</a:t>
-            </a:r>
-            <a:endParaRPr kumimoji="1" lang="en-US" altLang="zh-CN" dirty="0"/>
-          </a:p>
-          <a:p>
-            <a:pPr algn="ctr"/>
-            <a:r>
-              <a:rPr kumimoji="1" lang="en-US" altLang="zh-CN" dirty="0"/>
-              <a:t>Old-gen</a:t>
-            </a:r>
-            <a:endParaRPr kumimoji="1" lang="zh-CN" altLang="en-US"/>
-          </a:p>
-        </p:txBody>
-      </p:sp>
-      <p:sp>
-        <p:nvSpPr>
-          <p:cNvPr id="23" name="对角圆角矩形 22">
-            <a:extLst>
-              <a:ext uri="{FF2B5EF4-FFF2-40B4-BE49-F238E27FC236}">
-                <a16:creationId xmlns:a16="http://schemas.microsoft.com/office/drawing/2014/main" id="{848136B8-E65A-C348-8F54-0B7AB3972B99}"/>
-              </a:ext>
-            </a:extLst>
-          </p:cNvPr>
-          <p:cNvSpPr/>
-          <p:nvPr/>
-        </p:nvSpPr>
-        <p:spPr>
-          <a:xfrm>
-            <a:off x="5867402" y="3755571"/>
-            <a:ext cx="3265709" cy="914400"/>
-          </a:xfrm>
-          <a:prstGeom prst="round2DiagRect">
-            <a:avLst/>
-          </a:prstGeom>
-        </p:spPr>
-        <p:style>
-          <a:lnRef idx="2">
-            <a:schemeClr val="accent2">
-              <a:shade val="50000"/>
-            </a:schemeClr>
-          </a:lnRef>
-          <a:fillRef idx="1">
-            <a:schemeClr val="accent2"/>
-          </a:fillRef>
-          <a:effectRef idx="0">
-            <a:schemeClr val="accent2"/>
-          </a:effectRef>
-          <a:fontRef idx="minor">
-            <a:schemeClr val="lt1"/>
-          </a:fontRef>
-        </p:style>
-        <p:txBody>
-          <a:bodyPr rtlCol="0" anchor="ctr"/>
-          <a:lstStyle/>
-          <a:p>
-            <a:pPr algn="ctr"/>
-            <a:endParaRPr kumimoji="1" lang="zh-CN" altLang="en-US"/>
-          </a:p>
-        </p:txBody>
-      </p:sp>
-      <p:sp>
-        <p:nvSpPr>
-          <p:cNvPr id="24" name="圆角矩形 23">
-            <a:extLst>
-              <a:ext uri="{FF2B5EF4-FFF2-40B4-BE49-F238E27FC236}">
-                <a16:creationId xmlns:a16="http://schemas.microsoft.com/office/drawing/2014/main" id="{FFCB351D-5CFA-F346-A230-CCA873C495FF}"/>
-              </a:ext>
-            </a:extLst>
-          </p:cNvPr>
-          <p:cNvSpPr/>
-          <p:nvPr/>
-        </p:nvSpPr>
-        <p:spPr>
-          <a:xfrm>
-            <a:off x="5910942" y="3853543"/>
-            <a:ext cx="1534887" cy="740228"/>
-          </a:xfrm>
-          <a:prstGeom prst="roundRect">
-            <a:avLst/>
-          </a:prstGeom>
-        </p:spPr>
-        <p:style>
-          <a:lnRef idx="1">
-            <a:schemeClr val="accent5"/>
-          </a:lnRef>
-          <a:fillRef idx="2">
-            <a:schemeClr val="accent5"/>
-          </a:fillRef>
-          <a:effectRef idx="1">
-            <a:schemeClr val="accent5"/>
-          </a:effectRef>
-          <a:fontRef idx="minor">
-            <a:schemeClr val="dk1"/>
-          </a:fontRef>
-        </p:style>
-        <p:txBody>
-          <a:bodyPr rtlCol="0" anchor="ctr"/>
-          <a:lstStyle/>
-          <a:p>
-            <a:pPr algn="ctr"/>
-            <a:r>
-              <a:rPr kumimoji="1" lang="zh-CN" altLang="en-US" dirty="0"/>
-              <a:t>元数据区</a:t>
-            </a:r>
-            <a:endParaRPr kumimoji="1" lang="en-US" altLang="zh-CN" dirty="0"/>
-          </a:p>
-          <a:p>
-            <a:pPr algn="ctr"/>
-            <a:r>
-              <a:rPr kumimoji="1" lang="en-US" altLang="zh-CN" dirty="0"/>
-              <a:t>Metaspace</a:t>
-            </a:r>
-            <a:endParaRPr kumimoji="1" lang="zh-CN" altLang="en-US" dirty="0"/>
-          </a:p>
-        </p:txBody>
-      </p:sp>
-      <p:sp>
-        <p:nvSpPr>
-          <p:cNvPr id="25" name="圆角矩形 24">
-            <a:extLst>
-              <a:ext uri="{FF2B5EF4-FFF2-40B4-BE49-F238E27FC236}">
-                <a16:creationId xmlns:a16="http://schemas.microsoft.com/office/drawing/2014/main" id="{1A337048-EBD0-CB4C-B3F5-06FC3E03041B}"/>
-              </a:ext>
-            </a:extLst>
-          </p:cNvPr>
-          <p:cNvSpPr/>
-          <p:nvPr/>
-        </p:nvSpPr>
-        <p:spPr>
-          <a:xfrm>
-            <a:off x="8297634" y="3853543"/>
-            <a:ext cx="838205" cy="740228"/>
-          </a:xfrm>
-          <a:prstGeom prst="roundRect">
-            <a:avLst/>
-          </a:prstGeom>
-        </p:spPr>
-        <p:style>
-          <a:lnRef idx="1">
-            <a:schemeClr val="accent4"/>
-          </a:lnRef>
-          <a:fillRef idx="2">
-            <a:schemeClr val="accent4"/>
-          </a:fillRef>
-          <a:effectRef idx="1">
-            <a:schemeClr val="accent4"/>
-          </a:effectRef>
-          <a:fontRef idx="minor">
-            <a:schemeClr val="dk1"/>
-          </a:fontRef>
-        </p:style>
-        <p:txBody>
-          <a:bodyPr rtlCol="0" anchor="ctr"/>
-          <a:lstStyle/>
-          <a:p>
-            <a:pPr algn="ctr"/>
-            <a:r>
-              <a:rPr kumimoji="1" lang="en-US" altLang="zh-CN" sz="1200" dirty="0"/>
-              <a:t>Code Cache</a:t>
-            </a:r>
-            <a:endParaRPr kumimoji="1" lang="zh-CN" altLang="en-US" sz="1200"/>
-          </a:p>
-        </p:txBody>
-      </p:sp>
-      <p:sp>
-        <p:nvSpPr>
-          <p:cNvPr id="26" name="圆角矩形 25">
-            <a:extLst>
-              <a:ext uri="{FF2B5EF4-FFF2-40B4-BE49-F238E27FC236}">
-                <a16:creationId xmlns:a16="http://schemas.microsoft.com/office/drawing/2014/main" id="{2125A430-5CA4-2F44-AE4F-4EE26A4285BE}"/>
-              </a:ext>
-            </a:extLst>
-          </p:cNvPr>
-          <p:cNvSpPr/>
-          <p:nvPr/>
-        </p:nvSpPr>
-        <p:spPr>
-          <a:xfrm>
-            <a:off x="7239001" y="3940629"/>
-            <a:ext cx="1055911" cy="653142"/>
-          </a:xfrm>
-          <a:prstGeom prst="roundRect">
+          <a:prstGeom prst="snipRoundRect">
             <a:avLst/>
           </a:prstGeom>
         </p:spPr>
@@ -15499,19 +16432,38 @@
           <a:p>
             <a:pPr algn="ctr"/>
             <a:r>
-              <a:rPr kumimoji="1" lang="en-US" altLang="zh-CN" sz="1200" dirty="0"/>
-              <a:t>Compressed Class Space </a:t>
+              <a:rPr kumimoji="1" lang="en-US" altLang="zh-CN" dirty="0"/>
+              <a:t>Frame/</a:t>
             </a:r>
-            <a:endParaRPr kumimoji="1" lang="zh-CN" altLang="en-US" sz="1200"/>
-          </a:p>
-        </p:txBody>
-      </p:sp>
-      <p:sp>
-        <p:nvSpPr>
-          <p:cNvPr id="27" name="下箭头 26">
+            <a:r>
+              <a:rPr kumimoji="1" lang="zh-CN" altLang="en-US"/>
+              <a:t>帧</a:t>
+            </a:r>
+            <a:endParaRPr kumimoji="1" lang="en-US" altLang="zh-CN" dirty="0"/>
+          </a:p>
+          <a:p>
+            <a:pPr algn="ctr"/>
+            <a:r>
+              <a:rPr kumimoji="1" lang="en-US" altLang="zh-CN" dirty="0"/>
+              <a:t>(</a:t>
+            </a:r>
+            <a:r>
+              <a:rPr kumimoji="1" lang="zh-CN" altLang="en-US"/>
+              <a:t>方法</a:t>
+            </a:r>
+            <a:r>
+              <a:rPr kumimoji="1" lang="en-US" altLang="zh-CN" dirty="0"/>
+              <a:t>B)</a:t>
+            </a:r>
+          </a:p>
+        </p:txBody>
+      </p:sp>
+      <p:sp>
+        <p:nvSpPr>
+          <p:cNvPr id="17" name="剪去单圆角的矩形 16">
             <a:extLst>
               <a:ext uri="{FF2B5EF4-FFF2-40B4-BE49-F238E27FC236}">
-                <a16:creationId xmlns:a16="http://schemas.microsoft.com/office/drawing/2014/main" id="{14DA8695-8B66-B047-B89B-2167DE8D8C73}"/>
+                <a16:creationId xmlns:a16="http://schemas.microsoft.com/office/drawing/2014/main" id="{3D291144-28EC-CF45-8A40-4D5DE5BCAD13}"/>
               </a:ext>
             </a:extLst>
           </p:cNvPr>
@@ -15520,27 +16472,92 @@
         </p:nvSpPr>
         <p:spPr>
           <a:xfrm>
-            <a:off x="6283788" y="3298371"/>
-            <a:ext cx="549733" cy="457200"/>
+            <a:off x="5094514" y="2220673"/>
+            <a:ext cx="2122710" cy="914400"/>
+          </a:xfrm>
+          <a:prstGeom prst="snipRoundRect">
+            <a:avLst/>
+          </a:prstGeom>
+        </p:spPr>
+        <p:style>
+          <a:lnRef idx="1">
+            <a:schemeClr val="accent3"/>
+          </a:lnRef>
+          <a:fillRef idx="2">
+            <a:schemeClr val="accent3"/>
+          </a:fillRef>
+          <a:effectRef idx="1">
+            <a:schemeClr val="accent3"/>
+          </a:effectRef>
+          <a:fontRef idx="minor">
+            <a:schemeClr val="dk1"/>
+          </a:fontRef>
+        </p:style>
+        <p:txBody>
+          <a:bodyPr rtlCol="0" anchor="ctr"/>
+          <a:lstStyle/>
+          <a:p>
+            <a:pPr algn="ctr"/>
+            <a:r>
+              <a:rPr kumimoji="1" lang="en-US" altLang="zh-CN" dirty="0"/>
+              <a:t>Frame/</a:t>
+            </a:r>
+            <a:r>
+              <a:rPr kumimoji="1" lang="zh-CN" altLang="en-US"/>
+              <a:t>帧</a:t>
+            </a:r>
+            <a:endParaRPr kumimoji="1" lang="en-US" altLang="zh-CN" dirty="0"/>
+          </a:p>
+          <a:p>
+            <a:pPr algn="ctr"/>
+            <a:r>
+              <a:rPr kumimoji="1" lang="en-US" altLang="zh-CN" dirty="0"/>
+              <a:t>(</a:t>
+            </a:r>
+            <a:r>
+              <a:rPr kumimoji="1" lang="zh-CN" altLang="en-US"/>
+              <a:t>方法</a:t>
+            </a:r>
+            <a:r>
+              <a:rPr kumimoji="1" lang="en-US" altLang="zh-CN" dirty="0"/>
+              <a:t>C)</a:t>
+            </a:r>
+          </a:p>
+        </p:txBody>
+      </p:sp>
+      <p:sp>
+        <p:nvSpPr>
+          <p:cNvPr id="18" name="下箭头 17">
+            <a:extLst>
+              <a:ext uri="{FF2B5EF4-FFF2-40B4-BE49-F238E27FC236}">
+                <a16:creationId xmlns:a16="http://schemas.microsoft.com/office/drawing/2014/main" id="{8EB0435F-80E6-964C-964E-3352075410C6}"/>
+              </a:ext>
+            </a:extLst>
+          </p:cNvPr>
+          <p:cNvSpPr/>
+          <p:nvPr/>
+        </p:nvSpPr>
+        <p:spPr>
+          <a:xfrm>
+            <a:off x="4033155" y="1458692"/>
+            <a:ext cx="353787" cy="631358"/>
           </a:xfrm>
           <a:prstGeom prst="downArrow">
             <a:avLst/>
           </a:prstGeom>
         </p:spPr>
         <p:style>
-          <a:lnRef idx="2">
-            <a:schemeClr val="accent2">
-              <a:shade val="50000"/>
-            </a:schemeClr>
+          <a:lnRef idx="1">
+            <a:schemeClr val="accent2"/>
           </a:lnRef>
-          <a:fillRef idx="1">
+          <a:fillRef idx="2">
             <a:schemeClr val="accent2"/>
           </a:fillRef>
-          <a:effectRef idx="0">
+          <a:effectRef idx="1">
             <a:schemeClr val="accent2"/>
           </a:effectRef>
           <a:fontRef idx="minor">
-            <a:schemeClr val="lt1"/>
+            <a:schemeClr val="dk1"/>
           </a:fontRef>
         </p:style>
         <p:txBody>
@@ -15553,359 +16570,14 @@
           <a:lstStyle/>
           <a:p>
             <a:pPr algn="ctr"/>
-            <a:endParaRPr kumimoji="1" lang="zh-CN" altLang="en-US">
-              <a:solidFill>
-                <a:schemeClr val="lt1"/>
-              </a:solidFill>
-            </a:endParaRPr>
-          </a:p>
-        </p:txBody>
-      </p:sp>
-      <p:sp>
-        <p:nvSpPr>
-          <p:cNvPr id="28" name="圆角矩形 27">
-            <a:extLst>
-              <a:ext uri="{FF2B5EF4-FFF2-40B4-BE49-F238E27FC236}">
-                <a16:creationId xmlns:a16="http://schemas.microsoft.com/office/drawing/2014/main" id="{6225D65E-004F-A240-9D12-71936AE42244}"/>
-              </a:ext>
-            </a:extLst>
-          </p:cNvPr>
-          <p:cNvSpPr/>
-          <p:nvPr/>
-        </p:nvSpPr>
-        <p:spPr>
-          <a:xfrm>
-            <a:off x="5834743" y="5127172"/>
-            <a:ext cx="2242456" cy="816428"/>
-          </a:xfrm>
-          <a:prstGeom prst="roundRect">
-            <a:avLst/>
-          </a:prstGeom>
-        </p:spPr>
-        <p:style>
-          <a:lnRef idx="1">
-            <a:schemeClr val="accent5"/>
-          </a:lnRef>
-          <a:fillRef idx="2">
-            <a:schemeClr val="accent5"/>
-          </a:fillRef>
-          <a:effectRef idx="1">
-            <a:schemeClr val="accent5"/>
-          </a:effectRef>
-          <a:fontRef idx="minor">
-            <a:schemeClr val="dk1"/>
-          </a:fontRef>
-        </p:style>
-        <p:txBody>
-          <a:bodyPr rtlCol="0" anchor="ctr"/>
-          <a:lstStyle/>
-          <a:p>
-            <a:pPr algn="ctr"/>
             <a:endParaRPr kumimoji="1" lang="zh-CN" altLang="en-US"/>
-          </a:p>
-        </p:txBody>
-      </p:sp>
-      <p:sp>
-        <p:nvSpPr>
-          <p:cNvPr id="29" name="下箭头 28">
-            <a:extLst>
-              <a:ext uri="{FF2B5EF4-FFF2-40B4-BE49-F238E27FC236}">
-                <a16:creationId xmlns:a16="http://schemas.microsoft.com/office/drawing/2014/main" id="{68C73640-51EE-0044-AE3F-9F9AEF009B3A}"/>
-              </a:ext>
-            </a:extLst>
-          </p:cNvPr>
-          <p:cNvSpPr/>
-          <p:nvPr/>
-        </p:nvSpPr>
-        <p:spPr>
-          <a:xfrm>
-            <a:off x="6354534" y="4593771"/>
-            <a:ext cx="462642" cy="533401"/>
-          </a:xfrm>
-          <a:prstGeom prst="downArrow">
-            <a:avLst/>
-          </a:prstGeom>
-        </p:spPr>
-        <p:style>
-          <a:lnRef idx="1">
-            <a:schemeClr val="accent5"/>
-          </a:lnRef>
-          <a:fillRef idx="2">
-            <a:schemeClr val="accent5"/>
-          </a:fillRef>
-          <a:effectRef idx="1">
-            <a:schemeClr val="accent5"/>
-          </a:effectRef>
-          <a:fontRef idx="minor">
-            <a:schemeClr val="dk1"/>
-          </a:fontRef>
-        </p:style>
-        <p:txBody>
-          <a:bodyPr rtlCol="0" anchor="ctr"/>
-          <a:lstStyle/>
-          <a:p>
-            <a:pPr algn="ctr"/>
-            <a:endParaRPr kumimoji="1" lang="zh-CN" altLang="en-US"/>
-          </a:p>
-        </p:txBody>
-      </p:sp>
-      <p:sp>
-        <p:nvSpPr>
-          <p:cNvPr id="18" name="剪去单角的矩形 17">
-            <a:extLst>
-              <a:ext uri="{FF2B5EF4-FFF2-40B4-BE49-F238E27FC236}">
-                <a16:creationId xmlns:a16="http://schemas.microsoft.com/office/drawing/2014/main" id="{3931844B-A503-9640-8235-A4640EBD7706}"/>
-              </a:ext>
-            </a:extLst>
-          </p:cNvPr>
-          <p:cNvSpPr/>
-          <p:nvPr/>
-        </p:nvSpPr>
-        <p:spPr>
-          <a:xfrm>
-            <a:off x="5910942" y="5225143"/>
-            <a:ext cx="1883233" cy="636814"/>
-          </a:xfrm>
-          <a:prstGeom prst="snip1Rect">
-            <a:avLst/>
-          </a:prstGeom>
-        </p:spPr>
-        <p:style>
-          <a:lnRef idx="0">
-            <a:schemeClr val="accent2"/>
-          </a:lnRef>
-          <a:fillRef idx="3">
-            <a:schemeClr val="accent2"/>
-          </a:fillRef>
-          <a:effectRef idx="3">
-            <a:schemeClr val="accent2"/>
-          </a:effectRef>
-          <a:fontRef idx="minor">
-            <a:schemeClr val="lt1"/>
-          </a:fontRef>
-        </p:style>
-        <p:txBody>
-          <a:bodyPr rtlCol="0" anchor="ctr"/>
-          <a:lstStyle/>
-          <a:p>
-            <a:pPr algn="ctr"/>
-            <a:r>
-              <a:rPr kumimoji="1" lang="en-US" altLang="zh-CN" dirty="0"/>
-              <a:t>             </a:t>
-            </a:r>
-            <a:r>
-              <a:rPr kumimoji="1" lang="zh-CN" altLang="en-US"/>
-              <a:t>方法区</a:t>
-            </a:r>
-          </a:p>
-        </p:txBody>
-      </p:sp>
-      <p:sp>
-        <p:nvSpPr>
-          <p:cNvPr id="19" name="对角圆角矩形 18">
-            <a:extLst>
-              <a:ext uri="{FF2B5EF4-FFF2-40B4-BE49-F238E27FC236}">
-                <a16:creationId xmlns:a16="http://schemas.microsoft.com/office/drawing/2014/main" id="{E35C7C20-B02A-CB40-8A34-CDE0CD2A2E8E}"/>
-              </a:ext>
-            </a:extLst>
-          </p:cNvPr>
-          <p:cNvSpPr/>
-          <p:nvPr/>
-        </p:nvSpPr>
-        <p:spPr>
-          <a:xfrm>
-            <a:off x="5921828" y="5366657"/>
-            <a:ext cx="921213" cy="375557"/>
-          </a:xfrm>
-          <a:prstGeom prst="round2DiagRect">
-            <a:avLst/>
-          </a:prstGeom>
-        </p:spPr>
-        <p:style>
-          <a:lnRef idx="2">
-            <a:schemeClr val="accent1">
-              <a:shade val="50000"/>
-            </a:schemeClr>
-          </a:lnRef>
-          <a:fillRef idx="1">
-            <a:schemeClr val="accent1"/>
-          </a:fillRef>
-          <a:effectRef idx="0">
-            <a:schemeClr val="accent1"/>
-          </a:effectRef>
-          <a:fontRef idx="minor">
-            <a:schemeClr val="lt1"/>
-          </a:fontRef>
-        </p:style>
-        <p:txBody>
-          <a:bodyPr rtlCol="0" anchor="ctr"/>
-          <a:lstStyle/>
-          <a:p>
-            <a:pPr algn="ctr"/>
-            <a:r>
-              <a:rPr kumimoji="1" lang="zh-CN" altLang="en-US"/>
-              <a:t>常量池</a:t>
-            </a:r>
-          </a:p>
-        </p:txBody>
-      </p:sp>
-      <p:sp>
-        <p:nvSpPr>
-          <p:cNvPr id="13" name="文本框 12">
-            <a:extLst>
-              <a:ext uri="{FF2B5EF4-FFF2-40B4-BE49-F238E27FC236}">
-                <a16:creationId xmlns:a16="http://schemas.microsoft.com/office/drawing/2014/main" id="{8F1BA41C-E5DE-F048-892F-37A979486B63}"/>
-              </a:ext>
-            </a:extLst>
-          </p:cNvPr>
-          <p:cNvSpPr txBox="1"/>
-          <p:nvPr/>
-        </p:nvSpPr>
-        <p:spPr>
-          <a:xfrm>
-            <a:off x="9146037" y="4624939"/>
-            <a:ext cx="395972" cy="307777"/>
-          </a:xfrm>
-          <a:prstGeom prst="rect">
-            <a:avLst/>
-          </a:prstGeom>
-        </p:spPr>
-        <p:style>
-          <a:lnRef idx="1">
-            <a:schemeClr val="accent4"/>
-          </a:lnRef>
-          <a:fillRef idx="2">
-            <a:schemeClr val="accent4"/>
-          </a:fillRef>
-          <a:effectRef idx="1">
-            <a:schemeClr val="accent4"/>
-          </a:effectRef>
-          <a:fontRef idx="minor">
-            <a:schemeClr val="dk1"/>
-          </a:fontRef>
-        </p:style>
-        <p:txBody>
-          <a:bodyPr wrap="square" rtlCol="0">
-            <a:spAutoFit/>
-          </a:bodyPr>
-          <a:lstStyle/>
-          <a:p>
-            <a:r>
-              <a:rPr kumimoji="1" lang="en-US" altLang="zh-CN" sz="1400" dirty="0">
-                <a:solidFill>
-                  <a:schemeClr val="bg1"/>
-                </a:solidFill>
-              </a:rPr>
-              <a:t>JIT</a:t>
-            </a:r>
-            <a:endParaRPr kumimoji="1" lang="zh-CN" altLang="en-US" sz="1400">
-              <a:solidFill>
-                <a:schemeClr val="bg1"/>
-              </a:solidFill>
-            </a:endParaRPr>
-          </a:p>
-        </p:txBody>
-      </p:sp>
-      <p:sp>
-        <p:nvSpPr>
-          <p:cNvPr id="30" name="棱台 29">
-            <a:extLst>
-              <a:ext uri="{FF2B5EF4-FFF2-40B4-BE49-F238E27FC236}">
-                <a16:creationId xmlns:a16="http://schemas.microsoft.com/office/drawing/2014/main" id="{1419A84C-CBE6-CB43-B03A-A8AFC4AE86B4}"/>
-              </a:ext>
-            </a:extLst>
-          </p:cNvPr>
-          <p:cNvSpPr/>
-          <p:nvPr/>
-        </p:nvSpPr>
-        <p:spPr>
-          <a:xfrm>
-            <a:off x="2242460" y="5921829"/>
-            <a:ext cx="609599" cy="185057"/>
-          </a:xfrm>
-          <a:prstGeom prst="bevel">
-            <a:avLst/>
-          </a:prstGeom>
-        </p:spPr>
-        <p:style>
-          <a:lnRef idx="0">
-            <a:schemeClr val="accent3"/>
-          </a:lnRef>
-          <a:fillRef idx="3">
-            <a:schemeClr val="accent3"/>
-          </a:fillRef>
-          <a:effectRef idx="3">
-            <a:schemeClr val="accent3"/>
-          </a:effectRef>
-          <a:fontRef idx="minor">
-            <a:schemeClr val="lt1"/>
-          </a:fontRef>
-        </p:style>
-        <p:txBody>
-          <a:bodyPr rtlCol="0" anchor="ctr"/>
-          <a:lstStyle/>
-          <a:p>
-            <a:pPr algn="ctr"/>
-            <a:r>
-              <a:rPr kumimoji="1" lang="en-US" altLang="zh-CN" sz="1400" dirty="0"/>
-              <a:t>TLAB</a:t>
-            </a:r>
-            <a:endParaRPr kumimoji="1" lang="zh-CN" altLang="en-US" sz="1400" dirty="0"/>
-          </a:p>
-        </p:txBody>
-      </p:sp>
-      <p:sp>
-        <p:nvSpPr>
-          <p:cNvPr id="31" name="棱台 30">
-            <a:extLst>
-              <a:ext uri="{FF2B5EF4-FFF2-40B4-BE49-F238E27FC236}">
-                <a16:creationId xmlns:a16="http://schemas.microsoft.com/office/drawing/2014/main" id="{46BCBAF6-4D0F-F343-A922-437F2F69988E}"/>
-              </a:ext>
-            </a:extLst>
-          </p:cNvPr>
-          <p:cNvSpPr/>
-          <p:nvPr/>
-        </p:nvSpPr>
-        <p:spPr>
-          <a:xfrm>
-            <a:off x="2832333" y="5921828"/>
-            <a:ext cx="609599" cy="185057"/>
-          </a:xfrm>
-          <a:prstGeom prst="bevel">
-            <a:avLst/>
-          </a:prstGeom>
-        </p:spPr>
-        <p:style>
-          <a:lnRef idx="0">
-            <a:schemeClr val="accent3"/>
-          </a:lnRef>
-          <a:fillRef idx="3">
-            <a:schemeClr val="accent3"/>
-          </a:fillRef>
-          <a:effectRef idx="3">
-            <a:schemeClr val="accent3"/>
-          </a:effectRef>
-          <a:fontRef idx="minor">
-            <a:schemeClr val="lt1"/>
-          </a:fontRef>
-        </p:style>
-        <p:txBody>
-          <a:bodyPr rtlCol="0" anchor="ctr"/>
-          <a:lstStyle/>
-          <a:p>
-            <a:pPr algn="ctr"/>
-            <a:r>
-              <a:rPr kumimoji="1" lang="en-US" altLang="zh-CN" sz="1400" dirty="0"/>
-              <a:t>TLAB</a:t>
-            </a:r>
-            <a:endParaRPr kumimoji="1" lang="zh-CN" altLang="en-US" sz="1400" dirty="0"/>
           </a:p>
         </p:txBody>
       </p:sp>
     </p:spTree>
     <p:extLst>
       <p:ext uri="{BB962C8B-B14F-4D97-AF65-F5344CB8AC3E}">
-        <p14:creationId xmlns:p14="http://schemas.microsoft.com/office/powerpoint/2010/main" val="288401185"/>
+        <p14:creationId xmlns:p14="http://schemas.microsoft.com/office/powerpoint/2010/main" val="3864048951"/>
       </p:ext>
     </p:extLst>
   </p:cSld>
@@ -15934,51 +16606,2285 @@
       </p:grpSpPr>
       <p:sp>
         <p:nvSpPr>
-          <p:cNvPr id="2" name="标题 1">
+          <p:cNvPr id="2" name="圆角矩形 1">
             <a:extLst>
               <a:ext uri="{FF2B5EF4-FFF2-40B4-BE49-F238E27FC236}">
-                <a16:creationId xmlns:a16="http://schemas.microsoft.com/office/drawing/2014/main" id="{F4AEF8DE-701E-D246-AD33-777911C1CDAD}"/>
+                <a16:creationId xmlns:a16="http://schemas.microsoft.com/office/drawing/2014/main" id="{79067A7E-A7CF-3146-8C1B-04CCCF871CDD}"/>
               </a:ext>
             </a:extLst>
           </p:cNvPr>
-          <p:cNvSpPr>
-            <a:spLocks noGrp="1"/>
-          </p:cNvSpPr>
-          <p:nvPr>
-            <p:ph type="title"/>
-          </p:nvPr>
-        </p:nvSpPr>
-        <p:spPr/>
-        <p:txBody>
-          <a:bodyPr/>
+          <p:cNvSpPr/>
+          <p:nvPr/>
+        </p:nvSpPr>
+        <p:spPr>
+          <a:xfrm>
+            <a:off x="2133599" y="2383972"/>
+            <a:ext cx="6999513" cy="914400"/>
+          </a:xfrm>
+          <a:prstGeom prst="roundRect">
+            <a:avLst/>
+          </a:prstGeom>
+        </p:spPr>
+        <p:style>
+          <a:lnRef idx="2">
+            <a:schemeClr val="accent1">
+              <a:shade val="50000"/>
+            </a:schemeClr>
+          </a:lnRef>
+          <a:fillRef idx="1">
+            <a:schemeClr val="accent1"/>
+          </a:fillRef>
+          <a:effectRef idx="0">
+            <a:schemeClr val="accent1"/>
+          </a:effectRef>
+          <a:fontRef idx="minor">
+            <a:schemeClr val="lt1"/>
+          </a:fontRef>
+        </p:style>
+        <p:txBody>
+          <a:bodyPr rtlCol="0" anchor="ctr"/>
           <a:lstStyle/>
           <a:p>
+            <a:pPr algn="ctr"/>
             <a:endParaRPr kumimoji="1" lang="zh-CN" altLang="en-US"/>
           </a:p>
         </p:txBody>
       </p:sp>
       <p:sp>
         <p:nvSpPr>
-          <p:cNvPr id="3" name="内容占位符 2">
+          <p:cNvPr id="4" name="圆角矩形 3">
             <a:extLst>
               <a:ext uri="{FF2B5EF4-FFF2-40B4-BE49-F238E27FC236}">
-                <a16:creationId xmlns:a16="http://schemas.microsoft.com/office/drawing/2014/main" id="{D0E6A120-F943-3D40-B540-A67D077B29A0}"/>
+                <a16:creationId xmlns:a16="http://schemas.microsoft.com/office/drawing/2014/main" id="{528EF239-E93F-9F48-8179-15166173E6AB}"/>
               </a:ext>
             </a:extLst>
           </p:cNvPr>
-          <p:cNvSpPr>
-            <a:spLocks noGrp="1"/>
-          </p:cNvSpPr>
-          <p:nvPr>
-            <p:ph idx="1"/>
-          </p:nvPr>
-        </p:nvSpPr>
-        <p:spPr/>
-        <p:txBody>
-          <a:bodyPr/>
+          <p:cNvSpPr/>
+          <p:nvPr/>
+        </p:nvSpPr>
+        <p:spPr>
+          <a:xfrm>
+            <a:off x="2133601" y="1012373"/>
+            <a:ext cx="5693228" cy="914400"/>
+          </a:xfrm>
+          <a:prstGeom prst="roundRect">
+            <a:avLst/>
+          </a:prstGeom>
+        </p:spPr>
+        <p:style>
+          <a:lnRef idx="2">
+            <a:schemeClr val="accent6"/>
+          </a:lnRef>
+          <a:fillRef idx="1">
+            <a:schemeClr val="lt1"/>
+          </a:fillRef>
+          <a:effectRef idx="0">
+            <a:schemeClr val="accent6"/>
+          </a:effectRef>
+          <a:fontRef idx="minor">
+            <a:schemeClr val="dk1"/>
+          </a:fontRef>
+        </p:style>
+        <p:txBody>
+          <a:bodyPr rtlCol="0" anchor="ctr"/>
           <a:lstStyle/>
           <a:p>
+            <a:pPr algn="ctr"/>
+            <a:r>
+              <a:rPr kumimoji="1" lang="en-US" altLang="zh-CN" dirty="0"/>
+              <a:t>… </a:t>
+            </a:r>
+            <a:r>
+              <a:rPr kumimoji="1" lang="zh-CN" altLang="en-US"/>
+              <a:t>其他进程</a:t>
+            </a:r>
+          </a:p>
+        </p:txBody>
+      </p:sp>
+      <p:sp>
+        <p:nvSpPr>
+          <p:cNvPr id="5" name="圆角矩形 4">
+            <a:extLst>
+              <a:ext uri="{FF2B5EF4-FFF2-40B4-BE49-F238E27FC236}">
+                <a16:creationId xmlns:a16="http://schemas.microsoft.com/office/drawing/2014/main" id="{BD5810A3-F71F-B44F-B1CD-663270885511}"/>
+              </a:ext>
+            </a:extLst>
+          </p:cNvPr>
+          <p:cNvSpPr/>
+          <p:nvPr/>
+        </p:nvSpPr>
+        <p:spPr>
+          <a:xfrm>
+            <a:off x="7826828" y="1023259"/>
+            <a:ext cx="1306285" cy="914400"/>
+          </a:xfrm>
+          <a:prstGeom prst="roundRect">
+            <a:avLst/>
+          </a:prstGeom>
+        </p:spPr>
+        <p:style>
+          <a:lnRef idx="2">
+            <a:schemeClr val="accent5">
+              <a:shade val="50000"/>
+            </a:schemeClr>
+          </a:lnRef>
+          <a:fillRef idx="1">
+            <a:schemeClr val="accent5"/>
+          </a:fillRef>
+          <a:effectRef idx="0">
+            <a:schemeClr val="accent5"/>
+          </a:effectRef>
+          <a:fontRef idx="minor">
+            <a:schemeClr val="lt1"/>
+          </a:fontRef>
+        </p:style>
+        <p:txBody>
+          <a:bodyPr rtlCol="0" anchor="ctr"/>
+          <a:lstStyle/>
+          <a:p>
+            <a:pPr algn="ctr"/>
+            <a:r>
+              <a:rPr kumimoji="1" lang="zh-CN" altLang="en-US"/>
+              <a:t>操作系统</a:t>
+            </a:r>
+          </a:p>
+        </p:txBody>
+      </p:sp>
+      <p:sp>
+        <p:nvSpPr>
+          <p:cNvPr id="7" name="下箭头 6">
+            <a:extLst>
+              <a:ext uri="{FF2B5EF4-FFF2-40B4-BE49-F238E27FC236}">
+                <a16:creationId xmlns:a16="http://schemas.microsoft.com/office/drawing/2014/main" id="{36125127-005C-6B46-AE82-92EB0AD5A893}"/>
+              </a:ext>
+            </a:extLst>
+          </p:cNvPr>
+          <p:cNvSpPr/>
+          <p:nvPr/>
+        </p:nvSpPr>
+        <p:spPr>
+          <a:xfrm>
+            <a:off x="3037117" y="1915887"/>
+            <a:ext cx="446314" cy="468085"/>
+          </a:xfrm>
+          <a:prstGeom prst="downArrow">
+            <a:avLst/>
+          </a:prstGeom>
+        </p:spPr>
+        <p:style>
+          <a:lnRef idx="2">
+            <a:schemeClr val="accent1">
+              <a:shade val="50000"/>
+            </a:schemeClr>
+          </a:lnRef>
+          <a:fillRef idx="1">
+            <a:schemeClr val="accent1"/>
+          </a:fillRef>
+          <a:effectRef idx="0">
+            <a:schemeClr val="accent1"/>
+          </a:effectRef>
+          <a:fontRef idx="minor">
+            <a:schemeClr val="lt1"/>
+          </a:fontRef>
+        </p:style>
+        <p:txBody>
+          <a:bodyPr rtlCol="0" anchor="ctr"/>
+          <a:lstStyle/>
+          <a:p>
+            <a:pPr algn="ctr"/>
             <a:endParaRPr kumimoji="1" lang="zh-CN" altLang="en-US"/>
+          </a:p>
+        </p:txBody>
+      </p:sp>
+      <p:sp>
+        <p:nvSpPr>
+          <p:cNvPr id="8" name="圆角矩形 7">
+            <a:extLst>
+              <a:ext uri="{FF2B5EF4-FFF2-40B4-BE49-F238E27FC236}">
+                <a16:creationId xmlns:a16="http://schemas.microsoft.com/office/drawing/2014/main" id="{55E70CD1-C845-514F-909B-9FC172EAA110}"/>
+              </a:ext>
+            </a:extLst>
+          </p:cNvPr>
+          <p:cNvSpPr/>
+          <p:nvPr/>
+        </p:nvSpPr>
+        <p:spPr>
+          <a:xfrm>
+            <a:off x="2242458" y="2383971"/>
+            <a:ext cx="914400" cy="914400"/>
+          </a:xfrm>
+          <a:prstGeom prst="roundRect">
+            <a:avLst/>
+          </a:prstGeom>
+        </p:spPr>
+        <p:style>
+          <a:lnRef idx="1">
+            <a:schemeClr val="accent2"/>
+          </a:lnRef>
+          <a:fillRef idx="2">
+            <a:schemeClr val="accent2"/>
+          </a:fillRef>
+          <a:effectRef idx="1">
+            <a:schemeClr val="accent2"/>
+          </a:effectRef>
+          <a:fontRef idx="minor">
+            <a:schemeClr val="dk1"/>
+          </a:fontRef>
+        </p:style>
+        <p:txBody>
+          <a:bodyPr rtlCol="0" anchor="ctr"/>
+          <a:lstStyle/>
+          <a:p>
+            <a:pPr algn="ctr"/>
+            <a:r>
+              <a:rPr kumimoji="1" lang="zh-CN" altLang="en-US"/>
+              <a:t>栈</a:t>
+            </a:r>
+            <a:endParaRPr kumimoji="1" lang="en-US" altLang="zh-CN" dirty="0"/>
+          </a:p>
+          <a:p>
+            <a:pPr algn="ctr"/>
+            <a:r>
+              <a:rPr kumimoji="1" lang="en-US" altLang="zh-CN" dirty="0"/>
+              <a:t>Stack</a:t>
+            </a:r>
+            <a:endParaRPr kumimoji="1" lang="zh-CN" altLang="en-US"/>
+          </a:p>
+        </p:txBody>
+      </p:sp>
+      <p:sp>
+        <p:nvSpPr>
+          <p:cNvPr id="9" name="圆角矩形 8">
+            <a:extLst>
+              <a:ext uri="{FF2B5EF4-FFF2-40B4-BE49-F238E27FC236}">
+                <a16:creationId xmlns:a16="http://schemas.microsoft.com/office/drawing/2014/main" id="{C34E2C58-7A65-6446-AF21-E6A406730C23}"/>
+              </a:ext>
+            </a:extLst>
+          </p:cNvPr>
+          <p:cNvSpPr/>
+          <p:nvPr/>
+        </p:nvSpPr>
+        <p:spPr>
+          <a:xfrm>
+            <a:off x="3570518" y="2383972"/>
+            <a:ext cx="1654625" cy="914400"/>
+          </a:xfrm>
+          <a:prstGeom prst="roundRect">
+            <a:avLst/>
+          </a:prstGeom>
+        </p:spPr>
+        <p:style>
+          <a:lnRef idx="1">
+            <a:schemeClr val="accent5"/>
+          </a:lnRef>
+          <a:fillRef idx="2">
+            <a:schemeClr val="accent5"/>
+          </a:fillRef>
+          <a:effectRef idx="1">
+            <a:schemeClr val="accent5"/>
+          </a:effectRef>
+          <a:fontRef idx="minor">
+            <a:schemeClr val="dk1"/>
+          </a:fontRef>
+        </p:style>
+        <p:txBody>
+          <a:bodyPr rtlCol="0" anchor="ctr"/>
+          <a:lstStyle/>
+          <a:p>
+            <a:pPr algn="ctr"/>
+            <a:r>
+              <a:rPr kumimoji="1" lang="zh-CN" altLang="en-US"/>
+              <a:t>堆</a:t>
+            </a:r>
+            <a:endParaRPr kumimoji="1" lang="en-US" altLang="zh-CN" dirty="0"/>
+          </a:p>
+          <a:p>
+            <a:pPr algn="ctr"/>
+            <a:r>
+              <a:rPr kumimoji="1" lang="en-US" altLang="zh-CN" dirty="0"/>
+              <a:t>Heap</a:t>
+            </a:r>
+            <a:endParaRPr kumimoji="1" lang="zh-CN" altLang="en-US"/>
+          </a:p>
+        </p:txBody>
+      </p:sp>
+      <p:sp>
+        <p:nvSpPr>
+          <p:cNvPr id="10" name="圆角矩形 9">
+            <a:extLst>
+              <a:ext uri="{FF2B5EF4-FFF2-40B4-BE49-F238E27FC236}">
+                <a16:creationId xmlns:a16="http://schemas.microsoft.com/office/drawing/2014/main" id="{A5749171-8197-BA4B-B0FD-0A60ACA9546B}"/>
+              </a:ext>
+            </a:extLst>
+          </p:cNvPr>
+          <p:cNvSpPr/>
+          <p:nvPr/>
+        </p:nvSpPr>
+        <p:spPr>
+          <a:xfrm>
+            <a:off x="7794175" y="2394858"/>
+            <a:ext cx="1208314" cy="914400"/>
+          </a:xfrm>
+          <a:prstGeom prst="roundRect">
+            <a:avLst/>
+          </a:prstGeom>
+        </p:spPr>
+        <p:style>
+          <a:lnRef idx="2">
+            <a:schemeClr val="accent6">
+              <a:shade val="50000"/>
+            </a:schemeClr>
+          </a:lnRef>
+          <a:fillRef idx="1">
+            <a:schemeClr val="accent6"/>
+          </a:fillRef>
+          <a:effectRef idx="0">
+            <a:schemeClr val="accent6"/>
+          </a:effectRef>
+          <a:fontRef idx="minor">
+            <a:schemeClr val="lt1"/>
+          </a:fontRef>
+        </p:style>
+        <p:txBody>
+          <a:bodyPr rtlCol="0" anchor="ctr"/>
+          <a:lstStyle/>
+          <a:p>
+            <a:pPr algn="ctr"/>
+            <a:r>
+              <a:rPr kumimoji="1" lang="en-US" altLang="zh-CN" dirty="0"/>
+              <a:t>JVM</a:t>
+            </a:r>
+            <a:r>
+              <a:rPr kumimoji="1" lang="zh-CN" altLang="en-US"/>
+              <a:t>自身</a:t>
+            </a:r>
+          </a:p>
+        </p:txBody>
+      </p:sp>
+      <p:sp>
+        <p:nvSpPr>
+          <p:cNvPr id="3" name="圆角矩形 2">
+            <a:extLst>
+              <a:ext uri="{FF2B5EF4-FFF2-40B4-BE49-F238E27FC236}">
+                <a16:creationId xmlns:a16="http://schemas.microsoft.com/office/drawing/2014/main" id="{87D15C48-C5DD-BA49-AE98-FB7013743148}"/>
+              </a:ext>
+            </a:extLst>
+          </p:cNvPr>
+          <p:cNvSpPr/>
+          <p:nvPr/>
+        </p:nvSpPr>
+        <p:spPr>
+          <a:xfrm>
+            <a:off x="2547260" y="1001487"/>
+            <a:ext cx="1306285" cy="914400"/>
+          </a:xfrm>
+          <a:prstGeom prst="roundRect">
+            <a:avLst/>
+          </a:prstGeom>
+        </p:spPr>
+        <p:style>
+          <a:lnRef idx="2">
+            <a:schemeClr val="accent1">
+              <a:shade val="50000"/>
+            </a:schemeClr>
+          </a:lnRef>
+          <a:fillRef idx="1">
+            <a:schemeClr val="accent1"/>
+          </a:fillRef>
+          <a:effectRef idx="0">
+            <a:schemeClr val="accent1"/>
+          </a:effectRef>
+          <a:fontRef idx="minor">
+            <a:schemeClr val="lt1"/>
+          </a:fontRef>
+        </p:style>
+        <p:txBody>
+          <a:bodyPr rtlCol="0" anchor="ctr"/>
+          <a:lstStyle/>
+          <a:p>
+            <a:pPr algn="ctr"/>
+            <a:r>
+              <a:rPr kumimoji="1" lang="en-US" altLang="zh-CN" dirty="0"/>
+              <a:t>Java</a:t>
+            </a:r>
+            <a:r>
+              <a:rPr kumimoji="1" lang="zh-CN" altLang="en-US"/>
+              <a:t>进程</a:t>
+            </a:r>
+          </a:p>
+        </p:txBody>
+      </p:sp>
+      <p:sp>
+        <p:nvSpPr>
+          <p:cNvPr id="11" name="对角圆角矩形 10">
+            <a:extLst>
+              <a:ext uri="{FF2B5EF4-FFF2-40B4-BE49-F238E27FC236}">
+                <a16:creationId xmlns:a16="http://schemas.microsoft.com/office/drawing/2014/main" id="{FF4E2F13-66E0-0F48-8C4F-4DC8A8A862C8}"/>
+              </a:ext>
+            </a:extLst>
+          </p:cNvPr>
+          <p:cNvSpPr/>
+          <p:nvPr/>
+        </p:nvSpPr>
+        <p:spPr>
+          <a:xfrm>
+            <a:off x="5834743" y="2383972"/>
+            <a:ext cx="1502228" cy="914400"/>
+          </a:xfrm>
+          <a:prstGeom prst="round2DiagRect">
+            <a:avLst/>
+          </a:prstGeom>
+        </p:spPr>
+        <p:style>
+          <a:lnRef idx="2">
+            <a:schemeClr val="accent2">
+              <a:shade val="50000"/>
+            </a:schemeClr>
+          </a:lnRef>
+          <a:fillRef idx="1">
+            <a:schemeClr val="accent2"/>
+          </a:fillRef>
+          <a:effectRef idx="0">
+            <a:schemeClr val="accent2"/>
+          </a:effectRef>
+          <a:fontRef idx="minor">
+            <a:schemeClr val="lt1"/>
+          </a:fontRef>
+        </p:style>
+        <p:txBody>
+          <a:bodyPr rtlCol="0" anchor="ctr"/>
+          <a:lstStyle/>
+          <a:p>
+            <a:pPr algn="ctr"/>
+            <a:r>
+              <a:rPr kumimoji="1" lang="zh-CN" altLang="en-US"/>
+              <a:t>非堆</a:t>
+            </a:r>
+            <a:endParaRPr kumimoji="1" lang="en-US" altLang="zh-CN" dirty="0"/>
+          </a:p>
+          <a:p>
+            <a:pPr algn="ctr"/>
+            <a:r>
+              <a:rPr kumimoji="1" lang="en-US" altLang="zh-CN" dirty="0"/>
+              <a:t>Non-Heap</a:t>
+            </a:r>
+            <a:endParaRPr kumimoji="1" lang="zh-CN" altLang="en-US"/>
+          </a:p>
+        </p:txBody>
+      </p:sp>
+      <p:sp>
+        <p:nvSpPr>
+          <p:cNvPr id="14" name="下箭头 13">
+            <a:extLst>
+              <a:ext uri="{FF2B5EF4-FFF2-40B4-BE49-F238E27FC236}">
+                <a16:creationId xmlns:a16="http://schemas.microsoft.com/office/drawing/2014/main" id="{A5249DF1-AEB2-2D43-943B-20A0E7D40401}"/>
+              </a:ext>
+            </a:extLst>
+          </p:cNvPr>
+          <p:cNvSpPr/>
+          <p:nvPr/>
+        </p:nvSpPr>
+        <p:spPr>
+          <a:xfrm>
+            <a:off x="4087588" y="3298372"/>
+            <a:ext cx="549733" cy="457200"/>
+          </a:xfrm>
+          <a:prstGeom prst="downArrow">
+            <a:avLst/>
+          </a:prstGeom>
+        </p:spPr>
+        <p:style>
+          <a:lnRef idx="1">
+            <a:schemeClr val="accent5"/>
+          </a:lnRef>
+          <a:fillRef idx="2">
+            <a:schemeClr val="accent5"/>
+          </a:fillRef>
+          <a:effectRef idx="1">
+            <a:schemeClr val="accent5"/>
+          </a:effectRef>
+          <a:fontRef idx="minor">
+            <a:schemeClr val="dk1"/>
+          </a:fontRef>
+        </p:style>
+        <p:txBody>
+          <a:bodyPr rot="0" spcFirstLastPara="0" vertOverflow="overflow" horzOverflow="overflow" vert="horz" wrap="square" lIns="91440" tIns="45720" rIns="91440" bIns="45720" numCol="1" spcCol="0" rtlCol="0" fromWordArt="0" anchor="ctr" anchorCtr="0" forceAA="0" compatLnSpc="1">
+            <a:prstTxWarp prst="textNoShape">
+              <a:avLst/>
+            </a:prstTxWarp>
+            <a:noAutofit/>
+          </a:bodyPr>
+          <a:lstStyle/>
+          <a:p>
+            <a:pPr algn="ctr"/>
+            <a:endParaRPr kumimoji="1" lang="zh-CN" altLang="en-US"/>
+          </a:p>
+        </p:txBody>
+      </p:sp>
+      <p:sp>
+        <p:nvSpPr>
+          <p:cNvPr id="12" name="圆角矩形 11">
+            <a:extLst>
+              <a:ext uri="{FF2B5EF4-FFF2-40B4-BE49-F238E27FC236}">
+                <a16:creationId xmlns:a16="http://schemas.microsoft.com/office/drawing/2014/main" id="{C02BFD68-E86A-204F-A09D-805F3609E865}"/>
+              </a:ext>
+            </a:extLst>
+          </p:cNvPr>
+          <p:cNvSpPr/>
+          <p:nvPr/>
+        </p:nvSpPr>
+        <p:spPr>
+          <a:xfrm>
+            <a:off x="2133601" y="3755572"/>
+            <a:ext cx="3701142" cy="914400"/>
+          </a:xfrm>
+          <a:prstGeom prst="roundRect">
+            <a:avLst/>
+          </a:prstGeom>
+        </p:spPr>
+        <p:style>
+          <a:lnRef idx="1">
+            <a:schemeClr val="accent5"/>
+          </a:lnRef>
+          <a:fillRef idx="2">
+            <a:schemeClr val="accent5"/>
+          </a:fillRef>
+          <a:effectRef idx="1">
+            <a:schemeClr val="accent5"/>
+          </a:effectRef>
+          <a:fontRef idx="minor">
+            <a:schemeClr val="dk1"/>
+          </a:fontRef>
+        </p:style>
+        <p:txBody>
+          <a:bodyPr rtlCol="0" anchor="ctr"/>
+          <a:lstStyle/>
+          <a:p>
+            <a:pPr algn="ctr"/>
+            <a:endParaRPr kumimoji="1" lang="zh-CN" altLang="en-US"/>
+          </a:p>
+        </p:txBody>
+      </p:sp>
+      <p:sp>
+        <p:nvSpPr>
+          <p:cNvPr id="6" name="矩形 5">
+            <a:extLst>
+              <a:ext uri="{FF2B5EF4-FFF2-40B4-BE49-F238E27FC236}">
+                <a16:creationId xmlns:a16="http://schemas.microsoft.com/office/drawing/2014/main" id="{2C4A8DC3-AE6D-F441-AA4C-09288BC872DE}"/>
+              </a:ext>
+            </a:extLst>
+          </p:cNvPr>
+          <p:cNvSpPr/>
+          <p:nvPr/>
+        </p:nvSpPr>
+        <p:spPr>
+          <a:xfrm>
+            <a:off x="2177143" y="3853543"/>
+            <a:ext cx="2189388" cy="740228"/>
+          </a:xfrm>
+          <a:prstGeom prst="rect">
+            <a:avLst/>
+          </a:prstGeom>
+        </p:spPr>
+        <p:style>
+          <a:lnRef idx="1">
+            <a:schemeClr val="accent1"/>
+          </a:lnRef>
+          <a:fillRef idx="2">
+            <a:schemeClr val="accent1"/>
+          </a:fillRef>
+          <a:effectRef idx="1">
+            <a:schemeClr val="accent1"/>
+          </a:effectRef>
+          <a:fontRef idx="minor">
+            <a:schemeClr val="dk1"/>
+          </a:fontRef>
+        </p:style>
+        <p:txBody>
+          <a:bodyPr rtlCol="0" anchor="ctr"/>
+          <a:lstStyle/>
+          <a:p>
+            <a:pPr algn="ctr"/>
+            <a:r>
+              <a:rPr kumimoji="1" lang="zh-CN" altLang="en-US"/>
+              <a:t>年轻代</a:t>
+            </a:r>
+            <a:endParaRPr kumimoji="1" lang="en-US" altLang="zh-CN" dirty="0"/>
+          </a:p>
+          <a:p>
+            <a:pPr algn="ctr"/>
+            <a:r>
+              <a:rPr kumimoji="1" lang="en-US" altLang="zh-CN" dirty="0"/>
+              <a:t>Young-gen</a:t>
+            </a:r>
+            <a:endParaRPr kumimoji="1" lang="zh-CN" altLang="en-US"/>
+          </a:p>
+        </p:txBody>
+      </p:sp>
+      <p:sp>
+        <p:nvSpPr>
+          <p:cNvPr id="15" name="下箭头 14">
+            <a:extLst>
+              <a:ext uri="{FF2B5EF4-FFF2-40B4-BE49-F238E27FC236}">
+                <a16:creationId xmlns:a16="http://schemas.microsoft.com/office/drawing/2014/main" id="{1CFE2E5E-61F1-3E40-AB73-3807A013B8B5}"/>
+              </a:ext>
+            </a:extLst>
+          </p:cNvPr>
+          <p:cNvSpPr/>
+          <p:nvPr/>
+        </p:nvSpPr>
+        <p:spPr>
+          <a:xfrm>
+            <a:off x="2977249" y="4593771"/>
+            <a:ext cx="462642" cy="533401"/>
+          </a:xfrm>
+          <a:prstGeom prst="downArrow">
+            <a:avLst/>
+          </a:prstGeom>
+        </p:spPr>
+        <p:style>
+          <a:lnRef idx="1">
+            <a:schemeClr val="accent6"/>
+          </a:lnRef>
+          <a:fillRef idx="2">
+            <a:schemeClr val="accent6"/>
+          </a:fillRef>
+          <a:effectRef idx="1">
+            <a:schemeClr val="accent6"/>
+          </a:effectRef>
+          <a:fontRef idx="minor">
+            <a:schemeClr val="dk1"/>
+          </a:fontRef>
+        </p:style>
+        <p:txBody>
+          <a:bodyPr rot="0" spcFirstLastPara="0" vertOverflow="overflow" horzOverflow="overflow" vert="horz" wrap="square" lIns="91440" tIns="45720" rIns="91440" bIns="45720" numCol="1" spcCol="0" rtlCol="0" fromWordArt="0" anchor="ctr" anchorCtr="0" forceAA="0" compatLnSpc="1">
+            <a:prstTxWarp prst="textNoShape">
+              <a:avLst/>
+            </a:prstTxWarp>
+            <a:noAutofit/>
+          </a:bodyPr>
+          <a:lstStyle/>
+          <a:p>
+            <a:pPr algn="ctr"/>
+            <a:endParaRPr kumimoji="1" lang="zh-CN" altLang="en-US"/>
+          </a:p>
+        </p:txBody>
+      </p:sp>
+      <p:sp>
+        <p:nvSpPr>
+          <p:cNvPr id="16" name="矩形 15">
+            <a:extLst>
+              <a:ext uri="{FF2B5EF4-FFF2-40B4-BE49-F238E27FC236}">
+                <a16:creationId xmlns:a16="http://schemas.microsoft.com/office/drawing/2014/main" id="{1CED07C8-5820-744D-8328-8B0634A8D122}"/>
+              </a:ext>
+            </a:extLst>
+          </p:cNvPr>
+          <p:cNvSpPr/>
+          <p:nvPr/>
+        </p:nvSpPr>
+        <p:spPr>
+          <a:xfrm>
+            <a:off x="2179868" y="5127172"/>
+            <a:ext cx="2739118" cy="816428"/>
+          </a:xfrm>
+          <a:prstGeom prst="rect">
+            <a:avLst/>
+          </a:prstGeom>
+        </p:spPr>
+        <p:style>
+          <a:lnRef idx="2">
+            <a:schemeClr val="accent5"/>
+          </a:lnRef>
+          <a:fillRef idx="1">
+            <a:schemeClr val="lt1"/>
+          </a:fillRef>
+          <a:effectRef idx="0">
+            <a:schemeClr val="accent5"/>
+          </a:effectRef>
+          <a:fontRef idx="minor">
+            <a:schemeClr val="dk1"/>
+          </a:fontRef>
+        </p:style>
+        <p:txBody>
+          <a:bodyPr rtlCol="0" anchor="ctr"/>
+          <a:lstStyle/>
+          <a:p>
+            <a:pPr algn="ctr"/>
+            <a:endParaRPr kumimoji="1" lang="zh-CN" altLang="en-US"/>
+          </a:p>
+        </p:txBody>
+      </p:sp>
+      <p:sp>
+        <p:nvSpPr>
+          <p:cNvPr id="17" name="圆角矩形 16">
+            <a:extLst>
+              <a:ext uri="{FF2B5EF4-FFF2-40B4-BE49-F238E27FC236}">
+                <a16:creationId xmlns:a16="http://schemas.microsoft.com/office/drawing/2014/main" id="{DE56C32B-5FB9-6849-B836-C6178DC0ECFF}"/>
+              </a:ext>
+            </a:extLst>
+          </p:cNvPr>
+          <p:cNvSpPr/>
+          <p:nvPr/>
+        </p:nvSpPr>
+        <p:spPr>
+          <a:xfrm>
+            <a:off x="2193475" y="5127173"/>
+            <a:ext cx="1676401" cy="816428"/>
+          </a:xfrm>
+          <a:prstGeom prst="roundRect">
+            <a:avLst/>
+          </a:prstGeom>
+        </p:spPr>
+        <p:style>
+          <a:lnRef idx="1">
+            <a:schemeClr val="accent1"/>
+          </a:lnRef>
+          <a:fillRef idx="2">
+            <a:schemeClr val="accent1"/>
+          </a:fillRef>
+          <a:effectRef idx="1">
+            <a:schemeClr val="accent1"/>
+          </a:effectRef>
+          <a:fontRef idx="minor">
+            <a:schemeClr val="dk1"/>
+          </a:fontRef>
+        </p:style>
+        <p:txBody>
+          <a:bodyPr rtlCol="0" anchor="ctr"/>
+          <a:lstStyle/>
+          <a:p>
+            <a:pPr algn="ctr"/>
+            <a:r>
+              <a:rPr kumimoji="1" lang="zh-CN" altLang="en-US"/>
+              <a:t>新生儿</a:t>
+            </a:r>
+            <a:endParaRPr kumimoji="1" lang="en-US" altLang="zh-CN" dirty="0"/>
+          </a:p>
+          <a:p>
+            <a:pPr algn="ctr"/>
+            <a:r>
+              <a:rPr kumimoji="1" lang="en-US" altLang="zh-CN" dirty="0"/>
+              <a:t>Eden-Space</a:t>
+            </a:r>
+          </a:p>
+        </p:txBody>
+      </p:sp>
+      <p:sp>
+        <p:nvSpPr>
+          <p:cNvPr id="20" name="圆角矩形 19">
+            <a:extLst>
+              <a:ext uri="{FF2B5EF4-FFF2-40B4-BE49-F238E27FC236}">
+                <a16:creationId xmlns:a16="http://schemas.microsoft.com/office/drawing/2014/main" id="{3E2B33AB-0B17-724C-9F10-65713F879263}"/>
+              </a:ext>
+            </a:extLst>
+          </p:cNvPr>
+          <p:cNvSpPr/>
+          <p:nvPr/>
+        </p:nvSpPr>
+        <p:spPr>
+          <a:xfrm>
+            <a:off x="3883484" y="5127172"/>
+            <a:ext cx="508910" cy="816428"/>
+          </a:xfrm>
+          <a:prstGeom prst="roundRect">
+            <a:avLst/>
+          </a:prstGeom>
+        </p:spPr>
+        <p:style>
+          <a:lnRef idx="1">
+            <a:schemeClr val="accent6"/>
+          </a:lnRef>
+          <a:fillRef idx="2">
+            <a:schemeClr val="accent6"/>
+          </a:fillRef>
+          <a:effectRef idx="1">
+            <a:schemeClr val="accent6"/>
+          </a:effectRef>
+          <a:fontRef idx="minor">
+            <a:schemeClr val="dk1"/>
+          </a:fontRef>
+        </p:style>
+        <p:txBody>
+          <a:bodyPr rtlCol="0" anchor="ctr"/>
+          <a:lstStyle/>
+          <a:p>
+            <a:pPr algn="ctr"/>
+            <a:r>
+              <a:rPr kumimoji="1" lang="en-US" altLang="zh-CN" dirty="0"/>
+              <a:t>S0</a:t>
+            </a:r>
+          </a:p>
+        </p:txBody>
+      </p:sp>
+      <p:sp>
+        <p:nvSpPr>
+          <p:cNvPr id="21" name="圆角矩形 20">
+            <a:extLst>
+              <a:ext uri="{FF2B5EF4-FFF2-40B4-BE49-F238E27FC236}">
+                <a16:creationId xmlns:a16="http://schemas.microsoft.com/office/drawing/2014/main" id="{98D13D18-ACAC-E146-9052-48B5F44E0BE6}"/>
+              </a:ext>
+            </a:extLst>
+          </p:cNvPr>
+          <p:cNvSpPr/>
+          <p:nvPr/>
+        </p:nvSpPr>
+        <p:spPr>
+          <a:xfrm>
+            <a:off x="4410075" y="5127172"/>
+            <a:ext cx="508910" cy="816428"/>
+          </a:xfrm>
+          <a:prstGeom prst="roundRect">
+            <a:avLst/>
+          </a:prstGeom>
+        </p:spPr>
+        <p:style>
+          <a:lnRef idx="1">
+            <a:schemeClr val="accent6"/>
+          </a:lnRef>
+          <a:fillRef idx="2">
+            <a:schemeClr val="accent6"/>
+          </a:fillRef>
+          <a:effectRef idx="1">
+            <a:schemeClr val="accent6"/>
+          </a:effectRef>
+          <a:fontRef idx="minor">
+            <a:schemeClr val="dk1"/>
+          </a:fontRef>
+        </p:style>
+        <p:txBody>
+          <a:bodyPr rtlCol="0" anchor="ctr"/>
+          <a:lstStyle/>
+          <a:p>
+            <a:pPr algn="ctr"/>
+            <a:r>
+              <a:rPr kumimoji="1" lang="en-US" altLang="zh-CN" dirty="0"/>
+              <a:t>S1</a:t>
+            </a:r>
+          </a:p>
+        </p:txBody>
+      </p:sp>
+      <p:sp>
+        <p:nvSpPr>
+          <p:cNvPr id="22" name="圆角矩形 21">
+            <a:extLst>
+              <a:ext uri="{FF2B5EF4-FFF2-40B4-BE49-F238E27FC236}">
+                <a16:creationId xmlns:a16="http://schemas.microsoft.com/office/drawing/2014/main" id="{E560CD45-3841-4847-99DB-9D2717BA9B57}"/>
+              </a:ext>
+            </a:extLst>
+          </p:cNvPr>
+          <p:cNvSpPr/>
+          <p:nvPr/>
+        </p:nvSpPr>
+        <p:spPr>
+          <a:xfrm>
+            <a:off x="4410075" y="3853543"/>
+            <a:ext cx="1381124" cy="740228"/>
+          </a:xfrm>
+          <a:prstGeom prst="roundRect">
+            <a:avLst/>
+          </a:prstGeom>
+        </p:spPr>
+        <p:style>
+          <a:lnRef idx="2">
+            <a:schemeClr val="accent5">
+              <a:shade val="50000"/>
+            </a:schemeClr>
+          </a:lnRef>
+          <a:fillRef idx="1">
+            <a:schemeClr val="accent5"/>
+          </a:fillRef>
+          <a:effectRef idx="0">
+            <a:schemeClr val="accent5"/>
+          </a:effectRef>
+          <a:fontRef idx="minor">
+            <a:schemeClr val="lt1"/>
+          </a:fontRef>
+        </p:style>
+        <p:txBody>
+          <a:bodyPr rtlCol="0" anchor="ctr"/>
+          <a:lstStyle/>
+          <a:p>
+            <a:pPr algn="ctr"/>
+            <a:r>
+              <a:rPr kumimoji="1" lang="zh-CN" altLang="en-US"/>
+              <a:t>老年代</a:t>
+            </a:r>
+            <a:endParaRPr kumimoji="1" lang="en-US" altLang="zh-CN" dirty="0"/>
+          </a:p>
+          <a:p>
+            <a:pPr algn="ctr"/>
+            <a:r>
+              <a:rPr kumimoji="1" lang="en-US" altLang="zh-CN" dirty="0"/>
+              <a:t>Old-gen</a:t>
+            </a:r>
+            <a:endParaRPr kumimoji="1" lang="zh-CN" altLang="en-US"/>
+          </a:p>
+        </p:txBody>
+      </p:sp>
+      <p:sp>
+        <p:nvSpPr>
+          <p:cNvPr id="23" name="对角圆角矩形 22">
+            <a:extLst>
+              <a:ext uri="{FF2B5EF4-FFF2-40B4-BE49-F238E27FC236}">
+                <a16:creationId xmlns:a16="http://schemas.microsoft.com/office/drawing/2014/main" id="{848136B8-E65A-C348-8F54-0B7AB3972B99}"/>
+              </a:ext>
+            </a:extLst>
+          </p:cNvPr>
+          <p:cNvSpPr/>
+          <p:nvPr/>
+        </p:nvSpPr>
+        <p:spPr>
+          <a:xfrm>
+            <a:off x="5867402" y="3755571"/>
+            <a:ext cx="3265709" cy="914400"/>
+          </a:xfrm>
+          <a:prstGeom prst="round2DiagRect">
+            <a:avLst/>
+          </a:prstGeom>
+        </p:spPr>
+        <p:style>
+          <a:lnRef idx="2">
+            <a:schemeClr val="accent2">
+              <a:shade val="50000"/>
+            </a:schemeClr>
+          </a:lnRef>
+          <a:fillRef idx="1">
+            <a:schemeClr val="accent2"/>
+          </a:fillRef>
+          <a:effectRef idx="0">
+            <a:schemeClr val="accent2"/>
+          </a:effectRef>
+          <a:fontRef idx="minor">
+            <a:schemeClr val="lt1"/>
+          </a:fontRef>
+        </p:style>
+        <p:txBody>
+          <a:bodyPr rtlCol="0" anchor="ctr"/>
+          <a:lstStyle/>
+          <a:p>
+            <a:pPr algn="ctr"/>
+            <a:endParaRPr kumimoji="1" lang="zh-CN" altLang="en-US"/>
+          </a:p>
+        </p:txBody>
+      </p:sp>
+      <p:sp>
+        <p:nvSpPr>
+          <p:cNvPr id="24" name="圆角矩形 23">
+            <a:extLst>
+              <a:ext uri="{FF2B5EF4-FFF2-40B4-BE49-F238E27FC236}">
+                <a16:creationId xmlns:a16="http://schemas.microsoft.com/office/drawing/2014/main" id="{FFCB351D-5CFA-F346-A230-CCA873C495FF}"/>
+              </a:ext>
+            </a:extLst>
+          </p:cNvPr>
+          <p:cNvSpPr/>
+          <p:nvPr/>
+        </p:nvSpPr>
+        <p:spPr>
+          <a:xfrm>
+            <a:off x="5910942" y="3853543"/>
+            <a:ext cx="1534887" cy="740228"/>
+          </a:xfrm>
+          <a:prstGeom prst="roundRect">
+            <a:avLst/>
+          </a:prstGeom>
+        </p:spPr>
+        <p:style>
+          <a:lnRef idx="1">
+            <a:schemeClr val="accent5"/>
+          </a:lnRef>
+          <a:fillRef idx="2">
+            <a:schemeClr val="accent5"/>
+          </a:fillRef>
+          <a:effectRef idx="1">
+            <a:schemeClr val="accent5"/>
+          </a:effectRef>
+          <a:fontRef idx="minor">
+            <a:schemeClr val="dk1"/>
+          </a:fontRef>
+        </p:style>
+        <p:txBody>
+          <a:bodyPr rtlCol="0" anchor="ctr"/>
+          <a:lstStyle/>
+          <a:p>
+            <a:pPr algn="ctr"/>
+            <a:r>
+              <a:rPr kumimoji="1" lang="zh-CN" altLang="en-US" dirty="0"/>
+              <a:t>元数据区</a:t>
+            </a:r>
+            <a:endParaRPr kumimoji="1" lang="en-US" altLang="zh-CN" dirty="0"/>
+          </a:p>
+          <a:p>
+            <a:pPr algn="ctr"/>
+            <a:r>
+              <a:rPr kumimoji="1" lang="en-US" altLang="zh-CN" dirty="0"/>
+              <a:t>Metaspace</a:t>
+            </a:r>
+            <a:endParaRPr kumimoji="1" lang="zh-CN" altLang="en-US" dirty="0"/>
+          </a:p>
+        </p:txBody>
+      </p:sp>
+      <p:sp>
+        <p:nvSpPr>
+          <p:cNvPr id="25" name="圆角矩形 24">
+            <a:extLst>
+              <a:ext uri="{FF2B5EF4-FFF2-40B4-BE49-F238E27FC236}">
+                <a16:creationId xmlns:a16="http://schemas.microsoft.com/office/drawing/2014/main" id="{1A337048-EBD0-CB4C-B3F5-06FC3E03041B}"/>
+              </a:ext>
+            </a:extLst>
+          </p:cNvPr>
+          <p:cNvSpPr/>
+          <p:nvPr/>
+        </p:nvSpPr>
+        <p:spPr>
+          <a:xfrm>
+            <a:off x="8297634" y="3853543"/>
+            <a:ext cx="838205" cy="740228"/>
+          </a:xfrm>
+          <a:prstGeom prst="roundRect">
+            <a:avLst/>
+          </a:prstGeom>
+        </p:spPr>
+        <p:style>
+          <a:lnRef idx="1">
+            <a:schemeClr val="accent4"/>
+          </a:lnRef>
+          <a:fillRef idx="2">
+            <a:schemeClr val="accent4"/>
+          </a:fillRef>
+          <a:effectRef idx="1">
+            <a:schemeClr val="accent4"/>
+          </a:effectRef>
+          <a:fontRef idx="minor">
+            <a:schemeClr val="dk1"/>
+          </a:fontRef>
+        </p:style>
+        <p:txBody>
+          <a:bodyPr rtlCol="0" anchor="ctr"/>
+          <a:lstStyle/>
+          <a:p>
+            <a:pPr algn="ctr"/>
+            <a:r>
+              <a:rPr kumimoji="1" lang="en-US" altLang="zh-CN" sz="1200" dirty="0"/>
+              <a:t>Code Cache</a:t>
+            </a:r>
+            <a:endParaRPr kumimoji="1" lang="zh-CN" altLang="en-US" sz="1200"/>
+          </a:p>
+        </p:txBody>
+      </p:sp>
+      <p:sp>
+        <p:nvSpPr>
+          <p:cNvPr id="26" name="圆角矩形 25">
+            <a:extLst>
+              <a:ext uri="{FF2B5EF4-FFF2-40B4-BE49-F238E27FC236}">
+                <a16:creationId xmlns:a16="http://schemas.microsoft.com/office/drawing/2014/main" id="{2125A430-5CA4-2F44-AE4F-4EE26A4285BE}"/>
+              </a:ext>
+            </a:extLst>
+          </p:cNvPr>
+          <p:cNvSpPr/>
+          <p:nvPr/>
+        </p:nvSpPr>
+        <p:spPr>
+          <a:xfrm>
+            <a:off x="7239001" y="3940629"/>
+            <a:ext cx="1055911" cy="653142"/>
+          </a:xfrm>
+          <a:prstGeom prst="roundRect">
+            <a:avLst/>
+          </a:prstGeom>
+        </p:spPr>
+        <p:style>
+          <a:lnRef idx="1">
+            <a:schemeClr val="accent3"/>
+          </a:lnRef>
+          <a:fillRef idx="2">
+            <a:schemeClr val="accent3"/>
+          </a:fillRef>
+          <a:effectRef idx="1">
+            <a:schemeClr val="accent3"/>
+          </a:effectRef>
+          <a:fontRef idx="minor">
+            <a:schemeClr val="dk1"/>
+          </a:fontRef>
+        </p:style>
+        <p:txBody>
+          <a:bodyPr rtlCol="0" anchor="ctr"/>
+          <a:lstStyle/>
+          <a:p>
+            <a:pPr algn="ctr"/>
+            <a:r>
+              <a:rPr kumimoji="1" lang="en-US" altLang="zh-CN" sz="1200" dirty="0"/>
+              <a:t>Compressed Class Space </a:t>
+            </a:r>
+            <a:endParaRPr kumimoji="1" lang="zh-CN" altLang="en-US" sz="1200"/>
+          </a:p>
+        </p:txBody>
+      </p:sp>
+      <p:sp>
+        <p:nvSpPr>
+          <p:cNvPr id="27" name="下箭头 26">
+            <a:extLst>
+              <a:ext uri="{FF2B5EF4-FFF2-40B4-BE49-F238E27FC236}">
+                <a16:creationId xmlns:a16="http://schemas.microsoft.com/office/drawing/2014/main" id="{14DA8695-8B66-B047-B89B-2167DE8D8C73}"/>
+              </a:ext>
+            </a:extLst>
+          </p:cNvPr>
+          <p:cNvSpPr/>
+          <p:nvPr/>
+        </p:nvSpPr>
+        <p:spPr>
+          <a:xfrm>
+            <a:off x="6283788" y="3298371"/>
+            <a:ext cx="549733" cy="457200"/>
+          </a:xfrm>
+          <a:prstGeom prst="downArrow">
+            <a:avLst/>
+          </a:prstGeom>
+        </p:spPr>
+        <p:style>
+          <a:lnRef idx="2">
+            <a:schemeClr val="accent2">
+              <a:shade val="50000"/>
+            </a:schemeClr>
+          </a:lnRef>
+          <a:fillRef idx="1">
+            <a:schemeClr val="accent2"/>
+          </a:fillRef>
+          <a:effectRef idx="0">
+            <a:schemeClr val="accent2"/>
+          </a:effectRef>
+          <a:fontRef idx="minor">
+            <a:schemeClr val="lt1"/>
+          </a:fontRef>
+        </p:style>
+        <p:txBody>
+          <a:bodyPr rot="0" spcFirstLastPara="0" vertOverflow="overflow" horzOverflow="overflow" vert="horz" wrap="square" lIns="91440" tIns="45720" rIns="91440" bIns="45720" numCol="1" spcCol="0" rtlCol="0" fromWordArt="0" anchor="ctr" anchorCtr="0" forceAA="0" compatLnSpc="1">
+            <a:prstTxWarp prst="textNoShape">
+              <a:avLst/>
+            </a:prstTxWarp>
+            <a:noAutofit/>
+          </a:bodyPr>
+          <a:lstStyle/>
+          <a:p>
+            <a:pPr algn="ctr"/>
+            <a:endParaRPr kumimoji="1" lang="zh-CN" altLang="en-US">
+              <a:solidFill>
+                <a:schemeClr val="lt1"/>
+              </a:solidFill>
+            </a:endParaRPr>
+          </a:p>
+        </p:txBody>
+      </p:sp>
+      <p:sp>
+        <p:nvSpPr>
+          <p:cNvPr id="28" name="圆角矩形 27">
+            <a:extLst>
+              <a:ext uri="{FF2B5EF4-FFF2-40B4-BE49-F238E27FC236}">
+                <a16:creationId xmlns:a16="http://schemas.microsoft.com/office/drawing/2014/main" id="{6225D65E-004F-A240-9D12-71936AE42244}"/>
+              </a:ext>
+            </a:extLst>
+          </p:cNvPr>
+          <p:cNvSpPr/>
+          <p:nvPr/>
+        </p:nvSpPr>
+        <p:spPr>
+          <a:xfrm>
+            <a:off x="5834743" y="5127172"/>
+            <a:ext cx="2242456" cy="816428"/>
+          </a:xfrm>
+          <a:prstGeom prst="roundRect">
+            <a:avLst/>
+          </a:prstGeom>
+        </p:spPr>
+        <p:style>
+          <a:lnRef idx="1">
+            <a:schemeClr val="accent5"/>
+          </a:lnRef>
+          <a:fillRef idx="2">
+            <a:schemeClr val="accent5"/>
+          </a:fillRef>
+          <a:effectRef idx="1">
+            <a:schemeClr val="accent5"/>
+          </a:effectRef>
+          <a:fontRef idx="minor">
+            <a:schemeClr val="dk1"/>
+          </a:fontRef>
+        </p:style>
+        <p:txBody>
+          <a:bodyPr rtlCol="0" anchor="ctr"/>
+          <a:lstStyle/>
+          <a:p>
+            <a:pPr algn="ctr"/>
+            <a:endParaRPr kumimoji="1" lang="zh-CN" altLang="en-US"/>
+          </a:p>
+        </p:txBody>
+      </p:sp>
+      <p:sp>
+        <p:nvSpPr>
+          <p:cNvPr id="29" name="下箭头 28">
+            <a:extLst>
+              <a:ext uri="{FF2B5EF4-FFF2-40B4-BE49-F238E27FC236}">
+                <a16:creationId xmlns:a16="http://schemas.microsoft.com/office/drawing/2014/main" id="{68C73640-51EE-0044-AE3F-9F9AEF009B3A}"/>
+              </a:ext>
+            </a:extLst>
+          </p:cNvPr>
+          <p:cNvSpPr/>
+          <p:nvPr/>
+        </p:nvSpPr>
+        <p:spPr>
+          <a:xfrm>
+            <a:off x="6354534" y="4593771"/>
+            <a:ext cx="462642" cy="533401"/>
+          </a:xfrm>
+          <a:prstGeom prst="downArrow">
+            <a:avLst/>
+          </a:prstGeom>
+        </p:spPr>
+        <p:style>
+          <a:lnRef idx="1">
+            <a:schemeClr val="accent5"/>
+          </a:lnRef>
+          <a:fillRef idx="2">
+            <a:schemeClr val="accent5"/>
+          </a:fillRef>
+          <a:effectRef idx="1">
+            <a:schemeClr val="accent5"/>
+          </a:effectRef>
+          <a:fontRef idx="minor">
+            <a:schemeClr val="dk1"/>
+          </a:fontRef>
+        </p:style>
+        <p:txBody>
+          <a:bodyPr rtlCol="0" anchor="ctr"/>
+          <a:lstStyle/>
+          <a:p>
+            <a:pPr algn="ctr"/>
+            <a:endParaRPr kumimoji="1" lang="zh-CN" altLang="en-US"/>
+          </a:p>
+        </p:txBody>
+      </p:sp>
+      <p:sp>
+        <p:nvSpPr>
+          <p:cNvPr id="18" name="剪去单角的矩形 17">
+            <a:extLst>
+              <a:ext uri="{FF2B5EF4-FFF2-40B4-BE49-F238E27FC236}">
+                <a16:creationId xmlns:a16="http://schemas.microsoft.com/office/drawing/2014/main" id="{3931844B-A503-9640-8235-A4640EBD7706}"/>
+              </a:ext>
+            </a:extLst>
+          </p:cNvPr>
+          <p:cNvSpPr/>
+          <p:nvPr/>
+        </p:nvSpPr>
+        <p:spPr>
+          <a:xfrm>
+            <a:off x="5910942" y="5225143"/>
+            <a:ext cx="1883233" cy="636814"/>
+          </a:xfrm>
+          <a:prstGeom prst="snip1Rect">
+            <a:avLst/>
+          </a:prstGeom>
+        </p:spPr>
+        <p:style>
+          <a:lnRef idx="0">
+            <a:schemeClr val="accent2"/>
+          </a:lnRef>
+          <a:fillRef idx="3">
+            <a:schemeClr val="accent2"/>
+          </a:fillRef>
+          <a:effectRef idx="3">
+            <a:schemeClr val="accent2"/>
+          </a:effectRef>
+          <a:fontRef idx="minor">
+            <a:schemeClr val="lt1"/>
+          </a:fontRef>
+        </p:style>
+        <p:txBody>
+          <a:bodyPr rtlCol="0" anchor="ctr"/>
+          <a:lstStyle/>
+          <a:p>
+            <a:pPr algn="ctr"/>
+            <a:r>
+              <a:rPr kumimoji="1" lang="en-US" altLang="zh-CN" dirty="0"/>
+              <a:t>             </a:t>
+            </a:r>
+            <a:r>
+              <a:rPr kumimoji="1" lang="zh-CN" altLang="en-US"/>
+              <a:t>方法区</a:t>
+            </a:r>
+          </a:p>
+        </p:txBody>
+      </p:sp>
+      <p:sp>
+        <p:nvSpPr>
+          <p:cNvPr id="19" name="对角圆角矩形 18">
+            <a:extLst>
+              <a:ext uri="{FF2B5EF4-FFF2-40B4-BE49-F238E27FC236}">
+                <a16:creationId xmlns:a16="http://schemas.microsoft.com/office/drawing/2014/main" id="{E35C7C20-B02A-CB40-8A34-CDE0CD2A2E8E}"/>
+              </a:ext>
+            </a:extLst>
+          </p:cNvPr>
+          <p:cNvSpPr/>
+          <p:nvPr/>
+        </p:nvSpPr>
+        <p:spPr>
+          <a:xfrm>
+            <a:off x="5921828" y="5366657"/>
+            <a:ext cx="921213" cy="375557"/>
+          </a:xfrm>
+          <a:prstGeom prst="round2DiagRect">
+            <a:avLst/>
+          </a:prstGeom>
+        </p:spPr>
+        <p:style>
+          <a:lnRef idx="2">
+            <a:schemeClr val="accent1">
+              <a:shade val="50000"/>
+            </a:schemeClr>
+          </a:lnRef>
+          <a:fillRef idx="1">
+            <a:schemeClr val="accent1"/>
+          </a:fillRef>
+          <a:effectRef idx="0">
+            <a:schemeClr val="accent1"/>
+          </a:effectRef>
+          <a:fontRef idx="minor">
+            <a:schemeClr val="lt1"/>
+          </a:fontRef>
+        </p:style>
+        <p:txBody>
+          <a:bodyPr rtlCol="0" anchor="ctr"/>
+          <a:lstStyle/>
+          <a:p>
+            <a:pPr algn="ctr"/>
+            <a:r>
+              <a:rPr kumimoji="1" lang="zh-CN" altLang="en-US"/>
+              <a:t>常量池</a:t>
+            </a:r>
+          </a:p>
+        </p:txBody>
+      </p:sp>
+      <p:sp>
+        <p:nvSpPr>
+          <p:cNvPr id="13" name="文本框 12">
+            <a:extLst>
+              <a:ext uri="{FF2B5EF4-FFF2-40B4-BE49-F238E27FC236}">
+                <a16:creationId xmlns:a16="http://schemas.microsoft.com/office/drawing/2014/main" id="{8F1BA41C-E5DE-F048-892F-37A979486B63}"/>
+              </a:ext>
+            </a:extLst>
+          </p:cNvPr>
+          <p:cNvSpPr txBox="1"/>
+          <p:nvPr/>
+        </p:nvSpPr>
+        <p:spPr>
+          <a:xfrm>
+            <a:off x="9146037" y="4624939"/>
+            <a:ext cx="395972" cy="307777"/>
+          </a:xfrm>
+          <a:prstGeom prst="rect">
+            <a:avLst/>
+          </a:prstGeom>
+        </p:spPr>
+        <p:style>
+          <a:lnRef idx="1">
+            <a:schemeClr val="accent4"/>
+          </a:lnRef>
+          <a:fillRef idx="2">
+            <a:schemeClr val="accent4"/>
+          </a:fillRef>
+          <a:effectRef idx="1">
+            <a:schemeClr val="accent4"/>
+          </a:effectRef>
+          <a:fontRef idx="minor">
+            <a:schemeClr val="dk1"/>
+          </a:fontRef>
+        </p:style>
+        <p:txBody>
+          <a:bodyPr wrap="square" rtlCol="0">
+            <a:spAutoFit/>
+          </a:bodyPr>
+          <a:lstStyle/>
+          <a:p>
+            <a:r>
+              <a:rPr kumimoji="1" lang="en-US" altLang="zh-CN" sz="1400" dirty="0">
+                <a:solidFill>
+                  <a:schemeClr val="bg1"/>
+                </a:solidFill>
+              </a:rPr>
+              <a:t>JIT</a:t>
+            </a:r>
+            <a:endParaRPr kumimoji="1" lang="zh-CN" altLang="en-US" sz="1400">
+              <a:solidFill>
+                <a:schemeClr val="bg1"/>
+              </a:solidFill>
+            </a:endParaRPr>
+          </a:p>
+        </p:txBody>
+      </p:sp>
+      <p:sp>
+        <p:nvSpPr>
+          <p:cNvPr id="30" name="棱台 29">
+            <a:extLst>
+              <a:ext uri="{FF2B5EF4-FFF2-40B4-BE49-F238E27FC236}">
+                <a16:creationId xmlns:a16="http://schemas.microsoft.com/office/drawing/2014/main" id="{1419A84C-CBE6-CB43-B03A-A8AFC4AE86B4}"/>
+              </a:ext>
+            </a:extLst>
+          </p:cNvPr>
+          <p:cNvSpPr/>
+          <p:nvPr/>
+        </p:nvSpPr>
+        <p:spPr>
+          <a:xfrm>
+            <a:off x="2242460" y="5921829"/>
+            <a:ext cx="609599" cy="185057"/>
+          </a:xfrm>
+          <a:prstGeom prst="bevel">
+            <a:avLst/>
+          </a:prstGeom>
+        </p:spPr>
+        <p:style>
+          <a:lnRef idx="0">
+            <a:schemeClr val="accent3"/>
+          </a:lnRef>
+          <a:fillRef idx="3">
+            <a:schemeClr val="accent3"/>
+          </a:fillRef>
+          <a:effectRef idx="3">
+            <a:schemeClr val="accent3"/>
+          </a:effectRef>
+          <a:fontRef idx="minor">
+            <a:schemeClr val="lt1"/>
+          </a:fontRef>
+        </p:style>
+        <p:txBody>
+          <a:bodyPr rtlCol="0" anchor="ctr"/>
+          <a:lstStyle/>
+          <a:p>
+            <a:pPr algn="ctr"/>
+            <a:r>
+              <a:rPr kumimoji="1" lang="en-US" altLang="zh-CN" sz="1400" dirty="0"/>
+              <a:t>TLAB</a:t>
+            </a:r>
+            <a:endParaRPr kumimoji="1" lang="zh-CN" altLang="en-US" sz="1400" dirty="0"/>
+          </a:p>
+        </p:txBody>
+      </p:sp>
+      <p:sp>
+        <p:nvSpPr>
+          <p:cNvPr id="31" name="棱台 30">
+            <a:extLst>
+              <a:ext uri="{FF2B5EF4-FFF2-40B4-BE49-F238E27FC236}">
+                <a16:creationId xmlns:a16="http://schemas.microsoft.com/office/drawing/2014/main" id="{46BCBAF6-4D0F-F343-A922-437F2F69988E}"/>
+              </a:ext>
+            </a:extLst>
+          </p:cNvPr>
+          <p:cNvSpPr/>
+          <p:nvPr/>
+        </p:nvSpPr>
+        <p:spPr>
+          <a:xfrm>
+            <a:off x="2832333" y="5921828"/>
+            <a:ext cx="609599" cy="185057"/>
+          </a:xfrm>
+          <a:prstGeom prst="bevel">
+            <a:avLst/>
+          </a:prstGeom>
+        </p:spPr>
+        <p:style>
+          <a:lnRef idx="0">
+            <a:schemeClr val="accent3"/>
+          </a:lnRef>
+          <a:fillRef idx="3">
+            <a:schemeClr val="accent3"/>
+          </a:fillRef>
+          <a:effectRef idx="3">
+            <a:schemeClr val="accent3"/>
+          </a:effectRef>
+          <a:fontRef idx="minor">
+            <a:schemeClr val="lt1"/>
+          </a:fontRef>
+        </p:style>
+        <p:txBody>
+          <a:bodyPr rtlCol="0" anchor="ctr"/>
+          <a:lstStyle/>
+          <a:p>
+            <a:pPr algn="ctr"/>
+            <a:r>
+              <a:rPr kumimoji="1" lang="en-US" altLang="zh-CN" sz="1400" dirty="0"/>
+              <a:t>TLAB</a:t>
+            </a:r>
+            <a:endParaRPr kumimoji="1" lang="zh-CN" altLang="en-US" sz="1400" dirty="0"/>
+          </a:p>
+        </p:txBody>
+      </p:sp>
+    </p:spTree>
+    <p:extLst>
+      <p:ext uri="{BB962C8B-B14F-4D97-AF65-F5344CB8AC3E}">
+        <p14:creationId xmlns:p14="http://schemas.microsoft.com/office/powerpoint/2010/main" val="288401185"/>
+      </p:ext>
+    </p:extLst>
+  </p:cSld>
+  <p:clrMapOvr>
+    <a:masterClrMapping/>
+  </p:clrMapOvr>
+</p:sld>
+</file>
+
+<file path=ppt/slides/slide5.xml><?xml version="1.0" encoding="utf-8"?>
+<p:sld xmlns:a="http://schemas.openxmlformats.org/drawingml/2006/main" xmlns:r="http://schemas.openxmlformats.org/officeDocument/2006/relationships" xmlns:p="http://schemas.openxmlformats.org/presentationml/2006/main">
+  <p:cSld>
+    <p:spTree>
+      <p:nvGrpSpPr>
+        <p:cNvPr id="1" name=""/>
+        <p:cNvGrpSpPr/>
+        <p:nvPr/>
+      </p:nvGrpSpPr>
+      <p:grpSpPr>
+        <a:xfrm>
+          <a:off x="0" y="0"/>
+          <a:ext cx="0" cy="0"/>
+          <a:chOff x="0" y="0"/>
+          <a:chExt cx="0" cy="0"/>
+        </a:xfrm>
+      </p:grpSpPr>
+      <p:sp>
+        <p:nvSpPr>
+          <p:cNvPr id="4" name="下箭头 3">
+            <a:extLst>
+              <a:ext uri="{FF2B5EF4-FFF2-40B4-BE49-F238E27FC236}">
+                <a16:creationId xmlns:a16="http://schemas.microsoft.com/office/drawing/2014/main" id="{148EBE47-7906-9949-BD0B-433B0AA86105}"/>
+              </a:ext>
+            </a:extLst>
+          </p:cNvPr>
+          <p:cNvSpPr/>
+          <p:nvPr/>
+        </p:nvSpPr>
+        <p:spPr>
+          <a:xfrm>
+            <a:off x="1725387" y="3145972"/>
+            <a:ext cx="353787" cy="387866"/>
+          </a:xfrm>
+          <a:prstGeom prst="downArrow">
+            <a:avLst/>
+          </a:prstGeom>
+        </p:spPr>
+        <p:style>
+          <a:lnRef idx="1">
+            <a:schemeClr val="accent2"/>
+          </a:lnRef>
+          <a:fillRef idx="2">
+            <a:schemeClr val="accent2"/>
+          </a:fillRef>
+          <a:effectRef idx="1">
+            <a:schemeClr val="accent2"/>
+          </a:effectRef>
+          <a:fontRef idx="minor">
+            <a:schemeClr val="dk1"/>
+          </a:fontRef>
+        </p:style>
+        <p:txBody>
+          <a:bodyPr rot="0" spcFirstLastPara="0" vertOverflow="overflow" horzOverflow="overflow" vert="horz" wrap="square" lIns="91440" tIns="45720" rIns="91440" bIns="45720" numCol="1" spcCol="0" rtlCol="0" fromWordArt="0" anchor="ctr" anchorCtr="0" forceAA="0" compatLnSpc="1">
+            <a:prstTxWarp prst="textNoShape">
+              <a:avLst/>
+            </a:prstTxWarp>
+            <a:noAutofit/>
+          </a:bodyPr>
+          <a:lstStyle/>
+          <a:p>
+            <a:pPr algn="ctr"/>
+            <a:endParaRPr kumimoji="1" lang="zh-CN" altLang="en-US">
+              <a:solidFill>
+                <a:schemeClr val="dk1"/>
+              </a:solidFill>
+            </a:endParaRPr>
+          </a:p>
+        </p:txBody>
+      </p:sp>
+      <p:sp>
+        <p:nvSpPr>
+          <p:cNvPr id="5" name="圆角矩形 4">
+            <a:extLst>
+              <a:ext uri="{FF2B5EF4-FFF2-40B4-BE49-F238E27FC236}">
+                <a16:creationId xmlns:a16="http://schemas.microsoft.com/office/drawing/2014/main" id="{2A7595E0-6824-3049-86EE-65C2DDBDF614}"/>
+              </a:ext>
+            </a:extLst>
+          </p:cNvPr>
+          <p:cNvSpPr/>
+          <p:nvPr/>
+        </p:nvSpPr>
+        <p:spPr>
+          <a:xfrm>
+            <a:off x="1611086" y="3592284"/>
+            <a:ext cx="2264228" cy="914400"/>
+          </a:xfrm>
+          <a:prstGeom prst="roundRect">
+            <a:avLst/>
+          </a:prstGeom>
+        </p:spPr>
+        <p:style>
+          <a:lnRef idx="1">
+            <a:schemeClr val="accent2"/>
+          </a:lnRef>
+          <a:fillRef idx="2">
+            <a:schemeClr val="accent2"/>
+          </a:fillRef>
+          <a:effectRef idx="1">
+            <a:schemeClr val="accent2"/>
+          </a:effectRef>
+          <a:fontRef idx="minor">
+            <a:schemeClr val="dk1"/>
+          </a:fontRef>
+        </p:style>
+        <p:txBody>
+          <a:bodyPr rot="0" spcFirstLastPara="0" vertOverflow="overflow" horzOverflow="overflow" vert="horz" wrap="square" lIns="91440" tIns="45720" rIns="91440" bIns="45720" numCol="1" spcCol="0" rtlCol="0" fromWordArt="0" anchor="ctr" anchorCtr="0" forceAA="0" compatLnSpc="1">
+            <a:prstTxWarp prst="textNoShape">
+              <a:avLst/>
+            </a:prstTxWarp>
+            <a:noAutofit/>
+          </a:bodyPr>
+          <a:lstStyle/>
+          <a:p>
+            <a:pPr algn="ctr"/>
+            <a:r>
+              <a:rPr kumimoji="1" lang="en-US" altLang="zh-CN" dirty="0">
+                <a:solidFill>
+                  <a:schemeClr val="dk1"/>
+                </a:solidFill>
+              </a:rPr>
+              <a:t>                     ……</a:t>
+            </a:r>
+            <a:endParaRPr kumimoji="1" lang="zh-CN" altLang="en-US" dirty="0">
+              <a:solidFill>
+                <a:schemeClr val="dk1"/>
+              </a:solidFill>
+            </a:endParaRPr>
+          </a:p>
+        </p:txBody>
+      </p:sp>
+      <p:sp>
+        <p:nvSpPr>
+          <p:cNvPr id="6" name="剪去单圆角的矩形 5">
+            <a:extLst>
+              <a:ext uri="{FF2B5EF4-FFF2-40B4-BE49-F238E27FC236}">
+                <a16:creationId xmlns:a16="http://schemas.microsoft.com/office/drawing/2014/main" id="{6F684EF7-0FB7-6A4D-A2CA-447282BB6818}"/>
+              </a:ext>
+            </a:extLst>
+          </p:cNvPr>
+          <p:cNvSpPr/>
+          <p:nvPr/>
+        </p:nvSpPr>
+        <p:spPr>
+          <a:xfrm>
+            <a:off x="1698172" y="3592286"/>
+            <a:ext cx="1121231" cy="914400"/>
+          </a:xfrm>
+          <a:prstGeom prst="snipRoundRect">
+            <a:avLst/>
+          </a:prstGeom>
+        </p:spPr>
+        <p:style>
+          <a:lnRef idx="2">
+            <a:schemeClr val="accent2">
+              <a:shade val="50000"/>
+            </a:schemeClr>
+          </a:lnRef>
+          <a:fillRef idx="1">
+            <a:schemeClr val="accent2"/>
+          </a:fillRef>
+          <a:effectRef idx="0">
+            <a:schemeClr val="accent2"/>
+          </a:effectRef>
+          <a:fontRef idx="minor">
+            <a:schemeClr val="lt1"/>
+          </a:fontRef>
+        </p:style>
+        <p:txBody>
+          <a:bodyPr rtlCol="0" anchor="ctr"/>
+          <a:lstStyle/>
+          <a:p>
+            <a:pPr algn="ctr"/>
+            <a:r>
+              <a:rPr kumimoji="1" lang="zh-CN" altLang="en-US"/>
+              <a:t>线程栈</a:t>
+            </a:r>
+            <a:r>
+              <a:rPr kumimoji="1" lang="en-US" altLang="zh-CN" dirty="0"/>
+              <a:t>1</a:t>
+            </a:r>
+            <a:endParaRPr kumimoji="1" lang="zh-CN" altLang="en-US"/>
+          </a:p>
+        </p:txBody>
+      </p:sp>
+      <p:sp>
+        <p:nvSpPr>
+          <p:cNvPr id="9" name="剪去单圆角的矩形 8">
+            <a:extLst>
+              <a:ext uri="{FF2B5EF4-FFF2-40B4-BE49-F238E27FC236}">
+                <a16:creationId xmlns:a16="http://schemas.microsoft.com/office/drawing/2014/main" id="{506CE565-C407-654F-93EB-3BDFF27C4827}"/>
+              </a:ext>
+            </a:extLst>
+          </p:cNvPr>
+          <p:cNvSpPr/>
+          <p:nvPr/>
+        </p:nvSpPr>
+        <p:spPr>
+          <a:xfrm>
+            <a:off x="1023257" y="4942110"/>
+            <a:ext cx="2852057" cy="914400"/>
+          </a:xfrm>
+          <a:prstGeom prst="snipRoundRect">
+            <a:avLst/>
+          </a:prstGeom>
+        </p:spPr>
+        <p:style>
+          <a:lnRef idx="2">
+            <a:schemeClr val="accent2">
+              <a:shade val="50000"/>
+            </a:schemeClr>
+          </a:lnRef>
+          <a:fillRef idx="1">
+            <a:schemeClr val="accent2"/>
+          </a:fillRef>
+          <a:effectRef idx="0">
+            <a:schemeClr val="accent2"/>
+          </a:effectRef>
+          <a:fontRef idx="minor">
+            <a:schemeClr val="lt1"/>
+          </a:fontRef>
+        </p:style>
+        <p:txBody>
+          <a:bodyPr rtlCol="0" anchor="ctr"/>
+          <a:lstStyle/>
+          <a:p>
+            <a:pPr algn="ctr"/>
+            <a:endParaRPr kumimoji="1" lang="zh-CN" altLang="en-US"/>
+          </a:p>
+        </p:txBody>
+      </p:sp>
+      <p:sp>
+        <p:nvSpPr>
+          <p:cNvPr id="10" name="下箭头 9">
+            <a:extLst>
+              <a:ext uri="{FF2B5EF4-FFF2-40B4-BE49-F238E27FC236}">
+                <a16:creationId xmlns:a16="http://schemas.microsoft.com/office/drawing/2014/main" id="{93B224EB-496A-4B41-B142-55FD6C4224F8}"/>
+              </a:ext>
+            </a:extLst>
+          </p:cNvPr>
+          <p:cNvSpPr/>
+          <p:nvPr/>
+        </p:nvSpPr>
+        <p:spPr>
+          <a:xfrm>
+            <a:off x="2177150" y="4506682"/>
+            <a:ext cx="353787" cy="446313"/>
+          </a:xfrm>
+          <a:prstGeom prst="downArrow">
+            <a:avLst/>
+          </a:prstGeom>
+        </p:spPr>
+        <p:style>
+          <a:lnRef idx="2">
+            <a:schemeClr val="accent2">
+              <a:shade val="50000"/>
+            </a:schemeClr>
+          </a:lnRef>
+          <a:fillRef idx="1">
+            <a:schemeClr val="accent2"/>
+          </a:fillRef>
+          <a:effectRef idx="0">
+            <a:schemeClr val="accent2"/>
+          </a:effectRef>
+          <a:fontRef idx="minor">
+            <a:schemeClr val="lt1"/>
+          </a:fontRef>
+        </p:style>
+        <p:txBody>
+          <a:bodyPr rot="0" spcFirstLastPara="0" vertOverflow="overflow" horzOverflow="overflow" vert="horz" wrap="square" lIns="91440" tIns="45720" rIns="91440" bIns="45720" numCol="1" spcCol="0" rtlCol="0" fromWordArt="0" anchor="ctr" anchorCtr="0" forceAA="0" compatLnSpc="1">
+            <a:prstTxWarp prst="textNoShape">
+              <a:avLst/>
+            </a:prstTxWarp>
+            <a:noAutofit/>
+          </a:bodyPr>
+          <a:lstStyle/>
+          <a:p>
+            <a:pPr algn="ctr"/>
+            <a:endParaRPr kumimoji="1" lang="zh-CN" altLang="en-US">
+              <a:solidFill>
+                <a:schemeClr val="lt1"/>
+              </a:solidFill>
+            </a:endParaRPr>
+          </a:p>
+        </p:txBody>
+      </p:sp>
+      <p:sp>
+        <p:nvSpPr>
+          <p:cNvPr id="11" name="剪去单圆角的矩形 10">
+            <a:extLst>
+              <a:ext uri="{FF2B5EF4-FFF2-40B4-BE49-F238E27FC236}">
+                <a16:creationId xmlns:a16="http://schemas.microsoft.com/office/drawing/2014/main" id="{91705BF6-7757-9348-846D-0670B06CCD7A}"/>
+              </a:ext>
+            </a:extLst>
+          </p:cNvPr>
+          <p:cNvSpPr/>
+          <p:nvPr/>
+        </p:nvSpPr>
+        <p:spPr>
+          <a:xfrm>
+            <a:off x="1023256" y="4942109"/>
+            <a:ext cx="1349832" cy="914400"/>
+          </a:xfrm>
+          <a:prstGeom prst="snipRoundRect">
+            <a:avLst/>
+          </a:prstGeom>
+        </p:spPr>
+        <p:style>
+          <a:lnRef idx="1">
+            <a:schemeClr val="accent3"/>
+          </a:lnRef>
+          <a:fillRef idx="2">
+            <a:schemeClr val="accent3"/>
+          </a:fillRef>
+          <a:effectRef idx="1">
+            <a:schemeClr val="accent3"/>
+          </a:effectRef>
+          <a:fontRef idx="minor">
+            <a:schemeClr val="dk1"/>
+          </a:fontRef>
+        </p:style>
+        <p:txBody>
+          <a:bodyPr rtlCol="0" anchor="ctr"/>
+          <a:lstStyle/>
+          <a:p>
+            <a:pPr algn="ctr"/>
+            <a:r>
+              <a:rPr kumimoji="1" lang="en-US" altLang="zh-CN" dirty="0"/>
+              <a:t>Frame/</a:t>
+            </a:r>
+            <a:r>
+              <a:rPr kumimoji="1" lang="zh-CN" altLang="en-US" dirty="0"/>
+              <a:t>帧</a:t>
+            </a:r>
+            <a:endParaRPr kumimoji="1" lang="en-US" altLang="zh-CN" dirty="0"/>
+          </a:p>
+          <a:p>
+            <a:pPr algn="ctr"/>
+            <a:r>
+              <a:rPr kumimoji="1" lang="en-US" altLang="zh-CN" dirty="0"/>
+              <a:t>(</a:t>
+            </a:r>
+            <a:r>
+              <a:rPr kumimoji="1" lang="zh-CN" altLang="en-US" dirty="0"/>
+              <a:t>方法</a:t>
+            </a:r>
+            <a:r>
+              <a:rPr kumimoji="1" lang="en-US" altLang="zh-CN" dirty="0"/>
+              <a:t>A)</a:t>
+            </a:r>
+          </a:p>
+        </p:txBody>
+      </p:sp>
+      <p:sp>
+        <p:nvSpPr>
+          <p:cNvPr id="12" name="剪去单圆角的矩形 11">
+            <a:extLst>
+              <a:ext uri="{FF2B5EF4-FFF2-40B4-BE49-F238E27FC236}">
+                <a16:creationId xmlns:a16="http://schemas.microsoft.com/office/drawing/2014/main" id="{79DD7D7C-C8A2-8A47-9816-6FAA2E3029AC}"/>
+              </a:ext>
+            </a:extLst>
+          </p:cNvPr>
+          <p:cNvSpPr/>
+          <p:nvPr/>
+        </p:nvSpPr>
+        <p:spPr>
+          <a:xfrm>
+            <a:off x="2264231" y="4942111"/>
+            <a:ext cx="1349832" cy="914400"/>
+          </a:xfrm>
+          <a:prstGeom prst="snipRoundRect">
+            <a:avLst/>
+          </a:prstGeom>
+        </p:spPr>
+        <p:style>
+          <a:lnRef idx="1">
+            <a:schemeClr val="accent3"/>
+          </a:lnRef>
+          <a:fillRef idx="2">
+            <a:schemeClr val="accent3"/>
+          </a:fillRef>
+          <a:effectRef idx="1">
+            <a:schemeClr val="accent3"/>
+          </a:effectRef>
+          <a:fontRef idx="minor">
+            <a:schemeClr val="dk1"/>
+          </a:fontRef>
+        </p:style>
+        <p:txBody>
+          <a:bodyPr rtlCol="0" anchor="ctr"/>
+          <a:lstStyle/>
+          <a:p>
+            <a:pPr algn="ctr"/>
+            <a:r>
+              <a:rPr kumimoji="1" lang="en-US" altLang="zh-CN" dirty="0"/>
+              <a:t>Frame/</a:t>
+            </a:r>
+            <a:r>
+              <a:rPr kumimoji="1" lang="zh-CN" altLang="en-US" dirty="0"/>
+              <a:t>帧</a:t>
+            </a:r>
+            <a:endParaRPr kumimoji="1" lang="en-US" altLang="zh-CN" dirty="0"/>
+          </a:p>
+          <a:p>
+            <a:pPr algn="ctr"/>
+            <a:r>
+              <a:rPr kumimoji="1" lang="en-US" altLang="zh-CN" dirty="0"/>
+              <a:t>(</a:t>
+            </a:r>
+            <a:r>
+              <a:rPr kumimoji="1" lang="zh-CN" altLang="en-US" dirty="0"/>
+              <a:t>方法</a:t>
+            </a:r>
+            <a:r>
+              <a:rPr kumimoji="1" lang="en-US" altLang="zh-CN" dirty="0"/>
+              <a:t>B)</a:t>
+            </a:r>
+          </a:p>
+        </p:txBody>
+      </p:sp>
+      <p:sp>
+        <p:nvSpPr>
+          <p:cNvPr id="18" name="剪去单圆角的矩形 17">
+            <a:extLst>
+              <a:ext uri="{FF2B5EF4-FFF2-40B4-BE49-F238E27FC236}">
+                <a16:creationId xmlns:a16="http://schemas.microsoft.com/office/drawing/2014/main" id="{529176E9-8418-FD43-AAA1-BADD122C531F}"/>
+              </a:ext>
+            </a:extLst>
+          </p:cNvPr>
+          <p:cNvSpPr/>
+          <p:nvPr/>
+        </p:nvSpPr>
+        <p:spPr>
+          <a:xfrm>
+            <a:off x="2438397" y="4942104"/>
+            <a:ext cx="1349832" cy="903514"/>
+          </a:xfrm>
+          <a:prstGeom prst="snipRoundRect">
+            <a:avLst/>
+          </a:prstGeom>
+        </p:spPr>
+        <p:style>
+          <a:lnRef idx="1">
+            <a:schemeClr val="accent3"/>
+          </a:lnRef>
+          <a:fillRef idx="2">
+            <a:schemeClr val="accent3"/>
+          </a:fillRef>
+          <a:effectRef idx="1">
+            <a:schemeClr val="accent3"/>
+          </a:effectRef>
+          <a:fontRef idx="minor">
+            <a:schemeClr val="dk1"/>
+          </a:fontRef>
+        </p:style>
+        <p:txBody>
+          <a:bodyPr rtlCol="0" anchor="ctr"/>
+          <a:lstStyle/>
+          <a:p>
+            <a:pPr algn="ctr"/>
+            <a:r>
+              <a:rPr kumimoji="1" lang="en-US" altLang="zh-CN" dirty="0"/>
+              <a:t>Frame…</a:t>
+            </a:r>
+          </a:p>
+        </p:txBody>
+      </p:sp>
+      <p:sp>
+        <p:nvSpPr>
+          <p:cNvPr id="19" name="剪去单圆角的矩形 18">
+            <a:extLst>
+              <a:ext uri="{FF2B5EF4-FFF2-40B4-BE49-F238E27FC236}">
+                <a16:creationId xmlns:a16="http://schemas.microsoft.com/office/drawing/2014/main" id="{65632361-18D4-9544-B6B9-49E93969FE2D}"/>
+              </a:ext>
+            </a:extLst>
+          </p:cNvPr>
+          <p:cNvSpPr/>
+          <p:nvPr/>
+        </p:nvSpPr>
+        <p:spPr>
+          <a:xfrm>
+            <a:off x="2797632" y="1719942"/>
+            <a:ext cx="1284512" cy="1034143"/>
+          </a:xfrm>
+          <a:prstGeom prst="snipRoundRect">
+            <a:avLst/>
+          </a:prstGeom>
+        </p:spPr>
+        <p:style>
+          <a:lnRef idx="1">
+            <a:schemeClr val="accent3"/>
+          </a:lnRef>
+          <a:fillRef idx="2">
+            <a:schemeClr val="accent3"/>
+          </a:fillRef>
+          <a:effectRef idx="1">
+            <a:schemeClr val="accent3"/>
+          </a:effectRef>
+          <a:fontRef idx="minor">
+            <a:schemeClr val="dk1"/>
+          </a:fontRef>
+        </p:style>
+        <p:txBody>
+          <a:bodyPr rtlCol="0" anchor="ctr"/>
+          <a:lstStyle/>
+          <a:p>
+            <a:pPr algn="ctr"/>
+            <a:endParaRPr kumimoji="1" lang="en-US" altLang="zh-CN" dirty="0"/>
+          </a:p>
+        </p:txBody>
+      </p:sp>
+      <p:sp>
+        <p:nvSpPr>
+          <p:cNvPr id="21" name="同侧圆角矩形 20">
+            <a:extLst>
+              <a:ext uri="{FF2B5EF4-FFF2-40B4-BE49-F238E27FC236}">
+                <a16:creationId xmlns:a16="http://schemas.microsoft.com/office/drawing/2014/main" id="{E24C4A3C-00E4-1A4B-B45F-32250D34EA44}"/>
+              </a:ext>
+            </a:extLst>
+          </p:cNvPr>
+          <p:cNvSpPr/>
+          <p:nvPr/>
+        </p:nvSpPr>
+        <p:spPr>
+          <a:xfrm>
+            <a:off x="2830287" y="2087596"/>
+            <a:ext cx="1132112" cy="298834"/>
+          </a:xfrm>
+          <a:prstGeom prst="round2SameRect">
+            <a:avLst/>
+          </a:prstGeom>
+          <a:ln/>
+        </p:spPr>
+        <p:style>
+          <a:lnRef idx="3">
+            <a:schemeClr val="lt1"/>
+          </a:lnRef>
+          <a:fillRef idx="1">
+            <a:schemeClr val="accent6"/>
+          </a:fillRef>
+          <a:effectRef idx="1">
+            <a:schemeClr val="accent6"/>
+          </a:effectRef>
+          <a:fontRef idx="minor">
+            <a:schemeClr val="lt1"/>
+          </a:fontRef>
+        </p:style>
+        <p:txBody>
+          <a:bodyPr rtlCol="0" anchor="ctr"/>
+          <a:lstStyle/>
+          <a:p>
+            <a:pPr algn="ctr"/>
+            <a:r>
+              <a:rPr kumimoji="1" lang="zh-CN" altLang="en-US" sz="1400" dirty="0"/>
+              <a:t>局部变量表</a:t>
+            </a:r>
+          </a:p>
+        </p:txBody>
+      </p:sp>
+      <p:sp>
+        <p:nvSpPr>
+          <p:cNvPr id="22" name="同侧圆角矩形 21">
+            <a:extLst>
+              <a:ext uri="{FF2B5EF4-FFF2-40B4-BE49-F238E27FC236}">
+                <a16:creationId xmlns:a16="http://schemas.microsoft.com/office/drawing/2014/main" id="{27B551DD-3347-714D-802C-2434936B4E25}"/>
+              </a:ext>
+            </a:extLst>
+          </p:cNvPr>
+          <p:cNvSpPr/>
+          <p:nvPr/>
+        </p:nvSpPr>
+        <p:spPr>
+          <a:xfrm>
+            <a:off x="2841169" y="2416618"/>
+            <a:ext cx="1121229" cy="298834"/>
+          </a:xfrm>
+          <a:prstGeom prst="round2SameRect">
+            <a:avLst/>
+          </a:prstGeom>
+        </p:spPr>
+        <p:style>
+          <a:lnRef idx="0">
+            <a:schemeClr val="accent6"/>
+          </a:lnRef>
+          <a:fillRef idx="3">
+            <a:schemeClr val="accent6"/>
+          </a:fillRef>
+          <a:effectRef idx="3">
+            <a:schemeClr val="accent6"/>
+          </a:effectRef>
+          <a:fontRef idx="minor">
+            <a:schemeClr val="lt1"/>
+          </a:fontRef>
+        </p:style>
+        <p:txBody>
+          <a:bodyPr rtlCol="0" anchor="ctr"/>
+          <a:lstStyle/>
+          <a:p>
+            <a:pPr algn="ctr"/>
+            <a:r>
+              <a:rPr kumimoji="1" lang="zh-CN" altLang="en-US" sz="1400" dirty="0"/>
+              <a:t>操作数栈</a:t>
+            </a:r>
+          </a:p>
+        </p:txBody>
+      </p:sp>
+      <p:sp>
+        <p:nvSpPr>
+          <p:cNvPr id="23" name="同侧圆角矩形 22">
+            <a:extLst>
+              <a:ext uri="{FF2B5EF4-FFF2-40B4-BE49-F238E27FC236}">
+                <a16:creationId xmlns:a16="http://schemas.microsoft.com/office/drawing/2014/main" id="{DBEEE463-79BC-AF43-8726-0A4A47811A97}"/>
+              </a:ext>
+            </a:extLst>
+          </p:cNvPr>
+          <p:cNvSpPr/>
+          <p:nvPr/>
+        </p:nvSpPr>
+        <p:spPr>
+          <a:xfrm>
+            <a:off x="2841170" y="1788752"/>
+            <a:ext cx="1121229" cy="277062"/>
+          </a:xfrm>
+          <a:prstGeom prst="round2SameRect">
+            <a:avLst/>
+          </a:prstGeom>
+        </p:spPr>
+        <p:style>
+          <a:lnRef idx="1">
+            <a:schemeClr val="accent3"/>
+          </a:lnRef>
+          <a:fillRef idx="3">
+            <a:schemeClr val="accent3"/>
+          </a:fillRef>
+          <a:effectRef idx="2">
+            <a:schemeClr val="accent3"/>
+          </a:effectRef>
+          <a:fontRef idx="minor">
+            <a:schemeClr val="lt1"/>
+          </a:fontRef>
+        </p:style>
+        <p:txBody>
+          <a:bodyPr rtlCol="0" anchor="ctr"/>
+          <a:lstStyle/>
+          <a:p>
+            <a:pPr algn="ctr"/>
+            <a:r>
+              <a:rPr kumimoji="1" lang="zh-CN" altLang="en-US" sz="1400" dirty="0"/>
+              <a:t>常量池指针</a:t>
+            </a:r>
+          </a:p>
+        </p:txBody>
+      </p:sp>
+      <p:sp>
+        <p:nvSpPr>
+          <p:cNvPr id="24" name="下箭头 23">
+            <a:extLst>
+              <a:ext uri="{FF2B5EF4-FFF2-40B4-BE49-F238E27FC236}">
+                <a16:creationId xmlns:a16="http://schemas.microsoft.com/office/drawing/2014/main" id="{AC6FBA46-D73D-8F46-B6B4-CCF378AC1DD5}"/>
+              </a:ext>
+            </a:extLst>
+          </p:cNvPr>
+          <p:cNvSpPr/>
+          <p:nvPr/>
+        </p:nvSpPr>
+        <p:spPr>
+          <a:xfrm>
+            <a:off x="3236014" y="1426036"/>
+            <a:ext cx="378049" cy="293903"/>
+          </a:xfrm>
+          <a:prstGeom prst="downArrow">
+            <a:avLst/>
+          </a:prstGeom>
+        </p:spPr>
+        <p:style>
+          <a:lnRef idx="1">
+            <a:schemeClr val="accent3"/>
+          </a:lnRef>
+          <a:fillRef idx="2">
+            <a:schemeClr val="accent3"/>
+          </a:fillRef>
+          <a:effectRef idx="1">
+            <a:schemeClr val="accent3"/>
+          </a:effectRef>
+          <a:fontRef idx="minor">
+            <a:schemeClr val="dk1"/>
+          </a:fontRef>
+        </p:style>
+        <p:txBody>
+          <a:bodyPr rtlCol="0" anchor="ctr"/>
+          <a:lstStyle/>
+          <a:p>
+            <a:pPr algn="ctr"/>
+            <a:endParaRPr kumimoji="1" lang="zh-CN" altLang="en-US" sz="1400"/>
+          </a:p>
+        </p:txBody>
+      </p:sp>
+      <p:sp>
+        <p:nvSpPr>
+          <p:cNvPr id="2" name="矩形 1">
+            <a:extLst>
+              <a:ext uri="{FF2B5EF4-FFF2-40B4-BE49-F238E27FC236}">
+                <a16:creationId xmlns:a16="http://schemas.microsoft.com/office/drawing/2014/main" id="{EC5AB543-4DEF-E34E-913F-D5EE6A6F70A9}"/>
+              </a:ext>
+            </a:extLst>
+          </p:cNvPr>
+          <p:cNvSpPr/>
+          <p:nvPr/>
+        </p:nvSpPr>
+        <p:spPr>
+          <a:xfrm>
+            <a:off x="7217228" y="2982686"/>
+            <a:ext cx="1643743" cy="914400"/>
+          </a:xfrm>
+          <a:prstGeom prst="rect">
+            <a:avLst/>
+          </a:prstGeom>
+        </p:spPr>
+        <p:style>
+          <a:lnRef idx="3">
+            <a:schemeClr val="lt1"/>
+          </a:lnRef>
+          <a:fillRef idx="1">
+            <a:schemeClr val="accent4"/>
+          </a:fillRef>
+          <a:effectRef idx="1">
+            <a:schemeClr val="accent4"/>
+          </a:effectRef>
+          <a:fontRef idx="minor">
+            <a:schemeClr val="lt1"/>
+          </a:fontRef>
+        </p:style>
+        <p:txBody>
+          <a:bodyPr rtlCol="0" anchor="ctr"/>
+          <a:lstStyle/>
+          <a:p>
+            <a:pPr algn="ctr"/>
+            <a:r>
+              <a:rPr kumimoji="1" lang="zh-CN" altLang="en-US" sz="1600" dirty="0"/>
+              <a:t>堆外内存</a:t>
+            </a:r>
+            <a:endParaRPr kumimoji="1" lang="en-US" altLang="zh-CN" sz="1600" dirty="0"/>
+          </a:p>
+          <a:p>
+            <a:pPr algn="ctr"/>
+            <a:r>
+              <a:rPr kumimoji="1" lang="en-US" altLang="zh-CN" sz="1600" dirty="0"/>
+              <a:t>Direct Buffer</a:t>
+            </a:r>
+          </a:p>
+          <a:p>
+            <a:pPr algn="ctr"/>
+            <a:r>
+              <a:rPr kumimoji="1" lang="en-US" altLang="zh-CN" sz="1600" dirty="0"/>
+              <a:t>Map   Buffer</a:t>
+            </a:r>
+            <a:endParaRPr kumimoji="1" lang="zh-CN" altLang="en-US" sz="1600" dirty="0"/>
           </a:p>
         </p:txBody>
       </p:sp>
